--- a/Demo PPT/IMS PPT.pptx
+++ b/Demo PPT/IMS PPT.pptx
@@ -140,7 +140,9 @@
 <file path=ppt/revisionInfo.xml><?xml version="1.0" encoding="utf-8"?>
 <p1510:revInfo xmlns:a="http://schemas.openxmlformats.org/drawingml/2006/main" xmlns:r="http://schemas.openxmlformats.org/officeDocument/2006/relationships" xmlns:p1510="http://schemas.microsoft.com/office/powerpoint/2015/10/main">
   <p1510:revLst>
-    <p1510:client id="{792E23F7-2E20-4A34-834A-D8967D70577F}" v="27" dt="2022-07-20T09:36:03.965"/>
+    <p1510:client id="{3F164403-B819-497D-A944-A88D1DEDBB33}" v="16" dt="2022-07-20T08:54:32.939"/>
+    <p1510:client id="{51F2A5C4-D9D0-45D9-9B9F-082F75803540}" v="800" dt="2022-07-24T17:24:25.632"/>
+    <p1510:client id="{7398DCC4-B47B-4B3E-B2A9-AA43EB7B73EF}" v="50" dt="2022-07-24T17:31:33.404"/>
   </p1510:revLst>
 </p1510:revInfo>
 </file>
@@ -148,144 +150,200 @@
 <file path=ppt/changesInfos/changesInfo1.xml><?xml version="1.0" encoding="utf-8"?>
 <pc:chgInfo xmlns:a="http://schemas.openxmlformats.org/drawingml/2006/main" xmlns:r="http://schemas.openxmlformats.org/officeDocument/2006/relationships" xmlns:ac="http://schemas.microsoft.com/office/drawing/2013/main/command" xmlns:pc="http://schemas.microsoft.com/office/powerpoint/2013/main/command">
   <pc:docChgLst>
-    <pc:chgData name="Deepika Senthil" userId="S::deepika.senthil@aspiresys.com::1efd880b-cf57-45be-8f90-651560fde125" providerId="AD" clId="Web-{792E23F7-2E20-4A34-834A-D8967D70577F}"/>
-    <pc:docChg chg="modSld">
-      <pc:chgData name="Deepika Senthil" userId="S::deepika.senthil@aspiresys.com::1efd880b-cf57-45be-8f90-651560fde125" providerId="AD" clId="Web-{792E23F7-2E20-4A34-834A-D8967D70577F}" dt="2022-07-20T09:36:01.887" v="8" actId="20577"/>
+    <pc:chgData name="Sheik Heera" userId="S::sheik.heera@aspiresys.com::040ab64c-7d96-4b19-a13c-60df0c05cf39" providerId="AD" clId="Web-{51F2A5C4-D9D0-45D9-9B9F-082F75803540}"/>
+    <pc:docChg chg="delSld modSld">
+      <pc:chgData name="Sheik Heera" userId="S::sheik.heera@aspiresys.com::040ab64c-7d96-4b19-a13c-60df0c05cf39" providerId="AD" clId="Web-{51F2A5C4-D9D0-45D9-9B9F-082F75803540}" dt="2022-07-24T17:24:25.226" v="390" actId="20577"/>
       <pc:docMkLst>
         <pc:docMk/>
       </pc:docMkLst>
       <pc:sldChg chg="modSp">
-        <pc:chgData name="Deepika Senthil" userId="S::deepika.senthil@aspiresys.com::1efd880b-cf57-45be-8f90-651560fde125" providerId="AD" clId="Web-{792E23F7-2E20-4A34-834A-D8967D70577F}" dt="2022-07-20T09:34:22.571" v="0" actId="20577"/>
+        <pc:chgData name="Sheik Heera" userId="S::sheik.heera@aspiresys.com::040ab64c-7d96-4b19-a13c-60df0c05cf39" providerId="AD" clId="Web-{51F2A5C4-D9D0-45D9-9B9F-082F75803540}" dt="2022-07-24T17:24:25.226" v="390" actId="20577"/>
+        <pc:sldMkLst>
+          <pc:docMk/>
+          <pc:sldMk cId="2300890206" sldId="289"/>
+        </pc:sldMkLst>
+        <pc:spChg chg="mod">
+          <ac:chgData name="Sheik Heera" userId="S::sheik.heera@aspiresys.com::040ab64c-7d96-4b19-a13c-60df0c05cf39" providerId="AD" clId="Web-{51F2A5C4-D9D0-45D9-9B9F-082F75803540}" dt="2022-07-24T17:24:25.226" v="390" actId="20577"/>
+          <ac:spMkLst>
+            <pc:docMk/>
+            <pc:sldMk cId="2300890206" sldId="289"/>
+            <ac:spMk id="4" creationId="{07435072-71BD-48AA-847F-0D68843D9C00}"/>
+          </ac:spMkLst>
+        </pc:spChg>
+      </pc:sldChg>
+      <pc:sldChg chg="del">
+        <pc:chgData name="Sheik Heera" userId="S::sheik.heera@aspiresys.com::040ab64c-7d96-4b19-a13c-60df0c05cf39" providerId="AD" clId="Web-{51F2A5C4-D9D0-45D9-9B9F-082F75803540}" dt="2022-07-24T16:57:30.036" v="0"/>
+        <pc:sldMkLst>
+          <pc:docMk/>
+          <pc:sldMk cId="1301964069" sldId="292"/>
+        </pc:sldMkLst>
+      </pc:sldChg>
+      <pc:sldChg chg="modSp">
+        <pc:chgData name="Sheik Heera" userId="S::sheik.heera@aspiresys.com::040ab64c-7d96-4b19-a13c-60df0c05cf39" providerId="AD" clId="Web-{51F2A5C4-D9D0-45D9-9B9F-082F75803540}" dt="2022-07-24T17:08:50.759" v="132" actId="20577"/>
+        <pc:sldMkLst>
+          <pc:docMk/>
+          <pc:sldMk cId="1559770544" sldId="293"/>
+        </pc:sldMkLst>
+        <pc:spChg chg="mod">
+          <ac:chgData name="Sheik Heera" userId="S::sheik.heera@aspiresys.com::040ab64c-7d96-4b19-a13c-60df0c05cf39" providerId="AD" clId="Web-{51F2A5C4-D9D0-45D9-9B9F-082F75803540}" dt="2022-07-24T17:08:50.759" v="132" actId="20577"/>
+          <ac:spMkLst>
+            <pc:docMk/>
+            <pc:sldMk cId="1559770544" sldId="293"/>
+            <ac:spMk id="4" creationId="{F4DF1F13-6070-41F7-BB25-FDEFCD453C4D}"/>
+          </ac:spMkLst>
+        </pc:spChg>
+      </pc:sldChg>
+    </pc:docChg>
+  </pc:docChgLst>
+  <pc:docChgLst>
+    <pc:chgData name="Sheik Heera" userId="S::sheik.heera@aspiresys.com::040ab64c-7d96-4b19-a13c-60df0c05cf39" providerId="AD" clId="Web-{7398DCC4-B47B-4B3E-B2A9-AA43EB7B73EF}"/>
+    <pc:docChg chg="modSld">
+      <pc:chgData name="Sheik Heera" userId="S::sheik.heera@aspiresys.com::040ab64c-7d96-4b19-a13c-60df0c05cf39" providerId="AD" clId="Web-{7398DCC4-B47B-4B3E-B2A9-AA43EB7B73EF}" dt="2022-07-24T17:31:33.404" v="22" actId="1076"/>
+      <pc:docMkLst>
+        <pc:docMk/>
+      </pc:docMkLst>
+      <pc:sldChg chg="modSp">
+        <pc:chgData name="Sheik Heera" userId="S::sheik.heera@aspiresys.com::040ab64c-7d96-4b19-a13c-60df0c05cf39" providerId="AD" clId="Web-{7398DCC4-B47B-4B3E-B2A9-AA43EB7B73EF}" dt="2022-07-24T17:28:35.074" v="8" actId="20577"/>
+        <pc:sldMkLst>
+          <pc:docMk/>
+          <pc:sldMk cId="3027967980" sldId="257"/>
+        </pc:sldMkLst>
+        <pc:spChg chg="mod">
+          <ac:chgData name="Sheik Heera" userId="S::sheik.heera@aspiresys.com::040ab64c-7d96-4b19-a13c-60df0c05cf39" providerId="AD" clId="Web-{7398DCC4-B47B-4B3E-B2A9-AA43EB7B73EF}" dt="2022-07-24T17:28:35.074" v="8" actId="20577"/>
+          <ac:spMkLst>
+            <pc:docMk/>
+            <pc:sldMk cId="3027967980" sldId="257"/>
+            <ac:spMk id="2" creationId="{00000000-0000-0000-0000-000000000000}"/>
+          </ac:spMkLst>
+        </pc:spChg>
+      </pc:sldChg>
+      <pc:sldChg chg="modSp">
+        <pc:chgData name="Sheik Heera" userId="S::sheik.heera@aspiresys.com::040ab64c-7d96-4b19-a13c-60df0c05cf39" providerId="AD" clId="Web-{7398DCC4-B47B-4B3E-B2A9-AA43EB7B73EF}" dt="2022-07-24T17:31:21.294" v="21" actId="20577"/>
         <pc:sldMkLst>
           <pc:docMk/>
           <pc:sldMk cId="1676885948" sldId="260"/>
         </pc:sldMkLst>
         <pc:spChg chg="mod">
-          <ac:chgData name="Deepika Senthil" userId="S::deepika.senthil@aspiresys.com::1efd880b-cf57-45be-8f90-651560fde125" providerId="AD" clId="Web-{792E23F7-2E20-4A34-834A-D8967D70577F}" dt="2022-07-20T09:34:22.571" v="0" actId="20577"/>
+          <ac:chgData name="Sheik Heera" userId="S::sheik.heera@aspiresys.com::040ab64c-7d96-4b19-a13c-60df0c05cf39" providerId="AD" clId="Web-{7398DCC4-B47B-4B3E-B2A9-AA43EB7B73EF}" dt="2022-07-24T17:31:21.294" v="21" actId="20577"/>
           <ac:spMkLst>
             <pc:docMk/>
             <pc:sldMk cId="1676885948" sldId="260"/>
             <ac:spMk id="2" creationId="{00000000-0000-0000-0000-000000000000}"/>
           </ac:spMkLst>
         </pc:spChg>
+        <pc:spChg chg="mod">
+          <ac:chgData name="Sheik Heera" userId="S::sheik.heera@aspiresys.com::040ab64c-7d96-4b19-a13c-60df0c05cf39" providerId="AD" clId="Web-{7398DCC4-B47B-4B3E-B2A9-AA43EB7B73EF}" dt="2022-07-24T17:31:12.341" v="20" actId="20577"/>
+          <ac:spMkLst>
+            <pc:docMk/>
+            <pc:sldMk cId="1676885948" sldId="260"/>
+            <ac:spMk id="3" creationId="{D5BCB374-BF92-853B-3816-A0DD825C16B1}"/>
+          </ac:spMkLst>
+        </pc:spChg>
       </pc:sldChg>
       <pc:sldChg chg="modSp">
-        <pc:chgData name="Deepika Senthil" userId="S::deepika.senthil@aspiresys.com::1efd880b-cf57-45be-8f90-651560fde125" providerId="AD" clId="Web-{792E23F7-2E20-4A34-834A-D8967D70577F}" dt="2022-07-20T09:35:20.292" v="1" actId="20577"/>
+        <pc:chgData name="Sheik Heera" userId="S::sheik.heera@aspiresys.com::040ab64c-7d96-4b19-a13c-60df0c05cf39" providerId="AD" clId="Web-{7398DCC4-B47B-4B3E-B2A9-AA43EB7B73EF}" dt="2022-07-24T17:31:33.404" v="22" actId="1076"/>
         <pc:sldMkLst>
           <pc:docMk/>
           <pc:sldMk cId="2300890206" sldId="289"/>
         </pc:sldMkLst>
         <pc:spChg chg="mod">
-          <ac:chgData name="Deepika Senthil" userId="S::deepika.senthil@aspiresys.com::1efd880b-cf57-45be-8f90-651560fde125" providerId="AD" clId="Web-{792E23F7-2E20-4A34-834A-D8967D70577F}" dt="2022-07-20T09:35:20.292" v="1" actId="20577"/>
+          <ac:chgData name="Sheik Heera" userId="S::sheik.heera@aspiresys.com::040ab64c-7d96-4b19-a13c-60df0c05cf39" providerId="AD" clId="Web-{7398DCC4-B47B-4B3E-B2A9-AA43EB7B73EF}" dt="2022-07-24T17:29:47.998" v="13" actId="20577"/>
           <ac:spMkLst>
             <pc:docMk/>
             <pc:sldMk cId="2300890206" sldId="289"/>
             <ac:spMk id="2" creationId="{B8439BEF-118C-4251-B05E-66EB09825A29}"/>
           </ac:spMkLst>
         </pc:spChg>
+        <pc:spChg chg="mod">
+          <ac:chgData name="Sheik Heera" userId="S::sheik.heera@aspiresys.com::040ab64c-7d96-4b19-a13c-60df0c05cf39" providerId="AD" clId="Web-{7398DCC4-B47B-4B3E-B2A9-AA43EB7B73EF}" dt="2022-07-24T17:31:33.404" v="22" actId="1076"/>
+          <ac:spMkLst>
+            <pc:docMk/>
+            <pc:sldMk cId="2300890206" sldId="289"/>
+            <ac:spMk id="4" creationId="{07435072-71BD-48AA-847F-0D68843D9C00}"/>
+          </ac:spMkLst>
+        </pc:spChg>
       </pc:sldChg>
       <pc:sldChg chg="modSp">
-        <pc:chgData name="Deepika Senthil" userId="S::deepika.senthil@aspiresys.com::1efd880b-cf57-45be-8f90-651560fde125" providerId="AD" clId="Web-{792E23F7-2E20-4A34-834A-D8967D70577F}" dt="2022-07-20T09:35:26.183" v="2" actId="20577"/>
+        <pc:chgData name="Sheik Heera" userId="S::sheik.heera@aspiresys.com::040ab64c-7d96-4b19-a13c-60df0c05cf39" providerId="AD" clId="Web-{7398DCC4-B47B-4B3E-B2A9-AA43EB7B73EF}" dt="2022-07-24T17:30:07.566" v="15" actId="20577"/>
         <pc:sldMkLst>
           <pc:docMk/>
           <pc:sldMk cId="2156562386" sldId="290"/>
         </pc:sldMkLst>
         <pc:spChg chg="mod">
-          <ac:chgData name="Deepika Senthil" userId="S::deepika.senthil@aspiresys.com::1efd880b-cf57-45be-8f90-651560fde125" providerId="AD" clId="Web-{792E23F7-2E20-4A34-834A-D8967D70577F}" dt="2022-07-20T09:35:26.183" v="2" actId="20577"/>
+          <ac:chgData name="Sheik Heera" userId="S::sheik.heera@aspiresys.com::040ab64c-7d96-4b19-a13c-60df0c05cf39" providerId="AD" clId="Web-{7398DCC4-B47B-4B3E-B2A9-AA43EB7B73EF}" dt="2022-07-24T17:30:07.566" v="15" actId="20577"/>
           <ac:spMkLst>
             <pc:docMk/>
             <pc:sldMk cId="2156562386" sldId="290"/>
-            <ac:spMk id="2" creationId="{5ACF8B4F-96E5-4420-BA39-5CAD3C7F43A3}"/>
+            <ac:spMk id="4" creationId="{7A804FDC-70E8-4ABD-90E0-05DD2950533A}"/>
           </ac:spMkLst>
         </pc:spChg>
       </pc:sldChg>
       <pc:sldChg chg="modSp">
-        <pc:chgData name="Deepika Senthil" userId="S::deepika.senthil@aspiresys.com::1efd880b-cf57-45be-8f90-651560fde125" providerId="AD" clId="Web-{792E23F7-2E20-4A34-834A-D8967D70577F}" dt="2022-07-20T09:35:33.417" v="3" actId="20577"/>
+        <pc:chgData name="Sheik Heera" userId="S::sheik.heera@aspiresys.com::040ab64c-7d96-4b19-a13c-60df0c05cf39" providerId="AD" clId="Web-{7398DCC4-B47B-4B3E-B2A9-AA43EB7B73EF}" dt="2022-07-24T17:30:24.121" v="17" actId="1076"/>
         <pc:sldMkLst>
           <pc:docMk/>
           <pc:sldMk cId="358173569" sldId="291"/>
         </pc:sldMkLst>
         <pc:spChg chg="mod">
-          <ac:chgData name="Deepika Senthil" userId="S::deepika.senthil@aspiresys.com::1efd880b-cf57-45be-8f90-651560fde125" providerId="AD" clId="Web-{792E23F7-2E20-4A34-834A-D8967D70577F}" dt="2022-07-20T09:35:33.417" v="3" actId="20577"/>
+          <ac:chgData name="Sheik Heera" userId="S::sheik.heera@aspiresys.com::040ab64c-7d96-4b19-a13c-60df0c05cf39" providerId="AD" clId="Web-{7398DCC4-B47B-4B3E-B2A9-AA43EB7B73EF}" dt="2022-07-24T17:30:24.121" v="17" actId="1076"/>
           <ac:spMkLst>
             <pc:docMk/>
             <pc:sldMk cId="358173569" sldId="291"/>
-            <ac:spMk id="2" creationId="{4FA5CAF7-3EA0-4F61-AECE-E9F0C5757820}"/>
+            <ac:spMk id="4" creationId="{3037F4CB-8B59-45A7-B989-06E1014CF673}"/>
           </ac:spMkLst>
         </pc:spChg>
       </pc:sldChg>
       <pc:sldChg chg="modSp">
-        <pc:chgData name="Deepika Senthil" userId="S::deepika.senthil@aspiresys.com::1efd880b-cf57-45be-8f90-651560fde125" providerId="AD" clId="Web-{792E23F7-2E20-4A34-834A-D8967D70577F}" dt="2022-07-20T09:35:39.449" v="4" actId="20577"/>
+        <pc:chgData name="Sheik Heera" userId="S::sheik.heera@aspiresys.com::040ab64c-7d96-4b19-a13c-60df0c05cf39" providerId="AD" clId="Web-{7398DCC4-B47B-4B3E-B2A9-AA43EB7B73EF}" dt="2022-07-24T17:30:32.418" v="18" actId="20577"/>
         <pc:sldMkLst>
           <pc:docMk/>
           <pc:sldMk cId="1559770544" sldId="293"/>
         </pc:sldMkLst>
         <pc:spChg chg="mod">
-          <ac:chgData name="Deepika Senthil" userId="S::deepika.senthil@aspiresys.com::1efd880b-cf57-45be-8f90-651560fde125" providerId="AD" clId="Web-{792E23F7-2E20-4A34-834A-D8967D70577F}" dt="2022-07-20T09:35:39.449" v="4" actId="20577"/>
+          <ac:chgData name="Sheik Heera" userId="S::sheik.heera@aspiresys.com::040ab64c-7d96-4b19-a13c-60df0c05cf39" providerId="AD" clId="Web-{7398DCC4-B47B-4B3E-B2A9-AA43EB7B73EF}" dt="2022-07-24T17:30:32.418" v="18" actId="20577"/>
           <ac:spMkLst>
             <pc:docMk/>
             <pc:sldMk cId="1559770544" sldId="293"/>
-            <ac:spMk id="2" creationId="{36EE37C8-7CEE-42FC-9D64-8A64BEB51AD5}"/>
+            <ac:spMk id="4" creationId="{F4DF1F13-6070-41F7-BB25-FDEFCD453C4D}"/>
           </ac:spMkLst>
         </pc:spChg>
       </pc:sldChg>
       <pc:sldChg chg="modSp">
-        <pc:chgData name="Deepika Senthil" userId="S::deepika.senthil@aspiresys.com::1efd880b-cf57-45be-8f90-651560fde125" providerId="AD" clId="Web-{792E23F7-2E20-4A34-834A-D8967D70577F}" dt="2022-07-20T09:35:45.464" v="5" actId="20577"/>
-        <pc:sldMkLst>
-          <pc:docMk/>
-          <pc:sldMk cId="1761526276" sldId="294"/>
-        </pc:sldMkLst>
-        <pc:spChg chg="mod">
-          <ac:chgData name="Deepika Senthil" userId="S::deepika.senthil@aspiresys.com::1efd880b-cf57-45be-8f90-651560fde125" providerId="AD" clId="Web-{792E23F7-2E20-4A34-834A-D8967D70577F}" dt="2022-07-20T09:35:45.464" v="5" actId="20577"/>
-          <ac:spMkLst>
-            <pc:docMk/>
-            <pc:sldMk cId="1761526276" sldId="294"/>
-            <ac:spMk id="2" creationId="{FB17D184-AA46-4501-9FEE-87D43C08F8C8}"/>
-          </ac:spMkLst>
-        </pc:spChg>
-      </pc:sldChg>
-      <pc:sldChg chg="modSp">
-        <pc:chgData name="Deepika Senthil" userId="S::deepika.senthil@aspiresys.com::1efd880b-cf57-45be-8f90-651560fde125" providerId="AD" clId="Web-{792E23F7-2E20-4A34-834A-D8967D70577F}" dt="2022-07-20T09:35:50.043" v="6" actId="20577"/>
+        <pc:chgData name="Sheik Heera" userId="S::sheik.heera@aspiresys.com::040ab64c-7d96-4b19-a13c-60df0c05cf39" providerId="AD" clId="Web-{7398DCC4-B47B-4B3E-B2A9-AA43EB7B73EF}" dt="2022-07-24T17:30:48.543" v="19" actId="20577"/>
         <pc:sldMkLst>
           <pc:docMk/>
           <pc:sldMk cId="705161612" sldId="295"/>
         </pc:sldMkLst>
         <pc:spChg chg="mod">
-          <ac:chgData name="Deepika Senthil" userId="S::deepika.senthil@aspiresys.com::1efd880b-cf57-45be-8f90-651560fde125" providerId="AD" clId="Web-{792E23F7-2E20-4A34-834A-D8967D70577F}" dt="2022-07-20T09:35:50.043" v="6" actId="20577"/>
+          <ac:chgData name="Sheik Heera" userId="S::sheik.heera@aspiresys.com::040ab64c-7d96-4b19-a13c-60df0c05cf39" providerId="AD" clId="Web-{7398DCC4-B47B-4B3E-B2A9-AA43EB7B73EF}" dt="2022-07-24T17:30:48.543" v="19" actId="20577"/>
           <ac:spMkLst>
             <pc:docMk/>
             <pc:sldMk cId="705161612" sldId="295"/>
-            <ac:spMk id="2" creationId="{D9B54E0E-A817-4083-B289-2CE3753D0DB9}"/>
+            <ac:spMk id="4" creationId="{702BDC33-ACB7-4199-934A-FA8140976D2C}"/>
           </ac:spMkLst>
         </pc:spChg>
       </pc:sldChg>
+    </pc:docChg>
+  </pc:docChgLst>
+  <pc:docChgLst>
+    <pc:chgData name="Sheik Heera" userId="S::sheik.heera@aspiresys.com::040ab64c-7d96-4b19-a13c-60df0c05cf39" providerId="AD" clId="Web-{3F164403-B819-497D-A944-A88D1DEDBB33}"/>
+    <pc:docChg chg="modSld">
+      <pc:chgData name="Sheik Heera" userId="S::sheik.heera@aspiresys.com::040ab64c-7d96-4b19-a13c-60df0c05cf39" providerId="AD" clId="Web-{3F164403-B819-497D-A944-A88D1DEDBB33}" dt="2022-07-20T08:54:32.486" v="6" actId="20577"/>
+      <pc:docMkLst>
+        <pc:docMk/>
+      </pc:docMkLst>
       <pc:sldChg chg="modSp">
-        <pc:chgData name="Deepika Senthil" userId="S::deepika.senthil@aspiresys.com::1efd880b-cf57-45be-8f90-651560fde125" providerId="AD" clId="Web-{792E23F7-2E20-4A34-834A-D8967D70577F}" dt="2022-07-20T09:35:55.683" v="7" actId="20577"/>
+        <pc:chgData name="Sheik Heera" userId="S::sheik.heera@aspiresys.com::040ab64c-7d96-4b19-a13c-60df0c05cf39" providerId="AD" clId="Web-{3F164403-B819-497D-A944-A88D1DEDBB33}" dt="2022-07-20T08:54:32.486" v="6" actId="20577"/>
         <pc:sldMkLst>
           <pc:docMk/>
-          <pc:sldMk cId="83609570" sldId="296"/>
+          <pc:sldMk cId="1676885948" sldId="260"/>
         </pc:sldMkLst>
         <pc:spChg chg="mod">
-          <ac:chgData name="Deepika Senthil" userId="S::deepika.senthil@aspiresys.com::1efd880b-cf57-45be-8f90-651560fde125" providerId="AD" clId="Web-{792E23F7-2E20-4A34-834A-D8967D70577F}" dt="2022-07-20T09:35:55.683" v="7" actId="20577"/>
+          <ac:chgData name="Sheik Heera" userId="S::sheik.heera@aspiresys.com::040ab64c-7d96-4b19-a13c-60df0c05cf39" providerId="AD" clId="Web-{3F164403-B819-497D-A944-A88D1DEDBB33}" dt="2022-07-20T08:54:32.486" v="6" actId="20577"/>
           <ac:spMkLst>
             <pc:docMk/>
-            <pc:sldMk cId="83609570" sldId="296"/>
-            <ac:spMk id="2" creationId="{B3686788-0B21-46C0-AD95-DC3EBF9DDF5B}"/>
-          </ac:spMkLst>
-        </pc:spChg>
-      </pc:sldChg>
-      <pc:sldChg chg="modSp">
-        <pc:chgData name="Deepika Senthil" userId="S::deepika.senthil@aspiresys.com::1efd880b-cf57-45be-8f90-651560fde125" providerId="AD" clId="Web-{792E23F7-2E20-4A34-834A-D8967D70577F}" dt="2022-07-20T09:36:01.887" v="8" actId="20577"/>
-        <pc:sldMkLst>
-          <pc:docMk/>
-          <pc:sldMk cId="1437407060" sldId="297"/>
-        </pc:sldMkLst>
-        <pc:spChg chg="mod">
-          <ac:chgData name="Deepika Senthil" userId="S::deepika.senthil@aspiresys.com::1efd880b-cf57-45be-8f90-651560fde125" providerId="AD" clId="Web-{792E23F7-2E20-4A34-834A-D8967D70577F}" dt="2022-07-20T09:36:01.887" v="8" actId="20577"/>
-          <ac:spMkLst>
-            <pc:docMk/>
-            <pc:sldMk cId="1437407060" sldId="297"/>
-            <ac:spMk id="2" creationId="{D41F2D00-0A9A-4E10-A8F8-898387625E36}"/>
+            <pc:sldMk cId="1676885948" sldId="260"/>
+            <ac:spMk id="3" creationId="{D5BCB374-BF92-853B-3816-A0DD825C16B1}"/>
           </ac:spMkLst>
         </pc:spChg>
       </pc:sldChg>
@@ -376,7 +434,7 @@
           <a:p>
             <a:fld id="{0968C692-5CE6-0540-AC01-6407800CC529}" type="datetimeFigureOut">
               <a:rPr lang="en-US" smtClean="0"/>
-              <a:t>7/20/2022</a:t>
+              <a:t>7/24/2022</a:t>
             </a:fld>
             <a:endParaRPr lang="en-US"/>
           </a:p>
@@ -687,7 +745,7 @@
           <a:bodyPr/>
           <a:lstStyle/>
           <a:p>
-            <a:endParaRPr lang="en-US" b="1"/>
+            <a:endParaRPr lang="en-US" b="1" dirty="0"/>
           </a:p>
         </p:txBody>
       </p:sp>
@@ -874,7 +932,7 @@
           <a:p>
             <a:fld id="{1D269190-6A13-034E-92A6-8400565D510F}" type="datetimeFigureOut">
               <a:rPr lang="en-US" smtClean="0"/>
-              <a:t>7/20/2022</a:t>
+              <a:t>7/24/2022</a:t>
             </a:fld>
             <a:endParaRPr lang="en-US"/>
           </a:p>
@@ -1072,7 +1130,7 @@
           <a:p>
             <a:fld id="{1D269190-6A13-034E-92A6-8400565D510F}" type="datetimeFigureOut">
               <a:rPr lang="en-US" smtClean="0"/>
-              <a:t>7/20/2022</a:t>
+              <a:t>7/24/2022</a:t>
             </a:fld>
             <a:endParaRPr lang="en-US"/>
           </a:p>
@@ -1280,7 +1338,7 @@
           <a:p>
             <a:fld id="{1D269190-6A13-034E-92A6-8400565D510F}" type="datetimeFigureOut">
               <a:rPr lang="en-US" smtClean="0"/>
-              <a:t>7/20/2022</a:t>
+              <a:t>7/24/2022</a:t>
             </a:fld>
             <a:endParaRPr lang="en-US"/>
           </a:p>
@@ -1491,25 +1549,25 @@
           <a:p>
             <a:pPr marL="0" lvl="0"/>
             <a:r>
-              <a:rPr lang="pl-PL"/>
+              <a:rPr lang="pl-PL" dirty="0"/>
               <a:t>Presentation t</a:t>
             </a:r>
             <a:r>
-              <a:rPr lang="en-US" err="1"/>
+              <a:rPr lang="en-US" dirty="0" err="1"/>
               <a:t>itle</a:t>
             </a:r>
             <a:r>
-              <a:rPr lang="en-US"/>
+              <a:rPr lang="en-US" dirty="0"/>
               <a:t> </a:t>
             </a:r>
             <a:br>
-              <a:rPr lang="en-US"/>
+              <a:rPr lang="en-US" dirty="0"/>
             </a:br>
             <a:r>
-              <a:rPr lang="en-US"/>
+              <a:rPr lang="en-US" dirty="0"/>
               <a:t>goes here</a:t>
             </a:r>
-            <a:endParaRPr lang="uk-UA"/>
+            <a:endParaRPr lang="uk-UA" dirty="0"/>
           </a:p>
         </p:txBody>
       </p:sp>
@@ -1584,26 +1642,26 @@
           <a:p>
             <a:pPr lvl="0"/>
             <a:r>
-              <a:rPr lang="pl-PL" err="1"/>
+              <a:rPr lang="pl-PL" dirty="0" err="1"/>
               <a:t>Date</a:t>
             </a:r>
             <a:r>
-              <a:rPr lang="pl-PL"/>
+              <a:rPr lang="pl-PL" dirty="0"/>
               <a:t> </a:t>
             </a:r>
             <a:r>
-              <a:rPr lang="pl-PL" err="1"/>
+              <a:rPr lang="pl-PL" dirty="0" err="1"/>
               <a:t>goes</a:t>
             </a:r>
             <a:r>
-              <a:rPr lang="pl-PL"/>
+              <a:rPr lang="pl-PL" dirty="0"/>
               <a:t> </a:t>
             </a:r>
             <a:r>
-              <a:rPr lang="pl-PL" err="1"/>
+              <a:rPr lang="pl-PL" dirty="0" err="1"/>
               <a:t>here</a:t>
             </a:r>
-            <a:endParaRPr lang="pl-PL"/>
+            <a:endParaRPr lang="pl-PL" dirty="0"/>
           </a:p>
         </p:txBody>
       </p:sp>
@@ -1713,10 +1771,10 @@
           <a:p>
             <a:pPr marL="0" lvl="0"/>
             <a:r>
-              <a:rPr lang="en-US"/>
+              <a:rPr lang="en-US" dirty="0"/>
               <a:t>Title goes here</a:t>
             </a:r>
-            <a:endParaRPr lang="uk-UA"/>
+            <a:endParaRPr lang="uk-UA" dirty="0"/>
           </a:p>
         </p:txBody>
       </p:sp>
@@ -2367,7 +2425,7 @@
           <a:p>
             <a:fld id="{1D269190-6A13-034E-92A6-8400565D510F}" type="datetimeFigureOut">
               <a:rPr lang="en-US" smtClean="0"/>
-              <a:t>7/20/2022</a:t>
+              <a:t>7/24/2022</a:t>
             </a:fld>
             <a:endParaRPr lang="en-US"/>
           </a:p>
@@ -2642,7 +2700,7 @@
           <a:p>
             <a:fld id="{1D269190-6A13-034E-92A6-8400565D510F}" type="datetimeFigureOut">
               <a:rPr lang="en-US" smtClean="0"/>
-              <a:t>7/20/2022</a:t>
+              <a:t>7/24/2022</a:t>
             </a:fld>
             <a:endParaRPr lang="en-US"/>
           </a:p>
@@ -2907,7 +2965,7 @@
           <a:p>
             <a:fld id="{1D269190-6A13-034E-92A6-8400565D510F}" type="datetimeFigureOut">
               <a:rPr lang="en-US" smtClean="0"/>
-              <a:t>7/20/2022</a:t>
+              <a:t>7/24/2022</a:t>
             </a:fld>
             <a:endParaRPr lang="en-US"/>
           </a:p>
@@ -3319,7 +3377,7 @@
           <a:p>
             <a:fld id="{1D269190-6A13-034E-92A6-8400565D510F}" type="datetimeFigureOut">
               <a:rPr lang="en-US" smtClean="0"/>
-              <a:t>7/20/2022</a:t>
+              <a:t>7/24/2022</a:t>
             </a:fld>
             <a:endParaRPr lang="en-US"/>
           </a:p>
@@ -3460,7 +3518,7 @@
           <a:p>
             <a:fld id="{1D269190-6A13-034E-92A6-8400565D510F}" type="datetimeFigureOut">
               <a:rPr lang="en-US" smtClean="0"/>
-              <a:t>7/20/2022</a:t>
+              <a:t>7/24/2022</a:t>
             </a:fld>
             <a:endParaRPr lang="en-US"/>
           </a:p>
@@ -3573,7 +3631,7 @@
           <a:p>
             <a:fld id="{1D269190-6A13-034E-92A6-8400565D510F}" type="datetimeFigureOut">
               <a:rPr lang="en-US" smtClean="0"/>
-              <a:t>7/20/2022</a:t>
+              <a:t>7/24/2022</a:t>
             </a:fld>
             <a:endParaRPr lang="en-US"/>
           </a:p>
@@ -3884,7 +3942,7 @@
           <a:p>
             <a:fld id="{1D269190-6A13-034E-92A6-8400565D510F}" type="datetimeFigureOut">
               <a:rPr lang="en-US" smtClean="0"/>
-              <a:t>7/20/2022</a:t>
+              <a:t>7/24/2022</a:t>
             </a:fld>
             <a:endParaRPr lang="en-US"/>
           </a:p>
@@ -4172,7 +4230,7 @@
           <a:p>
             <a:fld id="{1D269190-6A13-034E-92A6-8400565D510F}" type="datetimeFigureOut">
               <a:rPr lang="en-US" smtClean="0"/>
-              <a:t>7/20/2022</a:t>
+              <a:t>7/24/2022</a:t>
             </a:fld>
             <a:endParaRPr lang="en-US"/>
           </a:p>
@@ -4413,7 +4471,7 @@
           <a:p>
             <a:fld id="{1D269190-6A13-034E-92A6-8400565D510F}" type="datetimeFigureOut">
               <a:rPr lang="en-US" smtClean="0"/>
-              <a:t>7/20/2022</a:t>
+              <a:t>7/24/2022</a:t>
             </a:fld>
             <a:endParaRPr lang="en-US"/>
           </a:p>
@@ -4854,13 +4912,13 @@
           <a:lstStyle/>
           <a:p>
             <a:r>
-              <a:rPr lang="en-US" sz="5850">
+              <a:rPr lang="en-US" sz="5850" dirty="0">
                 <a:latin typeface="Calibri"/>
                 <a:cs typeface="Calibri"/>
               </a:rPr>
               <a:t>INTERVIEW MANAGEMENT SYSTEM</a:t>
             </a:r>
-            <a:endParaRPr lang="en-US"/>
+            <a:endParaRPr lang="en-US" dirty="0"/>
           </a:p>
         </p:txBody>
       </p:sp>
@@ -4946,13 +5004,7 @@
           <a:lstStyle/>
           <a:p>
             <a:r>
-              <a:rPr lang="en-US">
-                <a:solidFill>
-                  <a:srgbClr val="7030A0"/>
-                </a:solidFill>
-                <a:latin typeface="Calibri"/>
-                <a:cs typeface="Calibri"/>
-              </a:rPr>
+              <a:rPr lang="en-US" dirty="0"/>
               <a:t>LEASONS LEARNED</a:t>
             </a:r>
           </a:p>
@@ -4991,7 +5043,7 @@
               <a:buChar char="•"/>
             </a:pPr>
             <a:r>
-              <a:rPr lang="en-US" sz="2000" b="0" i="0" u="none" strike="noStrike">
+              <a:rPr lang="en-US" sz="2000" b="0" i="0" u="none" strike="noStrike" dirty="0">
                 <a:solidFill>
                   <a:srgbClr val="404040"/>
                 </a:solidFill>
@@ -5000,7 +5052,7 @@
               <a:t>Understand the system end to end.</a:t>
             </a:r>
             <a:r>
-              <a:rPr lang="en-US" sz="2000" b="0" i="0">
+              <a:rPr lang="en-US" sz="2000" b="0" i="0" dirty="0">
                 <a:solidFill>
                   <a:srgbClr val="000000"/>
                 </a:solidFill>
@@ -5014,7 +5066,7 @@
               <a:buFont typeface="Arial" panose="020B0604020202020204" pitchFamily="34" charset="0"/>
               <a:buChar char="•"/>
             </a:pPr>
-            <a:endParaRPr lang="en-US" sz="2000" b="0" i="0">
+            <a:endParaRPr lang="en-US" sz="2000" b="0" i="0" dirty="0">
               <a:solidFill>
                 <a:srgbClr val="000000"/>
               </a:solidFill>
@@ -5027,7 +5079,7 @@
               <a:buChar char="•"/>
             </a:pPr>
             <a:r>
-              <a:rPr lang="en-US" sz="2000" b="0" i="0" u="none" strike="noStrike">
+              <a:rPr lang="en-US" sz="2000" b="0" i="0" u="none" strike="noStrike" dirty="0">
                 <a:solidFill>
                   <a:srgbClr val="404040"/>
                 </a:solidFill>
@@ -5036,7 +5088,7 @@
               <a:t>Collect the requirements properly.</a:t>
             </a:r>
             <a:r>
-              <a:rPr lang="en-US" sz="2000" b="0" i="0">
+              <a:rPr lang="en-US" sz="2000" b="0" i="0" dirty="0">
                 <a:solidFill>
                   <a:srgbClr val="000000"/>
                 </a:solidFill>
@@ -5050,7 +5102,7 @@
               <a:buFont typeface="Arial" panose="020B0604020202020204" pitchFamily="34" charset="0"/>
               <a:buChar char="•"/>
             </a:pPr>
-            <a:endParaRPr lang="en-US" sz="2000" b="0" i="0">
+            <a:endParaRPr lang="en-US" sz="2000" b="0" i="0" dirty="0">
               <a:solidFill>
                 <a:srgbClr val="000000"/>
               </a:solidFill>
@@ -5063,7 +5115,7 @@
               <a:buChar char="•"/>
             </a:pPr>
             <a:r>
-              <a:rPr lang="en-US" sz="2000" b="0" i="0" u="none" strike="noStrike">
+              <a:rPr lang="en-US" sz="2000" b="0" i="0" u="none" strike="noStrike" dirty="0">
                 <a:solidFill>
                   <a:srgbClr val="404040"/>
                 </a:solidFill>
@@ -5072,7 +5124,7 @@
               <a:t>Think as an end user while designing a system.</a:t>
             </a:r>
             <a:r>
-              <a:rPr lang="en-US" sz="2000" b="0" i="0">
+              <a:rPr lang="en-US" sz="2000" b="0" i="0" dirty="0">
                 <a:solidFill>
                   <a:srgbClr val="000000"/>
                 </a:solidFill>
@@ -5086,7 +5138,7 @@
               <a:buFont typeface="Arial" panose="020B0604020202020204" pitchFamily="34" charset="0"/>
               <a:buChar char="•"/>
             </a:pPr>
-            <a:endParaRPr lang="en-US" sz="2000" b="0" i="0">
+            <a:endParaRPr lang="en-US" sz="2000" b="0" i="0" dirty="0">
               <a:solidFill>
                 <a:srgbClr val="000000"/>
               </a:solidFill>
@@ -5099,7 +5151,7 @@
               <a:buChar char="•"/>
             </a:pPr>
             <a:r>
-              <a:rPr lang="en-US" sz="2000" b="0" i="0" u="none" strike="noStrike">
+              <a:rPr lang="en-US" sz="2000" b="0" i="0" u="none" strike="noStrike" dirty="0">
                 <a:solidFill>
                   <a:srgbClr val="404040"/>
                 </a:solidFill>
@@ -5108,7 +5160,7 @@
               <a:t>Don't forget to address Non – Functional Requirements.</a:t>
             </a:r>
             <a:r>
-              <a:rPr lang="en-US" sz="2000" b="0" i="0">
+              <a:rPr lang="en-US" sz="2000" b="0" i="0" dirty="0">
                 <a:solidFill>
                   <a:srgbClr val="000000"/>
                 </a:solidFill>
@@ -5122,7 +5174,7 @@
               <a:buFont typeface="Arial" panose="020B0604020202020204" pitchFamily="34" charset="0"/>
               <a:buChar char="•"/>
             </a:pPr>
-            <a:endParaRPr lang="en-US" sz="2000" b="0" i="0">
+            <a:endParaRPr lang="en-US" sz="2000" b="0" i="0" dirty="0">
               <a:solidFill>
                 <a:srgbClr val="000000"/>
               </a:solidFill>
@@ -5135,7 +5187,7 @@
               <a:buChar char="•"/>
             </a:pPr>
             <a:r>
-              <a:rPr lang="en-US" sz="2000" b="0" i="0" u="none" strike="noStrike">
+              <a:rPr lang="en-US" sz="2000" b="0" i="0" u="none" strike="noStrike" dirty="0">
                 <a:solidFill>
                   <a:srgbClr val="404040"/>
                 </a:solidFill>
@@ -5144,7 +5196,7 @@
               <a:t>Learned to work as a team with responsibilities.</a:t>
             </a:r>
             <a:r>
-              <a:rPr lang="en-US" sz="2000" b="0" i="0">
+              <a:rPr lang="en-US" sz="2000" b="0" i="0" dirty="0">
                 <a:solidFill>
                   <a:srgbClr val="000000"/>
                 </a:solidFill>
@@ -5158,7 +5210,7 @@
               <a:buFont typeface="Arial" panose="020B0604020202020204" pitchFamily="34" charset="0"/>
               <a:buChar char="•"/>
             </a:pPr>
-            <a:endParaRPr lang="en-US" sz="2000" b="0" i="0">
+            <a:endParaRPr lang="en-US" sz="2000" b="0" i="0" dirty="0">
               <a:solidFill>
                 <a:srgbClr val="000000"/>
               </a:solidFill>
@@ -5171,7 +5223,7 @@
               <a:buChar char="•"/>
             </a:pPr>
             <a:r>
-              <a:rPr lang="en-US" sz="2000" b="0" i="0" u="none" strike="noStrike">
+              <a:rPr lang="en-US" sz="2000" b="0" i="0" u="none" strike="noStrike" dirty="0">
                 <a:solidFill>
                   <a:srgbClr val="404040"/>
                 </a:solidFill>
@@ -5180,7 +5232,7 @@
               <a:t>Always keep a backup of our work.</a:t>
             </a:r>
             <a:r>
-              <a:rPr lang="en-US" sz="2000" b="0" i="0">
+              <a:rPr lang="en-US" sz="2000" b="0" i="0" dirty="0">
                 <a:solidFill>
                   <a:srgbClr val="000000"/>
                 </a:solidFill>
@@ -5194,7 +5246,7 @@
               <a:buFont typeface="Arial" panose="020B0604020202020204" pitchFamily="34" charset="0"/>
               <a:buChar char="•"/>
             </a:pPr>
-            <a:endParaRPr lang="en-US" sz="2000" b="0" i="0">
+            <a:endParaRPr lang="en-US" sz="2000" b="0" i="0" dirty="0">
               <a:solidFill>
                 <a:srgbClr val="000000"/>
               </a:solidFill>
@@ -5207,7 +5259,7 @@
               <a:buChar char="•"/>
             </a:pPr>
             <a:r>
-              <a:rPr lang="en-US" sz="2000" b="0" i="0" u="none" strike="noStrike">
+              <a:rPr lang="en-US" sz="2000" b="0" i="0" u="none" strike="noStrike" dirty="0">
                 <a:solidFill>
                   <a:srgbClr val="404040"/>
                 </a:solidFill>
@@ -5216,7 +5268,7 @@
               <a:t>To respect others time in our team.</a:t>
             </a:r>
             <a:r>
-              <a:rPr lang="en-US" sz="2000" b="0" i="0">
+              <a:rPr lang="en-US" sz="2000" b="0" i="0" dirty="0">
                 <a:solidFill>
                   <a:srgbClr val="000000"/>
                 </a:solidFill>
@@ -5230,7 +5282,7 @@
               <a:buFont typeface="Arial" panose="020B0604020202020204" pitchFamily="34" charset="0"/>
               <a:buChar char="•"/>
             </a:pPr>
-            <a:endParaRPr lang="en-US" sz="2000" b="0" i="0">
+            <a:endParaRPr lang="en-US" sz="2000" b="0" i="0" dirty="0">
               <a:solidFill>
                 <a:srgbClr val="000000"/>
               </a:solidFill>
@@ -5243,7 +5295,7 @@
               <a:buChar char="•"/>
             </a:pPr>
             <a:r>
-              <a:rPr lang="en-US" sz="2000" b="0" i="0" u="none" strike="noStrike">
+              <a:rPr lang="en-US" sz="2000" b="0" i="0" u="none" strike="noStrike" dirty="0">
                 <a:solidFill>
                   <a:srgbClr val="404040"/>
                 </a:solidFill>
@@ -5252,7 +5304,7 @@
               <a:t>To avoid conflicts and to resolve conflicts. </a:t>
             </a:r>
             <a:r>
-              <a:rPr lang="en-US" sz="2000" b="0" i="0">
+              <a:rPr lang="en-US" sz="2000" b="0" i="0" dirty="0">
                 <a:solidFill>
                   <a:srgbClr val="000000"/>
                 </a:solidFill>
@@ -5266,7 +5318,7 @@
               <a:buFont typeface="Arial" panose="020B0604020202020204" pitchFamily="34" charset="0"/>
               <a:buChar char="•"/>
             </a:pPr>
-            <a:endParaRPr lang="en-US" sz="2000" b="0" i="0">
+            <a:endParaRPr lang="en-US" sz="2000" b="0" i="0" dirty="0">
               <a:solidFill>
                 <a:srgbClr val="000000"/>
               </a:solidFill>
@@ -5278,7 +5330,7 @@
               <a:buFont typeface="Arial" panose="020B0604020202020204" pitchFamily="34" charset="0"/>
               <a:buChar char="•"/>
             </a:pPr>
-            <a:endParaRPr lang="en-US" sz="2000" b="0" i="0">
+            <a:endParaRPr lang="en-US" sz="2000" b="0" i="0" dirty="0">
               <a:solidFill>
                 <a:srgbClr val="000000"/>
               </a:solidFill>
@@ -5290,7 +5342,7 @@
               <a:buFont typeface="Arial" panose="020B0604020202020204" pitchFamily="34" charset="0"/>
               <a:buChar char="•"/>
             </a:pPr>
-            <a:endParaRPr lang="en-US" sz="2000" b="0" i="0">
+            <a:endParaRPr lang="en-US" sz="2000" b="0" i="0" dirty="0">
               <a:solidFill>
                 <a:srgbClr val="000000"/>
               </a:solidFill>
@@ -5299,7 +5351,7 @@
           </a:p>
           <a:p>
             <a:pPr algn="l" rtl="0" fontAlgn="base"/>
-            <a:endParaRPr lang="en-US" sz="2000" b="0" i="0">
+            <a:endParaRPr lang="en-US" sz="2000" b="0" i="0" dirty="0">
               <a:solidFill>
                 <a:srgbClr val="000000"/>
               </a:solidFill>
@@ -5371,7 +5423,7 @@
               <a:buChar char="•"/>
             </a:pPr>
             <a:r>
-              <a:rPr lang="en-US" sz="2000" b="0" i="0" u="none" strike="noStrike">
+              <a:rPr lang="en-US" sz="2000" b="0" i="0" u="none" strike="noStrike" dirty="0">
                 <a:solidFill>
                   <a:srgbClr val="404040"/>
                 </a:solidFill>
@@ -5380,7 +5432,7 @@
               <a:t>To value the customer inputs and make use of it.</a:t>
             </a:r>
             <a:r>
-              <a:rPr lang="en-US" sz="2000" b="0" i="0">
+              <a:rPr lang="en-US" sz="2000" b="0" i="0" dirty="0">
                 <a:solidFill>
                   <a:srgbClr val="000000"/>
                 </a:solidFill>
@@ -5394,7 +5446,7 @@
               <a:buFont typeface="Arial" panose="020B0604020202020204" pitchFamily="34" charset="0"/>
               <a:buChar char="•"/>
             </a:pPr>
-            <a:endParaRPr lang="en-US" sz="2000" b="0" i="0">
+            <a:endParaRPr lang="en-US" sz="2000" b="0" i="0" dirty="0">
               <a:solidFill>
                 <a:srgbClr val="000000"/>
               </a:solidFill>
@@ -5407,7 +5459,7 @@
               <a:buChar char="•"/>
             </a:pPr>
             <a:r>
-              <a:rPr lang="en-US" sz="2000" b="0" i="0" u="none" strike="noStrike">
+              <a:rPr lang="en-US" sz="2000" b="0" i="0" u="none" strike="noStrike" dirty="0">
                 <a:solidFill>
                   <a:srgbClr val="404040"/>
                 </a:solidFill>
@@ -5416,7 +5468,7 @@
               <a:t>To identify the bugs earlier.</a:t>
             </a:r>
             <a:r>
-              <a:rPr lang="en-US" sz="2000" b="0" i="0">
+              <a:rPr lang="en-US" sz="2000" b="0" i="0" dirty="0">
                 <a:solidFill>
                   <a:srgbClr val="000000"/>
                 </a:solidFill>
@@ -5424,7 +5476,7 @@
               </a:rPr>
               <a:t>​</a:t>
             </a:r>
-            <a:endParaRPr lang="en-US" sz="2000" b="0" i="0" u="none" strike="noStrike">
+            <a:endParaRPr lang="en-US" sz="2000" b="0" i="0" u="none" strike="noStrike" dirty="0">
               <a:solidFill>
                 <a:srgbClr val="404040"/>
               </a:solidFill>
@@ -5436,7 +5488,7 @@
               <a:buFont typeface="Arial" panose="020B0604020202020204" pitchFamily="34" charset="0"/>
               <a:buChar char="•"/>
             </a:pPr>
-            <a:endParaRPr lang="en-US" sz="2000">
+            <a:endParaRPr lang="en-US" sz="2000" dirty="0">
               <a:solidFill>
                 <a:srgbClr val="404040"/>
               </a:solidFill>
@@ -5448,7 +5500,7 @@
               <a:buChar char="•"/>
             </a:pPr>
             <a:r>
-              <a:rPr lang="en-US" sz="2000" b="0" i="0" u="none" strike="noStrike">
+              <a:rPr lang="en-US" sz="2000" b="0" i="0" u="none" strike="noStrike" dirty="0">
                 <a:solidFill>
                   <a:srgbClr val="404040"/>
                 </a:solidFill>
@@ -5457,7 +5509,7 @@
               <a:t>Never assume.</a:t>
             </a:r>
             <a:r>
-              <a:rPr lang="en-US" sz="2000" b="0" i="0">
+              <a:rPr lang="en-US" sz="2000" b="0" i="0" dirty="0">
                 <a:solidFill>
                   <a:srgbClr val="000000"/>
                 </a:solidFill>
@@ -5471,7 +5523,7 @@
               <a:buFont typeface="Arial" panose="020B0604020202020204" pitchFamily="34" charset="0"/>
               <a:buChar char="•"/>
             </a:pPr>
-            <a:endParaRPr lang="en-US" sz="2000" b="0" i="0">
+            <a:endParaRPr lang="en-US" sz="2000" b="0" i="0" dirty="0">
               <a:solidFill>
                 <a:srgbClr val="000000"/>
               </a:solidFill>
@@ -5484,7 +5536,7 @@
               <a:buChar char="•"/>
             </a:pPr>
             <a:r>
-              <a:rPr lang="en-US" sz="2000" b="0" i="0" u="none" strike="noStrike">
+              <a:rPr lang="en-US" sz="2000" b="0" i="0" u="none" strike="noStrike" dirty="0">
                 <a:solidFill>
                   <a:srgbClr val="404040"/>
                 </a:solidFill>
@@ -5493,7 +5545,7 @@
               <a:t>Learned how to use testing tools.</a:t>
             </a:r>
             <a:r>
-              <a:rPr lang="en-US" sz="2000" b="0" i="0">
+              <a:rPr lang="en-US" sz="2000" b="0" i="0" dirty="0">
                 <a:solidFill>
                   <a:srgbClr val="000000"/>
                 </a:solidFill>
@@ -5507,7 +5559,7 @@
               <a:buFont typeface="Arial" panose="020B0604020202020204" pitchFamily="34" charset="0"/>
               <a:buChar char="•"/>
             </a:pPr>
-            <a:endParaRPr lang="en-US" sz="2000" b="0" i="0">
+            <a:endParaRPr lang="en-US" sz="2000" b="0" i="0" dirty="0">
               <a:solidFill>
                 <a:srgbClr val="000000"/>
               </a:solidFill>
@@ -5520,7 +5572,7 @@
               <a:buChar char="•"/>
             </a:pPr>
             <a:r>
-              <a:rPr lang="en-US" sz="2000" b="0" i="0" u="none" strike="noStrike">
+              <a:rPr lang="en-US" sz="2000" b="0" i="0" u="none" strike="noStrike" dirty="0">
                 <a:solidFill>
                   <a:srgbClr val="404040"/>
                 </a:solidFill>
@@ -5529,7 +5581,7 @@
               <a:t>Learned to track time with honest timesheet.</a:t>
             </a:r>
             <a:r>
-              <a:rPr lang="en-US" sz="2000" b="0" i="0">
+              <a:rPr lang="en-US" sz="2000" b="0" i="0" dirty="0">
                 <a:solidFill>
                   <a:srgbClr val="000000"/>
                 </a:solidFill>
@@ -5543,7 +5595,7 @@
               <a:buFont typeface="Arial" panose="020B0604020202020204" pitchFamily="34" charset="0"/>
               <a:buChar char="•"/>
             </a:pPr>
-            <a:endParaRPr lang="en-US" sz="2000" b="0" i="0">
+            <a:endParaRPr lang="en-US" sz="2000" b="0" i="0" dirty="0">
               <a:solidFill>
                 <a:srgbClr val="000000"/>
               </a:solidFill>
@@ -5556,7 +5608,7 @@
               <a:buChar char="•"/>
             </a:pPr>
             <a:r>
-              <a:rPr lang="en-US" sz="2000" b="0" i="0" u="none" strike="noStrike">
+              <a:rPr lang="en-US" sz="2000" b="0" i="0" u="none" strike="noStrike" dirty="0">
                 <a:solidFill>
                   <a:srgbClr val="404040"/>
                 </a:solidFill>
@@ -5565,7 +5617,7 @@
               <a:t>Don't hesitate to ask questions.</a:t>
             </a:r>
             <a:r>
-              <a:rPr lang="en-US" sz="2000" b="0" i="0">
+              <a:rPr lang="en-US" sz="2000" b="0" i="0" dirty="0">
                 <a:solidFill>
                   <a:srgbClr val="000000"/>
                 </a:solidFill>
@@ -5579,7 +5631,7 @@
               <a:buFont typeface="Arial" panose="020B0604020202020204" pitchFamily="34" charset="0"/>
               <a:buChar char="•"/>
             </a:pPr>
-            <a:endParaRPr lang="en-US" sz="2000" b="0" i="0">
+            <a:endParaRPr lang="en-US" sz="2000" b="0" i="0" dirty="0">
               <a:solidFill>
                 <a:srgbClr val="000000"/>
               </a:solidFill>
@@ -5592,7 +5644,7 @@
               <a:buChar char="•"/>
             </a:pPr>
             <a:r>
-              <a:rPr lang="en-US" sz="2000" b="0" i="0" u="none" strike="noStrike">
+              <a:rPr lang="en-US" sz="2000" b="0" i="0" u="none" strike="noStrike" dirty="0">
                 <a:solidFill>
                   <a:srgbClr val="404040"/>
                 </a:solidFill>
@@ -5601,7 +5653,7 @@
               <a:t>Team meetings are always important to track the works.</a:t>
             </a:r>
             <a:r>
-              <a:rPr lang="en-US" sz="2000" b="0" i="0">
+              <a:rPr lang="en-US" sz="2000" b="0" i="0" dirty="0">
                 <a:solidFill>
                   <a:srgbClr val="000000"/>
                 </a:solidFill>
@@ -5615,7 +5667,7 @@
               <a:buFont typeface="Arial" panose="020B0604020202020204" pitchFamily="34" charset="0"/>
               <a:buChar char="•"/>
             </a:pPr>
-            <a:endParaRPr lang="en-US" sz="2000" b="0" i="0">
+            <a:endParaRPr lang="en-US" sz="2000" b="0" i="0" dirty="0">
               <a:solidFill>
                 <a:srgbClr val="000000"/>
               </a:solidFill>
@@ -5628,7 +5680,7 @@
               <a:buChar char="•"/>
             </a:pPr>
             <a:r>
-              <a:rPr lang="en-US" sz="2000" b="0" i="0" u="none" strike="noStrike">
+              <a:rPr lang="en-US" sz="2000" b="0" i="0" u="none" strike="noStrike" dirty="0">
                 <a:solidFill>
                   <a:srgbClr val="404040"/>
                 </a:solidFill>
@@ -5637,7 +5689,7 @@
               <a:t>Brainstorming is very important to share ideas.</a:t>
             </a:r>
             <a:r>
-              <a:rPr lang="en-US" sz="2000" b="0" i="0">
+              <a:rPr lang="en-US" sz="2000" b="0" i="0" dirty="0">
                 <a:solidFill>
                   <a:srgbClr val="000000"/>
                 </a:solidFill>
@@ -5651,7 +5703,7 @@
               <a:buFont typeface="Arial" panose="020B0604020202020204" pitchFamily="34" charset="0"/>
               <a:buChar char="•"/>
             </a:pPr>
-            <a:endParaRPr lang="en-US" sz="2000" b="0" i="0">
+            <a:endParaRPr lang="en-US" sz="2000" b="0" i="0" dirty="0">
               <a:solidFill>
                 <a:srgbClr val="000000"/>
               </a:solidFill>
@@ -5664,7 +5716,7 @@
               <a:buChar char="•"/>
             </a:pPr>
             <a:r>
-              <a:rPr lang="en-US" sz="2000" b="0" i="0" u="none" strike="noStrike">
+              <a:rPr lang="en-US" sz="2000" b="0" i="0" u="none" strike="noStrike" dirty="0">
                 <a:solidFill>
                   <a:srgbClr val="404040"/>
                 </a:solidFill>
@@ -5672,7 +5724,7 @@
               </a:rPr>
               <a:t>Always update MOM to track the meeting updates.</a:t>
             </a:r>
-            <a:endParaRPr lang="en-US" sz="2000" b="0" i="0">
+            <a:endParaRPr lang="en-US" sz="2000" b="0" i="0" dirty="0">
               <a:solidFill>
                 <a:srgbClr val="000000"/>
               </a:solidFill>
@@ -5684,7 +5736,7 @@
               <a:buFont typeface="Arial" panose="020B0604020202020204" pitchFamily="34" charset="0"/>
               <a:buChar char="•"/>
             </a:pPr>
-            <a:endParaRPr lang="en-US" sz="2000" b="0" i="0">
+            <a:endParaRPr lang="en-US" sz="2000" b="0" i="0" dirty="0">
               <a:solidFill>
                 <a:srgbClr val="000000"/>
               </a:solidFill>
@@ -5742,7 +5794,7 @@
           </a:lstStyle>
           <a:p>
             <a:r>
-              <a:rPr lang="en-US" sz="2000">
+              <a:rPr lang="en-US" sz="2000" dirty="0">
                 <a:solidFill>
                   <a:srgbClr val="7030A0"/>
                 </a:solidFill>
@@ -5809,7 +5861,7 @@
           <a:lstStyle/>
           <a:p>
             <a:r>
-              <a:rPr lang="en-US"/>
+              <a:rPr lang="en-US" dirty="0"/>
               <a:t>THANK YOU</a:t>
             </a:r>
           </a:p>
@@ -5866,19 +5918,14 @@
           <a:lstStyle/>
           <a:p>
             <a:r>
-              <a:rPr lang="en-US" sz="2900">
-                <a:solidFill>
-                  <a:srgbClr val="7030A0"/>
-                </a:solidFill>
+              <a:rPr lang="en-US" sz="2900" dirty="0">
                 <a:latin typeface="Calibri"/>
                 <a:cs typeface="Calibri"/>
               </a:rPr>
               <a:t>TEAM MEMBERS</a:t>
             </a:r>
             <a:endParaRPr lang="en-US" sz="2900">
-              <a:solidFill>
-                <a:srgbClr val="7030A0"/>
-              </a:solidFill>
+              <a:latin typeface="Calibri"/>
             </a:endParaRPr>
           </a:p>
         </p:txBody>
@@ -5919,29 +5966,52 @@
               <a:buChar char="•"/>
             </a:pPr>
             <a:r>
-              <a:rPr lang="en-US" sz="2400" b="0" i="0" u="none" strike="noStrike" err="1">
+              <a:rPr lang="en-US" sz="2400" b="0" i="0" u="none" strike="noStrike" dirty="0">
                 <a:solidFill>
                   <a:srgbClr val="404040"/>
                 </a:solidFill>
                 <a:effectLst/>
-              </a:rPr>
-              <a:t>Aravindhan</a:t>
-            </a:r>
-            <a:r>
-              <a:rPr lang="en-US" sz="2400" b="0" i="0" u="none" strike="noStrike">
+                <a:latin typeface="Calibri"/>
+                <a:cs typeface="Times New Roman"/>
+              </a:rPr>
+              <a:t>Aravindhan Ra </a:t>
+            </a:r>
+            <a:r>
+              <a:rPr lang="en-US" sz="2400" b="0" i="0" dirty="0">
+                <a:solidFill>
+                  <a:srgbClr val="000000"/>
+                </a:solidFill>
+                <a:effectLst/>
+                <a:latin typeface="Calibri"/>
+                <a:cs typeface="Times New Roman"/>
+              </a:rPr>
+              <a:t>​</a:t>
+            </a:r>
+          </a:p>
+          <a:p>
+            <a:pPr marL="342900" indent="-342900" rtl="0" fontAlgn="base">
+              <a:buFont typeface="Arial" panose="020B0604020202020204" pitchFamily="34" charset="0"/>
+              <a:buChar char="•"/>
+            </a:pPr>
+            <a:r>
+              <a:rPr lang="en-US" sz="2400" b="0" i="0" u="none" strike="noStrike" dirty="0">
                 <a:solidFill>
                   <a:srgbClr val="404040"/>
                 </a:solidFill>
                 <a:effectLst/>
-              </a:rPr>
-              <a:t> Ra </a:t>
-            </a:r>
-            <a:r>
-              <a:rPr lang="en-US" sz="2400" b="0" i="0">
+                <a:latin typeface="Calibri"/>
+                <a:cs typeface="Times New Roman"/>
+              </a:rPr>
+              <a:t>Darshana A</a:t>
+            </a:r>
+            <a:r>
+              <a:rPr lang="en-US" sz="2400" b="0" i="0" dirty="0">
                 <a:solidFill>
                   <a:srgbClr val="000000"/>
                 </a:solidFill>
                 <a:effectLst/>
+                <a:latin typeface="Calibri"/>
+                <a:cs typeface="Times New Roman"/>
               </a:rPr>
               <a:t>​</a:t>
             </a:r>
@@ -5952,20 +6022,24 @@
               <a:buChar char="•"/>
             </a:pPr>
             <a:r>
-              <a:rPr lang="en-US" sz="2400" b="0" i="0" u="none" strike="noStrike">
+              <a:rPr lang="en-US" sz="2400" b="0" i="0" u="none" strike="noStrike" dirty="0">
                 <a:solidFill>
                   <a:srgbClr val="404040"/>
                 </a:solidFill>
                 <a:effectLst/>
-              </a:rPr>
-              <a:t>Darshana A</a:t>
-            </a:r>
-            <a:r>
-              <a:rPr lang="en-US" sz="2400" b="0" i="0">
+                <a:latin typeface="Calibri"/>
+                <a:cs typeface="Times New Roman"/>
+              </a:rPr>
+              <a:t>Deepika S</a:t>
+            </a:r>
+            <a:r>
+              <a:rPr lang="en-US" sz="2400" b="0" i="0" dirty="0">
                 <a:solidFill>
                   <a:srgbClr val="000000"/>
                 </a:solidFill>
                 <a:effectLst/>
+                <a:latin typeface="Calibri"/>
+                <a:cs typeface="Times New Roman"/>
               </a:rPr>
               <a:t>​</a:t>
             </a:r>
@@ -5976,20 +6050,24 @@
               <a:buChar char="•"/>
             </a:pPr>
             <a:r>
-              <a:rPr lang="en-US" sz="2400" b="0" i="0" u="none" strike="noStrike">
+              <a:rPr lang="en-US" sz="2400" b="0" i="0" u="none" strike="noStrike" dirty="0">
                 <a:solidFill>
                   <a:srgbClr val="404040"/>
                 </a:solidFill>
                 <a:effectLst/>
-              </a:rPr>
-              <a:t>Deepika S</a:t>
-            </a:r>
-            <a:r>
-              <a:rPr lang="en-US" sz="2400" b="0" i="0">
+                <a:latin typeface="Calibri"/>
+                <a:cs typeface="Times New Roman"/>
+              </a:rPr>
+              <a:t>Gokul P</a:t>
+            </a:r>
+            <a:r>
+              <a:rPr lang="en-US" sz="2400" b="0" i="0" dirty="0">
                 <a:solidFill>
                   <a:srgbClr val="000000"/>
                 </a:solidFill>
                 <a:effectLst/>
+                <a:latin typeface="Calibri"/>
+                <a:cs typeface="Times New Roman"/>
               </a:rPr>
               <a:t>​</a:t>
             </a:r>
@@ -6000,20 +6078,24 @@
               <a:buChar char="•"/>
             </a:pPr>
             <a:r>
-              <a:rPr lang="en-US" sz="2400" b="0" i="0" u="none" strike="noStrike">
+              <a:rPr lang="en-US" sz="2400" b="0" i="0" u="none" strike="noStrike" dirty="0">
                 <a:solidFill>
                   <a:srgbClr val="404040"/>
                 </a:solidFill>
                 <a:effectLst/>
-              </a:rPr>
-              <a:t>Gokul P</a:t>
-            </a:r>
-            <a:r>
-              <a:rPr lang="en-US" sz="2400" b="0" i="0">
+                <a:latin typeface="Calibri"/>
+                <a:cs typeface="Times New Roman"/>
+              </a:rPr>
+              <a:t>Kumaresh K S</a:t>
+            </a:r>
+            <a:r>
+              <a:rPr lang="en-US" sz="2400" b="0" i="0" dirty="0">
                 <a:solidFill>
                   <a:srgbClr val="000000"/>
                 </a:solidFill>
                 <a:effectLst/>
+                <a:latin typeface="Calibri"/>
+                <a:cs typeface="Times New Roman"/>
               </a:rPr>
               <a:t>​</a:t>
             </a:r>
@@ -6024,29 +6106,63 @@
               <a:buChar char="•"/>
             </a:pPr>
             <a:r>
-              <a:rPr lang="en-US" sz="2400" b="0" i="0" u="none" strike="noStrike" err="1">
+              <a:rPr lang="en-US" sz="2400" b="0" i="0" u="none" strike="noStrike" dirty="0">
                 <a:solidFill>
                   <a:srgbClr val="404040"/>
                 </a:solidFill>
                 <a:effectLst/>
-              </a:rPr>
-              <a:t>Kumaresh</a:t>
-            </a:r>
-            <a:r>
-              <a:rPr lang="en-US" sz="2400" b="0" i="0" u="none" strike="noStrike">
+                <a:latin typeface="Calibri"/>
+                <a:cs typeface="Times New Roman"/>
+              </a:rPr>
+              <a:t>Prithviraj SP</a:t>
+            </a:r>
+            <a:r>
+              <a:rPr lang="en-US" sz="2400" b="0" i="0" dirty="0">
+                <a:solidFill>
+                  <a:srgbClr val="000000"/>
+                </a:solidFill>
+                <a:effectLst/>
+                <a:latin typeface="Calibri"/>
+                <a:cs typeface="Times New Roman"/>
+              </a:rPr>
+              <a:t>​</a:t>
+            </a:r>
+          </a:p>
+          <a:p>
+            <a:pPr marL="342900" indent="-342900" rtl="0" fontAlgn="base">
+              <a:buFont typeface="Arial" panose="020B0604020202020204" pitchFamily="34" charset="0"/>
+              <a:buChar char="•"/>
+            </a:pPr>
+            <a:r>
+              <a:rPr lang="en-US" sz="2400" b="0" i="0" u="none" strike="noStrike" dirty="0" err="1">
                 <a:solidFill>
                   <a:srgbClr val="404040"/>
                 </a:solidFill>
                 <a:effectLst/>
-              </a:rPr>
-              <a:t> K S</a:t>
-            </a:r>
-            <a:r>
-              <a:rPr lang="en-US" sz="2400" b="0" i="0">
+                <a:latin typeface="Calibri"/>
+                <a:cs typeface="Times New Roman"/>
+              </a:rPr>
+              <a:t>Remuki</a:t>
+            </a:r>
+            <a:r>
+              <a:rPr lang="en-US" sz="2400" b="0" i="0" u="none" strike="noStrike" dirty="0">
+                <a:solidFill>
+                  <a:srgbClr val="404040"/>
+                </a:solidFill>
+                <a:effectLst/>
+                <a:latin typeface="Calibri"/>
+                <a:cs typeface="Times New Roman"/>
+              </a:rPr>
+              <a:t> S</a:t>
+            </a:r>
+            <a:r>
+              <a:rPr lang="en-US" sz="2400" b="0" i="0" dirty="0">
                 <a:solidFill>
                   <a:srgbClr val="000000"/>
                 </a:solidFill>
                 <a:effectLst/>
+                <a:latin typeface="Calibri"/>
+                <a:cs typeface="Times New Roman"/>
               </a:rPr>
               <a:t>​</a:t>
             </a:r>
@@ -6057,29 +6173,46 @@
               <a:buChar char="•"/>
             </a:pPr>
             <a:r>
-              <a:rPr lang="en-US" sz="2400" b="0" i="0" u="none" strike="noStrike" err="1">
+              <a:rPr lang="en-US" sz="2400" b="0" i="0" u="none" strike="noStrike" dirty="0">
                 <a:solidFill>
                   <a:srgbClr val="404040"/>
                 </a:solidFill>
                 <a:effectLst/>
-              </a:rPr>
-              <a:t>Prithviraj</a:t>
-            </a:r>
-            <a:r>
-              <a:rPr lang="en-US" sz="2400" b="0" i="0" u="none" strike="noStrike">
+                <a:latin typeface="Calibri"/>
+                <a:cs typeface="Times New Roman"/>
+              </a:rPr>
+              <a:t>Sheik </a:t>
+            </a:r>
+            <a:r>
+              <a:rPr lang="en-US" sz="2400" b="0" i="0" u="none" strike="noStrike" dirty="0" err="1">
                 <a:solidFill>
                   <a:srgbClr val="404040"/>
                 </a:solidFill>
                 <a:effectLst/>
-              </a:rPr>
-              <a:t> SP</a:t>
-            </a:r>
-            <a:r>
-              <a:rPr lang="en-US" sz="2400" b="0" i="0">
+                <a:latin typeface="Calibri"/>
+                <a:cs typeface="Times New Roman"/>
+              </a:rPr>
+              <a:t>Fareeth</a:t>
+            </a:r>
+            <a:r>
+              <a:rPr lang="en-US" sz="2400" b="0" i="0" u="none" strike="noStrike" dirty="0">
+                <a:solidFill>
+                  <a:srgbClr val="404040"/>
+                </a:solidFill>
+                <a:effectLst/>
+                <a:latin typeface="Calibri"/>
+                <a:cs typeface="Times New Roman"/>
+              </a:rPr>
+              <a:t> H</a:t>
+            </a:r>
+            <a:r>
+              <a:rPr lang="en-US" sz="2400" b="0" i="0" dirty="0">
                 <a:solidFill>
                   <a:srgbClr val="000000"/>
                 </a:solidFill>
                 <a:effectLst/>
+                <a:latin typeface="Calibri"/>
+                <a:cs typeface="Times New Roman"/>
               </a:rPr>
               <a:t>​</a:t>
             </a:r>
@@ -6090,95 +6223,24 @@
               <a:buChar char="•"/>
             </a:pPr>
             <a:r>
-              <a:rPr lang="en-US" sz="2400" b="0" i="0" u="none" strike="noStrike" err="1">
+              <a:rPr lang="en-US" sz="2400" b="0" i="0" u="none" strike="noStrike" dirty="0">
                 <a:solidFill>
                   <a:srgbClr val="404040"/>
                 </a:solidFill>
                 <a:effectLst/>
-              </a:rPr>
-              <a:t>Remuki</a:t>
-            </a:r>
-            <a:r>
-              <a:rPr lang="en-US" sz="2400" b="0" i="0" u="none" strike="noStrike">
-                <a:solidFill>
-                  <a:srgbClr val="404040"/>
-                </a:solidFill>
-                <a:effectLst/>
-              </a:rPr>
-              <a:t> S</a:t>
-            </a:r>
-            <a:r>
-              <a:rPr lang="en-US" sz="2400" b="0" i="0">
+                <a:latin typeface="Calibri"/>
+                <a:cs typeface="Times New Roman"/>
+              </a:rPr>
+              <a:t>Vinoth J</a:t>
+            </a:r>
+            <a:r>
+              <a:rPr lang="en-IN" sz="2400" b="0" i="0" dirty="0">
                 <a:solidFill>
                   <a:srgbClr val="000000"/>
                 </a:solidFill>
                 <a:effectLst/>
-              </a:rPr>
-              <a:t>​</a:t>
-            </a:r>
-          </a:p>
-          <a:p>
-            <a:pPr marL="342900" indent="-342900" rtl="0" fontAlgn="base">
-              <a:buFont typeface="Arial" panose="020B0604020202020204" pitchFamily="34" charset="0"/>
-              <a:buChar char="•"/>
-            </a:pPr>
-            <a:r>
-              <a:rPr lang="en-US" sz="2400" b="0" i="0" u="none" strike="noStrike">
-                <a:solidFill>
-                  <a:srgbClr val="404040"/>
-                </a:solidFill>
-                <a:effectLst/>
-              </a:rPr>
-              <a:t>Sheik </a:t>
-            </a:r>
-            <a:r>
-              <a:rPr lang="en-US" sz="2400" b="0" i="0" u="none" strike="noStrike" err="1">
-                <a:solidFill>
-                  <a:srgbClr val="404040"/>
-                </a:solidFill>
-                <a:effectLst/>
-              </a:rPr>
-              <a:t>Fareeth</a:t>
-            </a:r>
-            <a:r>
-              <a:rPr lang="en-US" sz="2400" b="0" i="0" u="none" strike="noStrike">
-                <a:solidFill>
-                  <a:srgbClr val="404040"/>
-                </a:solidFill>
-                <a:effectLst/>
-              </a:rPr>
-              <a:t> H</a:t>
-            </a:r>
-            <a:r>
-              <a:rPr lang="en-US" sz="2400" b="0" i="0">
-                <a:solidFill>
-                  <a:srgbClr val="000000"/>
-                </a:solidFill>
-                <a:effectLst/>
-              </a:rPr>
-              <a:t>​</a:t>
-            </a:r>
-          </a:p>
-          <a:p>
-            <a:pPr marL="342900" indent="-342900" rtl="0" fontAlgn="base">
-              <a:buFont typeface="Arial" panose="020B0604020202020204" pitchFamily="34" charset="0"/>
-              <a:buChar char="•"/>
-            </a:pPr>
-            <a:r>
-              <a:rPr lang="en-US" sz="2400" b="0" i="0" u="none" strike="noStrike">
-                <a:solidFill>
-                  <a:srgbClr val="404040"/>
-                </a:solidFill>
-                <a:effectLst/>
-              </a:rPr>
-              <a:t>Vinoth J</a:t>
-            </a:r>
-            <a:r>
-              <a:rPr lang="en-IN" sz="2400" b="0" i="0">
-                <a:solidFill>
-                  <a:srgbClr val="000000"/>
-                </a:solidFill>
-                <a:effectLst/>
+                <a:latin typeface="Calibri"/>
+                <a:cs typeface="Times New Roman"/>
               </a:rPr>
               <a:t>​</a:t>
             </a:r>
@@ -6187,6 +6249,8 @@
                 <a:srgbClr val="000000"/>
               </a:solidFill>
               <a:effectLst/>
+              <a:latin typeface="Calibri"/>
+              <a:cs typeface="Times New Roman"/>
             </a:endParaRPr>
           </a:p>
           <a:p>
@@ -6194,10 +6258,12 @@
               <a:buFont typeface="Arial" panose="020B0604020202020204" pitchFamily="34" charset="0"/>
               <a:buChar char="•"/>
             </a:pPr>
-            <a:endParaRPr lang="en-US" sz="2400">
+            <a:endParaRPr lang="en-US" sz="2400" dirty="0">
               <a:solidFill>
                 <a:srgbClr val="000000"/>
               </a:solidFill>
+              <a:latin typeface="Calibri"/>
+              <a:cs typeface="Times New Roman"/>
             </a:endParaRPr>
           </a:p>
           <a:p>
@@ -6205,11 +6271,13 @@
               <a:buFont typeface="Arial" panose="020B0604020202020204" pitchFamily="34" charset="0"/>
               <a:buChar char="•"/>
             </a:pPr>
-            <a:endParaRPr lang="en-US" sz="2400" b="0" i="0">
+            <a:endParaRPr lang="en-US" sz="2400" b="0" i="0" dirty="0">
               <a:solidFill>
                 <a:srgbClr val="000000"/>
               </a:solidFill>
               <a:effectLst/>
+              <a:latin typeface="Calibri"/>
+              <a:cs typeface="Times New Roman"/>
             </a:endParaRPr>
           </a:p>
           <a:p>
@@ -6217,10 +6285,12 @@
               <a:buFont typeface="Arial" panose="020B0604020202020204" pitchFamily="34" charset="0"/>
               <a:buChar char="•"/>
             </a:pPr>
-            <a:endParaRPr lang="en-US" sz="2400">
+            <a:endParaRPr lang="en-US" sz="2400" dirty="0">
               <a:solidFill>
                 <a:srgbClr val="000000"/>
               </a:solidFill>
+              <a:latin typeface="Calibri"/>
+              <a:cs typeface="Times New Roman"/>
             </a:endParaRPr>
           </a:p>
           <a:p>
@@ -6228,11 +6298,13 @@
               <a:buFont typeface="Arial" panose="020B0604020202020204" pitchFamily="34" charset="0"/>
               <a:buChar char="•"/>
             </a:pPr>
-            <a:endParaRPr lang="en-US" sz="2400" b="0" i="0">
+            <a:endParaRPr lang="en-US" sz="2400" b="0" i="0" dirty="0">
               <a:solidFill>
                 <a:srgbClr val="000000"/>
               </a:solidFill>
               <a:effectLst/>
+              <a:latin typeface="Calibri"/>
+              <a:cs typeface="Times New Roman"/>
             </a:endParaRPr>
           </a:p>
           <a:p>
@@ -6240,10 +6312,12 @@
               <a:buFont typeface="Arial" panose="020B0604020202020204" pitchFamily="34" charset="0"/>
               <a:buChar char="•"/>
             </a:pPr>
-            <a:endParaRPr lang="en-US" sz="2400">
+            <a:endParaRPr lang="en-US" sz="2400" dirty="0">
               <a:solidFill>
                 <a:srgbClr val="000000"/>
               </a:solidFill>
+              <a:latin typeface="Calibri"/>
+              <a:cs typeface="Times New Roman"/>
             </a:endParaRPr>
           </a:p>
           <a:p>
@@ -6251,11 +6325,13 @@
               <a:buFont typeface="Arial" panose="020B0604020202020204" pitchFamily="34" charset="0"/>
               <a:buChar char="•"/>
             </a:pPr>
-            <a:endParaRPr lang="en-US" sz="2400" b="0" i="0">
+            <a:endParaRPr lang="en-US" sz="2400" b="0" i="0" dirty="0">
               <a:solidFill>
                 <a:srgbClr val="000000"/>
               </a:solidFill>
               <a:effectLst/>
+              <a:latin typeface="Calibri"/>
+              <a:cs typeface="Times New Roman"/>
             </a:endParaRPr>
           </a:p>
           <a:p>
@@ -6263,10 +6339,12 @@
               <a:buFont typeface="Arial" panose="020B0604020202020204" pitchFamily="34" charset="0"/>
               <a:buChar char="•"/>
             </a:pPr>
-            <a:endParaRPr lang="en-US" sz="2400">
+            <a:endParaRPr lang="en-US" sz="2400" dirty="0">
               <a:solidFill>
                 <a:srgbClr val="000000"/>
               </a:solidFill>
+              <a:latin typeface="Calibri"/>
+              <a:cs typeface="Times New Roman"/>
             </a:endParaRPr>
           </a:p>
           <a:p>
@@ -6274,11 +6352,13 @@
               <a:buFont typeface="Arial" panose="020B0604020202020204" pitchFamily="34" charset="0"/>
               <a:buChar char="•"/>
             </a:pPr>
-            <a:endParaRPr lang="en-US" sz="2400" b="0" i="0">
+            <a:endParaRPr lang="en-US" sz="2400" b="0" i="0" dirty="0">
               <a:solidFill>
                 <a:srgbClr val="000000"/>
               </a:solidFill>
               <a:effectLst/>
+              <a:latin typeface="Calibri"/>
+              <a:cs typeface="Times New Roman"/>
             </a:endParaRPr>
           </a:p>
           <a:p>
@@ -6286,69 +6366,94 @@
               <a:buFont typeface="Arial" panose="020B0604020202020204" pitchFamily="34" charset="0"/>
               <a:buChar char="•"/>
             </a:pPr>
-            <a:endParaRPr lang="en-US" sz="2400">
+            <a:endParaRPr lang="en-US" sz="2400" dirty="0">
               <a:solidFill>
                 <a:srgbClr val="000000"/>
               </a:solidFill>
+              <a:latin typeface="Calibri"/>
+              <a:cs typeface="Times New Roman"/>
             </a:endParaRPr>
           </a:p>
           <a:p>
             <a:pPr rtl="0" fontAlgn="base"/>
-            <a:endParaRPr lang="en-US" sz="2400">
+            <a:endParaRPr lang="en-US" sz="2400" dirty="0">
               <a:solidFill>
                 <a:srgbClr val="000000"/>
               </a:solidFill>
+              <a:latin typeface="Calibri"/>
+              <a:cs typeface="Times New Roman"/>
             </a:endParaRPr>
           </a:p>
           <a:p>
             <a:pPr rtl="0" fontAlgn="base"/>
-            <a:endParaRPr lang="en-US" sz="2400" b="0" i="0">
+            <a:endParaRPr lang="en-US" sz="2400" b="0" i="0" dirty="0">
               <a:solidFill>
                 <a:srgbClr val="000000"/>
               </a:solidFill>
               <a:effectLst/>
+              <a:latin typeface="Calibri"/>
+              <a:cs typeface="Times New Roman"/>
             </a:endParaRPr>
           </a:p>
           <a:p>
-            <a:pPr marL="342900" indent="-342900" rtl="0" fontAlgn="base">
-              <a:buFont typeface="Arial" panose="020B0604020202020204" pitchFamily="34" charset="0"/>
-              <a:buChar char="•"/>
-            </a:pPr>
-            <a:r>
-              <a:rPr lang="en-IN" sz="2400" b="0" i="0" u="none" strike="noStrike">
+            <a:pPr marL="342900" indent="-342900" fontAlgn="base">
+              <a:buFont typeface="Arial" panose="020B0604020202020204" pitchFamily="34" charset="0"/>
+              <a:buChar char="•"/>
+            </a:pPr>
+            <a:r>
+              <a:rPr lang="en-IN" sz="2400" b="0" i="0" u="none" strike="noStrike" dirty="0">
                 <a:solidFill>
                   <a:srgbClr val="404040"/>
                 </a:solidFill>
                 <a:effectLst/>
-              </a:rPr>
-              <a:t>Project Duration in Days : </a:t>
-            </a:r>
-            <a:r>
-              <a:rPr lang="en-US" sz="2400">
+                <a:latin typeface="Calibri"/>
+                <a:cs typeface="Times New Roman"/>
+              </a:rPr>
+              <a:t>Project Duration in Days :</a:t>
+            </a:r>
+            <a:r>
+              <a:rPr lang="en-IN" sz="2400" dirty="0">
                 <a:solidFill>
                   <a:srgbClr val="404040"/>
                 </a:solidFill>
-              </a:rPr>
-              <a:t>45</a:t>
-            </a:r>
-            <a:r>
-              <a:rPr lang="en-US" sz="2400" b="0" i="0" u="none" strike="noStrike">
+                <a:latin typeface="Calibri"/>
+                <a:cs typeface="Times New Roman"/>
+              </a:rPr>
+              <a:t> 45</a:t>
+            </a:r>
+            <a:r>
+              <a:rPr lang="en-US" sz="2400" dirty="0">
                 <a:solidFill>
                   <a:srgbClr val="404040"/>
                 </a:solidFill>
-                <a:effectLst/>
-              </a:rPr>
-              <a:t> days</a:t>
+                <a:latin typeface="Calibri"/>
+                <a:cs typeface="Times New Roman"/>
+              </a:rPr>
+              <a:t> </a:t>
+            </a:r>
+            <a:r>
+              <a:rPr lang="en-US" sz="2400" b="0" i="0" u="none" strike="noStrike" dirty="0">
+                <a:solidFill>
+                  <a:srgbClr val="404040"/>
+                </a:solidFill>
+                <a:effectLst/>
+                <a:latin typeface="Calibri"/>
+                <a:cs typeface="Times New Roman"/>
+              </a:rPr>
+              <a:t>days</a:t>
             </a:r>
             <a:endParaRPr lang="en-IN" sz="2400" b="0" i="0">
               <a:solidFill>
                 <a:srgbClr val="000000"/>
               </a:solidFill>
               <a:effectLst/>
+              <a:latin typeface="Calibri"/>
+              <a:cs typeface="Times New Roman"/>
             </a:endParaRPr>
           </a:p>
           <a:p>
-            <a:endParaRPr lang="en-GB" sz="2400">
+            <a:endParaRPr lang="en-GB" sz="2400" dirty="0">
+              <a:latin typeface="Calibri"/>
               <a:cs typeface="Calibri"/>
             </a:endParaRPr>
           </a:p>
@@ -6406,21 +6511,15 @@
           <a:lstStyle/>
           <a:p>
             <a:r>
-              <a:rPr lang="en-US" i="0" u="none" strike="noStrike">
-                <a:solidFill>
-                  <a:srgbClr val="7030A0"/>
-                </a:solidFill>
-                <a:effectLst/>
-                <a:latin typeface="+mn-lt"/>
+              <a:rPr lang="en-US" i="0" u="none" strike="noStrike" dirty="0">
+                <a:effectLst/>
+                <a:latin typeface="Calibri"/>
                 <a:cs typeface="Calibri"/>
               </a:rPr>
               <a:t>ABOUT THIS APPLICATION</a:t>
             </a:r>
-            <a:endParaRPr lang="en-US">
-              <a:solidFill>
-                <a:srgbClr val="7030A0"/>
-              </a:solidFill>
-              <a:latin typeface="+mn-lt"/>
+            <a:endParaRPr lang="en-US" dirty="0">
+              <a:latin typeface="Calibri"/>
               <a:cs typeface="Calibri"/>
             </a:endParaRPr>
           </a:p>
@@ -6440,8 +6539,8 @@
         </p:nvSpPr>
         <p:spPr>
           <a:xfrm>
-            <a:off x="610397" y="1582340"/>
-            <a:ext cx="10645935" cy="3816429"/>
+            <a:off x="652730" y="2141140"/>
+            <a:ext cx="10645935" cy="2800767"/>
           </a:xfrm>
           <a:prstGeom prst="rect">
             <a:avLst/>
@@ -6449,219 +6548,216 @@
           <a:noFill/>
         </p:spPr>
         <p:txBody>
-          <a:bodyPr wrap="square">
+          <a:bodyPr wrap="square" lIns="91440" tIns="45720" rIns="91440" bIns="45720" anchor="t">
             <a:spAutoFit/>
           </a:bodyPr>
           <a:lstStyle/>
           <a:p>
-            <a:pPr marL="342900" indent="-342900" algn="l" rtl="0" fontAlgn="base">
-              <a:buFont typeface="Arial" panose="020B0604020202020204" pitchFamily="34" charset="0"/>
-              <a:buChar char="•"/>
-            </a:pPr>
-            <a:r>
-              <a:rPr lang="en-US" sz="2200" b="0" i="0">
+            <a:pPr marL="342900" indent="-342900" fontAlgn="base">
+              <a:buFont typeface="Arial" panose="020B0604020202020204" pitchFamily="34" charset="0"/>
+              <a:buChar char="•"/>
+            </a:pPr>
+            <a:r>
+              <a:rPr lang="en-US" sz="2200" b="0" i="0" dirty="0">
                 <a:solidFill>
                   <a:srgbClr val="000000"/>
                 </a:solidFill>
                 <a:effectLst/>
+                <a:latin typeface="Calibri"/>
+                <a:cs typeface="Times New Roman"/>
               </a:rPr>
               <a:t>​</a:t>
             </a:r>
             <a:r>
-              <a:rPr lang="en-IN" sz="2200" b="0" i="0" u="none" strike="noStrike">
+              <a:rPr lang="en-IN" sz="2200" b="0" i="0" u="none" strike="noStrike" dirty="0">
                 <a:solidFill>
                   <a:srgbClr val="404040"/>
                 </a:solidFill>
                 <a:effectLst/>
-              </a:rPr>
-              <a:t>The main purpose of this IMS is to</a:t>
-            </a:r>
-            <a:r>
-              <a:rPr lang="en-US" sz="2200" b="0" i="0" u="none" strike="noStrike">
+                <a:latin typeface="Calibri"/>
+                <a:cs typeface="Times New Roman"/>
+              </a:rPr>
+              <a:t>The main purpose</a:t>
+            </a:r>
+            <a:r>
+              <a:rPr lang="en-IN" sz="2200" dirty="0">
                 <a:solidFill>
                   <a:srgbClr val="404040"/>
                 </a:solidFill>
-                <a:effectLst/>
-              </a:rPr>
-              <a:t> schedule drives in an organized manner and to collect the availabilities of the interviewers.</a:t>
-            </a:r>
-            <a:r>
-              <a:rPr lang="en-US" sz="2200" b="0" i="0">
+                <a:latin typeface="Calibri"/>
+                <a:cs typeface="Times New Roman"/>
+              </a:rPr>
+              <a:t> is </a:t>
+            </a:r>
+            <a:r>
+              <a:rPr lang="en-US" sz="2200" b="0" i="0" u="none" strike="noStrike" dirty="0">
+                <a:solidFill>
+                  <a:srgbClr val="404040"/>
+                </a:solidFill>
+                <a:effectLst/>
+                <a:latin typeface="Calibri"/>
+                <a:cs typeface="Times New Roman"/>
+              </a:rPr>
+              <a:t>to collect the availabilities of the interviewers</a:t>
+            </a:r>
+            <a:r>
+              <a:rPr lang="en-US" sz="2200" dirty="0">
+                <a:solidFill>
+                  <a:srgbClr val="404040"/>
+                </a:solidFill>
+                <a:latin typeface="Calibri"/>
+                <a:cs typeface="Times New Roman"/>
+              </a:rPr>
+              <a:t> and to create drives instantly</a:t>
+            </a:r>
+            <a:r>
+              <a:rPr lang="en-US" sz="2200" b="0" i="0" u="none" strike="noStrike" dirty="0">
+                <a:solidFill>
+                  <a:srgbClr val="404040"/>
+                </a:solidFill>
+                <a:effectLst/>
+                <a:latin typeface="Calibri"/>
+                <a:cs typeface="Times New Roman"/>
+              </a:rPr>
+              <a:t>.</a:t>
+            </a:r>
+            <a:r>
+              <a:rPr lang="en-US" sz="2200" b="0" i="0" dirty="0">
                 <a:solidFill>
                   <a:srgbClr val="000000"/>
                 </a:solidFill>
                 <a:effectLst/>
+                <a:latin typeface="Calibri"/>
+                <a:cs typeface="Times New Roman"/>
               </a:rPr>
               <a:t>​</a:t>
             </a:r>
           </a:p>
           <a:p>
-            <a:pPr marL="342900" indent="-342900" algn="l" rtl="0" fontAlgn="base">
-              <a:buFont typeface="Arial" panose="020B0604020202020204" pitchFamily="34" charset="0"/>
-              <a:buChar char="•"/>
-            </a:pPr>
-            <a:endParaRPr lang="en-US" sz="2200" u="none" strike="noStrike">
+            <a:pPr marL="342900" indent="-342900" algn="l">
+              <a:buFont typeface="Arial" panose="020B0604020202020204" pitchFamily="34" charset="0"/>
+              <a:buChar char="•"/>
+            </a:pPr>
+            <a:endParaRPr lang="en-US" sz="2200" u="none" strike="noStrike" dirty="0">
               <a:solidFill>
                 <a:srgbClr val="000000"/>
               </a:solidFill>
+              <a:latin typeface="Calibri"/>
+              <a:cs typeface="Calibri"/>
             </a:endParaRPr>
           </a:p>
           <a:p>
-            <a:pPr marL="342900" indent="-342900" algn="l" rtl="0" fontAlgn="base">
-              <a:buFont typeface="Arial" panose="020B0604020202020204" pitchFamily="34" charset="0"/>
-              <a:buChar char="•"/>
-            </a:pPr>
-            <a:r>
-              <a:rPr lang="en-US" sz="2200" b="0" i="0" u="none" strike="noStrike">
-                <a:solidFill>
-                  <a:srgbClr val="404040"/>
-                </a:solidFill>
-                <a:effectLst/>
-              </a:rPr>
-              <a:t>This system is very helpful to measure the performance of each interviewer themselves.</a:t>
-            </a:r>
-            <a:r>
-              <a:rPr lang="en-US" sz="2200" b="0" i="0">
+            <a:pPr marL="342900" indent="-342900">
+              <a:buFont typeface="Arial" panose="020B0604020202020204" pitchFamily="34" charset="0"/>
+              <a:buChar char="•"/>
+            </a:pPr>
+            <a:r>
+              <a:rPr lang="en-US" sz="2200" dirty="0">
                 <a:solidFill>
                   <a:srgbClr val="000000"/>
                 </a:solidFill>
-                <a:effectLst/>
-              </a:rPr>
-              <a:t>​</a:t>
-            </a:r>
-          </a:p>
-          <a:p>
-            <a:pPr marL="342900" indent="-342900" algn="l" rtl="0" fontAlgn="base">
-              <a:buFont typeface="Arial" panose="020B0604020202020204" pitchFamily="34" charset="0"/>
-              <a:buChar char="•"/>
-            </a:pPr>
-            <a:endParaRPr lang="en-US" sz="2200" u="none" strike="noStrike">
+                <a:latin typeface="Calibri"/>
+                <a:cs typeface="Calibri"/>
+              </a:rPr>
+              <a:t>To conduct large </a:t>
+            </a:r>
+            <a:r>
+              <a:rPr lang="en-US" sz="2200" dirty="0" err="1">
+                <a:solidFill>
+                  <a:srgbClr val="000000"/>
+                </a:solidFill>
+                <a:latin typeface="Calibri"/>
+                <a:cs typeface="Calibri"/>
+              </a:rPr>
+              <a:t>No.of</a:t>
+            </a:r>
+            <a:r>
+              <a:rPr lang="en-US" sz="2200" dirty="0">
+                <a:solidFill>
+                  <a:srgbClr val="000000"/>
+                </a:solidFill>
+                <a:latin typeface="Calibri"/>
+                <a:cs typeface="Calibri"/>
+              </a:rPr>
+              <a:t> drives instantly and in organized manner.</a:t>
+            </a:r>
+          </a:p>
+          <a:p>
+            <a:pPr marL="342900" indent="-342900">
+              <a:buFont typeface="Arial" panose="020B0604020202020204" pitchFamily="34" charset="0"/>
+              <a:buChar char="•"/>
+            </a:pPr>
+            <a:endParaRPr lang="en-US" sz="2200" dirty="0">
               <a:solidFill>
                 <a:srgbClr val="000000"/>
               </a:solidFill>
+              <a:latin typeface="Calibri"/>
+              <a:cs typeface="Calibri"/>
             </a:endParaRPr>
           </a:p>
           <a:p>
-            <a:pPr marL="342900" indent="-342900" algn="l" rtl="0" fontAlgn="base">
-              <a:buFont typeface="Arial" panose="020B0604020202020204" pitchFamily="34" charset="0"/>
-              <a:buChar char="•"/>
-            </a:pPr>
-            <a:r>
-              <a:rPr lang="en-US" sz="2200" b="0" i="0" u="none" strike="noStrike">
-                <a:solidFill>
-                  <a:srgbClr val="404040"/>
-                </a:solidFill>
-                <a:effectLst/>
-              </a:rPr>
-              <a:t>Management person</a:t>
-            </a:r>
-            <a:r>
-              <a:rPr lang="en-IN" sz="2200" b="0" i="0" u="none" strike="noStrike">
-                <a:solidFill>
-                  <a:srgbClr val="404040"/>
-                </a:solidFill>
-                <a:effectLst/>
-              </a:rPr>
-              <a:t> is </a:t>
-            </a:r>
-            <a:r>
-              <a:rPr lang="en-US" sz="2200" b="0" i="0" u="none" strike="noStrike">
-                <a:solidFill>
-                  <a:srgbClr val="404040"/>
-                </a:solidFill>
-                <a:effectLst/>
-              </a:rPr>
-              <a:t>the one who can view the performance of the interviewers of his/her department. So, this </a:t>
-            </a:r>
-            <a:r>
-              <a:rPr lang="en-IN" sz="2200" b="0" i="0" u="none" strike="noStrike">
-                <a:solidFill>
-                  <a:srgbClr val="404040"/>
-                </a:solidFill>
-                <a:effectLst/>
-              </a:rPr>
-              <a:t>an extra privilege given to the users.</a:t>
-            </a:r>
-            <a:r>
-              <a:rPr lang="en-US" sz="2200" b="0" i="0" u="none" strike="noStrike">
-                <a:solidFill>
-                  <a:srgbClr val="404040"/>
-                </a:solidFill>
-                <a:effectLst/>
-              </a:rPr>
-              <a:t> </a:t>
-            </a:r>
-            <a:r>
-              <a:rPr lang="en-US" sz="2200" b="0" i="0">
+            <a:pPr marL="342900" indent="-342900">
+              <a:buFont typeface="Arial" panose="020B0604020202020204" pitchFamily="34" charset="0"/>
+              <a:buChar char="•"/>
+            </a:pPr>
+            <a:r>
+              <a:rPr lang="en-US" sz="2200" dirty="0">
                 <a:solidFill>
                   <a:srgbClr val="000000"/>
                 </a:solidFill>
-                <a:effectLst/>
-              </a:rPr>
-              <a:t>​</a:t>
-            </a:r>
-          </a:p>
-          <a:p>
-            <a:pPr marL="342900" indent="-342900" algn="l" rtl="0" fontAlgn="base">
-              <a:buFont typeface="Arial" panose="020B0604020202020204" pitchFamily="34" charset="0"/>
-              <a:buChar char="•"/>
-            </a:pPr>
-            <a:endParaRPr lang="en-US" sz="2200" u="none" strike="noStrike">
+                <a:latin typeface="Calibri"/>
+                <a:cs typeface="Calibri"/>
+              </a:rPr>
+              <a:t>Also we have provision to create a pool of interviewers to send drive invites.</a:t>
+            </a:r>
+          </a:p>
+          <a:p>
+            <a:pPr marL="342900" indent="-342900" fontAlgn="base">
+              <a:buFont typeface="Arial" panose="020B0604020202020204" pitchFamily="34" charset="0"/>
+              <a:buChar char="•"/>
+            </a:pPr>
+            <a:endParaRPr lang="en-US" sz="2200" dirty="0">
               <a:solidFill>
                 <a:srgbClr val="000000"/>
               </a:solidFill>
+              <a:latin typeface="Calibri"/>
+              <a:cs typeface="Times New Roman"/>
             </a:endParaRPr>
           </a:p>
           <a:p>
-            <a:pPr marL="342900" indent="-342900" algn="l" rtl="0" fontAlgn="base">
-              <a:buFont typeface="Arial" panose="020B0604020202020204" pitchFamily="34" charset="0"/>
-              <a:buChar char="•"/>
-            </a:pPr>
-            <a:r>
-              <a:rPr lang="en-IN" sz="2200" b="0" i="0" u="none" strike="noStrike">
+            <a:pPr marL="342900" indent="-342900" fontAlgn="base">
+              <a:buFont typeface="Arial" panose="020B0604020202020204" pitchFamily="34" charset="0"/>
+              <a:buChar char="•"/>
+            </a:pPr>
+            <a:r>
+              <a:rPr lang="en-US" sz="2200" dirty="0">
                 <a:solidFill>
                   <a:srgbClr val="404040"/>
                 </a:solidFill>
-                <a:effectLst/>
-              </a:rPr>
-              <a:t>Admin is another user</a:t>
-            </a:r>
-            <a:r>
-              <a:rPr lang="en-US" sz="2200" b="0" i="0" u="none" strike="noStrike">
+                <a:latin typeface="Calibri"/>
+                <a:cs typeface="Times New Roman"/>
+              </a:rPr>
+              <a:t>Utilization of the interviewers can be measured</a:t>
+            </a:r>
+            <a:r>
+              <a:rPr lang="en-US" sz="2200" b="0" i="0" u="none" strike="noStrike" dirty="0">
                 <a:solidFill>
                   <a:srgbClr val="404040"/>
                 </a:solidFill>
                 <a:effectLst/>
-              </a:rPr>
-              <a:t>, </a:t>
-            </a:r>
-            <a:r>
-              <a:rPr lang="en-IN" sz="2200" b="0" i="0" u="none" strike="noStrike">
-                <a:solidFill>
-                  <a:srgbClr val="404040"/>
-                </a:solidFill>
-                <a:effectLst/>
-              </a:rPr>
-              <a:t>who has the permission to verify the register user and allow the user to access the website</a:t>
-            </a:r>
-            <a:r>
-              <a:rPr lang="en-US" sz="2200" b="0" i="0" u="none" strike="noStrike">
-                <a:solidFill>
-                  <a:srgbClr val="404040"/>
-                </a:solidFill>
-                <a:effectLst/>
-              </a:rPr>
-              <a:t> and to manage the Departments, Locations, Projects and Roles of our company.</a:t>
-            </a:r>
-            <a:r>
-              <a:rPr lang="en-IN" sz="2200" b="0" i="0">
-                <a:solidFill>
-                  <a:srgbClr val="000000"/>
-                </a:solidFill>
-                <a:effectLst/>
-              </a:rPr>
-              <a:t>​</a:t>
-            </a:r>
+                <a:latin typeface="Calibri"/>
+                <a:cs typeface="Times New Roman"/>
+              </a:rPr>
+              <a:t>.</a:t>
+            </a:r>
+            <a:endParaRPr lang="en-IN" sz="2200" b="0" i="0">
+              <a:solidFill>
+                <a:srgbClr val="404040"/>
+              </a:solidFill>
+              <a:effectLst/>
+              <a:latin typeface="Calibri"/>
+              <a:cs typeface="Times New Roman"/>
+            </a:endParaRPr>
           </a:p>
         </p:txBody>
       </p:sp>
@@ -6717,33 +6813,21 @@
           <a:lstStyle/>
           <a:p>
             <a:r>
-              <a:rPr lang="en-IN" i="0" u="none" strike="noStrike">
-                <a:solidFill>
-                  <a:srgbClr val="7030A0"/>
-                </a:solidFill>
+              <a:rPr lang="en-IN" i="0" u="none" strike="noStrike" dirty="0">
                 <a:effectLst/>
                 <a:latin typeface="+mn-lt"/>
-                <a:cs typeface="Calibri"/>
               </a:rPr>
               <a:t>EXISTING CHALLENGES</a:t>
             </a:r>
             <a:r>
-              <a:rPr lang="en-IN" i="0">
-                <a:solidFill>
-                  <a:srgbClr val="7030A0"/>
-                </a:solidFill>
+              <a:rPr lang="en-IN" i="0" dirty="0">
                 <a:effectLst/>
                 <a:latin typeface="+mn-lt"/>
-                <a:cs typeface="Calibri"/>
               </a:rPr>
               <a:t>​</a:t>
             </a:r>
-            <a:endParaRPr lang="en-US">
-              <a:solidFill>
-                <a:srgbClr val="7030A0"/>
-              </a:solidFill>
+            <a:endParaRPr lang="en-US" dirty="0">
               <a:latin typeface="+mn-lt"/>
-              <a:cs typeface="Calibri"/>
             </a:endParaRPr>
           </a:p>
         </p:txBody>
@@ -6771,7 +6855,7 @@
           <a:noFill/>
         </p:spPr>
         <p:txBody>
-          <a:bodyPr wrap="square">
+          <a:bodyPr wrap="square" lIns="91440" tIns="45720" rIns="91440" bIns="45720" anchor="t">
             <a:spAutoFit/>
           </a:bodyPr>
           <a:lstStyle/>
@@ -6781,22 +6865,24 @@
               <a:buChar char="•"/>
             </a:pPr>
             <a:r>
-              <a:rPr lang="en-IN" sz="2200" b="0" i="0" u="none" strike="noStrike">
+              <a:rPr lang="en-IN" sz="2200" b="0" i="0" u="none" strike="noStrike" dirty="0">
                 <a:solidFill>
                   <a:srgbClr val="242424"/>
                 </a:solidFill>
                 <a:effectLst/>
-                <a:latin typeface="-apple-system"/>
+                <a:latin typeface="Calibri"/>
+                <a:cs typeface="Calibri"/>
               </a:rPr>
               <a:t>It is very tough to organize a drive and the time wasted for this process is too high.</a:t>
             </a:r>
             <a:r>
-              <a:rPr lang="en-US" sz="2200" b="0" i="0">
+              <a:rPr lang="en-US" sz="2200" b="0" i="0" dirty="0">
                 <a:solidFill>
                   <a:srgbClr val="000000"/>
                 </a:solidFill>
                 <a:effectLst/>
-                <a:latin typeface="-apple-system"/>
+                <a:latin typeface="Calibri"/>
+                <a:cs typeface="Calibri"/>
               </a:rPr>
               <a:t>​</a:t>
             </a:r>
@@ -6805,7 +6891,8 @@
                 <a:srgbClr val="000000"/>
               </a:solidFill>
               <a:effectLst/>
-              <a:latin typeface="Arial" panose="020B0604020202020204" pitchFamily="34" charset="0"/>
+              <a:latin typeface="Calibri"/>
+              <a:cs typeface="Calibri"/>
             </a:endParaRPr>
           </a:p>
           <a:p>
@@ -6813,56 +6900,111 @@
               <a:buFont typeface="Arial" panose="020B0604020202020204" pitchFamily="34" charset="0"/>
               <a:buChar char="•"/>
             </a:pPr>
+            <a:endParaRPr lang="en-US" sz="2200" b="0" i="0" dirty="0">
+              <a:solidFill>
+                <a:srgbClr val="000000"/>
+              </a:solidFill>
+              <a:effectLst/>
+              <a:latin typeface="Calibri"/>
+              <a:cs typeface="Calibri"/>
+            </a:endParaRPr>
+          </a:p>
+          <a:p>
+            <a:pPr marL="342900" indent="-342900" algn="l" rtl="0" fontAlgn="base">
+              <a:buFont typeface="Arial" panose="020B0604020202020204" pitchFamily="34" charset="0"/>
+              <a:buChar char="•"/>
+            </a:pPr>
+            <a:r>
+              <a:rPr lang="en-US" sz="2200" b="0" i="0" u="none" strike="noStrike" dirty="0">
+                <a:solidFill>
+                  <a:srgbClr val="242424"/>
+                </a:solidFill>
+                <a:effectLst/>
+                <a:latin typeface="Calibri"/>
+                <a:cs typeface="Calibri"/>
+              </a:rPr>
+              <a:t>It is hard to </a:t>
+            </a:r>
+            <a:r>
+              <a:rPr lang="en-IN" sz="2200" b="0" i="0" u="none" strike="noStrike" dirty="0">
+                <a:solidFill>
+                  <a:srgbClr val="242424"/>
+                </a:solidFill>
+                <a:effectLst/>
+                <a:latin typeface="Calibri"/>
+                <a:cs typeface="Calibri"/>
+              </a:rPr>
+              <a:t>find the availability of an interviewer</a:t>
+            </a:r>
+            <a:r>
+              <a:rPr lang="en-US" sz="2200" b="0" i="0" u="none" strike="noStrike" dirty="0">
+                <a:solidFill>
+                  <a:srgbClr val="242424"/>
+                </a:solidFill>
+                <a:effectLst/>
+                <a:latin typeface="Calibri"/>
+                <a:cs typeface="Calibri"/>
+              </a:rPr>
+              <a:t>.</a:t>
+            </a:r>
+            <a:r>
+              <a:rPr lang="en-US" sz="2200" b="0" i="0" dirty="0">
+                <a:solidFill>
+                  <a:srgbClr val="000000"/>
+                </a:solidFill>
+                <a:effectLst/>
+                <a:latin typeface="Calibri"/>
+                <a:cs typeface="Calibri"/>
+              </a:rPr>
+              <a:t>​</a:t>
+            </a:r>
             <a:endParaRPr lang="en-US" sz="2200" b="0" i="0">
               <a:solidFill>
                 <a:srgbClr val="000000"/>
               </a:solidFill>
               <a:effectLst/>
-              <a:latin typeface="Arial" panose="020B0604020202020204" pitchFamily="34" charset="0"/>
+              <a:latin typeface="Calibri"/>
+              <a:cs typeface="Calibri"/>
             </a:endParaRPr>
           </a:p>
           <a:p>
+            <a:pPr algn="l" rtl="0" fontAlgn="base">
+              <a:buFont typeface="Arial" panose="020B0604020202020204" pitchFamily="34" charset="0"/>
+              <a:buChar char="•"/>
+            </a:pPr>
+            <a:endParaRPr lang="en-US" sz="2200" b="0" i="0" dirty="0">
+              <a:solidFill>
+                <a:srgbClr val="000000"/>
+              </a:solidFill>
+              <a:effectLst/>
+              <a:latin typeface="Calibri"/>
+              <a:cs typeface="Calibri"/>
+            </a:endParaRPr>
+          </a:p>
+          <a:p>
             <a:pPr marL="342900" indent="-342900" algn="l" rtl="0" fontAlgn="base">
               <a:buFont typeface="Arial" panose="020B0604020202020204" pitchFamily="34" charset="0"/>
               <a:buChar char="•"/>
             </a:pPr>
             <a:r>
-              <a:rPr lang="en-US" sz="2200" b="0" i="0" u="none" strike="noStrike">
+              <a:rPr lang="en-US" sz="2200" b="0" i="0" u="none" strike="noStrike" dirty="0">
                 <a:solidFill>
                   <a:srgbClr val="242424"/>
                 </a:solidFill>
                 <a:effectLst/>
-                <a:latin typeface="-apple-system"/>
-              </a:rPr>
-              <a:t>It is hard to </a:t>
-            </a:r>
-            <a:r>
-              <a:rPr lang="en-IN" sz="2200" b="0" i="0" u="none" strike="noStrike">
-                <a:solidFill>
-                  <a:srgbClr val="242424"/>
-                </a:solidFill>
-                <a:effectLst/>
-                <a:latin typeface="-apple-system"/>
-              </a:rPr>
-              <a:t>find the availability of an interviewer</a:t>
-            </a:r>
-            <a:r>
-              <a:rPr lang="en-US" sz="2200" b="0" i="0" u="none" strike="noStrike">
-                <a:solidFill>
-                  <a:srgbClr val="242424"/>
-                </a:solidFill>
-                <a:effectLst/>
-                <a:latin typeface="-apple-system"/>
-              </a:rPr>
-              <a:t>.</a:t>
-            </a:r>
-            <a:r>
-              <a:rPr lang="en-US" sz="2200" b="0" i="0">
+                <a:latin typeface="Calibri"/>
+                <a:cs typeface="Calibri"/>
+              </a:rPr>
+              <a:t>It is hard to measure the performance of each interviewer and increase their responsibilities and ownership towards the organization</a:t>
+            </a:r>
+            <a:r>
+              <a:rPr lang="en-US" sz="2200" b="0" i="0" dirty="0">
                 <a:solidFill>
                   <a:srgbClr val="000000"/>
                 </a:solidFill>
                 <a:effectLst/>
-                <a:latin typeface="-apple-system"/>
+                <a:latin typeface="Calibri"/>
+                <a:cs typeface="Calibri"/>
               </a:rPr>
               <a:t>​</a:t>
             </a:r>
@@ -6871,7 +7013,8 @@
                 <a:srgbClr val="000000"/>
               </a:solidFill>
               <a:effectLst/>
-              <a:latin typeface="Arial" panose="020B0604020202020204" pitchFamily="34" charset="0"/>
+              <a:latin typeface="Calibri"/>
+              <a:cs typeface="Calibri"/>
             </a:endParaRPr>
           </a:p>
           <a:p>
@@ -6879,71 +7022,27 @@
               <a:buFont typeface="Arial" panose="020B0604020202020204" pitchFamily="34" charset="0"/>
               <a:buChar char="•"/>
             </a:pPr>
-            <a:endParaRPr lang="en-US" sz="2200" b="0" i="0">
+            <a:endParaRPr lang="en-US" sz="2200" b="0" i="0" dirty="0">
               <a:solidFill>
                 <a:srgbClr val="000000"/>
               </a:solidFill>
               <a:effectLst/>
-              <a:latin typeface="Arial" panose="020B0604020202020204" pitchFamily="34" charset="0"/>
+              <a:latin typeface="Calibri"/>
+              <a:cs typeface="Calibri"/>
             </a:endParaRPr>
           </a:p>
           <a:p>
-            <a:pPr marL="342900" indent="-342900" algn="l" rtl="0" fontAlgn="base">
-              <a:buFont typeface="Arial" panose="020B0604020202020204" pitchFamily="34" charset="0"/>
-              <a:buChar char="•"/>
-            </a:pPr>
-            <a:r>
-              <a:rPr lang="en-US" sz="2200" b="0" i="0" u="none" strike="noStrike">
-                <a:solidFill>
-                  <a:srgbClr val="242424"/>
-                </a:solidFill>
-                <a:effectLst/>
-                <a:latin typeface="-apple-system"/>
-              </a:rPr>
-              <a:t>It is hard to measure the performance of each interviewer and increase their responsibilities and ownership towards the organization</a:t>
-            </a:r>
-            <a:r>
-              <a:rPr lang="en-US" sz="2200" b="0" i="0">
-                <a:solidFill>
-                  <a:srgbClr val="000000"/>
-                </a:solidFill>
-                <a:effectLst/>
-                <a:latin typeface="-apple-system"/>
-              </a:rPr>
-              <a:t>​</a:t>
-            </a:r>
-            <a:endParaRPr lang="en-US" sz="2200" b="0" i="0">
+            <a:pPr algn="l" rtl="0" fontAlgn="base">
+              <a:buFont typeface="Arial" panose="020B0604020202020204" pitchFamily="34" charset="0"/>
+              <a:buChar char="•"/>
+            </a:pPr>
+            <a:endParaRPr lang="en-IN" sz="2200" b="0" i="0" dirty="0">
               <a:solidFill>
                 <a:srgbClr val="000000"/>
               </a:solidFill>
               <a:effectLst/>
-              <a:latin typeface="Arial" panose="020B0604020202020204" pitchFamily="34" charset="0"/>
-            </a:endParaRPr>
-          </a:p>
-          <a:p>
-            <a:pPr algn="l" rtl="0" fontAlgn="base">
-              <a:buFont typeface="Arial" panose="020B0604020202020204" pitchFamily="34" charset="0"/>
-              <a:buChar char="•"/>
-            </a:pPr>
-            <a:endParaRPr lang="en-US" sz="2200" b="0" i="0">
-              <a:solidFill>
-                <a:srgbClr val="000000"/>
-              </a:solidFill>
-              <a:effectLst/>
-              <a:latin typeface="Arial" panose="020B0604020202020204" pitchFamily="34" charset="0"/>
-            </a:endParaRPr>
-          </a:p>
-          <a:p>
-            <a:pPr algn="l" rtl="0" fontAlgn="base">
-              <a:buFont typeface="Arial" panose="020B0604020202020204" pitchFamily="34" charset="0"/>
-              <a:buChar char="•"/>
-            </a:pPr>
-            <a:endParaRPr lang="en-IN" sz="2200" b="0" i="0">
-              <a:solidFill>
-                <a:srgbClr val="000000"/>
-              </a:solidFill>
-              <a:effectLst/>
-              <a:latin typeface="Arial" panose="020B0604020202020204" pitchFamily="34" charset="0"/>
+              <a:latin typeface="Calibri"/>
+              <a:cs typeface="Calibri"/>
             </a:endParaRPr>
           </a:p>
         </p:txBody>
@@ -7000,13 +7099,7 @@
           <a:lstStyle/>
           <a:p>
             <a:r>
-              <a:rPr lang="en-US">
-                <a:solidFill>
-                  <a:srgbClr val="7030A0"/>
-                </a:solidFill>
-                <a:latin typeface="Calibri"/>
-                <a:cs typeface="Calibri"/>
-              </a:rPr>
+              <a:rPr lang="en-US" dirty="0"/>
               <a:t>SOLUTION AND ARCHITECTURE</a:t>
             </a:r>
           </a:p>
@@ -7026,7 +7119,7 @@
         </p:nvSpPr>
         <p:spPr>
           <a:xfrm>
-            <a:off x="739254" y="1753359"/>
+            <a:off x="764654" y="2142826"/>
             <a:ext cx="9761941" cy="2800767"/>
           </a:xfrm>
           <a:prstGeom prst="rect">
@@ -7035,7 +7128,7 @@
           <a:noFill/>
         </p:spPr>
         <p:txBody>
-          <a:bodyPr wrap="square">
+          <a:bodyPr wrap="square" lIns="91440" tIns="45720" rIns="91440" bIns="45720" anchor="t">
             <a:spAutoFit/>
           </a:bodyPr>
           <a:lstStyle/>
@@ -7045,22 +7138,24 @@
               <a:buChar char="•"/>
             </a:pPr>
             <a:r>
-              <a:rPr lang="en-US" sz="2200" b="0" i="0" u="none" strike="noStrike">
+              <a:rPr lang="en-US" sz="2200" b="0" i="0" u="none" strike="noStrike" dirty="0">
                 <a:solidFill>
                   <a:srgbClr val="242424"/>
                 </a:solidFill>
                 <a:effectLst/>
-                <a:latin typeface="-apple-system"/>
+                <a:latin typeface="Calibri"/>
+                <a:cs typeface="Calibri"/>
               </a:rPr>
               <a:t>It is easy to collect the availability of the interviewers for the drive within a particular interval of time.</a:t>
             </a:r>
             <a:r>
-              <a:rPr lang="en-US" sz="2200" b="0" i="0">
+              <a:rPr lang="en-US" sz="2200" b="0" i="0" dirty="0">
                 <a:solidFill>
                   <a:srgbClr val="000000"/>
                 </a:solidFill>
                 <a:effectLst/>
-                <a:latin typeface="-apple-system"/>
+                <a:latin typeface="Calibri"/>
+                <a:cs typeface="Calibri"/>
               </a:rPr>
               <a:t>​</a:t>
             </a:r>
@@ -7069,7 +7164,8 @@
                 <a:srgbClr val="000000"/>
               </a:solidFill>
               <a:effectLst/>
-              <a:latin typeface="Arial" panose="020B0604020202020204" pitchFamily="34" charset="0"/>
+              <a:latin typeface="Calibri"/>
+              <a:cs typeface="Calibri"/>
             </a:endParaRPr>
           </a:p>
           <a:p>
@@ -7077,36 +7173,89 @@
               <a:buFont typeface="Arial" panose="020B0604020202020204" pitchFamily="34" charset="0"/>
               <a:buChar char="•"/>
             </a:pPr>
+            <a:endParaRPr lang="en-US" sz="2200" b="0" i="0" dirty="0">
+              <a:solidFill>
+                <a:srgbClr val="000000"/>
+              </a:solidFill>
+              <a:effectLst/>
+              <a:latin typeface="Calibri"/>
+              <a:cs typeface="Calibri"/>
+            </a:endParaRPr>
+          </a:p>
+          <a:p>
+            <a:pPr marL="285750" indent="-285750" algn="l" rtl="0" fontAlgn="base">
+              <a:buFont typeface="Arial" panose="020B0604020202020204" pitchFamily="34" charset="0"/>
+              <a:buChar char="•"/>
+            </a:pPr>
+            <a:r>
+              <a:rPr lang="en-US" sz="2200" b="0" i="0" u="none" strike="noStrike" dirty="0">
+                <a:solidFill>
+                  <a:srgbClr val="242424"/>
+                </a:solidFill>
+                <a:effectLst/>
+                <a:latin typeface="Calibri"/>
+                <a:cs typeface="Calibri"/>
+              </a:rPr>
+              <a:t>It is easy for an interviewer to track their performance.</a:t>
+            </a:r>
+            <a:r>
+              <a:rPr lang="en-US" sz="2200" b="0" i="0" dirty="0">
+                <a:solidFill>
+                  <a:srgbClr val="000000"/>
+                </a:solidFill>
+                <a:effectLst/>
+                <a:latin typeface="Calibri"/>
+                <a:cs typeface="Calibri"/>
+              </a:rPr>
+              <a:t>​</a:t>
+            </a:r>
             <a:endParaRPr lang="en-US" sz="2200" b="0" i="0">
               <a:solidFill>
                 <a:srgbClr val="000000"/>
               </a:solidFill>
               <a:effectLst/>
-              <a:latin typeface="Arial" panose="020B0604020202020204" pitchFamily="34" charset="0"/>
+              <a:latin typeface="Calibri"/>
+              <a:cs typeface="Calibri"/>
             </a:endParaRPr>
           </a:p>
           <a:p>
+            <a:pPr algn="l" rtl="0" fontAlgn="base">
+              <a:buFont typeface="Arial" panose="020B0604020202020204" pitchFamily="34" charset="0"/>
+              <a:buChar char="•"/>
+            </a:pPr>
+            <a:endParaRPr lang="en-US" sz="2200" b="0" i="0" dirty="0">
+              <a:solidFill>
+                <a:srgbClr val="000000"/>
+              </a:solidFill>
+              <a:effectLst/>
+              <a:latin typeface="Calibri"/>
+              <a:cs typeface="Calibri"/>
+            </a:endParaRPr>
+          </a:p>
+          <a:p>
             <a:pPr marL="285750" indent="-285750" algn="l" rtl="0" fontAlgn="base">
               <a:buFont typeface="Arial" panose="020B0604020202020204" pitchFamily="34" charset="0"/>
               <a:buChar char="•"/>
             </a:pPr>
             <a:r>
-              <a:rPr lang="en-US" sz="2200" b="0" i="0" u="none" strike="noStrike">
+              <a:rPr lang="en-US" sz="2200" b="0" i="0" u="none" strike="noStrike" dirty="0">
                 <a:solidFill>
                   <a:srgbClr val="242424"/>
                 </a:solidFill>
                 <a:effectLst/>
-                <a:latin typeface="-apple-system"/>
-              </a:rPr>
-              <a:t>It is easy for an interviewer to track their performance.</a:t>
-            </a:r>
-            <a:r>
-              <a:rPr lang="en-US" sz="2200" b="0" i="0">
+                <a:latin typeface="Calibri"/>
+                <a:cs typeface="Calibri"/>
+              </a:rPr>
+              <a:t>It is helpful for a Management person to track his/her performance and it will give and overall picture of their department's performance as well.</a:t>
+            </a:r>
+            <a:r>
+              <a:rPr lang="en-US" sz="2200" b="0" i="0" dirty="0">
                 <a:solidFill>
                   <a:srgbClr val="000000"/>
                 </a:solidFill>
                 <a:effectLst/>
-                <a:latin typeface="-apple-system"/>
+                <a:latin typeface="Calibri"/>
+                <a:cs typeface="Calibri"/>
               </a:rPr>
               <a:t>​</a:t>
             </a:r>
@@ -7115,7 +7264,8 @@
                 <a:srgbClr val="000000"/>
               </a:solidFill>
               <a:effectLst/>
-              <a:latin typeface="Arial" panose="020B0604020202020204" pitchFamily="34" charset="0"/>
+              <a:latin typeface="Calibri"/>
+              <a:cs typeface="Calibri"/>
             </a:endParaRPr>
           </a:p>
           <a:p>
@@ -7123,58 +7273,13 @@
               <a:buFont typeface="Arial" panose="020B0604020202020204" pitchFamily="34" charset="0"/>
               <a:buChar char="•"/>
             </a:pPr>
-            <a:endParaRPr lang="en-US" sz="2200" b="0" i="0">
+            <a:endParaRPr lang="en-IN" sz="2200" b="0" i="0" dirty="0">
               <a:solidFill>
                 <a:srgbClr val="000000"/>
               </a:solidFill>
               <a:effectLst/>
-              <a:latin typeface="Arial" panose="020B0604020202020204" pitchFamily="34" charset="0"/>
-            </a:endParaRPr>
-          </a:p>
-          <a:p>
-            <a:pPr marL="285750" indent="-285750" algn="l" rtl="0" fontAlgn="base">
-              <a:buFont typeface="Arial" panose="020B0604020202020204" pitchFamily="34" charset="0"/>
-              <a:buChar char="•"/>
-            </a:pPr>
-            <a:r>
-              <a:rPr lang="en-US" sz="2200" b="0" i="0" u="none" strike="noStrike">
-                <a:solidFill>
-                  <a:srgbClr val="242424"/>
-                </a:solidFill>
-                <a:effectLst/>
-                <a:latin typeface="-apple-system"/>
-              </a:rPr>
-              <a:t>It is helpful for a Management person to track his/her performance and it will give and overall picture of their department's performance as well.</a:t>
-            </a:r>
-            <a:r>
-              <a:rPr lang="en-US" sz="2200" b="0" i="0">
-                <a:solidFill>
-                  <a:srgbClr val="000000"/>
-                </a:solidFill>
-                <a:effectLst/>
-                <a:latin typeface="-apple-system"/>
-              </a:rPr>
-              <a:t>​</a:t>
-            </a:r>
-            <a:endParaRPr lang="en-US" sz="2200" b="0" i="0">
-              <a:solidFill>
-                <a:srgbClr val="000000"/>
-              </a:solidFill>
-              <a:effectLst/>
-              <a:latin typeface="Arial" panose="020B0604020202020204" pitchFamily="34" charset="0"/>
-            </a:endParaRPr>
-          </a:p>
-          <a:p>
-            <a:pPr algn="l" rtl="0" fontAlgn="base">
-              <a:buFont typeface="Arial" panose="020B0604020202020204" pitchFamily="34" charset="0"/>
-              <a:buChar char="•"/>
-            </a:pPr>
-            <a:endParaRPr lang="en-IN" sz="2200" b="0" i="0">
-              <a:solidFill>
-                <a:srgbClr val="000000"/>
-              </a:solidFill>
-              <a:effectLst/>
-              <a:latin typeface="Arial" panose="020B0604020202020204" pitchFamily="34" charset="0"/>
+              <a:latin typeface="Calibri"/>
+              <a:cs typeface="Calibri"/>
             </a:endParaRPr>
           </a:p>
         </p:txBody>
@@ -7231,13 +7336,7 @@
           <a:lstStyle/>
           <a:p>
             <a:r>
-              <a:rPr lang="en-US">
-                <a:solidFill>
-                  <a:srgbClr val="7030A0"/>
-                </a:solidFill>
-                <a:latin typeface="Calibri"/>
-                <a:cs typeface="Calibri"/>
-              </a:rPr>
+              <a:rPr lang="en-US" dirty="0"/>
               <a:t>EXECUTION JOURNEY</a:t>
             </a:r>
           </a:p>
@@ -7257,7 +7356,7 @@
         </p:nvSpPr>
         <p:spPr>
           <a:xfrm>
-            <a:off x="720299" y="1350524"/>
+            <a:off x="720299" y="1147324"/>
             <a:ext cx="10536033" cy="5170646"/>
           </a:xfrm>
           <a:prstGeom prst="rect">
@@ -7266,18 +7365,91 @@
           <a:noFill/>
         </p:spPr>
         <p:txBody>
-          <a:bodyPr wrap="square" numCol="2">
+          <a:bodyPr wrap="square" lIns="91440" tIns="45720" rIns="91440" bIns="45720" numCol="2" anchor="t">
             <a:spAutoFit/>
           </a:bodyPr>
           <a:lstStyle/>
           <a:p>
             <a:pPr algn="l" rtl="0" fontAlgn="base"/>
+            <a:endParaRPr lang="en-US" sz="2200" b="0" i="0" dirty="0">
+              <a:solidFill>
+                <a:srgbClr val="000000"/>
+              </a:solidFill>
+              <a:effectLst/>
+              <a:latin typeface="Calibri"/>
+              <a:cs typeface="Calibri"/>
+            </a:endParaRPr>
+          </a:p>
+          <a:p>
+            <a:pPr marL="342900" indent="-342900" algn="l" rtl="0" fontAlgn="base">
+              <a:buFont typeface="Arial" panose="020B0604020202020204" pitchFamily="34" charset="0"/>
+              <a:buChar char="•"/>
+            </a:pPr>
+            <a:r>
+              <a:rPr lang="en-US" sz="2200" b="0" i="0" u="none" strike="noStrike" dirty="0">
+                <a:solidFill>
+                  <a:srgbClr val="242424"/>
+                </a:solidFill>
+                <a:effectLst/>
+                <a:latin typeface="Calibri"/>
+                <a:cs typeface="Calibri"/>
+              </a:rPr>
+              <a:t>User stories</a:t>
+            </a:r>
+            <a:r>
+              <a:rPr lang="en-IN" sz="2200" b="0" i="0" dirty="0">
+                <a:solidFill>
+                  <a:srgbClr val="000000"/>
+                </a:solidFill>
+                <a:effectLst/>
+                <a:latin typeface="Calibri"/>
+                <a:cs typeface="Calibri"/>
+              </a:rPr>
+              <a:t>​</a:t>
+            </a:r>
+            <a:endParaRPr lang="en-IN" sz="2200" b="0" i="0">
+              <a:solidFill>
+                <a:srgbClr val="000000"/>
+              </a:solidFill>
+              <a:effectLst/>
+              <a:latin typeface="Calibri"/>
+              <a:cs typeface="Calibri"/>
+            </a:endParaRPr>
+          </a:p>
+          <a:p>
+            <a:pPr marL="342900" indent="-342900" algn="l" rtl="0" fontAlgn="base">
+              <a:buFont typeface="Arial" panose="020B0604020202020204" pitchFamily="34" charset="0"/>
+              <a:buChar char="•"/>
+            </a:pPr>
+            <a:r>
+              <a:rPr lang="en-US" sz="2200" b="0" i="0" u="none" strike="noStrike" dirty="0">
+                <a:solidFill>
+                  <a:srgbClr val="242424"/>
+                </a:solidFill>
+                <a:effectLst/>
+                <a:latin typeface="Calibri"/>
+                <a:cs typeface="Calibri"/>
+              </a:rPr>
+              <a:t>Functional and Non-Functional Requirements</a:t>
+            </a:r>
+            <a:r>
+              <a:rPr lang="en-US" sz="2200" b="0" i="0" dirty="0">
+                <a:solidFill>
+                  <a:srgbClr val="000000"/>
+                </a:solidFill>
+                <a:effectLst/>
+                <a:latin typeface="Calibri"/>
+                <a:cs typeface="Calibri"/>
+              </a:rPr>
+              <a:t>​</a:t>
+            </a:r>
             <a:endParaRPr lang="en-US" sz="2200" b="0" i="0">
               <a:solidFill>
                 <a:srgbClr val="000000"/>
               </a:solidFill>
               <a:effectLst/>
-              <a:latin typeface="Arial" panose="020B0604020202020204" pitchFamily="34" charset="0"/>
+              <a:latin typeface="Calibri"/>
+              <a:cs typeface="Calibri"/>
             </a:endParaRPr>
           </a:p>
           <a:p>
@@ -7286,22 +7458,213 @@
               <a:buChar char="•"/>
             </a:pPr>
             <a:r>
-              <a:rPr lang="en-US" sz="2200" b="0" i="0" u="none" strike="noStrike">
+              <a:rPr lang="en-US" sz="2200" b="0" i="0" u="none" strike="noStrike" dirty="0">
                 <a:solidFill>
                   <a:srgbClr val="242424"/>
                 </a:solidFill>
                 <a:effectLst/>
-                <a:latin typeface="-apple-system"/>
-              </a:rPr>
-              <a:t>User stories</a:t>
-            </a:r>
-            <a:r>
-              <a:rPr lang="en-IN" sz="2200" b="0" i="0">
+                <a:latin typeface="Calibri"/>
+                <a:cs typeface="Calibri"/>
+              </a:rPr>
+              <a:t>Wireframe</a:t>
+            </a:r>
+            <a:r>
+              <a:rPr lang="en-US" sz="2200" b="0" i="0" dirty="0">
                 <a:solidFill>
                   <a:srgbClr val="000000"/>
                 </a:solidFill>
                 <a:effectLst/>
-                <a:latin typeface="-apple-system"/>
+                <a:latin typeface="Calibri"/>
+                <a:cs typeface="Calibri"/>
+              </a:rPr>
+              <a:t>​</a:t>
+            </a:r>
+            <a:endParaRPr lang="en-US" sz="2200" b="0" i="0">
+              <a:solidFill>
+                <a:srgbClr val="000000"/>
+              </a:solidFill>
+              <a:effectLst/>
+              <a:latin typeface="Calibri"/>
+              <a:cs typeface="Calibri"/>
+            </a:endParaRPr>
+          </a:p>
+          <a:p>
+            <a:pPr marL="342900" indent="-342900">
+              <a:buFont typeface="Arial" panose="020B0604020202020204" pitchFamily="34" charset="0"/>
+              <a:buChar char="•"/>
+            </a:pPr>
+            <a:r>
+              <a:rPr lang="en-US" sz="2200" dirty="0">
+                <a:solidFill>
+                  <a:srgbClr val="000000"/>
+                </a:solidFill>
+                <a:latin typeface="Calibri"/>
+                <a:cs typeface="Calibri"/>
+              </a:rPr>
+              <a:t>Data model</a:t>
+            </a:r>
+          </a:p>
+          <a:p>
+            <a:pPr marL="342900" indent="-342900" algn="l" rtl="0" fontAlgn="base">
+              <a:buFont typeface="Arial" panose="020B0604020202020204" pitchFamily="34" charset="0"/>
+              <a:buChar char="•"/>
+            </a:pPr>
+            <a:r>
+              <a:rPr lang="en-US" sz="2200" b="0" i="0" u="none" strike="noStrike" dirty="0">
+                <a:solidFill>
+                  <a:srgbClr val="242424"/>
+                </a:solidFill>
+                <a:effectLst/>
+                <a:latin typeface="Calibri"/>
+                <a:cs typeface="Calibri"/>
+              </a:rPr>
+              <a:t>HTML Template</a:t>
+            </a:r>
+            <a:r>
+              <a:rPr lang="en-US" sz="2200" b="0" i="0" dirty="0">
+                <a:solidFill>
+                  <a:srgbClr val="000000"/>
+                </a:solidFill>
+                <a:effectLst/>
+                <a:latin typeface="Calibri"/>
+                <a:cs typeface="Calibri"/>
+              </a:rPr>
+              <a:t>​</a:t>
+            </a:r>
+            <a:endParaRPr lang="en-US" sz="2200" b="0" i="0">
+              <a:solidFill>
+                <a:srgbClr val="000000"/>
+              </a:solidFill>
+              <a:effectLst/>
+              <a:latin typeface="Calibri"/>
+              <a:cs typeface="Calibri"/>
+            </a:endParaRPr>
+          </a:p>
+          <a:p>
+            <a:pPr marL="342900" indent="-342900">
+              <a:buFont typeface="Arial" panose="020B0604020202020204" pitchFamily="34" charset="0"/>
+              <a:buChar char="•"/>
+            </a:pPr>
+            <a:r>
+              <a:rPr lang="en-US" sz="2200" dirty="0">
+                <a:latin typeface="Calibri"/>
+                <a:cs typeface="Calibri"/>
+              </a:rPr>
+              <a:t>High level design</a:t>
+            </a:r>
+          </a:p>
+          <a:p>
+            <a:pPr marL="342900" indent="-342900">
+              <a:buFont typeface="Arial" panose="020B0604020202020204" pitchFamily="34" charset="0"/>
+              <a:buChar char="•"/>
+            </a:pPr>
+            <a:r>
+              <a:rPr lang="en-US" sz="2200" dirty="0">
+                <a:solidFill>
+                  <a:srgbClr val="000000"/>
+                </a:solidFill>
+                <a:latin typeface="Calibri"/>
+                <a:cs typeface="Calibri"/>
+              </a:rPr>
+              <a:t>Low level design</a:t>
+            </a:r>
+          </a:p>
+          <a:p>
+            <a:pPr marL="342900" indent="-342900" algn="l" rtl="0" fontAlgn="base">
+              <a:buFont typeface="Arial" panose="020B0604020202020204" pitchFamily="34" charset="0"/>
+              <a:buChar char="•"/>
+            </a:pPr>
+            <a:r>
+              <a:rPr lang="en-US" sz="2200" b="0" i="0" u="none" strike="noStrike" dirty="0">
+                <a:solidFill>
+                  <a:srgbClr val="242424"/>
+                </a:solidFill>
+                <a:effectLst/>
+                <a:latin typeface="Calibri"/>
+                <a:cs typeface="Calibri"/>
+              </a:rPr>
+              <a:t>Angular Components</a:t>
+            </a:r>
+            <a:r>
+              <a:rPr lang="en-US" sz="2200" b="0" i="0" dirty="0">
+                <a:solidFill>
+                  <a:srgbClr val="000000"/>
+                </a:solidFill>
+                <a:effectLst/>
+                <a:latin typeface="Calibri"/>
+                <a:cs typeface="Calibri"/>
+              </a:rPr>
+              <a:t>​</a:t>
+            </a:r>
+            <a:endParaRPr lang="en-US" sz="2200" b="0" i="0">
+              <a:solidFill>
+                <a:srgbClr val="000000"/>
+              </a:solidFill>
+              <a:effectLst/>
+              <a:latin typeface="Calibri"/>
+              <a:cs typeface="Calibri"/>
+            </a:endParaRPr>
+          </a:p>
+          <a:p>
+            <a:pPr marL="342900" indent="-342900" algn="l" rtl="0" fontAlgn="base">
+              <a:buFont typeface="Arial" panose="020B0604020202020204" pitchFamily="34" charset="0"/>
+              <a:buChar char="•"/>
+            </a:pPr>
+            <a:r>
+              <a:rPr lang="en-US" sz="2200" b="0" i="0" u="none" strike="noStrike" dirty="0">
+                <a:solidFill>
+                  <a:srgbClr val="242424"/>
+                </a:solidFill>
+                <a:effectLst/>
+                <a:latin typeface="Calibri"/>
+                <a:cs typeface="Calibri"/>
+              </a:rPr>
+              <a:t>Web API</a:t>
+            </a:r>
+            <a:r>
+              <a:rPr lang="en-US" sz="2200" b="0" i="0" dirty="0">
+                <a:solidFill>
+                  <a:srgbClr val="000000"/>
+                </a:solidFill>
+                <a:effectLst/>
+                <a:latin typeface="Calibri"/>
+                <a:cs typeface="Calibri"/>
+              </a:rPr>
+              <a:t>​</a:t>
+            </a:r>
+            <a:endParaRPr lang="en-US" sz="2200" b="0" i="0">
+              <a:solidFill>
+                <a:srgbClr val="000000"/>
+              </a:solidFill>
+              <a:effectLst/>
+              <a:latin typeface="Calibri"/>
+              <a:cs typeface="Calibri"/>
+            </a:endParaRPr>
+          </a:p>
+          <a:p>
+            <a:pPr marL="342900" indent="-342900" algn="l" rtl="0" fontAlgn="base">
+              <a:buFont typeface="Arial" panose="020B0604020202020204" pitchFamily="34" charset="0"/>
+              <a:buChar char="•"/>
+            </a:pPr>
+            <a:r>
+              <a:rPr lang="en-US" sz="2200" b="0" i="0" u="none" strike="noStrike" dirty="0">
+                <a:solidFill>
+                  <a:srgbClr val="242424"/>
+                </a:solidFill>
+                <a:effectLst/>
+                <a:latin typeface="Calibri"/>
+                <a:cs typeface="Calibri"/>
+              </a:rPr>
+              <a:t>Integration</a:t>
+            </a:r>
+            <a:r>
+              <a:rPr lang="en-IN" sz="2200" b="0" i="0" dirty="0">
+                <a:solidFill>
+                  <a:srgbClr val="000000"/>
+                </a:solidFill>
+                <a:effectLst/>
+                <a:latin typeface="Calibri"/>
+                <a:cs typeface="Calibri"/>
               </a:rPr>
               <a:t>​</a:t>
             </a:r>
@@ -7310,7 +7673,8 @@
                 <a:srgbClr val="000000"/>
               </a:solidFill>
               <a:effectLst/>
-              <a:latin typeface="Arial" panose="020B0604020202020204" pitchFamily="34" charset="0"/>
+              <a:latin typeface="Calibri"/>
+              <a:cs typeface="Calibri"/>
             </a:endParaRPr>
           </a:p>
           <a:p>
@@ -7319,22 +7683,103 @@
               <a:buChar char="•"/>
             </a:pPr>
             <a:r>
-              <a:rPr lang="en-US" sz="2200" b="0" i="0" u="none" strike="noStrike">
+              <a:rPr lang="en-US" sz="2200" b="0" i="0" u="none" strike="noStrike" dirty="0">
                 <a:solidFill>
                   <a:srgbClr val="242424"/>
                 </a:solidFill>
                 <a:effectLst/>
-                <a:latin typeface="-apple-system"/>
-              </a:rPr>
-              <a:t>Functional and Non-Functional Requirements</a:t>
-            </a:r>
-            <a:r>
-              <a:rPr lang="en-US" sz="2200" b="0" i="0">
+                <a:latin typeface="Calibri"/>
+                <a:cs typeface="Calibri"/>
+              </a:rPr>
+              <a:t>Unit Testing</a:t>
+            </a:r>
+            <a:r>
+              <a:rPr lang="en-US" sz="2200" b="0" i="0" dirty="0">
                 <a:solidFill>
                   <a:srgbClr val="000000"/>
                 </a:solidFill>
                 <a:effectLst/>
-                <a:latin typeface="-apple-system"/>
+                <a:latin typeface="Calibri"/>
+                <a:cs typeface="Calibri"/>
+              </a:rPr>
+              <a:t>​</a:t>
+            </a:r>
+          </a:p>
+          <a:p>
+            <a:pPr marL="342900" indent="-342900" algn="l">
+              <a:buFont typeface="Arial" panose="020B0604020202020204" pitchFamily="34" charset="0"/>
+              <a:buChar char="•"/>
+            </a:pPr>
+            <a:endParaRPr lang="en-US" sz="2200" dirty="0">
+              <a:solidFill>
+                <a:srgbClr val="000000"/>
+              </a:solidFill>
+              <a:latin typeface="Calibri"/>
+              <a:cs typeface="Calibri"/>
+            </a:endParaRPr>
+          </a:p>
+          <a:p>
+            <a:pPr marL="342900" indent="-342900" algn="l">
+              <a:buFont typeface="Arial" panose="020B0604020202020204" pitchFamily="34" charset="0"/>
+              <a:buChar char="•"/>
+            </a:pPr>
+            <a:endParaRPr lang="en-US" sz="2200" b="0" i="0" dirty="0">
+              <a:solidFill>
+                <a:srgbClr val="000000"/>
+              </a:solidFill>
+              <a:effectLst/>
+              <a:latin typeface="Calibri"/>
+              <a:cs typeface="Calibri"/>
+            </a:endParaRPr>
+          </a:p>
+          <a:p>
+            <a:pPr algn="l" rtl="0" fontAlgn="base">
+              <a:buFont typeface="Arial" panose="020B0604020202020204" pitchFamily="34" charset="0"/>
+              <a:buChar char="•"/>
+            </a:pPr>
+            <a:endParaRPr lang="en-US" sz="2200" dirty="0">
+              <a:solidFill>
+                <a:srgbClr val="000000"/>
+              </a:solidFill>
+              <a:latin typeface="Calibri"/>
+              <a:cs typeface="Calibri"/>
+            </a:endParaRPr>
+          </a:p>
+          <a:p>
+            <a:pPr algn="l" rtl="0" fontAlgn="base"/>
+            <a:endParaRPr lang="en-US" sz="2200" b="0" i="0" dirty="0">
+              <a:solidFill>
+                <a:srgbClr val="242424"/>
+              </a:solidFill>
+              <a:effectLst/>
+              <a:latin typeface="Calibri"/>
+              <a:cs typeface="Calibri"/>
+            </a:endParaRPr>
+          </a:p>
+          <a:p>
+            <a:pPr marL="342900" indent="-342900" algn="l" rtl="0" fontAlgn="base">
+              <a:buFont typeface="Arial" panose="020B0604020202020204" pitchFamily="34" charset="0"/>
+              <a:buChar char="•"/>
+            </a:pPr>
+            <a:r>
+              <a:rPr lang="en-US" sz="2200" b="0" i="0" u="none" strike="noStrike" dirty="0">
+                <a:solidFill>
+                  <a:srgbClr val="242424"/>
+                </a:solidFill>
+                <a:effectLst/>
+                <a:latin typeface="Calibri"/>
+                <a:cs typeface="Calibri"/>
+              </a:rPr>
+              <a:t>SonarQube</a:t>
+            </a:r>
+            <a:r>
+              <a:rPr lang="en-US" sz="2200" b="0" i="0" dirty="0">
+                <a:solidFill>
+                  <a:srgbClr val="000000"/>
+                </a:solidFill>
+                <a:effectLst/>
+                <a:latin typeface="Calibri"/>
+                <a:cs typeface="Calibri"/>
               </a:rPr>
               <a:t>​</a:t>
             </a:r>
@@ -7343,31 +7788,50 @@
                 <a:srgbClr val="000000"/>
               </a:solidFill>
               <a:effectLst/>
-              <a:latin typeface="Arial" panose="020B0604020202020204" pitchFamily="34" charset="0"/>
+              <a:latin typeface="Calibri"/>
+              <a:cs typeface="Calibri"/>
             </a:endParaRPr>
           </a:p>
           <a:p>
+            <a:pPr marL="342900" indent="-342900">
+              <a:buFont typeface="Arial" panose="020B0604020202020204" pitchFamily="34" charset="0"/>
+              <a:buChar char="•"/>
+            </a:pPr>
+            <a:r>
+              <a:rPr lang="en-US" sz="2200" dirty="0">
+                <a:solidFill>
+                  <a:srgbClr val="000000"/>
+                </a:solidFill>
+                <a:latin typeface="Calibri"/>
+                <a:cs typeface="Calibri"/>
+              </a:rPr>
+              <a:t>JMeter</a:t>
+            </a:r>
+          </a:p>
+          <a:p>
             <a:pPr marL="342900" indent="-342900" algn="l" rtl="0" fontAlgn="base">
               <a:buFont typeface="Arial" panose="020B0604020202020204" pitchFamily="34" charset="0"/>
               <a:buChar char="•"/>
             </a:pPr>
             <a:r>
-              <a:rPr lang="en-US" sz="2200" b="0" i="0" u="none" strike="noStrike">
+              <a:rPr lang="en-US" sz="2200" b="0" i="0" u="none" strike="noStrike" dirty="0">
                 <a:solidFill>
                   <a:srgbClr val="242424"/>
                 </a:solidFill>
                 <a:effectLst/>
-                <a:latin typeface="-apple-system"/>
-              </a:rPr>
-              <a:t>Wireframe</a:t>
-            </a:r>
-            <a:r>
-              <a:rPr lang="en-US" sz="2200" b="0" i="0">
+                <a:latin typeface="Calibri"/>
+                <a:cs typeface="Calibri"/>
+              </a:rPr>
+              <a:t>Linting</a:t>
+            </a:r>
+            <a:r>
+              <a:rPr lang="en-US" sz="2200" b="0" i="0" dirty="0">
                 <a:solidFill>
                   <a:srgbClr val="000000"/>
                 </a:solidFill>
                 <a:effectLst/>
-                <a:latin typeface="-apple-system"/>
+                <a:latin typeface="Calibri"/>
+                <a:cs typeface="Calibri"/>
               </a:rPr>
               <a:t>​</a:t>
             </a:r>
@@ -7376,7 +7840,8 @@
                 <a:srgbClr val="000000"/>
               </a:solidFill>
               <a:effectLst/>
-              <a:latin typeface="Arial" panose="020B0604020202020204" pitchFamily="34" charset="0"/>
+              <a:latin typeface="Calibri"/>
+              <a:cs typeface="Calibri"/>
             </a:endParaRPr>
           </a:p>
           <a:p>
@@ -7385,22 +7850,24 @@
               <a:buChar char="•"/>
             </a:pPr>
             <a:r>
-              <a:rPr lang="en-US" sz="2200" b="0" i="0" u="none" strike="noStrike">
+              <a:rPr lang="en-US" sz="2200" b="0" i="0" u="none" strike="noStrike" dirty="0">
                 <a:solidFill>
                   <a:srgbClr val="242424"/>
                 </a:solidFill>
                 <a:effectLst/>
-                <a:latin typeface="-apple-system"/>
-              </a:rPr>
-              <a:t>HTML Template</a:t>
-            </a:r>
-            <a:r>
-              <a:rPr lang="en-US" sz="2200" b="0" i="0">
+                <a:latin typeface="Calibri"/>
+                <a:cs typeface="Calibri"/>
+              </a:rPr>
+              <a:t>Light House</a:t>
+            </a:r>
+            <a:r>
+              <a:rPr lang="en-US" sz="2200" b="0" i="0" dirty="0">
                 <a:solidFill>
                   <a:srgbClr val="000000"/>
                 </a:solidFill>
                 <a:effectLst/>
-                <a:latin typeface="-apple-system"/>
+                <a:latin typeface="Calibri"/>
+                <a:cs typeface="Calibri"/>
               </a:rPr>
               <a:t>​</a:t>
             </a:r>
@@ -7409,7 +7876,8 @@
                 <a:srgbClr val="000000"/>
               </a:solidFill>
               <a:effectLst/>
-              <a:latin typeface="Arial" panose="020B0604020202020204" pitchFamily="34" charset="0"/>
+              <a:latin typeface="Calibri"/>
+              <a:cs typeface="Calibri"/>
             </a:endParaRPr>
           </a:p>
           <a:p>
@@ -7418,22 +7886,24 @@
               <a:buChar char="•"/>
             </a:pPr>
             <a:r>
-              <a:rPr lang="en-US" sz="2200" b="0" i="0" u="none" strike="noStrike">
+              <a:rPr lang="en-US" sz="2200" b="0" i="0" u="none" strike="noStrike" dirty="0">
                 <a:solidFill>
                   <a:srgbClr val="242424"/>
                 </a:solidFill>
                 <a:effectLst/>
-                <a:latin typeface="-apple-system"/>
-              </a:rPr>
-              <a:t>Angular Components</a:t>
-            </a:r>
-            <a:r>
-              <a:rPr lang="en-US" sz="2200" b="0" i="0">
+                <a:latin typeface="Calibri"/>
+                <a:cs typeface="Calibri"/>
+              </a:rPr>
+              <a:t>Deployment in IIS</a:t>
+            </a:r>
+            <a:r>
+              <a:rPr lang="en-US" sz="2200" b="0" i="0" dirty="0">
                 <a:solidFill>
                   <a:srgbClr val="000000"/>
                 </a:solidFill>
                 <a:effectLst/>
-                <a:latin typeface="-apple-system"/>
+                <a:latin typeface="Calibri"/>
+                <a:cs typeface="Calibri"/>
               </a:rPr>
               <a:t>​</a:t>
             </a:r>
@@ -7442,498 +7912,41 @@
                 <a:srgbClr val="000000"/>
               </a:solidFill>
               <a:effectLst/>
-              <a:latin typeface="Arial" panose="020B0604020202020204" pitchFamily="34" charset="0"/>
+              <a:latin typeface="Calibri"/>
+              <a:cs typeface="Calibri"/>
             </a:endParaRPr>
           </a:p>
           <a:p>
-            <a:pPr marL="342900" indent="-342900" algn="l" rtl="0" fontAlgn="base">
-              <a:buFont typeface="Arial" panose="020B0604020202020204" pitchFamily="34" charset="0"/>
-              <a:buChar char="•"/>
-            </a:pPr>
-            <a:r>
-              <a:rPr lang="en-US" sz="2200" b="0" i="0" u="none" strike="noStrike">
-                <a:solidFill>
-                  <a:srgbClr val="242424"/>
-                </a:solidFill>
-                <a:effectLst/>
-                <a:latin typeface="-apple-system"/>
-              </a:rPr>
-              <a:t>Web API</a:t>
-            </a:r>
-            <a:r>
-              <a:rPr lang="en-US" sz="2200" b="0" i="0">
+            <a:pPr marL="342900" indent="-342900">
+              <a:buFont typeface="Arial" panose="020B0604020202020204" pitchFamily="34" charset="0"/>
+              <a:buChar char="•"/>
+            </a:pPr>
+            <a:r>
+              <a:rPr lang="en-US" sz="2200" dirty="0">
                 <a:solidFill>
                   <a:srgbClr val="000000"/>
                 </a:solidFill>
-                <a:effectLst/>
-                <a:latin typeface="-apple-system"/>
-              </a:rPr>
-              <a:t>​</a:t>
-            </a:r>
-            <a:endParaRPr lang="en-US" sz="2200" b="0" i="0">
-              <a:solidFill>
-                <a:srgbClr val="000000"/>
-              </a:solidFill>
-              <a:effectLst/>
-              <a:latin typeface="Arial" panose="020B0604020202020204" pitchFamily="34" charset="0"/>
-            </a:endParaRPr>
-          </a:p>
-          <a:p>
-            <a:pPr marL="342900" indent="-342900" algn="l" rtl="0" fontAlgn="base">
-              <a:buFont typeface="Arial" panose="020B0604020202020204" pitchFamily="34" charset="0"/>
-              <a:buChar char="•"/>
-            </a:pPr>
-            <a:r>
-              <a:rPr lang="en-US" sz="2200" b="0" i="0" u="none" strike="noStrike">
-                <a:solidFill>
-                  <a:srgbClr val="242424"/>
-                </a:solidFill>
-                <a:effectLst/>
-                <a:latin typeface="-apple-system"/>
-              </a:rPr>
-              <a:t>Integration</a:t>
-            </a:r>
-            <a:r>
-              <a:rPr lang="en-IN" sz="2200" b="0" i="0">
+                <a:latin typeface="Calibri"/>
+                <a:cs typeface="Calibri"/>
+              </a:rPr>
+              <a:t>Test scenarios</a:t>
+            </a:r>
+          </a:p>
+          <a:p>
+            <a:pPr marL="342900" indent="-342900">
+              <a:buFont typeface="Arial" panose="020B0604020202020204" pitchFamily="34" charset="0"/>
+              <a:buChar char="•"/>
+            </a:pPr>
+            <a:r>
+              <a:rPr lang="en-US" sz="2200" dirty="0">
                 <a:solidFill>
                   <a:srgbClr val="000000"/>
                 </a:solidFill>
-                <a:effectLst/>
-                <a:latin typeface="-apple-system"/>
-              </a:rPr>
-              <a:t>​</a:t>
-            </a:r>
-            <a:endParaRPr lang="en-IN" sz="2200" b="0" i="0">
-              <a:solidFill>
-                <a:srgbClr val="000000"/>
-              </a:solidFill>
-              <a:effectLst/>
-              <a:latin typeface="Arial" panose="020B0604020202020204" pitchFamily="34" charset="0"/>
-            </a:endParaRPr>
-          </a:p>
-          <a:p>
-            <a:pPr marL="342900" indent="-342900" algn="l" rtl="0" fontAlgn="base">
-              <a:buFont typeface="Arial" panose="020B0604020202020204" pitchFamily="34" charset="0"/>
-              <a:buChar char="•"/>
-            </a:pPr>
-            <a:r>
-              <a:rPr lang="en-US" sz="2200" b="0" i="0" u="none" strike="noStrike">
-                <a:solidFill>
-                  <a:srgbClr val="242424"/>
-                </a:solidFill>
-                <a:effectLst/>
-                <a:latin typeface="-apple-system"/>
-              </a:rPr>
-              <a:t>Unit Testing</a:t>
-            </a:r>
-            <a:r>
-              <a:rPr lang="en-US" sz="2200" b="0" i="0">
-                <a:solidFill>
-                  <a:srgbClr val="000000"/>
-                </a:solidFill>
-                <a:effectLst/>
-                <a:latin typeface="-apple-system"/>
-              </a:rPr>
-              <a:t>​</a:t>
-            </a:r>
-          </a:p>
-          <a:p>
-            <a:pPr algn="l" rtl="0" fontAlgn="base">
-              <a:buFont typeface="Arial" panose="020B0604020202020204" pitchFamily="34" charset="0"/>
-              <a:buChar char="•"/>
-            </a:pPr>
-            <a:endParaRPr lang="en-US" sz="2200">
-              <a:solidFill>
-                <a:srgbClr val="000000"/>
-              </a:solidFill>
-              <a:latin typeface="-apple-system"/>
-            </a:endParaRPr>
-          </a:p>
-          <a:p>
-            <a:pPr algn="l" rtl="0" fontAlgn="base">
-              <a:buFont typeface="Arial" panose="020B0604020202020204" pitchFamily="34" charset="0"/>
-              <a:buChar char="•"/>
-            </a:pPr>
-            <a:endParaRPr lang="en-US" sz="2200" b="0" i="0">
-              <a:solidFill>
-                <a:srgbClr val="000000"/>
-              </a:solidFill>
-              <a:effectLst/>
-              <a:latin typeface="-apple-system"/>
-            </a:endParaRPr>
-          </a:p>
-          <a:p>
-            <a:pPr algn="l" rtl="0" fontAlgn="base">
-              <a:buFont typeface="Arial" panose="020B0604020202020204" pitchFamily="34" charset="0"/>
-              <a:buChar char="•"/>
-            </a:pPr>
-            <a:endParaRPr lang="en-US" sz="2200">
-              <a:solidFill>
-                <a:srgbClr val="000000"/>
-              </a:solidFill>
-              <a:latin typeface="-apple-system"/>
-            </a:endParaRPr>
-          </a:p>
-          <a:p>
-            <a:pPr algn="l" rtl="0" fontAlgn="base">
-              <a:buFont typeface="Arial" panose="020B0604020202020204" pitchFamily="34" charset="0"/>
-              <a:buChar char="•"/>
-            </a:pPr>
-            <a:endParaRPr lang="en-US" sz="2200" b="0" i="0">
-              <a:solidFill>
-                <a:srgbClr val="000000"/>
-              </a:solidFill>
-              <a:effectLst/>
-              <a:latin typeface="-apple-system"/>
-            </a:endParaRPr>
-          </a:p>
-          <a:p>
-            <a:pPr algn="l" rtl="0" fontAlgn="base">
-              <a:buFont typeface="Arial" panose="020B0604020202020204" pitchFamily="34" charset="0"/>
-              <a:buChar char="•"/>
-            </a:pPr>
-            <a:endParaRPr lang="en-US" sz="2200">
-              <a:solidFill>
-                <a:srgbClr val="000000"/>
-              </a:solidFill>
-              <a:latin typeface="-apple-system"/>
-            </a:endParaRPr>
-          </a:p>
-          <a:p>
-            <a:pPr algn="l" rtl="0" fontAlgn="base"/>
-            <a:endParaRPr lang="en-US" sz="2200">
-              <a:solidFill>
-                <a:srgbClr val="242424"/>
-              </a:solidFill>
-              <a:latin typeface="-apple-system"/>
-            </a:endParaRPr>
-          </a:p>
-          <a:p>
-            <a:pPr marL="342900" indent="-342900" algn="l" rtl="0" fontAlgn="base">
-              <a:buFont typeface="Arial" panose="020B0604020202020204" pitchFamily="34" charset="0"/>
-              <a:buChar char="•"/>
-            </a:pPr>
-            <a:r>
-              <a:rPr lang="en-US" sz="2200" b="0" i="0" u="none" strike="noStrike">
-                <a:solidFill>
-                  <a:srgbClr val="242424"/>
-                </a:solidFill>
-                <a:effectLst/>
-                <a:latin typeface="-apple-system"/>
-              </a:rPr>
-              <a:t>Set-up Documentation</a:t>
-            </a:r>
-            <a:r>
-              <a:rPr lang="en-US" sz="2200" b="0" i="0">
-                <a:solidFill>
-                  <a:srgbClr val="000000"/>
-                </a:solidFill>
-                <a:effectLst/>
-                <a:latin typeface="-apple-system"/>
-              </a:rPr>
-              <a:t>​</a:t>
-            </a:r>
-            <a:endParaRPr lang="en-US" sz="2200" b="0" i="0">
-              <a:solidFill>
-                <a:srgbClr val="000000"/>
-              </a:solidFill>
-              <a:effectLst/>
-              <a:latin typeface="Arial" panose="020B0604020202020204" pitchFamily="34" charset="0"/>
-            </a:endParaRPr>
-          </a:p>
-          <a:p>
-            <a:pPr marL="342900" indent="-342900" algn="l" rtl="0" fontAlgn="base">
-              <a:buFont typeface="Arial" panose="020B0604020202020204" pitchFamily="34" charset="0"/>
-              <a:buChar char="•"/>
-            </a:pPr>
-            <a:r>
-              <a:rPr lang="en-US" sz="2200" b="0" i="0" u="none" strike="noStrike">
-                <a:solidFill>
-                  <a:srgbClr val="242424"/>
-                </a:solidFill>
-                <a:effectLst/>
-                <a:latin typeface="-apple-system"/>
-              </a:rPr>
-              <a:t>SonarQube</a:t>
-            </a:r>
-            <a:r>
-              <a:rPr lang="en-US" sz="2200" b="0" i="0">
-                <a:solidFill>
-                  <a:srgbClr val="000000"/>
-                </a:solidFill>
-                <a:effectLst/>
-                <a:latin typeface="-apple-system"/>
-              </a:rPr>
-              <a:t>​</a:t>
-            </a:r>
-            <a:endParaRPr lang="en-US" sz="2200" b="0" i="0">
-              <a:solidFill>
-                <a:srgbClr val="000000"/>
-              </a:solidFill>
-              <a:effectLst/>
-              <a:latin typeface="Arial" panose="020B0604020202020204" pitchFamily="34" charset="0"/>
-            </a:endParaRPr>
-          </a:p>
-          <a:p>
-            <a:pPr marL="342900" indent="-342900" algn="l" rtl="0" fontAlgn="base">
-              <a:buFont typeface="Arial" panose="020B0604020202020204" pitchFamily="34" charset="0"/>
-              <a:buChar char="•"/>
-            </a:pPr>
-            <a:r>
-              <a:rPr lang="en-US" sz="2200" b="0" i="0" u="none" strike="noStrike">
-                <a:solidFill>
-                  <a:srgbClr val="242424"/>
-                </a:solidFill>
-                <a:effectLst/>
-                <a:latin typeface="-apple-system"/>
-              </a:rPr>
-              <a:t>Linting</a:t>
-            </a:r>
-            <a:r>
-              <a:rPr lang="en-US" sz="2200" b="0" i="0">
-                <a:solidFill>
-                  <a:srgbClr val="000000"/>
-                </a:solidFill>
-                <a:effectLst/>
-                <a:latin typeface="-apple-system"/>
-              </a:rPr>
-              <a:t>​</a:t>
-            </a:r>
-            <a:endParaRPr lang="en-US" sz="2200" b="0" i="0">
-              <a:solidFill>
-                <a:srgbClr val="000000"/>
-              </a:solidFill>
-              <a:effectLst/>
-              <a:latin typeface="Arial" panose="020B0604020202020204" pitchFamily="34" charset="0"/>
-            </a:endParaRPr>
-          </a:p>
-          <a:p>
-            <a:pPr marL="342900" indent="-342900" algn="l" rtl="0" fontAlgn="base">
-              <a:buFont typeface="Arial" panose="020B0604020202020204" pitchFamily="34" charset="0"/>
-              <a:buChar char="•"/>
-            </a:pPr>
-            <a:r>
-              <a:rPr lang="en-US" sz="2200" b="0" i="0" u="none" strike="noStrike">
-                <a:solidFill>
-                  <a:srgbClr val="242424"/>
-                </a:solidFill>
-                <a:effectLst/>
-                <a:latin typeface="-apple-system"/>
-              </a:rPr>
-              <a:t>Light House</a:t>
-            </a:r>
-            <a:r>
-              <a:rPr lang="en-US" sz="2200" b="0" i="0">
-                <a:solidFill>
-                  <a:srgbClr val="000000"/>
-                </a:solidFill>
-                <a:effectLst/>
-                <a:latin typeface="-apple-system"/>
-              </a:rPr>
-              <a:t>​</a:t>
-            </a:r>
-            <a:endParaRPr lang="en-US" sz="2200" b="0" i="0">
-              <a:solidFill>
-                <a:srgbClr val="000000"/>
-              </a:solidFill>
-              <a:effectLst/>
-              <a:latin typeface="Arial" panose="020B0604020202020204" pitchFamily="34" charset="0"/>
-            </a:endParaRPr>
-          </a:p>
-          <a:p>
-            <a:pPr marL="342900" indent="-342900" algn="l" rtl="0" fontAlgn="base">
-              <a:buFont typeface="Arial" panose="020B0604020202020204" pitchFamily="34" charset="0"/>
-              <a:buChar char="•"/>
-            </a:pPr>
-            <a:r>
-              <a:rPr lang="en-US" sz="2200" b="0" i="0" u="none" strike="noStrike">
-                <a:solidFill>
-                  <a:srgbClr val="242424"/>
-                </a:solidFill>
-                <a:effectLst/>
-                <a:latin typeface="-apple-system"/>
-              </a:rPr>
-              <a:t>Deployment in IIS</a:t>
-            </a:r>
-            <a:r>
-              <a:rPr lang="en-US" sz="2200" b="0" i="0">
-                <a:solidFill>
-                  <a:srgbClr val="000000"/>
-                </a:solidFill>
-                <a:effectLst/>
-                <a:latin typeface="-apple-system"/>
-              </a:rPr>
-              <a:t>​</a:t>
-            </a:r>
-            <a:endParaRPr lang="en-US" sz="2200" b="0" i="0">
-              <a:solidFill>
-                <a:srgbClr val="000000"/>
-              </a:solidFill>
-              <a:effectLst/>
-              <a:latin typeface="Arial" panose="020B0604020202020204" pitchFamily="34" charset="0"/>
-            </a:endParaRPr>
-          </a:p>
-          <a:p>
-            <a:pPr marL="342900" indent="-342900" algn="l" rtl="0" fontAlgn="base">
-              <a:buFont typeface="Arial" panose="020B0604020202020204" pitchFamily="34" charset="0"/>
-              <a:buChar char="•"/>
-            </a:pPr>
-            <a:r>
-              <a:rPr lang="en-US" sz="2200" b="0" i="0" u="none" strike="noStrike">
-                <a:solidFill>
-                  <a:srgbClr val="242424"/>
-                </a:solidFill>
-                <a:effectLst/>
-                <a:latin typeface="-apple-system"/>
-              </a:rPr>
-              <a:t>JMeter</a:t>
-            </a:r>
-            <a:r>
-              <a:rPr lang="en-US" sz="2200" b="0" i="0">
-                <a:solidFill>
-                  <a:srgbClr val="000000"/>
-                </a:solidFill>
-                <a:effectLst/>
-                <a:latin typeface="-apple-system"/>
-              </a:rPr>
-              <a:t>​</a:t>
-            </a:r>
-            <a:endParaRPr lang="en-US" sz="2200" b="0" i="0">
-              <a:solidFill>
-                <a:srgbClr val="000000"/>
-              </a:solidFill>
-              <a:effectLst/>
-              <a:latin typeface="Arial" panose="020B0604020202020204" pitchFamily="34" charset="0"/>
-            </a:endParaRPr>
-          </a:p>
-          <a:p>
-            <a:pPr marL="342900" indent="-342900" algn="l" rtl="0" fontAlgn="base">
-              <a:buFont typeface="Arial" panose="020B0604020202020204" pitchFamily="34" charset="0"/>
-              <a:buChar char="•"/>
-            </a:pPr>
-            <a:r>
-              <a:rPr lang="en-US" sz="2200" b="0" i="0" u="none" strike="noStrike">
-                <a:solidFill>
-                  <a:srgbClr val="242424"/>
-                </a:solidFill>
-                <a:effectLst/>
-                <a:latin typeface="-apple-system"/>
-              </a:rPr>
-              <a:t>High Level Design</a:t>
-            </a:r>
-            <a:r>
-              <a:rPr lang="en-US" sz="2200" b="0" i="0">
-                <a:solidFill>
-                  <a:srgbClr val="000000"/>
-                </a:solidFill>
-                <a:effectLst/>
-                <a:latin typeface="-apple-system"/>
-              </a:rPr>
-              <a:t>​</a:t>
-            </a:r>
-            <a:endParaRPr lang="en-US" sz="2200" b="0" i="0">
-              <a:solidFill>
-                <a:srgbClr val="000000"/>
-              </a:solidFill>
-              <a:effectLst/>
-              <a:latin typeface="Arial" panose="020B0604020202020204" pitchFamily="34" charset="0"/>
-            </a:endParaRPr>
-          </a:p>
-          <a:p>
-            <a:pPr marL="342900" indent="-342900" algn="l" rtl="0" fontAlgn="base">
-              <a:buFont typeface="Arial" panose="020B0604020202020204" pitchFamily="34" charset="0"/>
-              <a:buChar char="•"/>
-            </a:pPr>
-            <a:r>
-              <a:rPr lang="en-US" sz="2200" b="0" i="0" u="none" strike="noStrike">
-                <a:solidFill>
-                  <a:srgbClr val="242424"/>
-                </a:solidFill>
-                <a:effectLst/>
-                <a:latin typeface="-apple-system"/>
-              </a:rPr>
-              <a:t>Low Level Design</a:t>
-            </a:r>
-            <a:r>
-              <a:rPr lang="en-US" sz="2200" b="0" i="0">
-                <a:solidFill>
-                  <a:srgbClr val="000000"/>
-                </a:solidFill>
-                <a:effectLst/>
-                <a:latin typeface="-apple-system"/>
-              </a:rPr>
-              <a:t>​</a:t>
-            </a:r>
-            <a:endParaRPr lang="en-US" sz="2200" b="0" i="0">
-              <a:solidFill>
-                <a:srgbClr val="000000"/>
-              </a:solidFill>
-              <a:effectLst/>
-              <a:latin typeface="Arial" panose="020B0604020202020204" pitchFamily="34" charset="0"/>
-            </a:endParaRPr>
-          </a:p>
-          <a:p>
-            <a:pPr marL="342900" indent="-342900" algn="l" rtl="0" fontAlgn="base">
-              <a:buFont typeface="Arial" panose="020B0604020202020204" pitchFamily="34" charset="0"/>
-              <a:buChar char="•"/>
-            </a:pPr>
-            <a:r>
-              <a:rPr lang="en-US" sz="2200" b="0" i="0" u="none" strike="noStrike">
-                <a:solidFill>
-                  <a:srgbClr val="242424"/>
-                </a:solidFill>
-                <a:effectLst/>
-                <a:latin typeface="-apple-system"/>
-              </a:rPr>
-              <a:t>Test Scenarios</a:t>
-            </a:r>
-            <a:r>
-              <a:rPr lang="en-US" sz="2200" b="0" i="0">
-                <a:solidFill>
-                  <a:srgbClr val="000000"/>
-                </a:solidFill>
-                <a:effectLst/>
-                <a:latin typeface="-apple-system"/>
-              </a:rPr>
-              <a:t>​</a:t>
-            </a:r>
-            <a:endParaRPr lang="en-US" sz="2200" b="0" i="0">
-              <a:solidFill>
-                <a:srgbClr val="000000"/>
-              </a:solidFill>
-              <a:effectLst/>
-              <a:latin typeface="Arial" panose="020B0604020202020204" pitchFamily="34" charset="0"/>
-            </a:endParaRPr>
-          </a:p>
-          <a:p>
-            <a:pPr algn="l" rtl="0" fontAlgn="base"/>
-            <a:r>
-              <a:rPr lang="en-US" sz="2200" b="0" i="0">
-                <a:solidFill>
-                  <a:srgbClr val="000000"/>
-                </a:solidFill>
-                <a:effectLst/>
-                <a:latin typeface="-apple-system"/>
-              </a:rPr>
-              <a:t>​</a:t>
-            </a:r>
-            <a:endParaRPr lang="en-US" sz="2200" b="0" i="0">
-              <a:solidFill>
-                <a:srgbClr val="000000"/>
-              </a:solidFill>
-              <a:effectLst/>
-              <a:latin typeface="Arial" panose="020B0604020202020204" pitchFamily="34" charset="0"/>
-            </a:endParaRPr>
-          </a:p>
-          <a:p>
-            <a:pPr algn="l" rtl="0" fontAlgn="base"/>
-            <a:endParaRPr lang="en-US" sz="2200" b="0" i="0">
-              <a:solidFill>
-                <a:srgbClr val="000000"/>
-              </a:solidFill>
-              <a:effectLst/>
-              <a:latin typeface="Arial" panose="020B0604020202020204" pitchFamily="34" charset="0"/>
-            </a:endParaRPr>
+                <a:latin typeface="Calibri"/>
+                <a:cs typeface="Calibri"/>
+              </a:rPr>
+              <a:t>Set-up documentation</a:t>
+            </a:r>
           </a:p>
         </p:txBody>
       </p:sp>
@@ -7989,13 +8002,7 @@
           <a:lstStyle/>
           <a:p>
             <a:r>
-              <a:rPr lang="en-US">
-                <a:solidFill>
-                  <a:srgbClr val="7030A0"/>
-                </a:solidFill>
-                <a:latin typeface="Calibri"/>
-                <a:cs typeface="Calibri"/>
-              </a:rPr>
+              <a:rPr lang="en-US" dirty="0"/>
               <a:t>ARTIFACTS</a:t>
             </a:r>
           </a:p>
@@ -8053,18 +8060,18 @@
                     <a:p>
                       <a:pPr algn="ctr" fontAlgn="base"/>
                       <a:r>
-                        <a:rPr lang="en-IN" sz="1800" b="1" baseline="0">
+                        <a:rPr lang="en-IN" sz="1800" b="1" baseline="0" dirty="0">
                           <a:effectLst/>
                         </a:rPr>
                         <a:t>Areas</a:t>
                       </a:r>
                       <a:r>
-                        <a:rPr lang="en-IN" sz="1300">
+                        <a:rPr lang="en-IN" sz="1300" dirty="0">
                           <a:effectLst/>
                         </a:rPr>
                         <a:t>​</a:t>
                       </a:r>
-                      <a:endParaRPr lang="en-IN" sz="1500" b="1" i="0">
+                      <a:endParaRPr lang="en-IN" sz="1500" b="1" i="0" dirty="0">
                         <a:solidFill>
                           <a:srgbClr val="FFFFFF"/>
                         </a:solidFill>
@@ -8081,18 +8088,18 @@
                     <a:p>
                       <a:pPr algn="ctr" fontAlgn="base"/>
                       <a:r>
-                        <a:rPr lang="en-IN" sz="1800" b="1">
+                        <a:rPr lang="en-IN" sz="1800" b="1" dirty="0">
                           <a:effectLst/>
                         </a:rPr>
                         <a:t>Link</a:t>
                       </a:r>
                       <a:r>
-                        <a:rPr lang="en-IN" sz="1300">
+                        <a:rPr lang="en-IN" sz="1300" dirty="0">
                           <a:effectLst/>
                         </a:rPr>
                         <a:t>​</a:t>
                       </a:r>
-                      <a:endParaRPr lang="en-IN" sz="1500" b="1" i="0">
+                      <a:endParaRPr lang="en-IN" sz="1500" b="1" i="0" dirty="0">
                         <a:solidFill>
                           <a:srgbClr val="FFFFFF"/>
                         </a:solidFill>
@@ -8116,12 +8123,12 @@
                     <a:p>
                       <a:pPr algn="l" fontAlgn="base"/>
                       <a:r>
-                        <a:rPr lang="en-IN" sz="1300" b="1">
+                        <a:rPr lang="en-IN" sz="1300" b="1" dirty="0">
                           <a:effectLst/>
                         </a:rPr>
                         <a:t>Requirement – User Stories, Wireframes, Data Flow​</a:t>
                       </a:r>
-                      <a:endParaRPr lang="en-IN" sz="1500" b="1" i="0">
+                      <a:endParaRPr lang="en-IN" sz="1500" b="1" i="0" dirty="0">
                         <a:solidFill>
                           <a:srgbClr val="000000"/>
                         </a:solidFill>
@@ -8175,12 +8182,12 @@
                     <a:p>
                       <a:pPr algn="l" fontAlgn="base"/>
                       <a:r>
-                        <a:rPr lang="en-IN" sz="1300" b="1">
+                        <a:rPr lang="en-IN" sz="1300" b="1" dirty="0">
                           <a:effectLst/>
                         </a:rPr>
                         <a:t>Swagger - API​</a:t>
                       </a:r>
-                      <a:endParaRPr lang="en-IN" sz="1500" b="1" i="0">
+                      <a:endParaRPr lang="en-IN" sz="1500" b="1" i="0" dirty="0">
                         <a:solidFill>
                           <a:srgbClr val="000000"/>
                         </a:solidFill>
@@ -8197,25 +8204,25 @@
                     <a:p>
                       <a:pPr algn="l" fontAlgn="base"/>
                       <a:r>
-                        <a:rPr lang="en-IN" sz="1300" u="none" strike="noStrike">
+                        <a:rPr lang="en-IN" sz="1300" u="none" strike="noStrike" dirty="0">
                           <a:effectLst/>
                           <a:hlinkClick r:id="rId3"/>
                         </a:rPr>
                         <a:t>https://localhost:7072/swagger</a:t>
                       </a:r>
                       <a:r>
-                        <a:rPr lang="en-US" sz="1300" u="none" strike="noStrike">
+                        <a:rPr lang="en-US" sz="1300" u="none" strike="noStrike" dirty="0">
                           <a:effectLst/>
                         </a:rPr>
                         <a:t> </a:t>
                       </a:r>
                       <a:r>
-                        <a:rPr lang="en-IN" sz="1300">
+                        <a:rPr lang="en-IN" sz="1300" dirty="0">
                           <a:effectLst/>
                         </a:rPr>
                         <a:t>​</a:t>
                       </a:r>
-                      <a:endParaRPr lang="en-IN" sz="1500" b="0" i="0">
+                      <a:endParaRPr lang="en-IN" sz="1500" b="0" i="0" dirty="0">
                         <a:solidFill>
                           <a:srgbClr val="000000"/>
                         </a:solidFill>
@@ -8239,18 +8246,18 @@
                     <a:p>
                       <a:pPr algn="l" fontAlgn="base"/>
                       <a:r>
-                        <a:rPr lang="en-IN" sz="1300" b="1">
+                        <a:rPr lang="en-IN" sz="1300" b="1" dirty="0">
                           <a:effectLst/>
                         </a:rPr>
                         <a:t>Data Model – EAR (Entity Attribute Relationship)</a:t>
                       </a:r>
                       <a:r>
-                        <a:rPr lang="en-IN" sz="1300">
+                        <a:rPr lang="en-IN" sz="1300" dirty="0">
                           <a:effectLst/>
                         </a:rPr>
                         <a:t>​</a:t>
                       </a:r>
-                      <a:endParaRPr lang="en-IN" sz="1500" b="0" i="0">
+                      <a:endParaRPr lang="en-IN" sz="1500" b="0" i="0" dirty="0">
                         <a:solidFill>
                           <a:srgbClr val="000000"/>
                         </a:solidFill>
@@ -8267,19 +8274,19 @@
                     <a:p>
                       <a:pPr algn="l" fontAlgn="auto"/>
                       <a:r>
-                        <a:rPr lang="en-IN" sz="1300" u="sng" strike="noStrike">
+                        <a:rPr lang="en-IN" sz="1300" u="sng" strike="noStrike" dirty="0">
                           <a:effectLst/>
                           <a:hlinkClick r:id="rId4"/>
                         </a:rPr>
                         <a:t>Project/Design/Data Model at master · TeamAlpha01/Project (github.com)</a:t>
                       </a:r>
                       <a:r>
-                        <a:rPr lang="en-IN" sz="1300">
+                        <a:rPr lang="en-IN" sz="1300" dirty="0">
                           <a:effectLst/>
                         </a:rPr>
                         <a:t>​</a:t>
                       </a:r>
-                      <a:endParaRPr lang="en-IN" sz="1300" b="0" i="0">
+                      <a:endParaRPr lang="en-IN" sz="1300" b="0" i="0" dirty="0">
                         <a:solidFill>
                           <a:srgbClr val="000000"/>
                         </a:solidFill>
@@ -8304,12 +8311,12 @@
                     <a:p>
                       <a:pPr algn="l" fontAlgn="base"/>
                       <a:r>
-                        <a:rPr lang="en-IN" sz="1300" b="1">
+                        <a:rPr lang="en-IN" sz="1300" b="1" dirty="0">
                           <a:effectLst/>
                         </a:rPr>
                         <a:t>Test Scenarios​</a:t>
                       </a:r>
-                      <a:endParaRPr lang="en-IN" sz="1500" b="1" i="0">
+                      <a:endParaRPr lang="en-IN" sz="1500" b="1" i="0" dirty="0">
                         <a:solidFill>
                           <a:srgbClr val="000000"/>
                         </a:solidFill>
@@ -8356,12 +8363,12 @@
                     <a:p>
                       <a:pPr algn="l" fontAlgn="base"/>
                       <a:r>
-                        <a:rPr lang="en-IN" sz="1300" b="1">
+                        <a:rPr lang="en-IN" sz="1300" b="1" dirty="0">
                           <a:effectLst/>
                         </a:rPr>
                         <a:t>Sequence Diagrams​</a:t>
                       </a:r>
-                      <a:endParaRPr lang="en-IN" sz="1500" b="1" i="0">
+                      <a:endParaRPr lang="en-IN" sz="1500" b="1" i="0" dirty="0">
                         <a:solidFill>
                           <a:srgbClr val="000000"/>
                         </a:solidFill>
@@ -8415,12 +8422,12 @@
                     <a:p>
                       <a:pPr algn="l" fontAlgn="base"/>
                       <a:r>
-                        <a:rPr lang="en-IN" sz="1300" b="1">
+                        <a:rPr lang="en-IN" sz="1300" b="1" dirty="0">
                           <a:effectLst/>
                         </a:rPr>
                         <a:t>Defect Logs​</a:t>
                       </a:r>
-                      <a:endParaRPr lang="en-IN" sz="1500" b="1" i="0">
+                      <a:endParaRPr lang="en-IN" sz="1500" b="1" i="0" dirty="0">
                         <a:solidFill>
                           <a:srgbClr val="000000"/>
                         </a:solidFill>
@@ -8474,12 +8481,12 @@
                     <a:p>
                       <a:pPr algn="l" fontAlgn="base"/>
                       <a:r>
-                        <a:rPr lang="en-IN" sz="1300" b="1">
+                        <a:rPr lang="en-IN" sz="1300" b="1" dirty="0">
                           <a:effectLst/>
                         </a:rPr>
                         <a:t>Code Quality Metrics​</a:t>
                       </a:r>
-                      <a:endParaRPr lang="en-IN" sz="1500" b="1" i="0">
+                      <a:endParaRPr lang="en-IN" sz="1500" b="1" i="0" dirty="0">
                         <a:solidFill>
                           <a:srgbClr val="000000"/>
                         </a:solidFill>
@@ -8525,12 +8532,12 @@
                     <a:p>
                       <a:pPr algn="l" fontAlgn="base"/>
                       <a:r>
-                        <a:rPr lang="en-IN" sz="1300" b="1">
+                        <a:rPr lang="en-IN" sz="1300" b="1" dirty="0">
                           <a:effectLst/>
                         </a:rPr>
                         <a:t>Setup Manual​</a:t>
                       </a:r>
-                      <a:endParaRPr lang="en-IN" sz="1500" b="1" i="0">
+                      <a:endParaRPr lang="en-IN" sz="1500" b="1" i="0" dirty="0">
                         <a:solidFill>
                           <a:srgbClr val="000000"/>
                         </a:solidFill>
@@ -8547,19 +8554,19 @@
                     <a:p>
                       <a:pPr algn="l" fontAlgn="auto"/>
                       <a:r>
-                        <a:rPr lang="en-IN" sz="1300" u="sng" strike="noStrike">
+                        <a:rPr lang="en-IN" sz="1300" u="sng" strike="noStrike" dirty="0">
                           <a:effectLst/>
                           <a:hlinkClick r:id="rId7"/>
                         </a:rPr>
                         <a:t>Project/Document at master · TeamAlpha01/Project (github.com)</a:t>
                       </a:r>
                       <a:r>
-                        <a:rPr lang="en-IN" sz="1300">
+                        <a:rPr lang="en-IN" sz="1300" dirty="0">
                           <a:effectLst/>
                         </a:rPr>
                         <a:t>​</a:t>
                       </a:r>
-                      <a:endParaRPr lang="en-IN" sz="1300" b="0" i="0">
+                      <a:endParaRPr lang="en-IN" sz="1300" b="0" i="0" dirty="0">
                         <a:solidFill>
                           <a:srgbClr val="000000"/>
                         </a:solidFill>
@@ -8632,13 +8639,7 @@
           <a:lstStyle/>
           <a:p>
             <a:r>
-              <a:rPr lang="en-US">
-                <a:solidFill>
-                  <a:srgbClr val="7030A0"/>
-                </a:solidFill>
-                <a:latin typeface="Calibri"/>
-                <a:cs typeface="Calibri"/>
-              </a:rPr>
+              <a:rPr lang="en-US" dirty="0"/>
               <a:t>TECHNOLOGIES &amp; TOOLS USED</a:t>
             </a:r>
           </a:p>
@@ -8667,7 +8668,7 @@
           <a:noFill/>
         </p:spPr>
         <p:txBody>
-          <a:bodyPr wrap="square">
+          <a:bodyPr wrap="square" lIns="91440" tIns="45720" rIns="91440" bIns="45720" anchor="t">
             <a:spAutoFit/>
           </a:bodyPr>
           <a:lstStyle/>
@@ -8677,34 +8678,71 @@
               <a:buChar char="•"/>
             </a:pPr>
             <a:r>
-              <a:rPr lang="en-US" sz="2200" b="0" i="0" u="none" strike="noStrike">
+              <a:rPr lang="en-US" sz="2200" b="0" i="0" u="none" strike="noStrike" dirty="0">
                 <a:solidFill>
                   <a:srgbClr val="404040"/>
                 </a:solidFill>
                 <a:effectLst/>
               </a:rPr>
-              <a:t>Asp </a:t>
-            </a:r>
-            <a:r>
-              <a:rPr lang="en-US" sz="2200" b="0" i="0" u="none" strike="noStrike" err="1">
+              <a:t>Asp Dotnet Core 6.0</a:t>
+            </a:r>
+            <a:r>
+              <a:rPr lang="en-US" sz="2200" b="0" i="0" dirty="0">
+                <a:solidFill>
+                  <a:srgbClr val="000000"/>
+                </a:solidFill>
+                <a:effectLst/>
+              </a:rPr>
+              <a:t>​</a:t>
+            </a:r>
+            <a:endParaRPr lang="en-US" sz="2200" b="0" i="0" dirty="0">
+              <a:solidFill>
+                <a:srgbClr val="000000"/>
+              </a:solidFill>
+              <a:effectLst/>
+              <a:cs typeface="Calibri"/>
+            </a:endParaRPr>
+          </a:p>
+          <a:p>
+            <a:pPr marL="342900" indent="-342900" algn="l" rtl="0" fontAlgn="base">
+              <a:buFont typeface="Arial" panose="020B0604020202020204" pitchFamily="34" charset="0"/>
+              <a:buChar char="•"/>
+            </a:pPr>
+            <a:r>
+              <a:rPr lang="en-US" sz="2200" b="0" i="0" u="none" strike="noStrike" dirty="0">
                 <a:solidFill>
                   <a:srgbClr val="404040"/>
                 </a:solidFill>
                 <a:effectLst/>
               </a:rPr>
-              <a:t>Dotnet</a:t>
-            </a:r>
-            <a:r>
-              <a:rPr lang="en-US" sz="2200" b="0" i="0" u="none" strike="noStrike">
+              <a:t>Angular 13</a:t>
+            </a:r>
+            <a:r>
+              <a:rPr lang="en-US" sz="2200" b="0" i="0" dirty="0">
+                <a:solidFill>
+                  <a:srgbClr val="000000"/>
+                </a:solidFill>
+                <a:effectLst/>
+              </a:rPr>
+              <a:t>​</a:t>
+            </a:r>
+          </a:p>
+          <a:p>
+            <a:pPr marL="342900" indent="-342900" algn="l" rtl="0" fontAlgn="base">
+              <a:buFont typeface="Arial" panose="020B0604020202020204" pitchFamily="34" charset="0"/>
+              <a:buChar char="•"/>
+            </a:pPr>
+            <a:r>
+              <a:rPr lang="en-US" sz="2200" b="0" i="0" u="none" strike="noStrike" dirty="0">
                 <a:solidFill>
                   <a:srgbClr val="404040"/>
                 </a:solidFill>
                 <a:effectLst/>
               </a:rPr>
-              <a:t> Core 6.0</a:t>
-            </a:r>
-            <a:r>
-              <a:rPr lang="en-US" sz="2200" b="0" i="0">
+              <a:t>Visual Studio Code</a:t>
+            </a:r>
+            <a:r>
+              <a:rPr lang="en-US" sz="2200" b="0" i="0" dirty="0">
                 <a:solidFill>
                   <a:srgbClr val="000000"/>
                 </a:solidFill>
@@ -8719,16 +8757,25 @@
               <a:buChar char="•"/>
             </a:pPr>
             <a:r>
-              <a:rPr lang="en-US" sz="2200" b="0" i="0" u="none" strike="noStrike">
+              <a:rPr lang="en-US" sz="2200" b="0" i="0" u="none" strike="noStrike" dirty="0">
                 <a:solidFill>
                   <a:srgbClr val="404040"/>
                 </a:solidFill>
                 <a:effectLst/>
               </a:rPr>
-              <a:t>Angular 13</a:t>
-            </a:r>
-            <a:r>
-              <a:rPr lang="en-US" sz="2200" b="0" i="0">
+              <a:t>Node </a:t>
+            </a:r>
+            <a:r>
+              <a:rPr lang="en-US" sz="2200" b="0" i="0" u="none" strike="noStrike" dirty="0" err="1">
+                <a:solidFill>
+                  <a:srgbClr val="404040"/>
+                </a:solidFill>
+                <a:effectLst/>
+              </a:rPr>
+              <a:t>js</a:t>
+            </a:r>
+            <a:r>
+              <a:rPr lang="en-US" sz="2200" b="0" i="0" dirty="0">
                 <a:solidFill>
                   <a:srgbClr val="000000"/>
                 </a:solidFill>
@@ -8743,16 +8790,16 @@
               <a:buChar char="•"/>
             </a:pPr>
             <a:r>
-              <a:rPr lang="en-US" sz="2200" b="0" i="0" u="none" strike="noStrike">
+              <a:rPr lang="en-US" sz="2200" b="0" i="0" u="none" strike="noStrike" dirty="0">
                 <a:solidFill>
                   <a:srgbClr val="404040"/>
                 </a:solidFill>
                 <a:effectLst/>
               </a:rPr>
-              <a:t>Visual Studio Code</a:t>
-            </a:r>
-            <a:r>
-              <a:rPr lang="en-US" sz="2200" b="0" i="0">
+              <a:t>Angular</a:t>
+            </a:r>
+            <a:r>
+              <a:rPr lang="en-US" sz="2200" b="0" i="0" dirty="0">
                 <a:solidFill>
                   <a:srgbClr val="000000"/>
                 </a:solidFill>
@@ -8767,25 +8814,40 @@
               <a:buChar char="•"/>
             </a:pPr>
             <a:r>
-              <a:rPr lang="en-US" sz="2200" b="0" i="0" u="none" strike="noStrike">
+              <a:rPr lang="en-US" sz="2200" b="0" i="0" u="none" strike="noStrike" dirty="0">
                 <a:solidFill>
                   <a:srgbClr val="404040"/>
                 </a:solidFill>
                 <a:effectLst/>
               </a:rPr>
-              <a:t>Node </a:t>
-            </a:r>
-            <a:r>
-              <a:rPr lang="en-US" sz="2200" b="0" i="0" u="none" strike="noStrike" err="1">
+              <a:t>SonarQube</a:t>
+            </a:r>
+            <a:r>
+              <a:rPr lang="en-US" sz="2200" b="0" i="0" dirty="0">
+                <a:solidFill>
+                  <a:srgbClr val="000000"/>
+                </a:solidFill>
+                <a:effectLst/>
+              </a:rPr>
+              <a:t>​</a:t>
+            </a:r>
+          </a:p>
+          <a:p>
+            <a:pPr marL="342900" indent="-342900" algn="l" rtl="0" fontAlgn="base">
+              <a:buFont typeface="Arial" panose="020B0604020202020204" pitchFamily="34" charset="0"/>
+              <a:buChar char="•"/>
+            </a:pPr>
+            <a:r>
+              <a:rPr lang="en-US" sz="2200" b="0" i="0" u="none" strike="noStrike" dirty="0" err="1">
                 <a:solidFill>
                   <a:srgbClr val="404040"/>
                 </a:solidFill>
                 <a:effectLst/>
               </a:rPr>
-              <a:t>js</a:t>
-            </a:r>
-            <a:r>
-              <a:rPr lang="en-US" sz="2200" b="0" i="0">
+              <a:t>Jdk</a:t>
+            </a:r>
+            <a:r>
+              <a:rPr lang="en-US" sz="2200" b="0" i="0" dirty="0">
                 <a:solidFill>
                   <a:srgbClr val="000000"/>
                 </a:solidFill>
@@ -8800,88 +8862,16 @@
               <a:buChar char="•"/>
             </a:pPr>
             <a:r>
-              <a:rPr lang="en-US" sz="2200" b="0" i="0" u="none" strike="noStrike">
+              <a:rPr lang="en-US" sz="2200" b="0" i="0" u="none" strike="noStrike" dirty="0">
                 <a:solidFill>
                   <a:srgbClr val="404040"/>
                 </a:solidFill>
                 <a:effectLst/>
               </a:rPr>
-              <a:t>Angular</a:t>
-            </a:r>
-            <a:r>
-              <a:rPr lang="en-US" sz="2200" b="0" i="0">
-                <a:solidFill>
-                  <a:srgbClr val="000000"/>
-                </a:solidFill>
-                <a:effectLst/>
-              </a:rPr>
-              <a:t>​</a:t>
-            </a:r>
-          </a:p>
-          <a:p>
-            <a:pPr marL="342900" indent="-342900" algn="l" rtl="0" fontAlgn="base">
-              <a:buFont typeface="Arial" panose="020B0604020202020204" pitchFamily="34" charset="0"/>
-              <a:buChar char="•"/>
-            </a:pPr>
-            <a:r>
-              <a:rPr lang="en-US" sz="2200" b="0" i="0" u="none" strike="noStrike">
-                <a:solidFill>
-                  <a:srgbClr val="404040"/>
-                </a:solidFill>
-                <a:effectLst/>
-              </a:rPr>
-              <a:t>SonarQube</a:t>
-            </a:r>
-            <a:r>
-              <a:rPr lang="en-US" sz="2200" b="0" i="0">
-                <a:solidFill>
-                  <a:srgbClr val="000000"/>
-                </a:solidFill>
-                <a:effectLst/>
-              </a:rPr>
-              <a:t>​</a:t>
-            </a:r>
-          </a:p>
-          <a:p>
-            <a:pPr marL="342900" indent="-342900" algn="l" rtl="0" fontAlgn="base">
-              <a:buFont typeface="Arial" panose="020B0604020202020204" pitchFamily="34" charset="0"/>
-              <a:buChar char="•"/>
-            </a:pPr>
-            <a:r>
-              <a:rPr lang="en-US" sz="2200" b="0" i="0" u="none" strike="noStrike" err="1">
-                <a:solidFill>
-                  <a:srgbClr val="404040"/>
-                </a:solidFill>
-                <a:effectLst/>
-              </a:rPr>
-              <a:t>Jdk</a:t>
-            </a:r>
-            <a:r>
-              <a:rPr lang="en-US" sz="2200" b="0" i="0">
-                <a:solidFill>
-                  <a:srgbClr val="000000"/>
-                </a:solidFill>
-                <a:effectLst/>
-              </a:rPr>
-              <a:t>​</a:t>
-            </a:r>
-          </a:p>
-          <a:p>
-            <a:pPr marL="342900" indent="-342900" algn="l" rtl="0" fontAlgn="base">
-              <a:buFont typeface="Arial" panose="020B0604020202020204" pitchFamily="34" charset="0"/>
-              <a:buChar char="•"/>
-            </a:pPr>
-            <a:r>
-              <a:rPr lang="en-US" sz="2200" b="0" i="0" u="none" strike="noStrike">
-                <a:solidFill>
-                  <a:srgbClr val="404040"/>
-                </a:solidFill>
-                <a:effectLst/>
-              </a:rPr>
               <a:t>JMeter</a:t>
             </a:r>
             <a:r>
-              <a:rPr lang="en-IN" sz="2200" b="0" i="0">
+              <a:rPr lang="en-IN" sz="2200" b="0" i="0" dirty="0">
                 <a:solidFill>
                   <a:srgbClr val="000000"/>
                 </a:solidFill>
@@ -8944,13 +8934,7 @@
           <a:lstStyle/>
           <a:p>
             <a:r>
-              <a:rPr lang="en-US">
-                <a:solidFill>
-                  <a:srgbClr val="7030A0"/>
-                </a:solidFill>
-                <a:latin typeface="Calibri"/>
-                <a:cs typeface="Calibri"/>
-              </a:rPr>
+              <a:rPr lang="en-US" dirty="0"/>
               <a:t>DEMO</a:t>
             </a:r>
           </a:p>
@@ -8989,13 +8973,13 @@
               <a:buChar char="•"/>
             </a:pPr>
             <a:r>
-              <a:rPr lang="en-US" sz="2200" b="0" i="0" u="none" strike="noStrike">
+              <a:rPr lang="en-US" sz="2200" b="0" i="0" u="none" strike="noStrike" dirty="0">
                 <a:effectLst/>
               </a:rPr>
               <a:t>Angular : </a:t>
             </a:r>
             <a:r>
-              <a:rPr lang="en-US" sz="2200" b="0" i="0" u="sng" strike="noStrike">
+              <a:rPr lang="en-US" sz="2200" b="0" i="0" u="sng" strike="noStrike" dirty="0">
                 <a:solidFill>
                   <a:srgbClr val="8F8F8F"/>
                 </a:solidFill>
@@ -9005,7 +8989,7 @@
               <a:t>http://172.24.217.145/IMS-Angular/</a:t>
             </a:r>
             <a:r>
-              <a:rPr lang="en-US" sz="2200" b="0" i="0">
+              <a:rPr lang="en-US" sz="2200" b="0" i="0" dirty="0">
                 <a:solidFill>
                   <a:srgbClr val="000000"/>
                 </a:solidFill>
@@ -9019,7 +9003,7 @@
               <a:buFont typeface="Arial" panose="020B0604020202020204" pitchFamily="34" charset="0"/>
               <a:buChar char="•"/>
             </a:pPr>
-            <a:endParaRPr lang="en-US" sz="2200" b="0" i="0">
+            <a:endParaRPr lang="en-US" sz="2200" b="0" i="0" dirty="0">
               <a:solidFill>
                 <a:srgbClr val="000000"/>
               </a:solidFill>
@@ -9032,13 +9016,13 @@
               <a:buChar char="•"/>
             </a:pPr>
             <a:r>
-              <a:rPr lang="en-US" sz="2200" b="0" i="0" u="none" strike="noStrike">
+              <a:rPr lang="en-US" sz="2200" b="0" i="0" u="none" strike="noStrike" dirty="0">
                 <a:effectLst/>
               </a:rPr>
               <a:t>API         :  </a:t>
             </a:r>
             <a:r>
-              <a:rPr lang="en-US" sz="2200" b="0" i="0">
+              <a:rPr lang="en-US" sz="2200" b="0" i="0" dirty="0">
                 <a:solidFill>
                   <a:srgbClr val="000000"/>
                 </a:solidFill>
@@ -9047,7 +9031,7 @@
               <a:t>​</a:t>
             </a:r>
             <a:r>
-              <a:rPr lang="en-IN" sz="2200" b="0" i="0" u="none" strike="noStrike">
+              <a:rPr lang="en-IN" sz="2200" b="0" i="0" u="none" strike="noStrike" dirty="0">
                 <a:solidFill>
                   <a:srgbClr val="4F52B2"/>
                 </a:solidFill>
@@ -9056,7 +9040,7 @@
               </a:rPr>
               <a:t>http://172.24.217.145/</a:t>
             </a:r>
-            <a:endParaRPr lang="en-US" sz="2200" b="0" i="0">
+            <a:endParaRPr lang="en-US" sz="2200" b="0" i="0" dirty="0">
               <a:solidFill>
                 <a:srgbClr val="000000"/>
               </a:solidFill>

--- a/Demo PPT/IMS PPT.pptx
+++ b/Demo PPT/IMS PPT.pptx
@@ -140,7 +140,6 @@
 <file path=ppt/revisionInfo.xml><?xml version="1.0" encoding="utf-8"?>
 <p1510:revInfo xmlns:a="http://schemas.openxmlformats.org/drawingml/2006/main" xmlns:r="http://schemas.openxmlformats.org/officeDocument/2006/relationships" xmlns:p1510="http://schemas.microsoft.com/office/powerpoint/2015/10/main">
   <p1510:revLst>
-    <p1510:client id="{3F164403-B819-497D-A944-A88D1DEDBB33}" v="16" dt="2022-07-20T08:54:32.939"/>
     <p1510:client id="{51F2A5C4-D9D0-45D9-9B9F-082F75803540}" v="800" dt="2022-07-24T17:24:25.632"/>
     <p1510:client id="{7398DCC4-B47B-4B3E-B2A9-AA43EB7B73EF}" v="50" dt="2022-07-24T17:31:33.404"/>
   </p1510:revLst>
@@ -190,6 +189,30 @@
             <pc:docMk/>
             <pc:sldMk cId="1559770544" sldId="293"/>
             <ac:spMk id="4" creationId="{F4DF1F13-6070-41F7-BB25-FDEFCD453C4D}"/>
+          </ac:spMkLst>
+        </pc:spChg>
+      </pc:sldChg>
+    </pc:docChg>
+  </pc:docChgLst>
+  <pc:docChgLst>
+    <pc:chgData name="Sheik Heera" userId="S::sheik.heera@aspiresys.com::040ab64c-7d96-4b19-a13c-60df0c05cf39" providerId="AD" clId="Web-{3F164403-B819-497D-A944-A88D1DEDBB33}"/>
+    <pc:docChg chg="modSld">
+      <pc:chgData name="Sheik Heera" userId="S::sheik.heera@aspiresys.com::040ab64c-7d96-4b19-a13c-60df0c05cf39" providerId="AD" clId="Web-{3F164403-B819-497D-A944-A88D1DEDBB33}" dt="2022-07-20T08:54:32.486" v="6" actId="20577"/>
+      <pc:docMkLst>
+        <pc:docMk/>
+      </pc:docMkLst>
+      <pc:sldChg chg="modSp">
+        <pc:chgData name="Sheik Heera" userId="S::sheik.heera@aspiresys.com::040ab64c-7d96-4b19-a13c-60df0c05cf39" providerId="AD" clId="Web-{3F164403-B819-497D-A944-A88D1DEDBB33}" dt="2022-07-20T08:54:32.486" v="6" actId="20577"/>
+        <pc:sldMkLst>
+          <pc:docMk/>
+          <pc:sldMk cId="1676885948" sldId="260"/>
+        </pc:sldMkLst>
+        <pc:spChg chg="mod">
+          <ac:chgData name="Sheik Heera" userId="S::sheik.heera@aspiresys.com::040ab64c-7d96-4b19-a13c-60df0c05cf39" providerId="AD" clId="Web-{3F164403-B819-497D-A944-A88D1DEDBB33}" dt="2022-07-20T08:54:32.486" v="6" actId="20577"/>
+          <ac:spMkLst>
+            <pc:docMk/>
+            <pc:sldMk cId="1676885948" sldId="260"/>
+            <ac:spMk id="3" creationId="{D5BCB374-BF92-853B-3816-A0DD825C16B1}"/>
           </ac:spMkLst>
         </pc:spChg>
       </pc:sldChg>
@@ -325,30 +348,6 @@
       </pc:sldChg>
     </pc:docChg>
   </pc:docChgLst>
-  <pc:docChgLst>
-    <pc:chgData name="Sheik Heera" userId="S::sheik.heera@aspiresys.com::040ab64c-7d96-4b19-a13c-60df0c05cf39" providerId="AD" clId="Web-{3F164403-B819-497D-A944-A88D1DEDBB33}"/>
-    <pc:docChg chg="modSld">
-      <pc:chgData name="Sheik Heera" userId="S::sheik.heera@aspiresys.com::040ab64c-7d96-4b19-a13c-60df0c05cf39" providerId="AD" clId="Web-{3F164403-B819-497D-A944-A88D1DEDBB33}" dt="2022-07-20T08:54:32.486" v="6" actId="20577"/>
-      <pc:docMkLst>
-        <pc:docMk/>
-      </pc:docMkLst>
-      <pc:sldChg chg="modSp">
-        <pc:chgData name="Sheik Heera" userId="S::sheik.heera@aspiresys.com::040ab64c-7d96-4b19-a13c-60df0c05cf39" providerId="AD" clId="Web-{3F164403-B819-497D-A944-A88D1DEDBB33}" dt="2022-07-20T08:54:32.486" v="6" actId="20577"/>
-        <pc:sldMkLst>
-          <pc:docMk/>
-          <pc:sldMk cId="1676885948" sldId="260"/>
-        </pc:sldMkLst>
-        <pc:spChg chg="mod">
-          <ac:chgData name="Sheik Heera" userId="S::sheik.heera@aspiresys.com::040ab64c-7d96-4b19-a13c-60df0c05cf39" providerId="AD" clId="Web-{3F164403-B819-497D-A944-A88D1DEDBB33}" dt="2022-07-20T08:54:32.486" v="6" actId="20577"/>
-          <ac:spMkLst>
-            <pc:docMk/>
-            <pc:sldMk cId="1676885948" sldId="260"/>
-            <ac:spMk id="3" creationId="{D5BCB374-BF92-853B-3816-A0DD825C16B1}"/>
-          </ac:spMkLst>
-        </pc:spChg>
-      </pc:sldChg>
-    </pc:docChg>
-  </pc:docChgLst>
 </pc:chgInfo>
 </file>
 
@@ -434,7 +433,7 @@
           <a:p>
             <a:fld id="{0968C692-5CE6-0540-AC01-6407800CC529}" type="datetimeFigureOut">
               <a:rPr lang="en-US" smtClean="0"/>
-              <a:t>7/24/2022</a:t>
+              <a:t>7/25/2022</a:t>
             </a:fld>
             <a:endParaRPr lang="en-US"/>
           </a:p>
@@ -932,7 +931,7 @@
           <a:p>
             <a:fld id="{1D269190-6A13-034E-92A6-8400565D510F}" type="datetimeFigureOut">
               <a:rPr lang="en-US" smtClean="0"/>
-              <a:t>7/24/2022</a:t>
+              <a:t>7/25/2022</a:t>
             </a:fld>
             <a:endParaRPr lang="en-US"/>
           </a:p>
@@ -1002,6 +1001,14 @@
   <p:clrMapOvr>
     <a:masterClrMapping/>
   </p:clrMapOvr>
+  <mc:AlternateContent xmlns:mc="http://schemas.openxmlformats.org/markup-compatibility/2006">
+    <mc:Choice xmlns:p14="http://schemas.microsoft.com/office/powerpoint/2010/main" Requires="p14">
+      <p:transition p14:dur="0"/>
+    </mc:Choice>
+    <mc:Fallback>
+      <p:transition/>
+    </mc:Fallback>
+  </mc:AlternateContent>
 </p:sldLayout>
 </file>
 
@@ -1130,7 +1137,7 @@
           <a:p>
             <a:fld id="{1D269190-6A13-034E-92A6-8400565D510F}" type="datetimeFigureOut">
               <a:rPr lang="en-US" smtClean="0"/>
-              <a:t>7/24/2022</a:t>
+              <a:t>7/25/2022</a:t>
             </a:fld>
             <a:endParaRPr lang="en-US"/>
           </a:p>
@@ -1200,6 +1207,14 @@
   <p:clrMapOvr>
     <a:masterClrMapping/>
   </p:clrMapOvr>
+  <mc:AlternateContent xmlns:mc="http://schemas.openxmlformats.org/markup-compatibility/2006">
+    <mc:Choice xmlns:p14="http://schemas.microsoft.com/office/powerpoint/2010/main" Requires="p14">
+      <p:transition p14:dur="0"/>
+    </mc:Choice>
+    <mc:Fallback>
+      <p:transition/>
+    </mc:Fallback>
+  </mc:AlternateContent>
 </p:sldLayout>
 </file>
 
@@ -1338,7 +1353,7 @@
           <a:p>
             <a:fld id="{1D269190-6A13-034E-92A6-8400565D510F}" type="datetimeFigureOut">
               <a:rPr lang="en-US" smtClean="0"/>
-              <a:t>7/24/2022</a:t>
+              <a:t>7/25/2022</a:t>
             </a:fld>
             <a:endParaRPr lang="en-US"/>
           </a:p>
@@ -1408,6 +1423,14 @@
   <p:clrMapOvr>
     <a:masterClrMapping/>
   </p:clrMapOvr>
+  <mc:AlternateContent xmlns:mc="http://schemas.openxmlformats.org/markup-compatibility/2006">
+    <mc:Choice xmlns:p14="http://schemas.microsoft.com/office/powerpoint/2010/main" Requires="p14">
+      <p:transition p14:dur="0"/>
+    </mc:Choice>
+    <mc:Fallback>
+      <p:transition/>
+    </mc:Fallback>
+  </mc:AlternateContent>
 </p:sldLayout>
 </file>
 
@@ -1708,6 +1731,14 @@
   <p:clrMapOvr>
     <a:masterClrMapping/>
   </p:clrMapOvr>
+  <mc:AlternateContent xmlns:mc="http://schemas.openxmlformats.org/markup-compatibility/2006">
+    <mc:Choice xmlns:p14="http://schemas.microsoft.com/office/powerpoint/2010/main" Requires="p14">
+      <p:transition p14:dur="0"/>
+    </mc:Choice>
+    <mc:Fallback>
+      <p:transition/>
+    </mc:Fallback>
+  </mc:AlternateContent>
   <p:hf sldNum="0" hdr="0" ftr="0" dt="0"/>
 </p:sldLayout>
 </file>
@@ -2032,6 +2063,14 @@
   <p:clrMapOvr>
     <a:masterClrMapping/>
   </p:clrMapOvr>
+  <mc:AlternateContent xmlns:mc="http://schemas.openxmlformats.org/markup-compatibility/2006">
+    <mc:Choice xmlns:p14="http://schemas.microsoft.com/office/powerpoint/2010/main" Requires="p14">
+      <p:transition p14:dur="0"/>
+    </mc:Choice>
+    <mc:Fallback>
+      <p:transition/>
+    </mc:Fallback>
+  </mc:AlternateContent>
   <p:hf hdr="0" ftr="0" dt="0"/>
 </p:sldLayout>
 </file>
@@ -2296,6 +2335,14 @@
   <p:clrMapOvr>
     <a:masterClrMapping/>
   </p:clrMapOvr>
+  <mc:AlternateContent xmlns:mc="http://schemas.openxmlformats.org/markup-compatibility/2006">
+    <mc:Choice xmlns:p14="http://schemas.microsoft.com/office/powerpoint/2010/main" Requires="p14">
+      <p:transition p14:dur="0"/>
+    </mc:Choice>
+    <mc:Fallback>
+      <p:transition/>
+    </mc:Fallback>
+  </mc:AlternateContent>
   <p:hf sldNum="0" hdr="0" ftr="0" dt="0"/>
 </p:sldLayout>
 </file>
@@ -2425,7 +2472,7 @@
           <a:p>
             <a:fld id="{1D269190-6A13-034E-92A6-8400565D510F}" type="datetimeFigureOut">
               <a:rPr lang="en-US" smtClean="0"/>
-              <a:t>7/24/2022</a:t>
+              <a:t>7/25/2022</a:t>
             </a:fld>
             <a:endParaRPr lang="en-US"/>
           </a:p>
@@ -2495,6 +2542,14 @@
   <p:clrMapOvr>
     <a:masterClrMapping/>
   </p:clrMapOvr>
+  <mc:AlternateContent xmlns:mc="http://schemas.openxmlformats.org/markup-compatibility/2006">
+    <mc:Choice xmlns:p14="http://schemas.microsoft.com/office/powerpoint/2010/main" Requires="p14">
+      <p:transition p14:dur="0"/>
+    </mc:Choice>
+    <mc:Fallback>
+      <p:transition/>
+    </mc:Fallback>
+  </mc:AlternateContent>
 </p:sldLayout>
 </file>
 
@@ -2700,7 +2755,7 @@
           <a:p>
             <a:fld id="{1D269190-6A13-034E-92A6-8400565D510F}" type="datetimeFigureOut">
               <a:rPr lang="en-US" smtClean="0"/>
-              <a:t>7/24/2022</a:t>
+              <a:t>7/25/2022</a:t>
             </a:fld>
             <a:endParaRPr lang="en-US"/>
           </a:p>
@@ -2770,6 +2825,14 @@
   <p:clrMapOvr>
     <a:masterClrMapping/>
   </p:clrMapOvr>
+  <mc:AlternateContent xmlns:mc="http://schemas.openxmlformats.org/markup-compatibility/2006">
+    <mc:Choice xmlns:p14="http://schemas.microsoft.com/office/powerpoint/2010/main" Requires="p14">
+      <p:transition p14:dur="0"/>
+    </mc:Choice>
+    <mc:Fallback>
+      <p:transition/>
+    </mc:Fallback>
+  </mc:AlternateContent>
 </p:sldLayout>
 </file>
 
@@ -2965,7 +3028,7 @@
           <a:p>
             <a:fld id="{1D269190-6A13-034E-92A6-8400565D510F}" type="datetimeFigureOut">
               <a:rPr lang="en-US" smtClean="0"/>
-              <a:t>7/24/2022</a:t>
+              <a:t>7/25/2022</a:t>
             </a:fld>
             <a:endParaRPr lang="en-US"/>
           </a:p>
@@ -3035,6 +3098,14 @@
   <p:clrMapOvr>
     <a:masterClrMapping/>
   </p:clrMapOvr>
+  <mc:AlternateContent xmlns:mc="http://schemas.openxmlformats.org/markup-compatibility/2006">
+    <mc:Choice xmlns:p14="http://schemas.microsoft.com/office/powerpoint/2010/main" Requires="p14">
+      <p:transition p14:dur="0"/>
+    </mc:Choice>
+    <mc:Fallback>
+      <p:transition/>
+    </mc:Fallback>
+  </mc:AlternateContent>
 </p:sldLayout>
 </file>
 
@@ -3377,7 +3448,7 @@
           <a:p>
             <a:fld id="{1D269190-6A13-034E-92A6-8400565D510F}" type="datetimeFigureOut">
               <a:rPr lang="en-US" smtClean="0"/>
-              <a:t>7/24/2022</a:t>
+              <a:t>7/25/2022</a:t>
             </a:fld>
             <a:endParaRPr lang="en-US"/>
           </a:p>
@@ -3447,6 +3518,14 @@
   <p:clrMapOvr>
     <a:masterClrMapping/>
   </p:clrMapOvr>
+  <mc:AlternateContent xmlns:mc="http://schemas.openxmlformats.org/markup-compatibility/2006">
+    <mc:Choice xmlns:p14="http://schemas.microsoft.com/office/powerpoint/2010/main" Requires="p14">
+      <p:transition p14:dur="0"/>
+    </mc:Choice>
+    <mc:Fallback>
+      <p:transition/>
+    </mc:Fallback>
+  </mc:AlternateContent>
 </p:sldLayout>
 </file>
 
@@ -3518,7 +3597,7 @@
           <a:p>
             <a:fld id="{1D269190-6A13-034E-92A6-8400565D510F}" type="datetimeFigureOut">
               <a:rPr lang="en-US" smtClean="0"/>
-              <a:t>7/24/2022</a:t>
+              <a:t>7/25/2022</a:t>
             </a:fld>
             <a:endParaRPr lang="en-US"/>
           </a:p>
@@ -3588,6 +3667,14 @@
   <p:clrMapOvr>
     <a:masterClrMapping/>
   </p:clrMapOvr>
+  <mc:AlternateContent xmlns:mc="http://schemas.openxmlformats.org/markup-compatibility/2006">
+    <mc:Choice xmlns:p14="http://schemas.microsoft.com/office/powerpoint/2010/main" Requires="p14">
+      <p:transition p14:dur="0"/>
+    </mc:Choice>
+    <mc:Fallback>
+      <p:transition/>
+    </mc:Fallback>
+  </mc:AlternateContent>
 </p:sldLayout>
 </file>
 
@@ -3631,7 +3718,7 @@
           <a:p>
             <a:fld id="{1D269190-6A13-034E-92A6-8400565D510F}" type="datetimeFigureOut">
               <a:rPr lang="en-US" smtClean="0"/>
-              <a:t>7/24/2022</a:t>
+              <a:t>7/25/2022</a:t>
             </a:fld>
             <a:endParaRPr lang="en-US"/>
           </a:p>
@@ -3701,6 +3788,14 @@
   <p:clrMapOvr>
     <a:masterClrMapping/>
   </p:clrMapOvr>
+  <mc:AlternateContent xmlns:mc="http://schemas.openxmlformats.org/markup-compatibility/2006">
+    <mc:Choice xmlns:p14="http://schemas.microsoft.com/office/powerpoint/2010/main" Requires="p14">
+      <p:transition p14:dur="0"/>
+    </mc:Choice>
+    <mc:Fallback>
+      <p:transition/>
+    </mc:Fallback>
+  </mc:AlternateContent>
 </p:sldLayout>
 </file>
 
@@ -3942,7 +4037,7 @@
           <a:p>
             <a:fld id="{1D269190-6A13-034E-92A6-8400565D510F}" type="datetimeFigureOut">
               <a:rPr lang="en-US" smtClean="0"/>
-              <a:t>7/24/2022</a:t>
+              <a:t>7/25/2022</a:t>
             </a:fld>
             <a:endParaRPr lang="en-US"/>
           </a:p>
@@ -4012,6 +4107,14 @@
   <p:clrMapOvr>
     <a:masterClrMapping/>
   </p:clrMapOvr>
+  <mc:AlternateContent xmlns:mc="http://schemas.openxmlformats.org/markup-compatibility/2006">
+    <mc:Choice xmlns:p14="http://schemas.microsoft.com/office/powerpoint/2010/main" Requires="p14">
+      <p:transition p14:dur="0"/>
+    </mc:Choice>
+    <mc:Fallback>
+      <p:transition/>
+    </mc:Fallback>
+  </mc:AlternateContent>
 </p:sldLayout>
 </file>
 
@@ -4230,7 +4333,7 @@
           <a:p>
             <a:fld id="{1D269190-6A13-034E-92A6-8400565D510F}" type="datetimeFigureOut">
               <a:rPr lang="en-US" smtClean="0"/>
-              <a:t>7/24/2022</a:t>
+              <a:t>7/25/2022</a:t>
             </a:fld>
             <a:endParaRPr lang="en-US"/>
           </a:p>
@@ -4300,6 +4403,14 @@
   <p:clrMapOvr>
     <a:masterClrMapping/>
   </p:clrMapOvr>
+  <mc:AlternateContent xmlns:mc="http://schemas.openxmlformats.org/markup-compatibility/2006">
+    <mc:Choice xmlns:p14="http://schemas.microsoft.com/office/powerpoint/2010/main" Requires="p14">
+      <p:transition p14:dur="0"/>
+    </mc:Choice>
+    <mc:Fallback>
+      <p:transition/>
+    </mc:Fallback>
+  </mc:AlternateContent>
 </p:sldLayout>
 </file>
 
@@ -4471,7 +4582,7 @@
           <a:p>
             <a:fld id="{1D269190-6A13-034E-92A6-8400565D510F}" type="datetimeFigureOut">
               <a:rPr lang="en-US" smtClean="0"/>
-              <a:t>7/24/2022</a:t>
+              <a:t>7/25/2022</a:t>
             </a:fld>
             <a:endParaRPr lang="en-US"/>
           </a:p>
@@ -4591,6 +4702,18 @@
     <p:sldLayoutId id="2147483661" r:id="rId13"/>
     <p:sldLayoutId id="2147483662" r:id="rId14"/>
   </p:sldLayoutIdLst>
+  <mc:AlternateContent xmlns:mc="http://schemas.openxmlformats.org/markup-compatibility/2006">
+    <mc:Choice xmlns:p14="http://schemas.microsoft.com/office/powerpoint/2010/main" Requires="p14">
+      <p:transition p14:dur="0">
+        <p:push dir="u"/>
+      </p:transition>
+    </mc:Choice>
+    <mc:Fallback>
+      <p:transition>
+        <p:push dir="u"/>
+      </p:transition>
+    </mc:Fallback>
+  </mc:AlternateContent>
   <p:txStyles>
     <p:titleStyle>
       <a:lvl1pPr algn="l" defTabSz="914400" rtl="0" eaLnBrk="1" latinLnBrk="0" hangingPunct="1">
@@ -4962,6 +5085,14 @@
   <p:clrMapOvr>
     <a:masterClrMapping/>
   </p:clrMapOvr>
+  <mc:AlternateContent xmlns:mc="http://schemas.openxmlformats.org/markup-compatibility/2006">
+    <mc:Choice xmlns:p14="http://schemas.microsoft.com/office/powerpoint/2010/main" Requires="p14">
+      <p:transition p14:dur="0"/>
+    </mc:Choice>
+    <mc:Fallback>
+      <p:transition/>
+    </mc:Fallback>
+  </mc:AlternateContent>
 </p:sld>
 </file>
 
@@ -5044,18 +5175,12 @@
             </a:pPr>
             <a:r>
               <a:rPr lang="en-US" sz="2000" b="0" i="0" u="none" strike="noStrike" dirty="0">
-                <a:solidFill>
-                  <a:srgbClr val="404040"/>
-                </a:solidFill>
                 <a:effectLst/>
               </a:rPr>
               <a:t>Understand the system end to end.</a:t>
             </a:r>
             <a:r>
               <a:rPr lang="en-US" sz="2000" b="0" i="0" dirty="0">
-                <a:solidFill>
-                  <a:srgbClr val="000000"/>
-                </a:solidFill>
                 <a:effectLst/>
               </a:rPr>
               <a:t>​</a:t>
@@ -5067,9 +5192,6 @@
               <a:buChar char="•"/>
             </a:pPr>
             <a:endParaRPr lang="en-US" sz="2000" b="0" i="0" dirty="0">
-              <a:solidFill>
-                <a:srgbClr val="000000"/>
-              </a:solidFill>
               <a:effectLst/>
             </a:endParaRPr>
           </a:p>
@@ -5080,18 +5202,12 @@
             </a:pPr>
             <a:r>
               <a:rPr lang="en-US" sz="2000" b="0" i="0" u="none" strike="noStrike" dirty="0">
-                <a:solidFill>
-                  <a:srgbClr val="404040"/>
-                </a:solidFill>
                 <a:effectLst/>
               </a:rPr>
               <a:t>Collect the requirements properly.</a:t>
             </a:r>
             <a:r>
               <a:rPr lang="en-US" sz="2000" b="0" i="0" dirty="0">
-                <a:solidFill>
-                  <a:srgbClr val="000000"/>
-                </a:solidFill>
                 <a:effectLst/>
               </a:rPr>
               <a:t>​</a:t>
@@ -5103,9 +5219,6 @@
               <a:buChar char="•"/>
             </a:pPr>
             <a:endParaRPr lang="en-US" sz="2000" b="0" i="0" dirty="0">
-              <a:solidFill>
-                <a:srgbClr val="000000"/>
-              </a:solidFill>
               <a:effectLst/>
             </a:endParaRPr>
           </a:p>
@@ -5116,18 +5229,12 @@
             </a:pPr>
             <a:r>
               <a:rPr lang="en-US" sz="2000" b="0" i="0" u="none" strike="noStrike" dirty="0">
-                <a:solidFill>
-                  <a:srgbClr val="404040"/>
-                </a:solidFill>
                 <a:effectLst/>
               </a:rPr>
               <a:t>Think as an end user while designing a system.</a:t>
             </a:r>
             <a:r>
               <a:rPr lang="en-US" sz="2000" b="0" i="0" dirty="0">
-                <a:solidFill>
-                  <a:srgbClr val="000000"/>
-                </a:solidFill>
                 <a:effectLst/>
               </a:rPr>
               <a:t>​</a:t>
@@ -5139,9 +5246,6 @@
               <a:buChar char="•"/>
             </a:pPr>
             <a:endParaRPr lang="en-US" sz="2000" b="0" i="0" dirty="0">
-              <a:solidFill>
-                <a:srgbClr val="000000"/>
-              </a:solidFill>
               <a:effectLst/>
             </a:endParaRPr>
           </a:p>
@@ -5152,18 +5256,12 @@
             </a:pPr>
             <a:r>
               <a:rPr lang="en-US" sz="2000" b="0" i="0" u="none" strike="noStrike" dirty="0">
-                <a:solidFill>
-                  <a:srgbClr val="404040"/>
-                </a:solidFill>
                 <a:effectLst/>
               </a:rPr>
               <a:t>Don't forget to address Non – Functional Requirements.</a:t>
             </a:r>
             <a:r>
               <a:rPr lang="en-US" sz="2000" b="0" i="0" dirty="0">
-                <a:solidFill>
-                  <a:srgbClr val="000000"/>
-                </a:solidFill>
                 <a:effectLst/>
               </a:rPr>
               <a:t>​</a:t>
@@ -5175,9 +5273,6 @@
               <a:buChar char="•"/>
             </a:pPr>
             <a:endParaRPr lang="en-US" sz="2000" b="0" i="0" dirty="0">
-              <a:solidFill>
-                <a:srgbClr val="000000"/>
-              </a:solidFill>
               <a:effectLst/>
             </a:endParaRPr>
           </a:p>
@@ -5188,18 +5283,12 @@
             </a:pPr>
             <a:r>
               <a:rPr lang="en-US" sz="2000" b="0" i="0" u="none" strike="noStrike" dirty="0">
-                <a:solidFill>
-                  <a:srgbClr val="404040"/>
-                </a:solidFill>
                 <a:effectLst/>
               </a:rPr>
               <a:t>Learned to work as a team with responsibilities.</a:t>
             </a:r>
             <a:r>
               <a:rPr lang="en-US" sz="2000" b="0" i="0" dirty="0">
-                <a:solidFill>
-                  <a:srgbClr val="000000"/>
-                </a:solidFill>
                 <a:effectLst/>
               </a:rPr>
               <a:t>​</a:t>
@@ -5211,9 +5300,6 @@
               <a:buChar char="•"/>
             </a:pPr>
             <a:endParaRPr lang="en-US" sz="2000" b="0" i="0" dirty="0">
-              <a:solidFill>
-                <a:srgbClr val="000000"/>
-              </a:solidFill>
               <a:effectLst/>
             </a:endParaRPr>
           </a:p>
@@ -5224,18 +5310,12 @@
             </a:pPr>
             <a:r>
               <a:rPr lang="en-US" sz="2000" b="0" i="0" u="none" strike="noStrike" dirty="0">
-                <a:solidFill>
-                  <a:srgbClr val="404040"/>
-                </a:solidFill>
                 <a:effectLst/>
               </a:rPr>
               <a:t>Always keep a backup of our work.</a:t>
             </a:r>
             <a:r>
               <a:rPr lang="en-US" sz="2000" b="0" i="0" dirty="0">
-                <a:solidFill>
-                  <a:srgbClr val="000000"/>
-                </a:solidFill>
                 <a:effectLst/>
               </a:rPr>
               <a:t>​</a:t>
@@ -5247,9 +5327,6 @@
               <a:buChar char="•"/>
             </a:pPr>
             <a:endParaRPr lang="en-US" sz="2000" b="0" i="0" dirty="0">
-              <a:solidFill>
-                <a:srgbClr val="000000"/>
-              </a:solidFill>
               <a:effectLst/>
             </a:endParaRPr>
           </a:p>
@@ -5260,18 +5337,12 @@
             </a:pPr>
             <a:r>
               <a:rPr lang="en-US" sz="2000" b="0" i="0" u="none" strike="noStrike" dirty="0">
-                <a:solidFill>
-                  <a:srgbClr val="404040"/>
-                </a:solidFill>
                 <a:effectLst/>
               </a:rPr>
               <a:t>To respect others time in our team.</a:t>
             </a:r>
             <a:r>
               <a:rPr lang="en-US" sz="2000" b="0" i="0" dirty="0">
-                <a:solidFill>
-                  <a:srgbClr val="000000"/>
-                </a:solidFill>
                 <a:effectLst/>
               </a:rPr>
               <a:t>​</a:t>
@@ -5283,9 +5354,6 @@
               <a:buChar char="•"/>
             </a:pPr>
             <a:endParaRPr lang="en-US" sz="2000" b="0" i="0" dirty="0">
-              <a:solidFill>
-                <a:srgbClr val="000000"/>
-              </a:solidFill>
               <a:effectLst/>
             </a:endParaRPr>
           </a:p>
@@ -5296,18 +5364,12 @@
             </a:pPr>
             <a:r>
               <a:rPr lang="en-US" sz="2000" b="0" i="0" u="none" strike="noStrike" dirty="0">
-                <a:solidFill>
-                  <a:srgbClr val="404040"/>
-                </a:solidFill>
                 <a:effectLst/>
               </a:rPr>
               <a:t>To avoid conflicts and to resolve conflicts. </a:t>
             </a:r>
             <a:r>
               <a:rPr lang="en-US" sz="2000" b="0" i="0" dirty="0">
-                <a:solidFill>
-                  <a:srgbClr val="000000"/>
-                </a:solidFill>
                 <a:effectLst/>
               </a:rPr>
               <a:t>​</a:t>
@@ -5319,9 +5381,6 @@
               <a:buChar char="•"/>
             </a:pPr>
             <a:endParaRPr lang="en-US" sz="2000" b="0" i="0" dirty="0">
-              <a:solidFill>
-                <a:srgbClr val="000000"/>
-              </a:solidFill>
               <a:effectLst/>
             </a:endParaRPr>
           </a:p>
@@ -5331,9 +5390,6 @@
               <a:buChar char="•"/>
             </a:pPr>
             <a:endParaRPr lang="en-US" sz="2000" b="0" i="0" dirty="0">
-              <a:solidFill>
-                <a:srgbClr val="000000"/>
-              </a:solidFill>
               <a:effectLst/>
             </a:endParaRPr>
           </a:p>
@@ -5343,18 +5399,12 @@
               <a:buChar char="•"/>
             </a:pPr>
             <a:endParaRPr lang="en-US" sz="2000" b="0" i="0" dirty="0">
-              <a:solidFill>
-                <a:srgbClr val="000000"/>
-              </a:solidFill>
               <a:effectLst/>
             </a:endParaRPr>
           </a:p>
           <a:p>
             <a:pPr algn="l" rtl="0" fontAlgn="base"/>
             <a:endParaRPr lang="en-US" sz="2000" b="0" i="0" dirty="0">
-              <a:solidFill>
-                <a:srgbClr val="000000"/>
-              </a:solidFill>
               <a:effectLst/>
             </a:endParaRPr>
           </a:p>
@@ -5370,6 +5420,14 @@
   <p:clrMapOvr>
     <a:masterClrMapping/>
   </p:clrMapOvr>
+  <mc:AlternateContent xmlns:mc="http://schemas.openxmlformats.org/markup-compatibility/2006">
+    <mc:Choice xmlns:p14="http://schemas.microsoft.com/office/powerpoint/2010/main" Requires="p14">
+      <p:transition p14:dur="0"/>
+    </mc:Choice>
+    <mc:Fallback>
+      <p:transition/>
+    </mc:Fallback>
+  </mc:AlternateContent>
 </p:sld>
 </file>
 
@@ -5424,18 +5482,12 @@
             </a:pPr>
             <a:r>
               <a:rPr lang="en-US" sz="2000" b="0" i="0" u="none" strike="noStrike" dirty="0">
-                <a:solidFill>
-                  <a:srgbClr val="404040"/>
-                </a:solidFill>
                 <a:effectLst/>
               </a:rPr>
               <a:t>To value the customer inputs and make use of it.</a:t>
             </a:r>
             <a:r>
               <a:rPr lang="en-US" sz="2000" b="0" i="0" dirty="0">
-                <a:solidFill>
-                  <a:srgbClr val="000000"/>
-                </a:solidFill>
                 <a:effectLst/>
               </a:rPr>
               <a:t>​</a:t>
@@ -5447,9 +5499,6 @@
               <a:buChar char="•"/>
             </a:pPr>
             <a:endParaRPr lang="en-US" sz="2000" b="0" i="0" dirty="0">
-              <a:solidFill>
-                <a:srgbClr val="000000"/>
-              </a:solidFill>
               <a:effectLst/>
             </a:endParaRPr>
           </a:p>
@@ -5460,26 +5509,17 @@
             </a:pPr>
             <a:r>
               <a:rPr lang="en-US" sz="2000" b="0" i="0" u="none" strike="noStrike" dirty="0">
-                <a:solidFill>
-                  <a:srgbClr val="404040"/>
-                </a:solidFill>
                 <a:effectLst/>
               </a:rPr>
               <a:t>To identify the bugs earlier.</a:t>
             </a:r>
             <a:r>
               <a:rPr lang="en-US" sz="2000" b="0" i="0" dirty="0">
-                <a:solidFill>
-                  <a:srgbClr val="000000"/>
-                </a:solidFill>
                 <a:effectLst/>
               </a:rPr>
               <a:t>​</a:t>
             </a:r>
             <a:endParaRPr lang="en-US" sz="2000" b="0" i="0" u="none" strike="noStrike" dirty="0">
-              <a:solidFill>
-                <a:srgbClr val="404040"/>
-              </a:solidFill>
               <a:effectLst/>
             </a:endParaRPr>
           </a:p>
@@ -5488,11 +5528,7 @@
               <a:buFont typeface="Arial" panose="020B0604020202020204" pitchFamily="34" charset="0"/>
               <a:buChar char="•"/>
             </a:pPr>
-            <a:endParaRPr lang="en-US" sz="2000" dirty="0">
-              <a:solidFill>
-                <a:srgbClr val="404040"/>
-              </a:solidFill>
-            </a:endParaRPr>
+            <a:endParaRPr lang="en-US" sz="2000" dirty="0"/>
           </a:p>
           <a:p>
             <a:pPr marL="342900" indent="-342900" rtl="0" fontAlgn="base">
@@ -5501,18 +5537,12 @@
             </a:pPr>
             <a:r>
               <a:rPr lang="en-US" sz="2000" b="0" i="0" u="none" strike="noStrike" dirty="0">
-                <a:solidFill>
-                  <a:srgbClr val="404040"/>
-                </a:solidFill>
                 <a:effectLst/>
               </a:rPr>
               <a:t>Never assume.</a:t>
             </a:r>
             <a:r>
               <a:rPr lang="en-US" sz="2000" b="0" i="0" dirty="0">
-                <a:solidFill>
-                  <a:srgbClr val="000000"/>
-                </a:solidFill>
                 <a:effectLst/>
               </a:rPr>
               <a:t>​</a:t>
@@ -5524,9 +5554,6 @@
               <a:buChar char="•"/>
             </a:pPr>
             <a:endParaRPr lang="en-US" sz="2000" b="0" i="0" dirty="0">
-              <a:solidFill>
-                <a:srgbClr val="000000"/>
-              </a:solidFill>
               <a:effectLst/>
             </a:endParaRPr>
           </a:p>
@@ -5537,18 +5564,12 @@
             </a:pPr>
             <a:r>
               <a:rPr lang="en-US" sz="2000" b="0" i="0" u="none" strike="noStrike" dirty="0">
-                <a:solidFill>
-                  <a:srgbClr val="404040"/>
-                </a:solidFill>
                 <a:effectLst/>
               </a:rPr>
               <a:t>Learned how to use testing tools.</a:t>
             </a:r>
             <a:r>
               <a:rPr lang="en-US" sz="2000" b="0" i="0" dirty="0">
-                <a:solidFill>
-                  <a:srgbClr val="000000"/>
-                </a:solidFill>
                 <a:effectLst/>
               </a:rPr>
               <a:t>​</a:t>
@@ -5560,9 +5581,6 @@
               <a:buChar char="•"/>
             </a:pPr>
             <a:endParaRPr lang="en-US" sz="2000" b="0" i="0" dirty="0">
-              <a:solidFill>
-                <a:srgbClr val="000000"/>
-              </a:solidFill>
               <a:effectLst/>
             </a:endParaRPr>
           </a:p>
@@ -5572,22 +5590,10 @@
               <a:buChar char="•"/>
             </a:pPr>
             <a:r>
-              <a:rPr lang="en-US" sz="2000" b="0" i="0" u="none" strike="noStrike" dirty="0">
-                <a:solidFill>
-                  <a:srgbClr val="404040"/>
-                </a:solidFill>
-                <a:effectLst/>
-              </a:rPr>
-              <a:t>Learned to track time with honest timesheet.</a:t>
-            </a:r>
-            <a:r>
               <a:rPr lang="en-US" sz="2000" b="0" i="0" dirty="0">
-                <a:solidFill>
-                  <a:srgbClr val="000000"/>
-                </a:solidFill>
-                <a:effectLst/>
-              </a:rPr>
-              <a:t>​</a:t>
+                <a:effectLst/>
+              </a:rPr>
+              <a:t>Plan with your team before executing new feature.</a:t>
             </a:r>
           </a:p>
           <a:p>
@@ -5596,9 +5602,6 @@
               <a:buChar char="•"/>
             </a:pPr>
             <a:endParaRPr lang="en-US" sz="2000" b="0" i="0" dirty="0">
-              <a:solidFill>
-                <a:srgbClr val="000000"/>
-              </a:solidFill>
               <a:effectLst/>
             </a:endParaRPr>
           </a:p>
@@ -5609,18 +5612,12 @@
             </a:pPr>
             <a:r>
               <a:rPr lang="en-US" sz="2000" b="0" i="0" u="none" strike="noStrike" dirty="0">
-                <a:solidFill>
-                  <a:srgbClr val="404040"/>
-                </a:solidFill>
                 <a:effectLst/>
               </a:rPr>
               <a:t>Don't hesitate to ask questions.</a:t>
             </a:r>
             <a:r>
               <a:rPr lang="en-US" sz="2000" b="0" i="0" dirty="0">
-                <a:solidFill>
-                  <a:srgbClr val="000000"/>
-                </a:solidFill>
                 <a:effectLst/>
               </a:rPr>
               <a:t>​</a:t>
@@ -5632,9 +5629,6 @@
               <a:buChar char="•"/>
             </a:pPr>
             <a:endParaRPr lang="en-US" sz="2000" b="0" i="0" dirty="0">
-              <a:solidFill>
-                <a:srgbClr val="000000"/>
-              </a:solidFill>
               <a:effectLst/>
             </a:endParaRPr>
           </a:p>
@@ -5645,18 +5639,12 @@
             </a:pPr>
             <a:r>
               <a:rPr lang="en-US" sz="2000" b="0" i="0" u="none" strike="noStrike" dirty="0">
-                <a:solidFill>
-                  <a:srgbClr val="404040"/>
-                </a:solidFill>
                 <a:effectLst/>
               </a:rPr>
               <a:t>Team meetings are always important to track the works.</a:t>
             </a:r>
             <a:r>
               <a:rPr lang="en-US" sz="2000" b="0" i="0" dirty="0">
-                <a:solidFill>
-                  <a:srgbClr val="000000"/>
-                </a:solidFill>
                 <a:effectLst/>
               </a:rPr>
               <a:t>​</a:t>
@@ -5668,9 +5656,6 @@
               <a:buChar char="•"/>
             </a:pPr>
             <a:endParaRPr lang="en-US" sz="2000" b="0" i="0" dirty="0">
-              <a:solidFill>
-                <a:srgbClr val="000000"/>
-              </a:solidFill>
               <a:effectLst/>
             </a:endParaRPr>
           </a:p>
@@ -5681,18 +5666,12 @@
             </a:pPr>
             <a:r>
               <a:rPr lang="en-US" sz="2000" b="0" i="0" u="none" strike="noStrike" dirty="0">
-                <a:solidFill>
-                  <a:srgbClr val="404040"/>
-                </a:solidFill>
                 <a:effectLst/>
               </a:rPr>
               <a:t>Brainstorming is very important to share ideas.</a:t>
             </a:r>
             <a:r>
               <a:rPr lang="en-US" sz="2000" b="0" i="0" dirty="0">
-                <a:solidFill>
-                  <a:srgbClr val="000000"/>
-                </a:solidFill>
                 <a:effectLst/>
               </a:rPr>
               <a:t>​</a:t>
@@ -5704,9 +5683,6 @@
               <a:buChar char="•"/>
             </a:pPr>
             <a:endParaRPr lang="en-US" sz="2000" b="0" i="0" dirty="0">
-              <a:solidFill>
-                <a:srgbClr val="000000"/>
-              </a:solidFill>
               <a:effectLst/>
             </a:endParaRPr>
           </a:p>
@@ -5717,17 +5693,11 @@
             </a:pPr>
             <a:r>
               <a:rPr lang="en-US" sz="2000" b="0" i="0" u="none" strike="noStrike" dirty="0">
-                <a:solidFill>
-                  <a:srgbClr val="404040"/>
-                </a:solidFill>
                 <a:effectLst/>
               </a:rPr>
               <a:t>Always update MOM to track the meeting updates.</a:t>
             </a:r>
             <a:endParaRPr lang="en-US" sz="2000" b="0" i="0" dirty="0">
-              <a:solidFill>
-                <a:srgbClr val="000000"/>
-              </a:solidFill>
               <a:effectLst/>
             </a:endParaRPr>
           </a:p>
@@ -5737,9 +5707,6 @@
               <a:buChar char="•"/>
             </a:pPr>
             <a:endParaRPr lang="en-US" sz="2000" b="0" i="0" dirty="0">
-              <a:solidFill>
-                <a:srgbClr val="000000"/>
-              </a:solidFill>
               <a:effectLst/>
             </a:endParaRPr>
           </a:p>
@@ -5814,6 +5781,14 @@
   <p:clrMapOvr>
     <a:masterClrMapping/>
   </p:clrMapOvr>
+  <mc:AlternateContent xmlns:mc="http://schemas.openxmlformats.org/markup-compatibility/2006">
+    <mc:Choice xmlns:p14="http://schemas.microsoft.com/office/powerpoint/2010/main" Requires="p14">
+      <p:transition p14:dur="0"/>
+    </mc:Choice>
+    <mc:Fallback>
+      <p:transition/>
+    </mc:Fallback>
+  </mc:AlternateContent>
 </p:sld>
 </file>
 
@@ -5877,6 +5852,14 @@
   <p:clrMapOvr>
     <a:masterClrMapping/>
   </p:clrMapOvr>
+  <mc:AlternateContent xmlns:mc="http://schemas.openxmlformats.org/markup-compatibility/2006">
+    <mc:Choice xmlns:p14="http://schemas.microsoft.com/office/powerpoint/2010/main" Requires="p14">
+      <p:transition p14:dur="0"/>
+    </mc:Choice>
+    <mc:Fallback>
+      <p:transition/>
+    </mc:Fallback>
+  </mc:AlternateContent>
 </p:sld>
 </file>
 
@@ -5967,9 +5950,6 @@
             </a:pPr>
             <a:r>
               <a:rPr lang="en-US" sz="2400" b="0" i="0" u="none" strike="noStrike" dirty="0">
-                <a:solidFill>
-                  <a:srgbClr val="404040"/>
-                </a:solidFill>
                 <a:effectLst/>
                 <a:latin typeface="Calibri"/>
                 <a:cs typeface="Times New Roman"/>
@@ -5978,9 +5958,6 @@
             </a:r>
             <a:r>
               <a:rPr lang="en-US" sz="2400" b="0" i="0" dirty="0">
-                <a:solidFill>
-                  <a:srgbClr val="000000"/>
-                </a:solidFill>
                 <a:effectLst/>
                 <a:latin typeface="Calibri"/>
                 <a:cs typeface="Times New Roman"/>
@@ -5995,9 +5972,6 @@
             </a:pPr>
             <a:r>
               <a:rPr lang="en-US" sz="2400" b="0" i="0" u="none" strike="noStrike" dirty="0">
-                <a:solidFill>
-                  <a:srgbClr val="404040"/>
-                </a:solidFill>
                 <a:effectLst/>
                 <a:latin typeface="Calibri"/>
                 <a:cs typeface="Times New Roman"/>
@@ -6006,9 +5980,6 @@
             </a:r>
             <a:r>
               <a:rPr lang="en-US" sz="2400" b="0" i="0" dirty="0">
-                <a:solidFill>
-                  <a:srgbClr val="000000"/>
-                </a:solidFill>
                 <a:effectLst/>
                 <a:latin typeface="Calibri"/>
                 <a:cs typeface="Times New Roman"/>
@@ -6023,9 +5994,6 @@
             </a:pPr>
             <a:r>
               <a:rPr lang="en-US" sz="2400" b="0" i="0" u="none" strike="noStrike" dirty="0">
-                <a:solidFill>
-                  <a:srgbClr val="404040"/>
-                </a:solidFill>
                 <a:effectLst/>
                 <a:latin typeface="Calibri"/>
                 <a:cs typeface="Times New Roman"/>
@@ -6034,9 +6002,6 @@
             </a:r>
             <a:r>
               <a:rPr lang="en-US" sz="2400" b="0" i="0" dirty="0">
-                <a:solidFill>
-                  <a:srgbClr val="000000"/>
-                </a:solidFill>
                 <a:effectLst/>
                 <a:latin typeface="Calibri"/>
                 <a:cs typeface="Times New Roman"/>
@@ -6051,9 +6016,6 @@
             </a:pPr>
             <a:r>
               <a:rPr lang="en-US" sz="2400" b="0" i="0" u="none" strike="noStrike" dirty="0">
-                <a:solidFill>
-                  <a:srgbClr val="404040"/>
-                </a:solidFill>
                 <a:effectLst/>
                 <a:latin typeface="Calibri"/>
                 <a:cs typeface="Times New Roman"/>
@@ -6062,9 +6024,6 @@
             </a:r>
             <a:r>
               <a:rPr lang="en-US" sz="2400" b="0" i="0" dirty="0">
-                <a:solidFill>
-                  <a:srgbClr val="000000"/>
-                </a:solidFill>
                 <a:effectLst/>
                 <a:latin typeface="Calibri"/>
                 <a:cs typeface="Times New Roman"/>
@@ -6079,9 +6038,6 @@
             </a:pPr>
             <a:r>
               <a:rPr lang="en-US" sz="2400" b="0" i="0" u="none" strike="noStrike" dirty="0">
-                <a:solidFill>
-                  <a:srgbClr val="404040"/>
-                </a:solidFill>
                 <a:effectLst/>
                 <a:latin typeface="Calibri"/>
                 <a:cs typeface="Times New Roman"/>
@@ -6090,9 +6046,6 @@
             </a:r>
             <a:r>
               <a:rPr lang="en-US" sz="2400" b="0" i="0" dirty="0">
-                <a:solidFill>
-                  <a:srgbClr val="000000"/>
-                </a:solidFill>
                 <a:effectLst/>
                 <a:latin typeface="Calibri"/>
                 <a:cs typeface="Times New Roman"/>
@@ -6107,9 +6060,6 @@
             </a:pPr>
             <a:r>
               <a:rPr lang="en-US" sz="2400" b="0" i="0" u="none" strike="noStrike" dirty="0">
-                <a:solidFill>
-                  <a:srgbClr val="404040"/>
-                </a:solidFill>
                 <a:effectLst/>
                 <a:latin typeface="Calibri"/>
                 <a:cs typeface="Times New Roman"/>
@@ -6118,9 +6068,6 @@
             </a:r>
             <a:r>
               <a:rPr lang="en-US" sz="2400" b="0" i="0" dirty="0">
-                <a:solidFill>
-                  <a:srgbClr val="000000"/>
-                </a:solidFill>
                 <a:effectLst/>
                 <a:latin typeface="Calibri"/>
                 <a:cs typeface="Times New Roman"/>
@@ -6135,9 +6082,6 @@
             </a:pPr>
             <a:r>
               <a:rPr lang="en-US" sz="2400" b="0" i="0" u="none" strike="noStrike" dirty="0" err="1">
-                <a:solidFill>
-                  <a:srgbClr val="404040"/>
-                </a:solidFill>
                 <a:effectLst/>
                 <a:latin typeface="Calibri"/>
                 <a:cs typeface="Times New Roman"/>
@@ -6146,9 +6090,6 @@
             </a:r>
             <a:r>
               <a:rPr lang="en-US" sz="2400" b="0" i="0" u="none" strike="noStrike" dirty="0">
-                <a:solidFill>
-                  <a:srgbClr val="404040"/>
-                </a:solidFill>
                 <a:effectLst/>
                 <a:latin typeface="Calibri"/>
                 <a:cs typeface="Times New Roman"/>
@@ -6157,9 +6098,6 @@
             </a:r>
             <a:r>
               <a:rPr lang="en-US" sz="2400" b="0" i="0" dirty="0">
-                <a:solidFill>
-                  <a:srgbClr val="000000"/>
-                </a:solidFill>
                 <a:effectLst/>
                 <a:latin typeface="Calibri"/>
                 <a:cs typeface="Times New Roman"/>
@@ -6174,9 +6112,6 @@
             </a:pPr>
             <a:r>
               <a:rPr lang="en-US" sz="2400" b="0" i="0" u="none" strike="noStrike" dirty="0">
-                <a:solidFill>
-                  <a:srgbClr val="404040"/>
-                </a:solidFill>
                 <a:effectLst/>
                 <a:latin typeface="Calibri"/>
                 <a:cs typeface="Times New Roman"/>
@@ -6185,9 +6120,6 @@
             </a:r>
             <a:r>
               <a:rPr lang="en-US" sz="2400" b="0" i="0" u="none" strike="noStrike" dirty="0" err="1">
-                <a:solidFill>
-                  <a:srgbClr val="404040"/>
-                </a:solidFill>
                 <a:effectLst/>
                 <a:latin typeface="Calibri"/>
                 <a:cs typeface="Times New Roman"/>
@@ -6196,9 +6128,6 @@
             </a:r>
             <a:r>
               <a:rPr lang="en-US" sz="2400" b="0" i="0" u="none" strike="noStrike" dirty="0">
-                <a:solidFill>
-                  <a:srgbClr val="404040"/>
-                </a:solidFill>
                 <a:effectLst/>
                 <a:latin typeface="Calibri"/>
                 <a:cs typeface="Times New Roman"/>
@@ -6207,9 +6136,6 @@
             </a:r>
             <a:r>
               <a:rPr lang="en-US" sz="2400" b="0" i="0" dirty="0">
-                <a:solidFill>
-                  <a:srgbClr val="000000"/>
-                </a:solidFill>
                 <a:effectLst/>
                 <a:latin typeface="Calibri"/>
                 <a:cs typeface="Times New Roman"/>
@@ -6224,9 +6150,6 @@
             </a:pPr>
             <a:r>
               <a:rPr lang="en-US" sz="2400" b="0" i="0" u="none" strike="noStrike" dirty="0">
-                <a:solidFill>
-                  <a:srgbClr val="404040"/>
-                </a:solidFill>
                 <a:effectLst/>
                 <a:latin typeface="Calibri"/>
                 <a:cs typeface="Times New Roman"/>
@@ -6235,19 +6158,13 @@
             </a:r>
             <a:r>
               <a:rPr lang="en-IN" sz="2400" b="0" i="0" dirty="0">
-                <a:solidFill>
-                  <a:srgbClr val="000000"/>
-                </a:solidFill>
                 <a:effectLst/>
                 <a:latin typeface="Calibri"/>
                 <a:cs typeface="Times New Roman"/>
               </a:rPr>
               <a:t>​</a:t>
             </a:r>
-            <a:endParaRPr lang="en-US" sz="2400" b="0" i="0">
-              <a:solidFill>
-                <a:srgbClr val="000000"/>
-              </a:solidFill>
+            <a:endParaRPr lang="en-US" sz="2400" b="0" i="0" dirty="0">
               <a:effectLst/>
               <a:latin typeface="Calibri"/>
               <a:cs typeface="Times New Roman"/>
@@ -6259,9 +6176,6 @@
               <a:buChar char="•"/>
             </a:pPr>
             <a:endParaRPr lang="en-US" sz="2400" dirty="0">
-              <a:solidFill>
-                <a:srgbClr val="000000"/>
-              </a:solidFill>
               <a:latin typeface="Calibri"/>
               <a:cs typeface="Times New Roman"/>
             </a:endParaRPr>
@@ -6272,9 +6186,6 @@
               <a:buChar char="•"/>
             </a:pPr>
             <a:endParaRPr lang="en-US" sz="2400" b="0" i="0" dirty="0">
-              <a:solidFill>
-                <a:srgbClr val="000000"/>
-              </a:solidFill>
               <a:effectLst/>
               <a:latin typeface="Calibri"/>
               <a:cs typeface="Times New Roman"/>
@@ -6286,9 +6197,6 @@
               <a:buChar char="•"/>
             </a:pPr>
             <a:endParaRPr lang="en-US" sz="2400" dirty="0">
-              <a:solidFill>
-                <a:srgbClr val="000000"/>
-              </a:solidFill>
               <a:latin typeface="Calibri"/>
               <a:cs typeface="Times New Roman"/>
             </a:endParaRPr>
@@ -6299,9 +6207,6 @@
               <a:buChar char="•"/>
             </a:pPr>
             <a:endParaRPr lang="en-US" sz="2400" b="0" i="0" dirty="0">
-              <a:solidFill>
-                <a:srgbClr val="000000"/>
-              </a:solidFill>
               <a:effectLst/>
               <a:latin typeface="Calibri"/>
               <a:cs typeface="Times New Roman"/>
@@ -6313,9 +6218,6 @@
               <a:buChar char="•"/>
             </a:pPr>
             <a:endParaRPr lang="en-US" sz="2400" dirty="0">
-              <a:solidFill>
-                <a:srgbClr val="000000"/>
-              </a:solidFill>
               <a:latin typeface="Calibri"/>
               <a:cs typeface="Times New Roman"/>
             </a:endParaRPr>
@@ -6326,9 +6228,6 @@
               <a:buChar char="•"/>
             </a:pPr>
             <a:endParaRPr lang="en-US" sz="2400" b="0" i="0" dirty="0">
-              <a:solidFill>
-                <a:srgbClr val="000000"/>
-              </a:solidFill>
               <a:effectLst/>
               <a:latin typeface="Calibri"/>
               <a:cs typeface="Times New Roman"/>
@@ -6340,9 +6239,6 @@
               <a:buChar char="•"/>
             </a:pPr>
             <a:endParaRPr lang="en-US" sz="2400" dirty="0">
-              <a:solidFill>
-                <a:srgbClr val="000000"/>
-              </a:solidFill>
               <a:latin typeface="Calibri"/>
               <a:cs typeface="Times New Roman"/>
             </a:endParaRPr>
@@ -6353,9 +6249,6 @@
               <a:buChar char="•"/>
             </a:pPr>
             <a:endParaRPr lang="en-US" sz="2400" b="0" i="0" dirty="0">
-              <a:solidFill>
-                <a:srgbClr val="000000"/>
-              </a:solidFill>
               <a:effectLst/>
               <a:latin typeface="Calibri"/>
               <a:cs typeface="Times New Roman"/>
@@ -6367,9 +6260,6 @@
               <a:buChar char="•"/>
             </a:pPr>
             <a:endParaRPr lang="en-US" sz="2400" dirty="0">
-              <a:solidFill>
-                <a:srgbClr val="000000"/>
-              </a:solidFill>
               <a:latin typeface="Calibri"/>
               <a:cs typeface="Times New Roman"/>
             </a:endParaRPr>
@@ -6377,9 +6267,6 @@
           <a:p>
             <a:pPr rtl="0" fontAlgn="base"/>
             <a:endParaRPr lang="en-US" sz="2400" dirty="0">
-              <a:solidFill>
-                <a:srgbClr val="000000"/>
-              </a:solidFill>
               <a:latin typeface="Calibri"/>
               <a:cs typeface="Times New Roman"/>
             </a:endParaRPr>
@@ -6387,9 +6274,6 @@
           <a:p>
             <a:pPr rtl="0" fontAlgn="base"/>
             <a:endParaRPr lang="en-US" sz="2400" b="0" i="0" dirty="0">
-              <a:solidFill>
-                <a:srgbClr val="000000"/>
-              </a:solidFill>
               <a:effectLst/>
               <a:latin typeface="Calibri"/>
               <a:cs typeface="Times New Roman"/>
@@ -6402,9 +6286,6 @@
             </a:pPr>
             <a:r>
               <a:rPr lang="en-IN" sz="2400" b="0" i="0" u="none" strike="noStrike" dirty="0">
-                <a:solidFill>
-                  <a:srgbClr val="404040"/>
-                </a:solidFill>
                 <a:effectLst/>
                 <a:latin typeface="Calibri"/>
                 <a:cs typeface="Times New Roman"/>
@@ -6413,9 +6294,6 @@
             </a:r>
             <a:r>
               <a:rPr lang="en-IN" sz="2400" dirty="0">
-                <a:solidFill>
-                  <a:srgbClr val="404040"/>
-                </a:solidFill>
                 <a:latin typeface="Calibri"/>
                 <a:cs typeface="Times New Roman"/>
               </a:rPr>
@@ -6423,9 +6301,6 @@
             </a:r>
             <a:r>
               <a:rPr lang="en-US" sz="2400" dirty="0">
-                <a:solidFill>
-                  <a:srgbClr val="404040"/>
-                </a:solidFill>
                 <a:latin typeface="Calibri"/>
                 <a:cs typeface="Times New Roman"/>
               </a:rPr>
@@ -6433,19 +6308,13 @@
             </a:r>
             <a:r>
               <a:rPr lang="en-US" sz="2400" b="0" i="0" u="none" strike="noStrike" dirty="0">
-                <a:solidFill>
-                  <a:srgbClr val="404040"/>
-                </a:solidFill>
                 <a:effectLst/>
                 <a:latin typeface="Calibri"/>
                 <a:cs typeface="Times New Roman"/>
               </a:rPr>
               <a:t>days</a:t>
             </a:r>
-            <a:endParaRPr lang="en-IN" sz="2400" b="0" i="0">
-              <a:solidFill>
-                <a:srgbClr val="000000"/>
-              </a:solidFill>
+            <a:endParaRPr lang="en-IN" sz="2400" b="0" i="0" dirty="0">
               <a:effectLst/>
               <a:latin typeface="Calibri"/>
               <a:cs typeface="Times New Roman"/>
@@ -6469,6 +6338,14 @@
   <p:clrMapOvr>
     <a:masterClrMapping/>
   </p:clrMapOvr>
+  <mc:AlternateContent xmlns:mc="http://schemas.openxmlformats.org/markup-compatibility/2006">
+    <mc:Choice xmlns:p14="http://schemas.microsoft.com/office/powerpoint/2010/main" Requires="p14">
+      <p:transition p14:dur="0"/>
+    </mc:Choice>
+    <mc:Fallback>
+      <p:transition/>
+    </mc:Fallback>
+  </mc:AlternateContent>
 </p:sld>
 </file>
 
@@ -6539,7 +6416,7 @@
         </p:nvSpPr>
         <p:spPr>
           <a:xfrm>
-            <a:off x="652730" y="2141140"/>
+            <a:off x="610397" y="1932633"/>
             <a:ext cx="10645935" cy="2800767"/>
           </a:xfrm>
           <a:prstGeom prst="rect">
@@ -6559,9 +6436,6 @@
             </a:pPr>
             <a:r>
               <a:rPr lang="en-US" sz="2200" b="0" i="0" dirty="0">
-                <a:solidFill>
-                  <a:srgbClr val="000000"/>
-                </a:solidFill>
                 <a:effectLst/>
                 <a:latin typeface="Calibri"/>
                 <a:cs typeface="Times New Roman"/>
@@ -6570,9 +6444,6 @@
             </a:r>
             <a:r>
               <a:rPr lang="en-IN" sz="2200" b="0" i="0" u="none" strike="noStrike" dirty="0">
-                <a:solidFill>
-                  <a:srgbClr val="404040"/>
-                </a:solidFill>
                 <a:effectLst/>
                 <a:latin typeface="Calibri"/>
                 <a:cs typeface="Times New Roman"/>
@@ -6581,57 +6452,45 @@
             </a:r>
             <a:r>
               <a:rPr lang="en-IN" sz="2200" dirty="0">
-                <a:solidFill>
-                  <a:srgbClr val="404040"/>
-                </a:solidFill>
                 <a:latin typeface="Calibri"/>
                 <a:cs typeface="Times New Roman"/>
               </a:rPr>
-              <a:t> is </a:t>
-            </a:r>
-            <a:r>
-              <a:rPr lang="en-US" sz="2200" b="0" i="0" u="none" strike="noStrike" dirty="0">
-                <a:solidFill>
-                  <a:srgbClr val="404040"/>
-                </a:solidFill>
-                <a:effectLst/>
+              <a:t> </a:t>
+            </a:r>
+            <a:r>
+              <a:rPr lang="en-US" sz="2200" dirty="0">
                 <a:latin typeface="Calibri"/>
                 <a:cs typeface="Times New Roman"/>
               </a:rPr>
-              <a:t>to collect the availabilities of the interviewers</a:t>
-            </a:r>
-            <a:r>
-              <a:rPr lang="en-US" sz="2200" dirty="0">
-                <a:solidFill>
-                  <a:srgbClr val="404040"/>
-                </a:solidFill>
+              <a:t>of the system </a:t>
+            </a:r>
+            <a:r>
+              <a:rPr lang="en-IN" sz="2200" dirty="0">
                 <a:latin typeface="Calibri"/>
                 <a:cs typeface="Times New Roman"/>
               </a:rPr>
-              <a:t> and to create drives instantly</a:t>
+              <a:t>is </a:t>
             </a:r>
             <a:r>
               <a:rPr lang="en-US" sz="2200" b="0" i="0" u="none" strike="noStrike" dirty="0">
-                <a:solidFill>
-                  <a:srgbClr val="404040"/>
-                </a:solidFill>
                 <a:effectLst/>
                 <a:latin typeface="Calibri"/>
                 <a:cs typeface="Times New Roman"/>
               </a:rPr>
-              <a:t>.</a:t>
-            </a:r>
-            <a:r>
-              <a:rPr lang="en-US" sz="2200" b="0" i="0" dirty="0">
-                <a:solidFill>
-                  <a:srgbClr val="000000"/>
-                </a:solidFill>
-                <a:effectLst/>
+              <a:t>to create drives and to collect the availabilities of the interviewers fo</a:t>
+            </a:r>
+            <a:r>
+              <a:rPr lang="en-US" sz="2200" dirty="0">
                 <a:latin typeface="Calibri"/>
                 <a:cs typeface="Times New Roman"/>
               </a:rPr>
-              <a:t>​</a:t>
-            </a:r>
+              <a:t>r that drive.</a:t>
+            </a:r>
+            <a:endParaRPr lang="en-US" sz="2200" b="0" i="0" dirty="0">
+              <a:effectLst/>
+              <a:latin typeface="Calibri"/>
+              <a:cs typeface="Times New Roman"/>
+            </a:endParaRPr>
           </a:p>
           <a:p>
             <a:pPr marL="342900" indent="-342900" algn="l">
@@ -6639,9 +6498,6 @@
               <a:buChar char="•"/>
             </a:pPr>
             <a:endParaRPr lang="en-US" sz="2200" u="none" strike="noStrike" dirty="0">
-              <a:solidFill>
-                <a:srgbClr val="000000"/>
-              </a:solidFill>
               <a:latin typeface="Calibri"/>
               <a:cs typeface="Calibri"/>
             </a:endParaRPr>
@@ -6653,33 +6509,10 @@
             </a:pPr>
             <a:r>
               <a:rPr lang="en-US" sz="2200" dirty="0">
-                <a:solidFill>
-                  <a:srgbClr val="000000"/>
-                </a:solidFill>
                 <a:latin typeface="Calibri"/>
                 <a:cs typeface="Calibri"/>
               </a:rPr>
-              <a:t>To conduct large </a:t>
-            </a:r>
-            <a:r>
-              <a:rPr lang="en-US" sz="2200" dirty="0" err="1">
-                <a:solidFill>
-                  <a:srgbClr val="000000"/>
-                </a:solidFill>
-                <a:latin typeface="Calibri"/>
-                <a:cs typeface="Calibri"/>
-              </a:rPr>
-              <a:t>No.of</a:t>
-            </a:r>
-            <a:r>
-              <a:rPr lang="en-US" sz="2200" dirty="0">
-                <a:solidFill>
-                  <a:srgbClr val="000000"/>
-                </a:solidFill>
-                <a:latin typeface="Calibri"/>
-                <a:cs typeface="Calibri"/>
-              </a:rPr>
-              <a:t> drives instantly and in organized manner.</a:t>
+              <a:t>To conduct large No. of drives instantly and in organized manner.</a:t>
             </a:r>
           </a:p>
           <a:p>
@@ -6688,9 +6521,6 @@
               <a:buChar char="•"/>
             </a:pPr>
             <a:endParaRPr lang="en-US" sz="2200" dirty="0">
-              <a:solidFill>
-                <a:srgbClr val="000000"/>
-              </a:solidFill>
               <a:latin typeface="Calibri"/>
               <a:cs typeface="Calibri"/>
             </a:endParaRPr>
@@ -6702,9 +6532,6 @@
             </a:pPr>
             <a:r>
               <a:rPr lang="en-US" sz="2200" dirty="0">
-                <a:solidFill>
-                  <a:srgbClr val="000000"/>
-                </a:solidFill>
                 <a:latin typeface="Calibri"/>
                 <a:cs typeface="Calibri"/>
               </a:rPr>
@@ -6717,9 +6544,6 @@
               <a:buChar char="•"/>
             </a:pPr>
             <a:endParaRPr lang="en-US" sz="2200" dirty="0">
-              <a:solidFill>
-                <a:srgbClr val="000000"/>
-              </a:solidFill>
               <a:latin typeface="Calibri"/>
               <a:cs typeface="Times New Roman"/>
             </a:endParaRPr>
@@ -6731,9 +6555,6 @@
             </a:pPr>
             <a:r>
               <a:rPr lang="en-US" sz="2200" dirty="0">
-                <a:solidFill>
-                  <a:srgbClr val="404040"/>
-                </a:solidFill>
                 <a:latin typeface="Calibri"/>
                 <a:cs typeface="Times New Roman"/>
               </a:rPr>
@@ -6741,19 +6562,13 @@
             </a:r>
             <a:r>
               <a:rPr lang="en-US" sz="2200" b="0" i="0" u="none" strike="noStrike" dirty="0">
-                <a:solidFill>
-                  <a:srgbClr val="404040"/>
-                </a:solidFill>
                 <a:effectLst/>
                 <a:latin typeface="Calibri"/>
                 <a:cs typeface="Times New Roman"/>
               </a:rPr>
               <a:t>.</a:t>
             </a:r>
-            <a:endParaRPr lang="en-IN" sz="2200" b="0" i="0">
-              <a:solidFill>
-                <a:srgbClr val="404040"/>
-              </a:solidFill>
+            <a:endParaRPr lang="en-IN" sz="2200" b="0" i="0" dirty="0">
               <a:effectLst/>
               <a:latin typeface="Calibri"/>
               <a:cs typeface="Times New Roman"/>
@@ -6771,6 +6586,14 @@
   <p:clrMapOvr>
     <a:masterClrMapping/>
   </p:clrMapOvr>
+  <mc:AlternateContent xmlns:mc="http://schemas.openxmlformats.org/markup-compatibility/2006">
+    <mc:Choice xmlns:p14="http://schemas.microsoft.com/office/powerpoint/2010/main" Requires="p14">
+      <p:transition p14:dur="0"/>
+    </mc:Choice>
+    <mc:Fallback>
+      <p:transition/>
+    </mc:Fallback>
+  </mc:AlternateContent>
 </p:sld>
 </file>
 
@@ -6847,7 +6670,7 @@
         <p:spPr>
           <a:xfrm>
             <a:off x="705173" y="1859339"/>
-            <a:ext cx="9653857" cy="3139321"/>
+            <a:ext cx="9653857" cy="2800767"/>
           </a:xfrm>
           <a:prstGeom prst="rect">
             <a:avLst/>
@@ -6865,45 +6688,92 @@
               <a:buChar char="•"/>
             </a:pPr>
             <a:r>
-              <a:rPr lang="en-IN" sz="2200" b="0" i="0" u="none" strike="noStrike" dirty="0">
-                <a:solidFill>
-                  <a:srgbClr val="242424"/>
-                </a:solidFill>
-                <a:effectLst/>
+              <a:rPr lang="en-US" sz="2200" dirty="0">
                 <a:latin typeface="Calibri"/>
                 <a:cs typeface="Calibri"/>
               </a:rPr>
-              <a:t>It is very tough to organize a drive and the time wasted for this process is too high.</a:t>
-            </a:r>
-            <a:r>
-              <a:rPr lang="en-US" sz="2200" b="0" i="0" dirty="0">
-                <a:solidFill>
-                  <a:srgbClr val="000000"/>
-                </a:solidFill>
+              <a:t>T</a:t>
+            </a:r>
+            <a:r>
+              <a:rPr lang="en-IN" sz="2200" b="0" i="0" u="none" strike="noStrike" dirty="0">
                 <a:effectLst/>
                 <a:latin typeface="Calibri"/>
                 <a:cs typeface="Calibri"/>
               </a:rPr>
+              <a:t>he time </a:t>
+            </a:r>
+            <a:r>
+              <a:rPr lang="en-US" sz="2200" b="0" i="0" u="none" strike="noStrike" dirty="0">
+                <a:effectLst/>
+                <a:latin typeface="Calibri"/>
+                <a:cs typeface="Calibri"/>
+              </a:rPr>
+              <a:t>consumed for organizing a drive is high.</a:t>
+            </a:r>
+            <a:r>
+              <a:rPr lang="en-US" sz="2200" b="0" i="0" dirty="0">
+                <a:effectLst/>
+                <a:latin typeface="Calibri"/>
+                <a:cs typeface="Calibri"/>
+              </a:rPr>
               <a:t>​</a:t>
             </a:r>
-            <a:endParaRPr lang="en-US" sz="2200" b="0" i="0">
-              <a:solidFill>
-                <a:srgbClr val="000000"/>
-              </a:solidFill>
+          </a:p>
+          <a:p>
+            <a:pPr algn="l" rtl="0" fontAlgn="base">
+              <a:buFont typeface="Arial" panose="020B0604020202020204" pitchFamily="34" charset="0"/>
+              <a:buChar char="•"/>
+            </a:pPr>
+            <a:endParaRPr lang="en-US" sz="2200" b="0" i="0" dirty="0">
               <a:effectLst/>
               <a:latin typeface="Calibri"/>
               <a:cs typeface="Calibri"/>
             </a:endParaRPr>
           </a:p>
           <a:p>
+            <a:pPr marL="342900" indent="-342900" algn="l" rtl="0" fontAlgn="base">
+              <a:buFont typeface="Arial" panose="020B0604020202020204" pitchFamily="34" charset="0"/>
+              <a:buChar char="•"/>
+            </a:pPr>
+            <a:r>
+              <a:rPr lang="en-US" sz="2200" b="0" i="0" u="none" strike="noStrike" dirty="0">
+                <a:effectLst/>
+                <a:latin typeface="Calibri"/>
+                <a:cs typeface="Calibri"/>
+              </a:rPr>
+              <a:t>It is difficult to </a:t>
+            </a:r>
+            <a:r>
+              <a:rPr lang="en-IN" sz="2200" b="0" i="0" u="none" strike="noStrike" dirty="0">
+                <a:effectLst/>
+                <a:latin typeface="Calibri"/>
+                <a:cs typeface="Calibri"/>
+              </a:rPr>
+              <a:t>find the availability of an interviewer</a:t>
+            </a:r>
+            <a:r>
+              <a:rPr lang="en-US" sz="2200" b="0" i="0" u="none" strike="noStrike" dirty="0">
+                <a:effectLst/>
+                <a:latin typeface="Calibri"/>
+                <a:cs typeface="Calibri"/>
+              </a:rPr>
+              <a:t>.</a:t>
+            </a:r>
+            <a:r>
+              <a:rPr lang="en-US" sz="2200" b="0" i="0" dirty="0">
+                <a:effectLst/>
+                <a:latin typeface="Calibri"/>
+                <a:cs typeface="Calibri"/>
+              </a:rPr>
+              <a:t>​</a:t>
+            </a:r>
+          </a:p>
+          <a:p>
             <a:pPr algn="l" rtl="0" fontAlgn="base">
               <a:buFont typeface="Arial" panose="020B0604020202020204" pitchFamily="34" charset="0"/>
               <a:buChar char="•"/>
             </a:pPr>
             <a:endParaRPr lang="en-US" sz="2200" b="0" i="0" dirty="0">
-              <a:solidFill>
-                <a:srgbClr val="000000"/>
-              </a:solidFill>
               <a:effectLst/>
               <a:latin typeface="Calibri"/>
               <a:cs typeface="Calibri"/>
@@ -6916,52 +6786,27 @@
             </a:pPr>
             <a:r>
               <a:rPr lang="en-US" sz="2200" b="0" i="0" u="none" strike="noStrike" dirty="0">
-                <a:solidFill>
-                  <a:srgbClr val="242424"/>
-                </a:solidFill>
                 <a:effectLst/>
                 <a:latin typeface="Calibri"/>
                 <a:cs typeface="Calibri"/>
               </a:rPr>
-              <a:t>It is hard to </a:t>
-            </a:r>
-            <a:r>
-              <a:rPr lang="en-IN" sz="2200" b="0" i="0" u="none" strike="noStrike" dirty="0">
-                <a:solidFill>
-                  <a:srgbClr val="242424"/>
-                </a:solidFill>
+              <a:t>It is challenging to measure the performance of each interviewer, increase their responsibilities and ownership towards the organization</a:t>
+            </a:r>
+            <a:r>
+              <a:rPr lang="en-US" sz="2200" b="0" i="0" dirty="0">
                 <a:effectLst/>
                 <a:latin typeface="Calibri"/>
                 <a:cs typeface="Calibri"/>
               </a:rPr>
-              <a:t>find the availability of an interviewer</a:t>
-            </a:r>
-            <a:r>
-              <a:rPr lang="en-US" sz="2200" b="0" i="0" u="none" strike="noStrike" dirty="0">
-                <a:solidFill>
-                  <a:srgbClr val="242424"/>
-                </a:solidFill>
-                <a:effectLst/>
-                <a:latin typeface="Calibri"/>
-                <a:cs typeface="Calibri"/>
-              </a:rPr>
-              <a:t>.</a:t>
-            </a:r>
-            <a:r>
-              <a:rPr lang="en-US" sz="2200" b="0" i="0" dirty="0">
-                <a:solidFill>
-                  <a:srgbClr val="000000"/>
-                </a:solidFill>
-                <a:effectLst/>
-                <a:latin typeface="Calibri"/>
-                <a:cs typeface="Calibri"/>
-              </a:rPr>
-              <a:t>​</a:t>
-            </a:r>
-            <a:endParaRPr lang="en-US" sz="2200" b="0" i="0">
-              <a:solidFill>
-                <a:srgbClr val="000000"/>
-              </a:solidFill>
+              <a:t>​.</a:t>
+            </a:r>
+          </a:p>
+          <a:p>
+            <a:pPr algn="l" rtl="0" fontAlgn="base">
+              <a:buFont typeface="Arial" panose="020B0604020202020204" pitchFamily="34" charset="0"/>
+              <a:buChar char="•"/>
+            </a:pPr>
+            <a:endParaRPr lang="en-US" sz="2200" b="0" i="0" dirty="0">
               <a:effectLst/>
               <a:latin typeface="Calibri"/>
               <a:cs typeface="Calibri"/>
@@ -6972,74 +6817,7 @@
               <a:buFont typeface="Arial" panose="020B0604020202020204" pitchFamily="34" charset="0"/>
               <a:buChar char="•"/>
             </a:pPr>
-            <a:endParaRPr lang="en-US" sz="2200" b="0" i="0" dirty="0">
-              <a:solidFill>
-                <a:srgbClr val="000000"/>
-              </a:solidFill>
-              <a:effectLst/>
-              <a:latin typeface="Calibri"/>
-              <a:cs typeface="Calibri"/>
-            </a:endParaRPr>
-          </a:p>
-          <a:p>
-            <a:pPr marL="342900" indent="-342900" algn="l" rtl="0" fontAlgn="base">
-              <a:buFont typeface="Arial" panose="020B0604020202020204" pitchFamily="34" charset="0"/>
-              <a:buChar char="•"/>
-            </a:pPr>
-            <a:r>
-              <a:rPr lang="en-US" sz="2200" b="0" i="0" u="none" strike="noStrike" dirty="0">
-                <a:solidFill>
-                  <a:srgbClr val="242424"/>
-                </a:solidFill>
-                <a:effectLst/>
-                <a:latin typeface="Calibri"/>
-                <a:cs typeface="Calibri"/>
-              </a:rPr>
-              <a:t>It is hard to measure the performance of each interviewer and increase their responsibilities and ownership towards the organization</a:t>
-            </a:r>
-            <a:r>
-              <a:rPr lang="en-US" sz="2200" b="0" i="0" dirty="0">
-                <a:solidFill>
-                  <a:srgbClr val="000000"/>
-                </a:solidFill>
-                <a:effectLst/>
-                <a:latin typeface="Calibri"/>
-                <a:cs typeface="Calibri"/>
-              </a:rPr>
-              <a:t>​</a:t>
-            </a:r>
-            <a:endParaRPr lang="en-US" sz="2200" b="0" i="0">
-              <a:solidFill>
-                <a:srgbClr val="000000"/>
-              </a:solidFill>
-              <a:effectLst/>
-              <a:latin typeface="Calibri"/>
-              <a:cs typeface="Calibri"/>
-            </a:endParaRPr>
-          </a:p>
-          <a:p>
-            <a:pPr algn="l" rtl="0" fontAlgn="base">
-              <a:buFont typeface="Arial" panose="020B0604020202020204" pitchFamily="34" charset="0"/>
-              <a:buChar char="•"/>
-            </a:pPr>
-            <a:endParaRPr lang="en-US" sz="2200" b="0" i="0" dirty="0">
-              <a:solidFill>
-                <a:srgbClr val="000000"/>
-              </a:solidFill>
-              <a:effectLst/>
-              <a:latin typeface="Calibri"/>
-              <a:cs typeface="Calibri"/>
-            </a:endParaRPr>
-          </a:p>
-          <a:p>
-            <a:pPr algn="l" rtl="0" fontAlgn="base">
-              <a:buFont typeface="Arial" panose="020B0604020202020204" pitchFamily="34" charset="0"/>
-              <a:buChar char="•"/>
-            </a:pPr>
             <a:endParaRPr lang="en-IN" sz="2200" b="0" i="0" dirty="0">
-              <a:solidFill>
-                <a:srgbClr val="000000"/>
-              </a:solidFill>
               <a:effectLst/>
               <a:latin typeface="Calibri"/>
               <a:cs typeface="Calibri"/>
@@ -7057,6 +6835,14 @@
   <p:clrMapOvr>
     <a:masterClrMapping/>
   </p:clrMapOvr>
+  <mc:AlternateContent xmlns:mc="http://schemas.openxmlformats.org/markup-compatibility/2006">
+    <mc:Choice xmlns:p14="http://schemas.microsoft.com/office/powerpoint/2010/main" Requires="p14">
+      <p:transition p14:dur="0"/>
+    </mc:Choice>
+    <mc:Fallback>
+      <p:transition/>
+    </mc:Fallback>
+  </mc:AlternateContent>
 </p:sld>
 </file>
 
@@ -7100,7 +6886,7 @@
           <a:p>
             <a:r>
               <a:rPr lang="en-US" dirty="0"/>
-              <a:t>SOLUTION AND ARCHITECTURE</a:t>
+              <a:t>SOLUTION</a:t>
             </a:r>
           </a:p>
         </p:txBody>
@@ -7139,9 +6925,6 @@
             </a:pPr>
             <a:r>
               <a:rPr lang="en-US" sz="2200" b="0" i="0" u="none" strike="noStrike" dirty="0">
-                <a:solidFill>
-                  <a:srgbClr val="242424"/>
-                </a:solidFill>
                 <a:effectLst/>
                 <a:latin typeface="Calibri"/>
                 <a:cs typeface="Calibri"/>
@@ -7150,33 +6933,52 @@
             </a:r>
             <a:r>
               <a:rPr lang="en-US" sz="2200" b="0" i="0" dirty="0">
-                <a:solidFill>
-                  <a:srgbClr val="000000"/>
-                </a:solidFill>
                 <a:effectLst/>
                 <a:latin typeface="Calibri"/>
                 <a:cs typeface="Calibri"/>
               </a:rPr>
               <a:t>​</a:t>
             </a:r>
-            <a:endParaRPr lang="en-US" sz="2200" b="0" i="0">
-              <a:solidFill>
-                <a:srgbClr val="000000"/>
-              </a:solidFill>
+          </a:p>
+          <a:p>
+            <a:pPr algn="l" rtl="0" fontAlgn="base">
+              <a:buFont typeface="Arial" panose="020B0604020202020204" pitchFamily="34" charset="0"/>
+              <a:buChar char="•"/>
+            </a:pPr>
+            <a:endParaRPr lang="en-US" sz="2200" b="0" i="0" dirty="0">
               <a:effectLst/>
               <a:latin typeface="Calibri"/>
               <a:cs typeface="Calibri"/>
             </a:endParaRPr>
           </a:p>
           <a:p>
+            <a:pPr marL="285750" indent="-285750" algn="l" rtl="0" fontAlgn="base">
+              <a:buFont typeface="Arial" panose="020B0604020202020204" pitchFamily="34" charset="0"/>
+              <a:buChar char="•"/>
+            </a:pPr>
+            <a:r>
+              <a:rPr lang="en-US" sz="2200" b="0" i="0" u="none" strike="noStrike" dirty="0">
+                <a:effectLst/>
+                <a:latin typeface="Calibri"/>
+                <a:cs typeface="Calibri"/>
+              </a:rPr>
+              <a:t>It is easy for an interviewer to track their performance.</a:t>
+            </a:r>
+            <a:r>
+              <a:rPr lang="en-US" sz="2200" b="0" i="0" dirty="0">
+                <a:effectLst/>
+                <a:latin typeface="Calibri"/>
+                <a:cs typeface="Calibri"/>
+              </a:rPr>
+              <a:t>​</a:t>
+            </a:r>
+          </a:p>
+          <a:p>
             <a:pPr algn="l" rtl="0" fontAlgn="base">
               <a:buFont typeface="Arial" panose="020B0604020202020204" pitchFamily="34" charset="0"/>
               <a:buChar char="•"/>
             </a:pPr>
             <a:endParaRPr lang="en-US" sz="2200" b="0" i="0" dirty="0">
-              <a:solidFill>
-                <a:srgbClr val="000000"/>
-              </a:solidFill>
               <a:effectLst/>
               <a:latin typeface="Calibri"/>
               <a:cs typeface="Calibri"/>
@@ -7189,94 +6991,27 @@
             </a:pPr>
             <a:r>
               <a:rPr lang="en-US" sz="2200" b="0" i="0" u="none" strike="noStrike" dirty="0">
-                <a:solidFill>
-                  <a:srgbClr val="242424"/>
-                </a:solidFill>
                 <a:effectLst/>
                 <a:latin typeface="Calibri"/>
                 <a:cs typeface="Calibri"/>
               </a:rPr>
-              <a:t>It is easy for an interviewer to track their performance.</a:t>
+              <a:t>It is helpful for a Management person to track his/her performance and it will give and overall picture of their department's performance as well.</a:t>
             </a:r>
             <a:r>
               <a:rPr lang="en-US" sz="2200" b="0" i="0" dirty="0">
-                <a:solidFill>
-                  <a:srgbClr val="000000"/>
-                </a:solidFill>
                 <a:effectLst/>
                 <a:latin typeface="Calibri"/>
                 <a:cs typeface="Calibri"/>
               </a:rPr>
               <a:t>​</a:t>
             </a:r>
-            <a:endParaRPr lang="en-US" sz="2200" b="0" i="0">
-              <a:solidFill>
-                <a:srgbClr val="000000"/>
-              </a:solidFill>
-              <a:effectLst/>
-              <a:latin typeface="Calibri"/>
-              <a:cs typeface="Calibri"/>
-            </a:endParaRPr>
           </a:p>
           <a:p>
             <a:pPr algn="l" rtl="0" fontAlgn="base">
               <a:buFont typeface="Arial" panose="020B0604020202020204" pitchFamily="34" charset="0"/>
               <a:buChar char="•"/>
             </a:pPr>
-            <a:endParaRPr lang="en-US" sz="2200" b="0" i="0" dirty="0">
-              <a:solidFill>
-                <a:srgbClr val="000000"/>
-              </a:solidFill>
-              <a:effectLst/>
-              <a:latin typeface="Calibri"/>
-              <a:cs typeface="Calibri"/>
-            </a:endParaRPr>
-          </a:p>
-          <a:p>
-            <a:pPr marL="285750" indent="-285750" algn="l" rtl="0" fontAlgn="base">
-              <a:buFont typeface="Arial" panose="020B0604020202020204" pitchFamily="34" charset="0"/>
-              <a:buChar char="•"/>
-            </a:pPr>
-            <a:r>
-              <a:rPr lang="en-US" sz="2200" b="0" i="0" u="none" strike="noStrike" dirty="0">
-                <a:solidFill>
-                  <a:srgbClr val="242424"/>
-                </a:solidFill>
-                <a:effectLst/>
-                <a:latin typeface="Calibri"/>
-                <a:cs typeface="Calibri"/>
-              </a:rPr>
-              <a:t>It is helpful for a Management person to track his/her performance and it will give and overall picture of their department's performance as well.</a:t>
-            </a:r>
-            <a:r>
-              <a:rPr lang="en-US" sz="2200" b="0" i="0" dirty="0">
-                <a:solidFill>
-                  <a:srgbClr val="000000"/>
-                </a:solidFill>
-                <a:effectLst/>
-                <a:latin typeface="Calibri"/>
-                <a:cs typeface="Calibri"/>
-              </a:rPr>
-              <a:t>​</a:t>
-            </a:r>
-            <a:endParaRPr lang="en-US" sz="2200" b="0" i="0">
-              <a:solidFill>
-                <a:srgbClr val="000000"/>
-              </a:solidFill>
-              <a:effectLst/>
-              <a:latin typeface="Calibri"/>
-              <a:cs typeface="Calibri"/>
-            </a:endParaRPr>
-          </a:p>
-          <a:p>
-            <a:pPr algn="l" rtl="0" fontAlgn="base">
-              <a:buFont typeface="Arial" panose="020B0604020202020204" pitchFamily="34" charset="0"/>
-              <a:buChar char="•"/>
-            </a:pPr>
             <a:endParaRPr lang="en-IN" sz="2200" b="0" i="0" dirty="0">
-              <a:solidFill>
-                <a:srgbClr val="000000"/>
-              </a:solidFill>
               <a:effectLst/>
               <a:latin typeface="Calibri"/>
               <a:cs typeface="Calibri"/>
@@ -7294,6 +7029,14 @@
   <p:clrMapOvr>
     <a:masterClrMapping/>
   </p:clrMapOvr>
+  <mc:AlternateContent xmlns:mc="http://schemas.openxmlformats.org/markup-compatibility/2006">
+    <mc:Choice xmlns:p14="http://schemas.microsoft.com/office/powerpoint/2010/main" Requires="p14">
+      <p:transition p14:dur="0"/>
+    </mc:Choice>
+    <mc:Fallback>
+      <p:transition/>
+    </mc:Fallback>
+  </mc:AlternateContent>
 </p:sld>
 </file>
 
@@ -7394,6 +7137,23 @@
                 <a:latin typeface="Calibri"/>
                 <a:cs typeface="Calibri"/>
               </a:rPr>
+              <a:t>Functional and Non-Functional Requirements</a:t>
+            </a:r>
+          </a:p>
+          <a:p>
+            <a:pPr marL="342900" indent="-342900" fontAlgn="base">
+              <a:buFont typeface="Arial" panose="020B0604020202020204" pitchFamily="34" charset="0"/>
+              <a:buChar char="•"/>
+            </a:pPr>
+            <a:r>
+              <a:rPr lang="en-US" sz="2200" b="0" i="0" u="none" strike="noStrike" dirty="0">
+                <a:solidFill>
+                  <a:srgbClr val="242424"/>
+                </a:solidFill>
+                <a:effectLst/>
+                <a:latin typeface="Calibri"/>
+                <a:cs typeface="Calibri"/>
+              </a:rPr>
               <a:t>User stories</a:t>
             </a:r>
             <a:r>
@@ -7407,31 +7167,6 @@
               </a:rPr>
               <a:t>​</a:t>
             </a:r>
-            <a:endParaRPr lang="en-IN" sz="2200" b="0" i="0">
-              <a:solidFill>
-                <a:srgbClr val="000000"/>
-              </a:solidFill>
-              <a:effectLst/>
-              <a:latin typeface="Calibri"/>
-              <a:cs typeface="Calibri"/>
-            </a:endParaRPr>
-          </a:p>
-          <a:p>
-            <a:pPr marL="342900" indent="-342900" algn="l" rtl="0" fontAlgn="base">
-              <a:buFont typeface="Arial" panose="020B0604020202020204" pitchFamily="34" charset="0"/>
-              <a:buChar char="•"/>
-            </a:pPr>
-            <a:r>
-              <a:rPr lang="en-US" sz="2200" b="0" i="0" u="none" strike="noStrike" dirty="0">
-                <a:solidFill>
-                  <a:srgbClr val="242424"/>
-                </a:solidFill>
-                <a:effectLst/>
-                <a:latin typeface="Calibri"/>
-                <a:cs typeface="Calibri"/>
-              </a:rPr>
-              <a:t>Functional and Non-Functional Requirements</a:t>
-            </a:r>
             <a:r>
               <a:rPr lang="en-US" sz="2200" b="0" i="0" dirty="0">
                 <a:solidFill>
@@ -7443,53 +7178,9 @@
               </a:rPr>
               <a:t>​</a:t>
             </a:r>
-            <a:endParaRPr lang="en-US" sz="2200" b="0" i="0">
-              <a:solidFill>
-                <a:srgbClr val="000000"/>
-              </a:solidFill>
-              <a:effectLst/>
-              <a:latin typeface="Calibri"/>
-              <a:cs typeface="Calibri"/>
-            </a:endParaRPr>
           </a:p>
           <a:p>
             <a:pPr marL="342900" indent="-342900" algn="l" rtl="0" fontAlgn="base">
-              <a:buFont typeface="Arial" panose="020B0604020202020204" pitchFamily="34" charset="0"/>
-              <a:buChar char="•"/>
-            </a:pPr>
-            <a:r>
-              <a:rPr lang="en-US" sz="2200" b="0" i="0" u="none" strike="noStrike" dirty="0">
-                <a:solidFill>
-                  <a:srgbClr val="242424"/>
-                </a:solidFill>
-                <a:effectLst/>
-                <a:latin typeface="Calibri"/>
-                <a:cs typeface="Calibri"/>
-              </a:rPr>
-              <a:t>Wireframe</a:t>
-            </a:r>
-            <a:r>
-              <a:rPr lang="en-US" sz="2200" b="0" i="0" dirty="0">
-                <a:solidFill>
-                  <a:srgbClr val="000000"/>
-                </a:solidFill>
-                <a:effectLst/>
-                <a:latin typeface="Calibri"/>
-                <a:cs typeface="Calibri"/>
-              </a:rPr>
-              <a:t>​</a:t>
-            </a:r>
-            <a:endParaRPr lang="en-US" sz="2200" b="0" i="0">
-              <a:solidFill>
-                <a:srgbClr val="000000"/>
-              </a:solidFill>
-              <a:effectLst/>
-              <a:latin typeface="Calibri"/>
-              <a:cs typeface="Calibri"/>
-            </a:endParaRPr>
-          </a:p>
-          <a:p>
-            <a:pPr marL="342900" indent="-342900">
               <a:buFont typeface="Arial" panose="020B0604020202020204" pitchFamily="34" charset="0"/>
               <a:buChar char="•"/>
             </a:pPr>
@@ -7518,7 +7209,7 @@
                 <a:latin typeface="Calibri"/>
                 <a:cs typeface="Calibri"/>
               </a:rPr>
-              <a:t>HTML Template</a:t>
+              <a:t>Wireframe</a:t>
             </a:r>
             <a:r>
               <a:rPr lang="en-US" sz="2200" b="0" i="0" dirty="0">
@@ -7531,185 +7222,6 @@
               </a:rPr>
               <a:t>​</a:t>
             </a:r>
-            <a:endParaRPr lang="en-US" sz="2200" b="0" i="0">
-              <a:solidFill>
-                <a:srgbClr val="000000"/>
-              </a:solidFill>
-              <a:effectLst/>
-              <a:latin typeface="Calibri"/>
-              <a:cs typeface="Calibri"/>
-            </a:endParaRPr>
-          </a:p>
-          <a:p>
-            <a:pPr marL="342900" indent="-342900">
-              <a:buFont typeface="Arial" panose="020B0604020202020204" pitchFamily="34" charset="0"/>
-              <a:buChar char="•"/>
-            </a:pPr>
-            <a:r>
-              <a:rPr lang="en-US" sz="2200" dirty="0">
-                <a:latin typeface="Calibri"/>
-                <a:cs typeface="Calibri"/>
-              </a:rPr>
-              <a:t>High level design</a:t>
-            </a:r>
-          </a:p>
-          <a:p>
-            <a:pPr marL="342900" indent="-342900">
-              <a:buFont typeface="Arial" panose="020B0604020202020204" pitchFamily="34" charset="0"/>
-              <a:buChar char="•"/>
-            </a:pPr>
-            <a:r>
-              <a:rPr lang="en-US" sz="2200" dirty="0">
-                <a:solidFill>
-                  <a:srgbClr val="000000"/>
-                </a:solidFill>
-                <a:latin typeface="Calibri"/>
-                <a:cs typeface="Calibri"/>
-              </a:rPr>
-              <a:t>Low level design</a:t>
-            </a:r>
-          </a:p>
-          <a:p>
-            <a:pPr marL="342900" indent="-342900" algn="l" rtl="0" fontAlgn="base">
-              <a:buFont typeface="Arial" panose="020B0604020202020204" pitchFamily="34" charset="0"/>
-              <a:buChar char="•"/>
-            </a:pPr>
-            <a:r>
-              <a:rPr lang="en-US" sz="2200" b="0" i="0" u="none" strike="noStrike" dirty="0">
-                <a:solidFill>
-                  <a:srgbClr val="242424"/>
-                </a:solidFill>
-                <a:effectLst/>
-                <a:latin typeface="Calibri"/>
-                <a:cs typeface="Calibri"/>
-              </a:rPr>
-              <a:t>Angular Components</a:t>
-            </a:r>
-            <a:r>
-              <a:rPr lang="en-US" sz="2200" b="0" i="0" dirty="0">
-                <a:solidFill>
-                  <a:srgbClr val="000000"/>
-                </a:solidFill>
-                <a:effectLst/>
-                <a:latin typeface="Calibri"/>
-                <a:cs typeface="Calibri"/>
-              </a:rPr>
-              <a:t>​</a:t>
-            </a:r>
-            <a:endParaRPr lang="en-US" sz="2200" b="0" i="0">
-              <a:solidFill>
-                <a:srgbClr val="000000"/>
-              </a:solidFill>
-              <a:effectLst/>
-              <a:latin typeface="Calibri"/>
-              <a:cs typeface="Calibri"/>
-            </a:endParaRPr>
-          </a:p>
-          <a:p>
-            <a:pPr marL="342900" indent="-342900" algn="l" rtl="0" fontAlgn="base">
-              <a:buFont typeface="Arial" panose="020B0604020202020204" pitchFamily="34" charset="0"/>
-              <a:buChar char="•"/>
-            </a:pPr>
-            <a:r>
-              <a:rPr lang="en-US" sz="2200" b="0" i="0" u="none" strike="noStrike" dirty="0">
-                <a:solidFill>
-                  <a:srgbClr val="242424"/>
-                </a:solidFill>
-                <a:effectLst/>
-                <a:latin typeface="Calibri"/>
-                <a:cs typeface="Calibri"/>
-              </a:rPr>
-              <a:t>Web API</a:t>
-            </a:r>
-            <a:r>
-              <a:rPr lang="en-US" sz="2200" b="0" i="0" dirty="0">
-                <a:solidFill>
-                  <a:srgbClr val="000000"/>
-                </a:solidFill>
-                <a:effectLst/>
-                <a:latin typeface="Calibri"/>
-                <a:cs typeface="Calibri"/>
-              </a:rPr>
-              <a:t>​</a:t>
-            </a:r>
-            <a:endParaRPr lang="en-US" sz="2200" b="0" i="0">
-              <a:solidFill>
-                <a:srgbClr val="000000"/>
-              </a:solidFill>
-              <a:effectLst/>
-              <a:latin typeface="Calibri"/>
-              <a:cs typeface="Calibri"/>
-            </a:endParaRPr>
-          </a:p>
-          <a:p>
-            <a:pPr marL="342900" indent="-342900" algn="l" rtl="0" fontAlgn="base">
-              <a:buFont typeface="Arial" panose="020B0604020202020204" pitchFamily="34" charset="0"/>
-              <a:buChar char="•"/>
-            </a:pPr>
-            <a:r>
-              <a:rPr lang="en-US" sz="2200" b="0" i="0" u="none" strike="noStrike" dirty="0">
-                <a:solidFill>
-                  <a:srgbClr val="242424"/>
-                </a:solidFill>
-                <a:effectLst/>
-                <a:latin typeface="Calibri"/>
-                <a:cs typeface="Calibri"/>
-              </a:rPr>
-              <a:t>Integration</a:t>
-            </a:r>
-            <a:r>
-              <a:rPr lang="en-IN" sz="2200" b="0" i="0" dirty="0">
-                <a:solidFill>
-                  <a:srgbClr val="000000"/>
-                </a:solidFill>
-                <a:effectLst/>
-                <a:latin typeface="Calibri"/>
-                <a:cs typeface="Calibri"/>
-              </a:rPr>
-              <a:t>​</a:t>
-            </a:r>
-            <a:endParaRPr lang="en-IN" sz="2200" b="0" i="0">
-              <a:solidFill>
-                <a:srgbClr val="000000"/>
-              </a:solidFill>
-              <a:effectLst/>
-              <a:latin typeface="Calibri"/>
-              <a:cs typeface="Calibri"/>
-            </a:endParaRPr>
-          </a:p>
-          <a:p>
-            <a:pPr marL="342900" indent="-342900" algn="l" rtl="0" fontAlgn="base">
-              <a:buFont typeface="Arial" panose="020B0604020202020204" pitchFamily="34" charset="0"/>
-              <a:buChar char="•"/>
-            </a:pPr>
-            <a:r>
-              <a:rPr lang="en-US" sz="2200" b="0" i="0" u="none" strike="noStrike" dirty="0">
-                <a:solidFill>
-                  <a:srgbClr val="242424"/>
-                </a:solidFill>
-                <a:effectLst/>
-                <a:latin typeface="Calibri"/>
-                <a:cs typeface="Calibri"/>
-              </a:rPr>
-              <a:t>Unit Testing</a:t>
-            </a:r>
-            <a:r>
-              <a:rPr lang="en-US" sz="2200" b="0" i="0" dirty="0">
-                <a:solidFill>
-                  <a:srgbClr val="000000"/>
-                </a:solidFill>
-                <a:effectLst/>
-                <a:latin typeface="Calibri"/>
-                <a:cs typeface="Calibri"/>
-              </a:rPr>
-              <a:t>​</a:t>
-            </a:r>
-          </a:p>
-          <a:p>
-            <a:pPr marL="342900" indent="-342900" algn="l">
-              <a:buFont typeface="Arial" panose="020B0604020202020204" pitchFamily="34" charset="0"/>
-              <a:buChar char="•"/>
-            </a:pPr>
             <a:endParaRPr lang="en-US" sz="2200" dirty="0">
               <a:solidFill>
                 <a:srgbClr val="000000"/>
@@ -7719,6 +7231,188 @@
             </a:endParaRPr>
           </a:p>
           <a:p>
+            <a:pPr marL="342900" indent="-342900" algn="l" rtl="0" fontAlgn="base">
+              <a:buFont typeface="Arial" panose="020B0604020202020204" pitchFamily="34" charset="0"/>
+              <a:buChar char="•"/>
+            </a:pPr>
+            <a:r>
+              <a:rPr lang="en-US" sz="2200" b="0" i="0" u="none" strike="noStrike" dirty="0">
+                <a:solidFill>
+                  <a:srgbClr val="242424"/>
+                </a:solidFill>
+                <a:effectLst/>
+                <a:latin typeface="Calibri"/>
+                <a:cs typeface="Calibri"/>
+              </a:rPr>
+              <a:t>HTML Template</a:t>
+            </a:r>
+            <a:r>
+              <a:rPr lang="en-US" sz="2200" b="0" i="0" dirty="0">
+                <a:solidFill>
+                  <a:srgbClr val="000000"/>
+                </a:solidFill>
+                <a:effectLst/>
+                <a:latin typeface="Calibri"/>
+                <a:cs typeface="Calibri"/>
+              </a:rPr>
+              <a:t>​</a:t>
+            </a:r>
+          </a:p>
+          <a:p>
+            <a:pPr marL="342900" indent="-342900">
+              <a:buFont typeface="Arial" panose="020B0604020202020204" pitchFamily="34" charset="0"/>
+              <a:buChar char="•"/>
+            </a:pPr>
+            <a:r>
+              <a:rPr lang="en-US" sz="2200" dirty="0">
+                <a:latin typeface="Calibri"/>
+                <a:cs typeface="Calibri"/>
+              </a:rPr>
+              <a:t>High level design</a:t>
+            </a:r>
+          </a:p>
+          <a:p>
+            <a:pPr marL="342900" indent="-342900">
+              <a:buFont typeface="Arial" panose="020B0604020202020204" pitchFamily="34" charset="0"/>
+              <a:buChar char="•"/>
+            </a:pPr>
+            <a:r>
+              <a:rPr lang="en-US" sz="2200" dirty="0">
+                <a:solidFill>
+                  <a:srgbClr val="000000"/>
+                </a:solidFill>
+                <a:latin typeface="Calibri"/>
+                <a:cs typeface="Calibri"/>
+              </a:rPr>
+              <a:t>Low level design</a:t>
+            </a:r>
+          </a:p>
+          <a:p>
+            <a:pPr marL="342900" indent="-342900" algn="l" rtl="0" fontAlgn="base">
+              <a:buFont typeface="Arial" panose="020B0604020202020204" pitchFamily="34" charset="0"/>
+              <a:buChar char="•"/>
+            </a:pPr>
+            <a:r>
+              <a:rPr lang="en-US" sz="2200" b="0" i="0" u="none" strike="noStrike" dirty="0">
+                <a:solidFill>
+                  <a:srgbClr val="242424"/>
+                </a:solidFill>
+                <a:effectLst/>
+                <a:latin typeface="Calibri"/>
+                <a:cs typeface="Calibri"/>
+              </a:rPr>
+              <a:t>Angular Components</a:t>
+            </a:r>
+            <a:r>
+              <a:rPr lang="en-US" sz="2200" b="0" i="0" dirty="0">
+                <a:solidFill>
+                  <a:srgbClr val="000000"/>
+                </a:solidFill>
+                <a:effectLst/>
+                <a:latin typeface="Calibri"/>
+                <a:cs typeface="Calibri"/>
+              </a:rPr>
+              <a:t>​</a:t>
+            </a:r>
+          </a:p>
+          <a:p>
+            <a:pPr marL="342900" indent="-342900" algn="l" rtl="0" fontAlgn="base">
+              <a:buFont typeface="Arial" panose="020B0604020202020204" pitchFamily="34" charset="0"/>
+              <a:buChar char="•"/>
+            </a:pPr>
+            <a:r>
+              <a:rPr lang="en-US" sz="2200" b="0" i="0" u="none" strike="noStrike" dirty="0">
+                <a:solidFill>
+                  <a:srgbClr val="242424"/>
+                </a:solidFill>
+                <a:effectLst/>
+                <a:latin typeface="Calibri"/>
+                <a:cs typeface="Calibri"/>
+              </a:rPr>
+              <a:t>Web API</a:t>
+            </a:r>
+            <a:r>
+              <a:rPr lang="en-US" sz="2200" b="0" i="0" dirty="0">
+                <a:solidFill>
+                  <a:srgbClr val="000000"/>
+                </a:solidFill>
+                <a:effectLst/>
+                <a:latin typeface="Calibri"/>
+                <a:cs typeface="Calibri"/>
+              </a:rPr>
+              <a:t>​</a:t>
+            </a:r>
+          </a:p>
+          <a:p>
+            <a:pPr marL="342900" indent="-342900" algn="l" rtl="0" fontAlgn="base">
+              <a:buFont typeface="Arial" panose="020B0604020202020204" pitchFamily="34" charset="0"/>
+              <a:buChar char="•"/>
+            </a:pPr>
+            <a:r>
+              <a:rPr lang="en-US" sz="2200" b="0" i="0" u="none" strike="noStrike" dirty="0">
+                <a:solidFill>
+                  <a:srgbClr val="242424"/>
+                </a:solidFill>
+                <a:effectLst/>
+                <a:latin typeface="Calibri"/>
+                <a:cs typeface="Calibri"/>
+              </a:rPr>
+              <a:t>Integration</a:t>
+            </a:r>
+            <a:r>
+              <a:rPr lang="en-IN" sz="2200" b="0" i="0" dirty="0">
+                <a:solidFill>
+                  <a:srgbClr val="000000"/>
+                </a:solidFill>
+                <a:effectLst/>
+                <a:latin typeface="Calibri"/>
+                <a:cs typeface="Calibri"/>
+              </a:rPr>
+              <a:t>​</a:t>
+            </a:r>
+          </a:p>
+          <a:p>
+            <a:pPr marL="342900" indent="-342900" algn="l" rtl="0" fontAlgn="base">
+              <a:buFont typeface="Arial" panose="020B0604020202020204" pitchFamily="34" charset="0"/>
+              <a:buChar char="•"/>
+            </a:pPr>
+            <a:r>
+              <a:rPr lang="en-US" sz="2200" b="0" i="0" u="none" strike="noStrike" dirty="0">
+                <a:solidFill>
+                  <a:srgbClr val="242424"/>
+                </a:solidFill>
+                <a:effectLst/>
+                <a:latin typeface="Calibri"/>
+                <a:cs typeface="Calibri"/>
+              </a:rPr>
+              <a:t>Unit Testing</a:t>
+            </a:r>
+            <a:r>
+              <a:rPr lang="en-US" sz="2200" b="0" i="0" dirty="0">
+                <a:solidFill>
+                  <a:srgbClr val="000000"/>
+                </a:solidFill>
+                <a:effectLst/>
+                <a:latin typeface="Calibri"/>
+                <a:cs typeface="Calibri"/>
+              </a:rPr>
+              <a:t>​</a:t>
+            </a:r>
+          </a:p>
+          <a:p>
+            <a:pPr marL="342900" indent="-342900" algn="l">
+              <a:buFont typeface="Arial" panose="020B0604020202020204" pitchFamily="34" charset="0"/>
+              <a:buChar char="•"/>
+            </a:pPr>
+            <a:endParaRPr lang="en-US" sz="2200" dirty="0">
+              <a:solidFill>
+                <a:srgbClr val="000000"/>
+              </a:solidFill>
+              <a:latin typeface="Calibri"/>
+              <a:cs typeface="Calibri"/>
+            </a:endParaRPr>
+          </a:p>
+          <a:p>
             <a:pPr marL="342900" indent="-342900" algn="l">
               <a:buFont typeface="Arial" panose="020B0604020202020204" pitchFamily="34" charset="0"/>
               <a:buChar char="•"/>
@@ -7728,19 +7422,6 @@
                 <a:srgbClr val="000000"/>
               </a:solidFill>
               <a:effectLst/>
-              <a:latin typeface="Calibri"/>
-              <a:cs typeface="Calibri"/>
-            </a:endParaRPr>
-          </a:p>
-          <a:p>
-            <a:pPr algn="l" rtl="0" fontAlgn="base">
-              <a:buFont typeface="Arial" panose="020B0604020202020204" pitchFamily="34" charset="0"/>
-              <a:buChar char="•"/>
-            </a:pPr>
-            <a:endParaRPr lang="en-US" sz="2200" dirty="0">
-              <a:solidFill>
-                <a:srgbClr val="000000"/>
-              </a:solidFill>
               <a:latin typeface="Calibri"/>
               <a:cs typeface="Calibri"/>
             </a:endParaRPr>
@@ -7757,43 +7438,7 @@
             </a:endParaRPr>
           </a:p>
           <a:p>
-            <a:pPr marL="342900" indent="-342900" algn="l" rtl="0" fontAlgn="base">
-              <a:buFont typeface="Arial" panose="020B0604020202020204" pitchFamily="34" charset="0"/>
-              <a:buChar char="•"/>
-            </a:pPr>
-            <a:r>
-              <a:rPr lang="en-US" sz="2200" b="0" i="0" u="none" strike="noStrike" dirty="0">
-                <a:solidFill>
-                  <a:srgbClr val="242424"/>
-                </a:solidFill>
-                <a:effectLst/>
-                <a:latin typeface="Calibri"/>
-                <a:cs typeface="Calibri"/>
-              </a:rPr>
-              <a:t>SonarQube</a:t>
-            </a:r>
-            <a:r>
-              <a:rPr lang="en-US" sz="2200" b="0" i="0" dirty="0">
-                <a:solidFill>
-                  <a:srgbClr val="000000"/>
-                </a:solidFill>
-                <a:effectLst/>
-                <a:latin typeface="Calibri"/>
-                <a:cs typeface="Calibri"/>
-              </a:rPr>
-              <a:t>​</a:t>
-            </a:r>
-            <a:endParaRPr lang="en-US" sz="2200" b="0" i="0">
-              <a:solidFill>
-                <a:srgbClr val="000000"/>
-              </a:solidFill>
-              <a:effectLst/>
-              <a:latin typeface="Calibri"/>
-              <a:cs typeface="Calibri"/>
-            </a:endParaRPr>
-          </a:p>
-          <a:p>
-            <a:pPr marL="342900" indent="-342900">
+            <a:pPr marL="342900" indent="-342900" fontAlgn="base">
               <a:buFont typeface="Arial" panose="020B0604020202020204" pitchFamily="34" charset="0"/>
               <a:buChar char="•"/>
             </a:pPr>
@@ -7805,39 +7450,11 @@
                 <a:latin typeface="Calibri"/>
                 <a:cs typeface="Calibri"/>
               </a:rPr>
-              <a:t>JMeter</a:t>
-            </a:r>
-          </a:p>
-          <a:p>
-            <a:pPr marL="342900" indent="-342900" algn="l" rtl="0" fontAlgn="base">
-              <a:buFont typeface="Arial" panose="020B0604020202020204" pitchFamily="34" charset="0"/>
-              <a:buChar char="•"/>
-            </a:pPr>
-            <a:r>
-              <a:rPr lang="en-US" sz="2200" b="0" i="0" u="none" strike="noStrike" dirty="0">
-                <a:solidFill>
-                  <a:srgbClr val="242424"/>
-                </a:solidFill>
-                <a:effectLst/>
-                <a:latin typeface="Calibri"/>
-                <a:cs typeface="Calibri"/>
-              </a:rPr>
-              <a:t>Linting</a:t>
-            </a:r>
-            <a:r>
-              <a:rPr lang="en-US" sz="2200" b="0" i="0" dirty="0">
-                <a:solidFill>
-                  <a:srgbClr val="000000"/>
-                </a:solidFill>
-                <a:effectLst/>
-                <a:latin typeface="Calibri"/>
-                <a:cs typeface="Calibri"/>
-              </a:rPr>
-              <a:t>​</a:t>
-            </a:r>
-            <a:endParaRPr lang="en-US" sz="2200" b="0" i="0">
+              <a:t>Test scenarios</a:t>
+            </a:r>
+            <a:endParaRPr lang="en-US" sz="2200" b="0" i="0" u="none" strike="noStrike" dirty="0">
               <a:solidFill>
-                <a:srgbClr val="000000"/>
+                <a:srgbClr val="242424"/>
               </a:solidFill>
               <a:effectLst/>
               <a:latin typeface="Calibri"/>
@@ -7858,7 +7475,7 @@
                 <a:latin typeface="Calibri"/>
                 <a:cs typeface="Calibri"/>
               </a:rPr>
-              <a:t>Light House</a:t>
+              <a:t>SonarQube</a:t>
             </a:r>
             <a:r>
               <a:rPr lang="en-US" sz="2200" b="0" i="0" dirty="0">
@@ -7871,50 +7488,6 @@
               </a:rPr>
               <a:t>​</a:t>
             </a:r>
-            <a:endParaRPr lang="en-US" sz="2200" b="0" i="0">
-              <a:solidFill>
-                <a:srgbClr val="000000"/>
-              </a:solidFill>
-              <a:effectLst/>
-              <a:latin typeface="Calibri"/>
-              <a:cs typeface="Calibri"/>
-            </a:endParaRPr>
-          </a:p>
-          <a:p>
-            <a:pPr marL="342900" indent="-342900" algn="l" rtl="0" fontAlgn="base">
-              <a:buFont typeface="Arial" panose="020B0604020202020204" pitchFamily="34" charset="0"/>
-              <a:buChar char="•"/>
-            </a:pPr>
-            <a:r>
-              <a:rPr lang="en-US" sz="2200" b="0" i="0" u="none" strike="noStrike" dirty="0">
-                <a:solidFill>
-                  <a:srgbClr val="242424"/>
-                </a:solidFill>
-                <a:effectLst/>
-                <a:latin typeface="Calibri"/>
-                <a:cs typeface="Calibri"/>
-              </a:rPr>
-              <a:t>Deployment in IIS</a:t>
-            </a:r>
-            <a:r>
-              <a:rPr lang="en-US" sz="2200" b="0" i="0" dirty="0">
-                <a:solidFill>
-                  <a:srgbClr val="000000"/>
-                </a:solidFill>
-                <a:effectLst/>
-                <a:latin typeface="Calibri"/>
-                <a:cs typeface="Calibri"/>
-              </a:rPr>
-              <a:t>​</a:t>
-            </a:r>
-            <a:endParaRPr lang="en-US" sz="2200" b="0" i="0">
-              <a:solidFill>
-                <a:srgbClr val="000000"/>
-              </a:solidFill>
-              <a:effectLst/>
-              <a:latin typeface="Calibri"/>
-              <a:cs typeface="Calibri"/>
-            </a:endParaRPr>
           </a:p>
           <a:p>
             <a:pPr marL="342900" indent="-342900">
@@ -7929,7 +7502,91 @@
                 <a:latin typeface="Calibri"/>
                 <a:cs typeface="Calibri"/>
               </a:rPr>
-              <a:t>Test scenarios</a:t>
+              <a:t>JMeter</a:t>
+            </a:r>
+          </a:p>
+          <a:p>
+            <a:pPr marL="342900" indent="-342900" algn="l" rtl="0" fontAlgn="base">
+              <a:buFont typeface="Arial" panose="020B0604020202020204" pitchFamily="34" charset="0"/>
+              <a:buChar char="•"/>
+            </a:pPr>
+            <a:r>
+              <a:rPr lang="en-US" sz="2200" b="0" i="0" u="none" strike="noStrike" dirty="0">
+                <a:solidFill>
+                  <a:srgbClr val="242424"/>
+                </a:solidFill>
+                <a:effectLst/>
+                <a:latin typeface="Calibri"/>
+                <a:cs typeface="Calibri"/>
+              </a:rPr>
+              <a:t>Linting</a:t>
+            </a:r>
+            <a:r>
+              <a:rPr lang="en-US" sz="2200" b="0" i="0" dirty="0">
+                <a:solidFill>
+                  <a:srgbClr val="000000"/>
+                </a:solidFill>
+                <a:effectLst/>
+                <a:latin typeface="Calibri"/>
+                <a:cs typeface="Calibri"/>
+              </a:rPr>
+              <a:t>​</a:t>
+            </a:r>
+          </a:p>
+          <a:p>
+            <a:pPr marL="342900" indent="-342900" algn="l" rtl="0" fontAlgn="base">
+              <a:buFont typeface="Arial" panose="020B0604020202020204" pitchFamily="34" charset="0"/>
+              <a:buChar char="•"/>
+            </a:pPr>
+            <a:r>
+              <a:rPr lang="en-US" sz="2200" b="0" i="0" u="none" strike="noStrike" dirty="0">
+                <a:solidFill>
+                  <a:srgbClr val="242424"/>
+                </a:solidFill>
+                <a:effectLst/>
+                <a:latin typeface="Calibri"/>
+                <a:cs typeface="Calibri"/>
+              </a:rPr>
+              <a:t>Light House</a:t>
+            </a:r>
+            <a:r>
+              <a:rPr lang="en-US" sz="2200" b="0" i="0" dirty="0">
+                <a:solidFill>
+                  <a:srgbClr val="000000"/>
+                </a:solidFill>
+                <a:effectLst/>
+                <a:latin typeface="Calibri"/>
+                <a:cs typeface="Calibri"/>
+              </a:rPr>
+              <a:t>​</a:t>
+            </a:r>
+          </a:p>
+          <a:p>
+            <a:pPr marL="342900" indent="-342900" algn="l" rtl="0" fontAlgn="base">
+              <a:buFont typeface="Arial" panose="020B0604020202020204" pitchFamily="34" charset="0"/>
+              <a:buChar char="•"/>
+            </a:pPr>
+            <a:r>
+              <a:rPr lang="en-US" sz="2200" b="0" i="0" u="none" strike="noStrike" dirty="0">
+                <a:solidFill>
+                  <a:srgbClr val="242424"/>
+                </a:solidFill>
+                <a:effectLst/>
+                <a:latin typeface="Calibri"/>
+                <a:cs typeface="Calibri"/>
+              </a:rPr>
+              <a:t>Deployment in IIS</a:t>
+            </a:r>
+            <a:r>
+              <a:rPr lang="en-US" sz="2200" b="0" i="0" dirty="0">
+                <a:solidFill>
+                  <a:srgbClr val="000000"/>
+                </a:solidFill>
+                <a:effectLst/>
+                <a:latin typeface="Calibri"/>
+                <a:cs typeface="Calibri"/>
+              </a:rPr>
+              <a:t>​</a:t>
             </a:r>
           </a:p>
           <a:p>
@@ -7960,6 +7617,14 @@
   <p:clrMapOvr>
     <a:masterClrMapping/>
   </p:clrMapOvr>
+  <mc:AlternateContent xmlns:mc="http://schemas.openxmlformats.org/markup-compatibility/2006">
+    <mc:Choice xmlns:p14="http://schemas.microsoft.com/office/powerpoint/2010/main" Requires="p14">
+      <p:transition p14:dur="0"/>
+    </mc:Choice>
+    <mc:Fallback>
+      <p:transition/>
+    </mc:Fallback>
+  </mc:AlternateContent>
 </p:sld>
 </file>
 
@@ -8597,6 +8262,14 @@
   <p:clrMapOvr>
     <a:masterClrMapping/>
   </p:clrMapOvr>
+  <mc:AlternateContent xmlns:mc="http://schemas.openxmlformats.org/markup-compatibility/2006">
+    <mc:Choice xmlns:p14="http://schemas.microsoft.com/office/powerpoint/2010/main" Requires="p14">
+      <p:transition p14:dur="0"/>
+    </mc:Choice>
+    <mc:Fallback>
+      <p:transition/>
+    </mc:Fallback>
+  </mc:AlternateContent>
 </p:sld>
 </file>
 
@@ -8660,7 +8333,7 @@
         <p:spPr>
           <a:xfrm>
             <a:off x="961069" y="1753359"/>
-            <a:ext cx="8532655" cy="2800767"/>
+            <a:ext cx="8532655" cy="3139321"/>
           </a:xfrm>
           <a:prstGeom prst="rect">
             <a:avLst/>
@@ -8679,26 +8352,17 @@
             </a:pPr>
             <a:r>
               <a:rPr lang="en-US" sz="2200" b="0" i="0" u="none" strike="noStrike" dirty="0">
-                <a:solidFill>
-                  <a:srgbClr val="404040"/>
-                </a:solidFill>
                 <a:effectLst/>
               </a:rPr>
               <a:t>Asp Dotnet Core 6.0</a:t>
             </a:r>
             <a:r>
               <a:rPr lang="en-US" sz="2200" b="0" i="0" dirty="0">
-                <a:solidFill>
-                  <a:srgbClr val="000000"/>
-                </a:solidFill>
                 <a:effectLst/>
               </a:rPr>
               <a:t>​</a:t>
             </a:r>
             <a:endParaRPr lang="en-US" sz="2200" b="0" i="0" dirty="0">
-              <a:solidFill>
-                <a:srgbClr val="000000"/>
-              </a:solidFill>
               <a:effectLst/>
               <a:cs typeface="Calibri"/>
             </a:endParaRPr>
@@ -8710,18 +8374,12 @@
             </a:pPr>
             <a:r>
               <a:rPr lang="en-US" sz="2200" b="0" i="0" u="none" strike="noStrike" dirty="0">
-                <a:solidFill>
-                  <a:srgbClr val="404040"/>
-                </a:solidFill>
                 <a:effectLst/>
               </a:rPr>
               <a:t>Angular 13</a:t>
             </a:r>
             <a:r>
               <a:rPr lang="en-US" sz="2200" b="0" i="0" dirty="0">
-                <a:solidFill>
-                  <a:srgbClr val="000000"/>
-                </a:solidFill>
                 <a:effectLst/>
               </a:rPr>
               <a:t>​</a:t>
@@ -8734,18 +8392,12 @@
             </a:pPr>
             <a:r>
               <a:rPr lang="en-US" sz="2200" b="0" i="0" u="none" strike="noStrike" dirty="0">
-                <a:solidFill>
-                  <a:srgbClr val="404040"/>
-                </a:solidFill>
                 <a:effectLst/>
               </a:rPr>
               <a:t>Visual Studio Code</a:t>
             </a:r>
             <a:r>
               <a:rPr lang="en-US" sz="2200" b="0" i="0" dirty="0">
-                <a:solidFill>
-                  <a:srgbClr val="000000"/>
-                </a:solidFill>
                 <a:effectLst/>
               </a:rPr>
               <a:t>​</a:t>
@@ -8758,27 +8410,36 @@
             </a:pPr>
             <a:r>
               <a:rPr lang="en-US" sz="2200" b="0" i="0" u="none" strike="noStrike" dirty="0">
-                <a:solidFill>
-                  <a:srgbClr val="404040"/>
-                </a:solidFill>
                 <a:effectLst/>
               </a:rPr>
               <a:t>Node </a:t>
             </a:r>
             <a:r>
               <a:rPr lang="en-US" sz="2200" b="0" i="0" u="none" strike="noStrike" dirty="0" err="1">
-                <a:solidFill>
-                  <a:srgbClr val="404040"/>
-                </a:solidFill>
                 <a:effectLst/>
               </a:rPr>
               <a:t>js</a:t>
             </a:r>
             <a:r>
               <a:rPr lang="en-US" sz="2200" b="0" i="0" dirty="0">
-                <a:solidFill>
-                  <a:srgbClr val="000000"/>
-                </a:solidFill>
+                <a:effectLst/>
+              </a:rPr>
+              <a:t>​​</a:t>
+            </a:r>
+          </a:p>
+          <a:p>
+            <a:pPr marL="342900" indent="-342900" algn="l" rtl="0" fontAlgn="base">
+              <a:buFont typeface="Arial" panose="020B0604020202020204" pitchFamily="34" charset="0"/>
+              <a:buChar char="•"/>
+            </a:pPr>
+            <a:r>
+              <a:rPr lang="en-US" sz="2200" b="0" i="0" u="none" strike="noStrike" dirty="0">
+                <a:effectLst/>
+              </a:rPr>
+              <a:t>SonarQube</a:t>
+            </a:r>
+            <a:r>
+              <a:rPr lang="en-US" sz="2200" b="0" i="0" dirty="0">
                 <a:effectLst/>
               </a:rPr>
               <a:t>​</a:t>
@@ -8790,91 +8451,56 @@
               <a:buChar char="•"/>
             </a:pPr>
             <a:r>
+              <a:rPr lang="en-US" sz="2200" dirty="0"/>
+              <a:t>ES Lint</a:t>
+            </a:r>
+          </a:p>
+          <a:p>
+            <a:pPr marL="342900" indent="-342900" algn="l" rtl="0" fontAlgn="base">
+              <a:buFont typeface="Arial" panose="020B0604020202020204" pitchFamily="34" charset="0"/>
+              <a:buChar char="•"/>
+            </a:pPr>
+            <a:r>
+              <a:rPr lang="en-US" sz="2200" b="0" i="0" dirty="0" err="1">
+                <a:effectLst/>
+              </a:rPr>
+              <a:t>Figma</a:t>
+            </a:r>
+            <a:endParaRPr lang="en-US" sz="2200" b="0" i="0" dirty="0">
+              <a:effectLst/>
+            </a:endParaRPr>
+          </a:p>
+          <a:p>
+            <a:pPr marL="342900" indent="-342900" algn="l" rtl="0" fontAlgn="base">
+              <a:buFont typeface="Arial" panose="020B0604020202020204" pitchFamily="34" charset="0"/>
+              <a:buChar char="•"/>
+            </a:pPr>
+            <a:r>
+              <a:rPr lang="en-US" sz="2200" b="0" i="0" u="none" strike="noStrike" dirty="0" err="1">
+                <a:effectLst/>
+              </a:rPr>
+              <a:t>Jdk</a:t>
+            </a:r>
+            <a:r>
+              <a:rPr lang="en-US" sz="2200" b="0" i="0" dirty="0">
+                <a:effectLst/>
+              </a:rPr>
+              <a:t>​</a:t>
+            </a:r>
+          </a:p>
+          <a:p>
+            <a:pPr marL="342900" indent="-342900" algn="l" rtl="0" fontAlgn="base">
+              <a:buFont typeface="Arial" panose="020B0604020202020204" pitchFamily="34" charset="0"/>
+              <a:buChar char="•"/>
+            </a:pPr>
+            <a:r>
               <a:rPr lang="en-US" sz="2200" b="0" i="0" u="none" strike="noStrike" dirty="0">
-                <a:solidFill>
-                  <a:srgbClr val="404040"/>
-                </a:solidFill>
-                <a:effectLst/>
-              </a:rPr>
-              <a:t>Angular</a:t>
-            </a:r>
-            <a:r>
-              <a:rPr lang="en-US" sz="2200" b="0" i="0" dirty="0">
-                <a:solidFill>
-                  <a:srgbClr val="000000"/>
-                </a:solidFill>
-                <a:effectLst/>
-              </a:rPr>
-              <a:t>​</a:t>
-            </a:r>
-          </a:p>
-          <a:p>
-            <a:pPr marL="342900" indent="-342900" algn="l" rtl="0" fontAlgn="base">
-              <a:buFont typeface="Arial" panose="020B0604020202020204" pitchFamily="34" charset="0"/>
-              <a:buChar char="•"/>
-            </a:pPr>
-            <a:r>
-              <a:rPr lang="en-US" sz="2200" b="0" i="0" u="none" strike="noStrike" dirty="0">
-                <a:solidFill>
-                  <a:srgbClr val="404040"/>
-                </a:solidFill>
-                <a:effectLst/>
-              </a:rPr>
-              <a:t>SonarQube</a:t>
-            </a:r>
-            <a:r>
-              <a:rPr lang="en-US" sz="2200" b="0" i="0" dirty="0">
-                <a:solidFill>
-                  <a:srgbClr val="000000"/>
-                </a:solidFill>
-                <a:effectLst/>
-              </a:rPr>
-              <a:t>​</a:t>
-            </a:r>
-          </a:p>
-          <a:p>
-            <a:pPr marL="342900" indent="-342900" algn="l" rtl="0" fontAlgn="base">
-              <a:buFont typeface="Arial" panose="020B0604020202020204" pitchFamily="34" charset="0"/>
-              <a:buChar char="•"/>
-            </a:pPr>
-            <a:r>
-              <a:rPr lang="en-US" sz="2200" b="0" i="0" u="none" strike="noStrike" dirty="0" err="1">
-                <a:solidFill>
-                  <a:srgbClr val="404040"/>
-                </a:solidFill>
-                <a:effectLst/>
-              </a:rPr>
-              <a:t>Jdk</a:t>
-            </a:r>
-            <a:r>
-              <a:rPr lang="en-US" sz="2200" b="0" i="0" dirty="0">
-                <a:solidFill>
-                  <a:srgbClr val="000000"/>
-                </a:solidFill>
-                <a:effectLst/>
-              </a:rPr>
-              <a:t>​</a:t>
-            </a:r>
-          </a:p>
-          <a:p>
-            <a:pPr marL="342900" indent="-342900" algn="l" rtl="0" fontAlgn="base">
-              <a:buFont typeface="Arial" panose="020B0604020202020204" pitchFamily="34" charset="0"/>
-              <a:buChar char="•"/>
-            </a:pPr>
-            <a:r>
-              <a:rPr lang="en-US" sz="2200" b="0" i="0" u="none" strike="noStrike" dirty="0">
-                <a:solidFill>
-                  <a:srgbClr val="404040"/>
-                </a:solidFill>
                 <a:effectLst/>
               </a:rPr>
               <a:t>JMeter</a:t>
             </a:r>
             <a:r>
               <a:rPr lang="en-IN" sz="2200" b="0" i="0" dirty="0">
-                <a:solidFill>
-                  <a:srgbClr val="000000"/>
-                </a:solidFill>
                 <a:effectLst/>
               </a:rPr>
               <a:t>​</a:t>
@@ -8892,6 +8518,14 @@
   <p:clrMapOvr>
     <a:masterClrMapping/>
   </p:clrMapOvr>
+  <mc:AlternateContent xmlns:mc="http://schemas.openxmlformats.org/markup-compatibility/2006">
+    <mc:Choice xmlns:p14="http://schemas.microsoft.com/office/powerpoint/2010/main" Requires="p14">
+      <p:transition p14:dur="0"/>
+    </mc:Choice>
+    <mc:Fallback>
+      <p:transition/>
+    </mc:Fallback>
+  </mc:AlternateContent>
 </p:sld>
 </file>
 
@@ -9059,6 +8693,14 @@
   <p:clrMapOvr>
     <a:masterClrMapping/>
   </p:clrMapOvr>
+  <mc:AlternateContent xmlns:mc="http://schemas.openxmlformats.org/markup-compatibility/2006">
+    <mc:Choice xmlns:p14="http://schemas.microsoft.com/office/powerpoint/2010/main" Requires="p14">
+      <p:transition p14:dur="0"/>
+    </mc:Choice>
+    <mc:Fallback>
+      <p:transition/>
+    </mc:Fallback>
+  </mc:AlternateContent>
 </p:sld>
 </file>
 

--- a/Demo PPT/IMS PPT.pptx
+++ b/Demo PPT/IMS PPT.pptx
@@ -6059,42 +6059,50 @@
               <a:buChar char="•"/>
             </a:pPr>
             <a:r>
-              <a:rPr lang="en-US" sz="2400" b="0" i="0" u="none" strike="noStrike" dirty="0">
+              <a:rPr lang="en-US" sz="2400" b="0" i="0" u="none" strike="noStrike" dirty="0" err="1">
                 <a:effectLst/>
                 <a:latin typeface="Calibri"/>
                 <a:cs typeface="Times New Roman"/>
               </a:rPr>
-              <a:t>Prithviraj SP</a:t>
-            </a:r>
-            <a:r>
-              <a:rPr lang="en-US" sz="2400" b="0" i="0" dirty="0">
+              <a:t>Prithviraj</a:t>
+            </a:r>
+            <a:r>
+              <a:rPr lang="en-US" sz="2400" b="0" i="0" u="none" strike="noStrike" dirty="0">
                 <a:effectLst/>
                 <a:latin typeface="Calibri"/>
                 <a:cs typeface="Times New Roman"/>
               </a:rPr>
-              <a:t>​</a:t>
-            </a:r>
-          </a:p>
-          <a:p>
-            <a:pPr marL="342900" indent="-342900" rtl="0" fontAlgn="base">
-              <a:buFont typeface="Arial" panose="020B0604020202020204" pitchFamily="34" charset="0"/>
-              <a:buChar char="•"/>
-            </a:pPr>
-            <a:r>
-              <a:rPr lang="en-US" sz="2400" b="0" i="0" u="none" strike="noStrike" dirty="0" err="1">
+              <a:t> S P</a:t>
+            </a:r>
+            <a:r>
+              <a:rPr lang="en-US" sz="2400" b="0" i="0" dirty="0">
                 <a:effectLst/>
                 <a:latin typeface="Calibri"/>
                 <a:cs typeface="Times New Roman"/>
               </a:rPr>
-              <a:t>Remuki</a:t>
-            </a:r>
-            <a:r>
-              <a:rPr lang="en-US" sz="2400" b="0" i="0" u="none" strike="noStrike" dirty="0">
+              <a:t>​</a:t>
+            </a:r>
+          </a:p>
+          <a:p>
+            <a:pPr marL="342900" indent="-342900" rtl="0" fontAlgn="base">
+              <a:buFont typeface="Arial" panose="020B0604020202020204" pitchFamily="34" charset="0"/>
+              <a:buChar char="•"/>
+            </a:pPr>
+            <a:r>
+              <a:rPr lang="en-US" sz="2400" b="0" i="0" u="none" strike="noStrike" dirty="0" err="1">
                 <a:effectLst/>
                 <a:latin typeface="Calibri"/>
                 <a:cs typeface="Times New Roman"/>
               </a:rPr>
-              <a:t> S</a:t>
+              <a:t>Remuki</a:t>
+            </a:r>
+            <a:r>
+              <a:rPr lang="en-US" sz="2400" b="0" i="0" u="none" strike="noStrike" dirty="0">
+                <a:effectLst/>
+                <a:latin typeface="Calibri"/>
+                <a:cs typeface="Times New Roman"/>
+              </a:rPr>
+              <a:t> J S</a:t>
             </a:r>
             <a:r>
               <a:rPr lang="en-US" sz="2400" b="0" i="0" dirty="0">
@@ -6512,7 +6520,7 @@
                 <a:latin typeface="Calibri"/>
                 <a:cs typeface="Calibri"/>
               </a:rPr>
-              <a:t>To conduct large No. of drives instantly and in organized manner.</a:t>
+              <a:t>To conduct large no. of drives instantly and in organized manner.</a:t>
             </a:r>
           </a:p>
           <a:p>
@@ -8333,7 +8341,7 @@
         <p:spPr>
           <a:xfrm>
             <a:off x="961069" y="1753359"/>
-            <a:ext cx="8532655" cy="3139321"/>
+            <a:ext cx="8532655" cy="3477875"/>
           </a:xfrm>
           <a:prstGeom prst="rect">
             <a:avLst/>
@@ -8402,6 +8410,19 @@
               </a:rPr>
               <a:t>​</a:t>
             </a:r>
+          </a:p>
+          <a:p>
+            <a:pPr marL="342900" indent="-342900" algn="l" rtl="0" fontAlgn="base">
+              <a:buFont typeface="Arial" panose="020B0604020202020204" pitchFamily="34" charset="0"/>
+              <a:buChar char="•"/>
+            </a:pPr>
+            <a:r>
+              <a:rPr lang="en-US" sz="2200" dirty="0"/>
+              <a:t>Microsoft Server Management Studio</a:t>
+            </a:r>
+            <a:endParaRPr lang="en-US" sz="2200" b="0" i="0" dirty="0">
+              <a:effectLst/>
+            </a:endParaRPr>
           </a:p>
           <a:p>
             <a:pPr marL="342900" indent="-342900" algn="l" rtl="0" fontAlgn="base">

--- a/Demo PPT/IMS PPT.pptx
+++ b/Demo PPT/IMS PPT.pptx
@@ -5,7 +5,7 @@
     <p:sldMasterId id="2147483648" r:id="rId1"/>
   </p:sldMasterIdLst>
   <p:notesMasterIdLst>
-    <p:notesMasterId r:id="rId14"/>
+    <p:notesMasterId r:id="rId15"/>
   </p:notesMasterIdLst>
   <p:sldIdLst>
     <p:sldId id="257" r:id="rId2"/>
@@ -13,13 +13,14 @@
     <p:sldId id="289" r:id="rId4"/>
     <p:sldId id="290" r:id="rId5"/>
     <p:sldId id="291" r:id="rId6"/>
-    <p:sldId id="293" r:id="rId7"/>
-    <p:sldId id="294" r:id="rId8"/>
-    <p:sldId id="295" r:id="rId9"/>
-    <p:sldId id="296" r:id="rId10"/>
-    <p:sldId id="297" r:id="rId11"/>
-    <p:sldId id="298" r:id="rId12"/>
-    <p:sldId id="299" r:id="rId13"/>
+    <p:sldId id="300" r:id="rId7"/>
+    <p:sldId id="293" r:id="rId8"/>
+    <p:sldId id="294" r:id="rId9"/>
+    <p:sldId id="295" r:id="rId10"/>
+    <p:sldId id="296" r:id="rId11"/>
+    <p:sldId id="297" r:id="rId12"/>
+    <p:sldId id="298" r:id="rId13"/>
+    <p:sldId id="299" r:id="rId14"/>
   </p:sldIdLst>
   <p:sldSz cx="12192000" cy="6858000"/>
   <p:notesSz cx="6858000" cy="9144000"/>
@@ -135,15 +136,6 @@
     </p:ext>
   </p:extLst>
 </p:presentation>
-</file>
-
-<file path=ppt/revisionInfo.xml><?xml version="1.0" encoding="utf-8"?>
-<p1510:revInfo xmlns:a="http://schemas.openxmlformats.org/drawingml/2006/main" xmlns:r="http://schemas.openxmlformats.org/officeDocument/2006/relationships" xmlns:p1510="http://schemas.microsoft.com/office/powerpoint/2015/10/main">
-  <p1510:revLst>
-    <p1510:client id="{51F2A5C4-D9D0-45D9-9B9F-082F75803540}" v="800" dt="2022-07-24T17:24:25.632"/>
-    <p1510:client id="{7398DCC4-B47B-4B3E-B2A9-AA43EB7B73EF}" v="50" dt="2022-07-24T17:31:33.404"/>
-  </p1510:revLst>
-</p1510:revInfo>
 </file>
 
 <file path=ppt/changesInfos/changesInfo1.xml><?xml version="1.0" encoding="utf-8"?>
@@ -433,7 +425,7 @@
           <a:p>
             <a:fld id="{0968C692-5CE6-0540-AC01-6407800CC529}" type="datetimeFigureOut">
               <a:rPr lang="en-US" smtClean="0"/>
-              <a:t>7/25/2022</a:t>
+              <a:t>7/26/2022</a:t>
             </a:fld>
             <a:endParaRPr lang="en-US"/>
           </a:p>
@@ -931,7 +923,7 @@
           <a:p>
             <a:fld id="{1D269190-6A13-034E-92A6-8400565D510F}" type="datetimeFigureOut">
               <a:rPr lang="en-US" smtClean="0"/>
-              <a:t>7/25/2022</a:t>
+              <a:t>7/26/2022</a:t>
             </a:fld>
             <a:endParaRPr lang="en-US"/>
           </a:p>
@@ -1001,11 +993,11 @@
   <p:clrMapOvr>
     <a:masterClrMapping/>
   </p:clrMapOvr>
-  <mc:AlternateContent xmlns:mc="http://schemas.openxmlformats.org/markup-compatibility/2006">
-    <mc:Choice xmlns:p14="http://schemas.microsoft.com/office/powerpoint/2010/main" Requires="p14">
+  <mc:AlternateContent xmlns:mc="http://schemas.openxmlformats.org/markup-compatibility/2006" xmlns:p14="http://schemas.microsoft.com/office/powerpoint/2010/main">
+    <mc:Choice Requires="p14">
       <p:transition p14:dur="0"/>
     </mc:Choice>
-    <mc:Fallback>
+    <mc:Fallback xmlns="">
       <p:transition/>
     </mc:Fallback>
   </mc:AlternateContent>
@@ -1137,7 +1129,7 @@
           <a:p>
             <a:fld id="{1D269190-6A13-034E-92A6-8400565D510F}" type="datetimeFigureOut">
               <a:rPr lang="en-US" smtClean="0"/>
-              <a:t>7/25/2022</a:t>
+              <a:t>7/26/2022</a:t>
             </a:fld>
             <a:endParaRPr lang="en-US"/>
           </a:p>
@@ -1207,11 +1199,11 @@
   <p:clrMapOvr>
     <a:masterClrMapping/>
   </p:clrMapOvr>
-  <mc:AlternateContent xmlns:mc="http://schemas.openxmlformats.org/markup-compatibility/2006">
-    <mc:Choice xmlns:p14="http://schemas.microsoft.com/office/powerpoint/2010/main" Requires="p14">
+  <mc:AlternateContent xmlns:mc="http://schemas.openxmlformats.org/markup-compatibility/2006" xmlns:p14="http://schemas.microsoft.com/office/powerpoint/2010/main">
+    <mc:Choice Requires="p14">
       <p:transition p14:dur="0"/>
     </mc:Choice>
-    <mc:Fallback>
+    <mc:Fallback xmlns="">
       <p:transition/>
     </mc:Fallback>
   </mc:AlternateContent>
@@ -1353,7 +1345,7 @@
           <a:p>
             <a:fld id="{1D269190-6A13-034E-92A6-8400565D510F}" type="datetimeFigureOut">
               <a:rPr lang="en-US" smtClean="0"/>
-              <a:t>7/25/2022</a:t>
+              <a:t>7/26/2022</a:t>
             </a:fld>
             <a:endParaRPr lang="en-US"/>
           </a:p>
@@ -1423,11 +1415,11 @@
   <p:clrMapOvr>
     <a:masterClrMapping/>
   </p:clrMapOvr>
-  <mc:AlternateContent xmlns:mc="http://schemas.openxmlformats.org/markup-compatibility/2006">
-    <mc:Choice xmlns:p14="http://schemas.microsoft.com/office/powerpoint/2010/main" Requires="p14">
+  <mc:AlternateContent xmlns:mc="http://schemas.openxmlformats.org/markup-compatibility/2006" xmlns:p14="http://schemas.microsoft.com/office/powerpoint/2010/main">
+    <mc:Choice Requires="p14">
       <p:transition p14:dur="0"/>
     </mc:Choice>
-    <mc:Fallback>
+    <mc:Fallback xmlns="">
       <p:transition/>
     </mc:Fallback>
   </mc:AlternateContent>
@@ -1731,11 +1723,11 @@
   <p:clrMapOvr>
     <a:masterClrMapping/>
   </p:clrMapOvr>
-  <mc:AlternateContent xmlns:mc="http://schemas.openxmlformats.org/markup-compatibility/2006">
-    <mc:Choice xmlns:p14="http://schemas.microsoft.com/office/powerpoint/2010/main" Requires="p14">
+  <mc:AlternateContent xmlns:mc="http://schemas.openxmlformats.org/markup-compatibility/2006" xmlns:p14="http://schemas.microsoft.com/office/powerpoint/2010/main">
+    <mc:Choice Requires="p14">
       <p:transition p14:dur="0"/>
     </mc:Choice>
-    <mc:Fallback>
+    <mc:Fallback xmlns="">
       <p:transition/>
     </mc:Fallback>
   </mc:AlternateContent>
@@ -2063,11 +2055,11 @@
   <p:clrMapOvr>
     <a:masterClrMapping/>
   </p:clrMapOvr>
-  <mc:AlternateContent xmlns:mc="http://schemas.openxmlformats.org/markup-compatibility/2006">
-    <mc:Choice xmlns:p14="http://schemas.microsoft.com/office/powerpoint/2010/main" Requires="p14">
+  <mc:AlternateContent xmlns:mc="http://schemas.openxmlformats.org/markup-compatibility/2006" xmlns:p14="http://schemas.microsoft.com/office/powerpoint/2010/main">
+    <mc:Choice Requires="p14">
       <p:transition p14:dur="0"/>
     </mc:Choice>
-    <mc:Fallback>
+    <mc:Fallback xmlns="">
       <p:transition/>
     </mc:Fallback>
   </mc:AlternateContent>
@@ -2335,11 +2327,11 @@
   <p:clrMapOvr>
     <a:masterClrMapping/>
   </p:clrMapOvr>
-  <mc:AlternateContent xmlns:mc="http://schemas.openxmlformats.org/markup-compatibility/2006">
-    <mc:Choice xmlns:p14="http://schemas.microsoft.com/office/powerpoint/2010/main" Requires="p14">
+  <mc:AlternateContent xmlns:mc="http://schemas.openxmlformats.org/markup-compatibility/2006" xmlns:p14="http://schemas.microsoft.com/office/powerpoint/2010/main">
+    <mc:Choice Requires="p14">
       <p:transition p14:dur="0"/>
     </mc:Choice>
-    <mc:Fallback>
+    <mc:Fallback xmlns="">
       <p:transition/>
     </mc:Fallback>
   </mc:AlternateContent>
@@ -2472,7 +2464,7 @@
           <a:p>
             <a:fld id="{1D269190-6A13-034E-92A6-8400565D510F}" type="datetimeFigureOut">
               <a:rPr lang="en-US" smtClean="0"/>
-              <a:t>7/25/2022</a:t>
+              <a:t>7/26/2022</a:t>
             </a:fld>
             <a:endParaRPr lang="en-US"/>
           </a:p>
@@ -2542,11 +2534,11 @@
   <p:clrMapOvr>
     <a:masterClrMapping/>
   </p:clrMapOvr>
-  <mc:AlternateContent xmlns:mc="http://schemas.openxmlformats.org/markup-compatibility/2006">
-    <mc:Choice xmlns:p14="http://schemas.microsoft.com/office/powerpoint/2010/main" Requires="p14">
+  <mc:AlternateContent xmlns:mc="http://schemas.openxmlformats.org/markup-compatibility/2006" xmlns:p14="http://schemas.microsoft.com/office/powerpoint/2010/main">
+    <mc:Choice Requires="p14">
       <p:transition p14:dur="0"/>
     </mc:Choice>
-    <mc:Fallback>
+    <mc:Fallback xmlns="">
       <p:transition/>
     </mc:Fallback>
   </mc:AlternateContent>
@@ -2755,7 +2747,7 @@
           <a:p>
             <a:fld id="{1D269190-6A13-034E-92A6-8400565D510F}" type="datetimeFigureOut">
               <a:rPr lang="en-US" smtClean="0"/>
-              <a:t>7/25/2022</a:t>
+              <a:t>7/26/2022</a:t>
             </a:fld>
             <a:endParaRPr lang="en-US"/>
           </a:p>
@@ -2825,11 +2817,11 @@
   <p:clrMapOvr>
     <a:masterClrMapping/>
   </p:clrMapOvr>
-  <mc:AlternateContent xmlns:mc="http://schemas.openxmlformats.org/markup-compatibility/2006">
-    <mc:Choice xmlns:p14="http://schemas.microsoft.com/office/powerpoint/2010/main" Requires="p14">
+  <mc:AlternateContent xmlns:mc="http://schemas.openxmlformats.org/markup-compatibility/2006" xmlns:p14="http://schemas.microsoft.com/office/powerpoint/2010/main">
+    <mc:Choice Requires="p14">
       <p:transition p14:dur="0"/>
     </mc:Choice>
-    <mc:Fallback>
+    <mc:Fallback xmlns="">
       <p:transition/>
     </mc:Fallback>
   </mc:AlternateContent>
@@ -3028,7 +3020,7 @@
           <a:p>
             <a:fld id="{1D269190-6A13-034E-92A6-8400565D510F}" type="datetimeFigureOut">
               <a:rPr lang="en-US" smtClean="0"/>
-              <a:t>7/25/2022</a:t>
+              <a:t>7/26/2022</a:t>
             </a:fld>
             <a:endParaRPr lang="en-US"/>
           </a:p>
@@ -3098,11 +3090,11 @@
   <p:clrMapOvr>
     <a:masterClrMapping/>
   </p:clrMapOvr>
-  <mc:AlternateContent xmlns:mc="http://schemas.openxmlformats.org/markup-compatibility/2006">
-    <mc:Choice xmlns:p14="http://schemas.microsoft.com/office/powerpoint/2010/main" Requires="p14">
+  <mc:AlternateContent xmlns:mc="http://schemas.openxmlformats.org/markup-compatibility/2006" xmlns:p14="http://schemas.microsoft.com/office/powerpoint/2010/main">
+    <mc:Choice Requires="p14">
       <p:transition p14:dur="0"/>
     </mc:Choice>
-    <mc:Fallback>
+    <mc:Fallback xmlns="">
       <p:transition/>
     </mc:Fallback>
   </mc:AlternateContent>
@@ -3448,7 +3440,7 @@
           <a:p>
             <a:fld id="{1D269190-6A13-034E-92A6-8400565D510F}" type="datetimeFigureOut">
               <a:rPr lang="en-US" smtClean="0"/>
-              <a:t>7/25/2022</a:t>
+              <a:t>7/26/2022</a:t>
             </a:fld>
             <a:endParaRPr lang="en-US"/>
           </a:p>
@@ -3518,11 +3510,11 @@
   <p:clrMapOvr>
     <a:masterClrMapping/>
   </p:clrMapOvr>
-  <mc:AlternateContent xmlns:mc="http://schemas.openxmlformats.org/markup-compatibility/2006">
-    <mc:Choice xmlns:p14="http://schemas.microsoft.com/office/powerpoint/2010/main" Requires="p14">
+  <mc:AlternateContent xmlns:mc="http://schemas.openxmlformats.org/markup-compatibility/2006" xmlns:p14="http://schemas.microsoft.com/office/powerpoint/2010/main">
+    <mc:Choice Requires="p14">
       <p:transition p14:dur="0"/>
     </mc:Choice>
-    <mc:Fallback>
+    <mc:Fallback xmlns="">
       <p:transition/>
     </mc:Fallback>
   </mc:AlternateContent>
@@ -3597,7 +3589,7 @@
           <a:p>
             <a:fld id="{1D269190-6A13-034E-92A6-8400565D510F}" type="datetimeFigureOut">
               <a:rPr lang="en-US" smtClean="0"/>
-              <a:t>7/25/2022</a:t>
+              <a:t>7/26/2022</a:t>
             </a:fld>
             <a:endParaRPr lang="en-US"/>
           </a:p>
@@ -3667,11 +3659,11 @@
   <p:clrMapOvr>
     <a:masterClrMapping/>
   </p:clrMapOvr>
-  <mc:AlternateContent xmlns:mc="http://schemas.openxmlformats.org/markup-compatibility/2006">
-    <mc:Choice xmlns:p14="http://schemas.microsoft.com/office/powerpoint/2010/main" Requires="p14">
+  <mc:AlternateContent xmlns:mc="http://schemas.openxmlformats.org/markup-compatibility/2006" xmlns:p14="http://schemas.microsoft.com/office/powerpoint/2010/main">
+    <mc:Choice Requires="p14">
       <p:transition p14:dur="0"/>
     </mc:Choice>
-    <mc:Fallback>
+    <mc:Fallback xmlns="">
       <p:transition/>
     </mc:Fallback>
   </mc:AlternateContent>
@@ -3718,7 +3710,7 @@
           <a:p>
             <a:fld id="{1D269190-6A13-034E-92A6-8400565D510F}" type="datetimeFigureOut">
               <a:rPr lang="en-US" smtClean="0"/>
-              <a:t>7/25/2022</a:t>
+              <a:t>7/26/2022</a:t>
             </a:fld>
             <a:endParaRPr lang="en-US"/>
           </a:p>
@@ -3788,11 +3780,11 @@
   <p:clrMapOvr>
     <a:masterClrMapping/>
   </p:clrMapOvr>
-  <mc:AlternateContent xmlns:mc="http://schemas.openxmlformats.org/markup-compatibility/2006">
-    <mc:Choice xmlns:p14="http://schemas.microsoft.com/office/powerpoint/2010/main" Requires="p14">
+  <mc:AlternateContent xmlns:mc="http://schemas.openxmlformats.org/markup-compatibility/2006" xmlns:p14="http://schemas.microsoft.com/office/powerpoint/2010/main">
+    <mc:Choice Requires="p14">
       <p:transition p14:dur="0"/>
     </mc:Choice>
-    <mc:Fallback>
+    <mc:Fallback xmlns="">
       <p:transition/>
     </mc:Fallback>
   </mc:AlternateContent>
@@ -4037,7 +4029,7 @@
           <a:p>
             <a:fld id="{1D269190-6A13-034E-92A6-8400565D510F}" type="datetimeFigureOut">
               <a:rPr lang="en-US" smtClean="0"/>
-              <a:t>7/25/2022</a:t>
+              <a:t>7/26/2022</a:t>
             </a:fld>
             <a:endParaRPr lang="en-US"/>
           </a:p>
@@ -4107,11 +4099,11 @@
   <p:clrMapOvr>
     <a:masterClrMapping/>
   </p:clrMapOvr>
-  <mc:AlternateContent xmlns:mc="http://schemas.openxmlformats.org/markup-compatibility/2006">
-    <mc:Choice xmlns:p14="http://schemas.microsoft.com/office/powerpoint/2010/main" Requires="p14">
+  <mc:AlternateContent xmlns:mc="http://schemas.openxmlformats.org/markup-compatibility/2006" xmlns:p14="http://schemas.microsoft.com/office/powerpoint/2010/main">
+    <mc:Choice Requires="p14">
       <p:transition p14:dur="0"/>
     </mc:Choice>
-    <mc:Fallback>
+    <mc:Fallback xmlns="">
       <p:transition/>
     </mc:Fallback>
   </mc:AlternateContent>
@@ -4333,7 +4325,7 @@
           <a:p>
             <a:fld id="{1D269190-6A13-034E-92A6-8400565D510F}" type="datetimeFigureOut">
               <a:rPr lang="en-US" smtClean="0"/>
-              <a:t>7/25/2022</a:t>
+              <a:t>7/26/2022</a:t>
             </a:fld>
             <a:endParaRPr lang="en-US"/>
           </a:p>
@@ -4403,11 +4395,11 @@
   <p:clrMapOvr>
     <a:masterClrMapping/>
   </p:clrMapOvr>
-  <mc:AlternateContent xmlns:mc="http://schemas.openxmlformats.org/markup-compatibility/2006">
-    <mc:Choice xmlns:p14="http://schemas.microsoft.com/office/powerpoint/2010/main" Requires="p14">
+  <mc:AlternateContent xmlns:mc="http://schemas.openxmlformats.org/markup-compatibility/2006" xmlns:p14="http://schemas.microsoft.com/office/powerpoint/2010/main">
+    <mc:Choice Requires="p14">
       <p:transition p14:dur="0"/>
     </mc:Choice>
-    <mc:Fallback>
+    <mc:Fallback xmlns="">
       <p:transition/>
     </mc:Fallback>
   </mc:AlternateContent>
@@ -4582,7 +4574,7 @@
           <a:p>
             <a:fld id="{1D269190-6A13-034E-92A6-8400565D510F}" type="datetimeFigureOut">
               <a:rPr lang="en-US" smtClean="0"/>
-              <a:t>7/25/2022</a:t>
+              <a:t>7/26/2022</a:t>
             </a:fld>
             <a:endParaRPr lang="en-US"/>
           </a:p>
@@ -4702,15 +4694,15 @@
     <p:sldLayoutId id="2147483661" r:id="rId13"/>
     <p:sldLayoutId id="2147483662" r:id="rId14"/>
   </p:sldLayoutIdLst>
-  <mc:AlternateContent xmlns:mc="http://schemas.openxmlformats.org/markup-compatibility/2006">
-    <mc:Choice xmlns:p14="http://schemas.microsoft.com/office/powerpoint/2010/main" Requires="p14">
+  <mc:AlternateContent xmlns:mc="http://schemas.openxmlformats.org/markup-compatibility/2006" xmlns:p14="http://schemas.microsoft.com/office/powerpoint/2010/main">
+    <mc:Choice Requires="p14">
       <p:transition p14:dur="0">
-        <p:push dir="u"/>
+        <p14:prism/>
       </p:transition>
     </mc:Choice>
-    <mc:Fallback>
+    <mc:Fallback xmlns="">
       <p:transition>
-        <p:push dir="u"/>
+        <p:fade/>
       </p:transition>
     </mc:Fallback>
   </mc:AlternateContent>
@@ -5085,11 +5077,11 @@
   <p:clrMapOvr>
     <a:masterClrMapping/>
   </p:clrMapOvr>
-  <mc:AlternateContent xmlns:mc="http://schemas.openxmlformats.org/markup-compatibility/2006">
-    <mc:Choice xmlns:p14="http://schemas.microsoft.com/office/powerpoint/2010/main" Requires="p14">
+  <mc:AlternateContent xmlns:mc="http://schemas.openxmlformats.org/markup-compatibility/2006" xmlns:p14="http://schemas.microsoft.com/office/powerpoint/2010/main">
+    <mc:Choice Requires="p14">
       <p:transition p14:dur="0"/>
     </mc:Choice>
-    <mc:Fallback>
+    <mc:Fallback xmlns="">
       <p:transition/>
     </mc:Fallback>
   </mc:AlternateContent>
@@ -5118,7 +5110,7 @@
           <p:cNvPr id="2" name="Title 1">
             <a:extLst>
               <a:ext uri="{FF2B5EF4-FFF2-40B4-BE49-F238E27FC236}">
-                <a16:creationId xmlns:a16="http://schemas.microsoft.com/office/drawing/2014/main" id="{D41F2D00-0A9A-4E10-A8F8-898387625E36}"/>
+                <a16:creationId xmlns:a16="http://schemas.microsoft.com/office/drawing/2014/main" id="{B3686788-0B21-46C0-AD95-DC3EBF9DDF5B}"/>
               </a:ext>
             </a:extLst>
           </p:cNvPr>
@@ -5136,7 +5128,7 @@
           <a:p>
             <a:r>
               <a:rPr lang="en-US" dirty="0"/>
-              <a:t>LEASONS LEARNED</a:t>
+              <a:t>DEMO</a:t>
             </a:r>
           </a:p>
         </p:txBody>
@@ -5146,7 +5138,7 @@
           <p:cNvPr id="4" name="TextBox 3">
             <a:extLst>
               <a:ext uri="{FF2B5EF4-FFF2-40B4-BE49-F238E27FC236}">
-                <a16:creationId xmlns:a16="http://schemas.microsoft.com/office/drawing/2014/main" id="{966DC1A2-F760-4CDD-BA56-B4F1F0A8B1B4}"/>
+                <a16:creationId xmlns:a16="http://schemas.microsoft.com/office/drawing/2014/main" id="{3F6CA00C-EB6C-490E-88D9-7A947A5E7C72}"/>
               </a:ext>
             </a:extLst>
           </p:cNvPr>
@@ -5155,8 +5147,8 @@
         </p:nvSpPr>
         <p:spPr>
           <a:xfrm>
-            <a:off x="796119" y="1241569"/>
-            <a:ext cx="9705074" cy="5940088"/>
+            <a:off x="786168" y="2218604"/>
+            <a:ext cx="6108320" cy="1138773"/>
           </a:xfrm>
           <a:prstGeom prst="rect">
             <a:avLst/>
@@ -5174,237 +5166,77 @@
               <a:buChar char="•"/>
             </a:pPr>
             <a:r>
-              <a:rPr lang="en-US" sz="2000" b="0" i="0" u="none" strike="noStrike" dirty="0">
-                <a:effectLst/>
-              </a:rPr>
-              <a:t>Understand the system end to end.</a:t>
-            </a:r>
-            <a:r>
-              <a:rPr lang="en-US" sz="2000" b="0" i="0" dirty="0">
+              <a:rPr lang="en-US" sz="2200" b="0" i="0" u="none" strike="noStrike" dirty="0">
+                <a:effectLst/>
+              </a:rPr>
+              <a:t>Angular : </a:t>
+            </a:r>
+            <a:r>
+              <a:rPr lang="en-US" sz="2200" b="0" i="0" u="sng" strike="noStrike" dirty="0">
+                <a:solidFill>
+                  <a:srgbClr val="8F8F8F"/>
+                </a:solidFill>
+                <a:effectLst/>
+                <a:hlinkClick r:id="rId2"/>
+              </a:rPr>
+              <a:t>http://172.24.217.145/IMS-Angular/</a:t>
+            </a:r>
+            <a:r>
+              <a:rPr lang="en-US" sz="2200" b="0" i="0" dirty="0">
+                <a:solidFill>
+                  <a:srgbClr val="000000"/>
+                </a:solidFill>
                 <a:effectLst/>
               </a:rPr>
               <a:t>​</a:t>
             </a:r>
+          </a:p>
+          <a:p>
+            <a:pPr algn="l" rtl="0" fontAlgn="base">
+              <a:buFont typeface="Arial" panose="020B0604020202020204" pitchFamily="34" charset="0"/>
+              <a:buChar char="•"/>
+            </a:pPr>
+            <a:endParaRPr lang="en-US" sz="2200" b="0" i="0" dirty="0">
+              <a:solidFill>
+                <a:srgbClr val="000000"/>
+              </a:solidFill>
+              <a:effectLst/>
+            </a:endParaRPr>
           </a:p>
           <a:p>
             <a:pPr marL="285750" indent="-285750" algn="l" rtl="0" fontAlgn="base">
               <a:buFont typeface="Arial" panose="020B0604020202020204" pitchFamily="34" charset="0"/>
               <a:buChar char="•"/>
             </a:pPr>
-            <a:endParaRPr lang="en-US" sz="2000" b="0" i="0" dirty="0">
-              <a:effectLst/>
-            </a:endParaRPr>
-          </a:p>
-          <a:p>
-            <a:pPr marL="285750" indent="-285750" algn="l" rtl="0" fontAlgn="base">
-              <a:buFont typeface="Arial" panose="020B0604020202020204" pitchFamily="34" charset="0"/>
-              <a:buChar char="•"/>
-            </a:pPr>
-            <a:r>
-              <a:rPr lang="en-US" sz="2000" b="0" i="0" u="none" strike="noStrike" dirty="0">
-                <a:effectLst/>
-              </a:rPr>
-              <a:t>Collect the requirements properly.</a:t>
-            </a:r>
-            <a:r>
-              <a:rPr lang="en-US" sz="2000" b="0" i="0" dirty="0">
+            <a:r>
+              <a:rPr lang="en-US" sz="2200" b="0" i="0" u="none" strike="noStrike" dirty="0">
+                <a:effectLst/>
+              </a:rPr>
+              <a:t>API         :  </a:t>
+            </a:r>
+            <a:r>
+              <a:rPr lang="en-US" sz="2200" b="0" i="0" dirty="0">
+                <a:solidFill>
+                  <a:srgbClr val="000000"/>
+                </a:solidFill>
                 <a:effectLst/>
               </a:rPr>
               <a:t>​</a:t>
             </a:r>
-          </a:p>
-          <a:p>
-            <a:pPr marL="285750" indent="-285750" algn="l" rtl="0" fontAlgn="base">
-              <a:buFont typeface="Arial" panose="020B0604020202020204" pitchFamily="34" charset="0"/>
-              <a:buChar char="•"/>
-            </a:pPr>
-            <a:endParaRPr lang="en-US" sz="2000" b="0" i="0" dirty="0">
-              <a:effectLst/>
-            </a:endParaRPr>
-          </a:p>
-          <a:p>
-            <a:pPr marL="285750" indent="-285750" algn="l" rtl="0" fontAlgn="base">
-              <a:buFont typeface="Arial" panose="020B0604020202020204" pitchFamily="34" charset="0"/>
-              <a:buChar char="•"/>
-            </a:pPr>
-            <a:r>
-              <a:rPr lang="en-US" sz="2000" b="0" i="0" u="none" strike="noStrike" dirty="0">
-                <a:effectLst/>
-              </a:rPr>
-              <a:t>Think as an end user while designing a system.</a:t>
-            </a:r>
-            <a:r>
-              <a:rPr lang="en-US" sz="2000" b="0" i="0" dirty="0">
-                <a:effectLst/>
-              </a:rPr>
-              <a:t>​</a:t>
-            </a:r>
-          </a:p>
-          <a:p>
-            <a:pPr marL="285750" indent="-285750" algn="l" rtl="0" fontAlgn="base">
-              <a:buFont typeface="Arial" panose="020B0604020202020204" pitchFamily="34" charset="0"/>
-              <a:buChar char="•"/>
-            </a:pPr>
-            <a:endParaRPr lang="en-US" sz="2000" b="0" i="0" dirty="0">
-              <a:effectLst/>
-            </a:endParaRPr>
-          </a:p>
-          <a:p>
-            <a:pPr marL="285750" indent="-285750" algn="l" rtl="0" fontAlgn="base">
-              <a:buFont typeface="Arial" panose="020B0604020202020204" pitchFamily="34" charset="0"/>
-              <a:buChar char="•"/>
-            </a:pPr>
-            <a:r>
-              <a:rPr lang="en-US" sz="2000" b="0" i="0" u="none" strike="noStrike" dirty="0">
-                <a:effectLst/>
-              </a:rPr>
-              <a:t>Don't forget to address Non – Functional Requirements.</a:t>
-            </a:r>
-            <a:r>
-              <a:rPr lang="en-US" sz="2000" b="0" i="0" dirty="0">
-                <a:effectLst/>
-              </a:rPr>
-              <a:t>​</a:t>
-            </a:r>
-          </a:p>
-          <a:p>
-            <a:pPr marL="285750" indent="-285750" algn="l" rtl="0" fontAlgn="base">
-              <a:buFont typeface="Arial" panose="020B0604020202020204" pitchFamily="34" charset="0"/>
-              <a:buChar char="•"/>
-            </a:pPr>
-            <a:endParaRPr lang="en-US" sz="2000" b="0" i="0" dirty="0">
-              <a:effectLst/>
-            </a:endParaRPr>
-          </a:p>
-          <a:p>
-            <a:pPr marL="285750" indent="-285750" algn="l" rtl="0" fontAlgn="base">
-              <a:buFont typeface="Arial" panose="020B0604020202020204" pitchFamily="34" charset="0"/>
-              <a:buChar char="•"/>
-            </a:pPr>
-            <a:r>
-              <a:rPr lang="en-US" sz="2000" b="0" i="0" u="none" strike="noStrike" dirty="0">
-                <a:effectLst/>
-              </a:rPr>
-              <a:t>Learned to work as a team with responsibilities.</a:t>
-            </a:r>
-            <a:r>
-              <a:rPr lang="en-US" sz="2000" b="0" i="0" dirty="0">
-                <a:effectLst/>
-              </a:rPr>
-              <a:t>​</a:t>
-            </a:r>
-          </a:p>
-          <a:p>
-            <a:pPr marL="285750" indent="-285750" algn="l" rtl="0" fontAlgn="base">
-              <a:buFont typeface="Arial" panose="020B0604020202020204" pitchFamily="34" charset="0"/>
-              <a:buChar char="•"/>
-            </a:pPr>
-            <a:endParaRPr lang="en-US" sz="2000" b="0" i="0" dirty="0">
-              <a:effectLst/>
-            </a:endParaRPr>
-          </a:p>
-          <a:p>
-            <a:pPr marL="285750" indent="-285750" algn="l" rtl="0" fontAlgn="base">
-              <a:buFont typeface="Arial" panose="020B0604020202020204" pitchFamily="34" charset="0"/>
-              <a:buChar char="•"/>
-            </a:pPr>
-            <a:r>
-              <a:rPr lang="en-US" sz="2000" b="0" i="0" u="none" strike="noStrike" dirty="0">
-                <a:effectLst/>
-              </a:rPr>
-              <a:t>Always keep a backup of our work.</a:t>
-            </a:r>
-            <a:r>
-              <a:rPr lang="en-US" sz="2000" b="0" i="0" dirty="0">
-                <a:effectLst/>
-              </a:rPr>
-              <a:t>​</a:t>
-            </a:r>
-          </a:p>
-          <a:p>
-            <a:pPr marL="285750" indent="-285750" algn="l" rtl="0" fontAlgn="base">
-              <a:buFont typeface="Arial" panose="020B0604020202020204" pitchFamily="34" charset="0"/>
-              <a:buChar char="•"/>
-            </a:pPr>
-            <a:endParaRPr lang="en-US" sz="2000" b="0" i="0" dirty="0">
-              <a:effectLst/>
-            </a:endParaRPr>
-          </a:p>
-          <a:p>
-            <a:pPr marL="285750" indent="-285750" algn="l" rtl="0" fontAlgn="base">
-              <a:buFont typeface="Arial" panose="020B0604020202020204" pitchFamily="34" charset="0"/>
-              <a:buChar char="•"/>
-            </a:pPr>
-            <a:r>
-              <a:rPr lang="en-US" sz="2000" b="0" i="0" u="none" strike="noStrike" dirty="0">
-                <a:effectLst/>
-              </a:rPr>
-              <a:t>To respect others time in our team.</a:t>
-            </a:r>
-            <a:r>
-              <a:rPr lang="en-US" sz="2000" b="0" i="0" dirty="0">
-                <a:effectLst/>
-              </a:rPr>
-              <a:t>​</a:t>
-            </a:r>
-          </a:p>
-          <a:p>
-            <a:pPr marL="285750" indent="-285750" algn="l" rtl="0" fontAlgn="base">
-              <a:buFont typeface="Arial" panose="020B0604020202020204" pitchFamily="34" charset="0"/>
-              <a:buChar char="•"/>
-            </a:pPr>
-            <a:endParaRPr lang="en-US" sz="2000" b="0" i="0" dirty="0">
-              <a:effectLst/>
-            </a:endParaRPr>
-          </a:p>
-          <a:p>
-            <a:pPr marL="285750" indent="-285750" algn="l" rtl="0" fontAlgn="base">
-              <a:buFont typeface="Arial" panose="020B0604020202020204" pitchFamily="34" charset="0"/>
-              <a:buChar char="•"/>
-            </a:pPr>
-            <a:r>
-              <a:rPr lang="en-US" sz="2000" b="0" i="0" u="none" strike="noStrike" dirty="0">
-                <a:effectLst/>
-              </a:rPr>
-              <a:t>To avoid conflicts and to resolve conflicts. </a:t>
-            </a:r>
-            <a:r>
-              <a:rPr lang="en-US" sz="2000" b="0" i="0" dirty="0">
-                <a:effectLst/>
-              </a:rPr>
-              <a:t>​</a:t>
-            </a:r>
-          </a:p>
-          <a:p>
-            <a:pPr marL="285750" indent="-285750" algn="l" rtl="0" fontAlgn="base">
-              <a:buFont typeface="Arial" panose="020B0604020202020204" pitchFamily="34" charset="0"/>
-              <a:buChar char="•"/>
-            </a:pPr>
-            <a:endParaRPr lang="en-US" sz="2000" b="0" i="0" dirty="0">
-              <a:effectLst/>
-            </a:endParaRPr>
-          </a:p>
-          <a:p>
-            <a:pPr marL="285750" indent="-285750" algn="l" rtl="0" fontAlgn="base">
-              <a:buFont typeface="Arial" panose="020B0604020202020204" pitchFamily="34" charset="0"/>
-              <a:buChar char="•"/>
-            </a:pPr>
-            <a:endParaRPr lang="en-US" sz="2000" b="0" i="0" dirty="0">
-              <a:effectLst/>
-            </a:endParaRPr>
-          </a:p>
-          <a:p>
-            <a:pPr marL="285750" indent="-285750" algn="l" rtl="0" fontAlgn="base">
-              <a:buFont typeface="Arial" panose="020B0604020202020204" pitchFamily="34" charset="0"/>
-              <a:buChar char="•"/>
-            </a:pPr>
-            <a:endParaRPr lang="en-US" sz="2000" b="0" i="0" dirty="0">
-              <a:effectLst/>
-            </a:endParaRPr>
-          </a:p>
-          <a:p>
-            <a:pPr algn="l" rtl="0" fontAlgn="base"/>
-            <a:endParaRPr lang="en-US" sz="2000" b="0" i="0" dirty="0">
+            <a:r>
+              <a:rPr lang="en-IN" sz="2200" b="0" i="0" u="none" strike="noStrike" dirty="0">
+                <a:solidFill>
+                  <a:srgbClr val="4F52B2"/>
+                </a:solidFill>
+                <a:effectLst/>
+                <a:hlinkClick r:id="rId3" tooltip="http://172.24.217.145/"/>
+              </a:rPr>
+              <a:t>http://172.24.217.145/</a:t>
+            </a:r>
+            <a:endParaRPr lang="en-US" sz="2200" b="0" i="0" dirty="0">
+              <a:solidFill>
+                <a:srgbClr val="000000"/>
+              </a:solidFill>
               <a:effectLst/>
             </a:endParaRPr>
           </a:p>
@@ -5413,18 +5245,18 @@
     </p:spTree>
     <p:extLst>
       <p:ext uri="{BB962C8B-B14F-4D97-AF65-F5344CB8AC3E}">
-        <p14:creationId xmlns:p14="http://schemas.microsoft.com/office/powerpoint/2010/main" val="1437407060"/>
+        <p14:creationId xmlns:p14="http://schemas.microsoft.com/office/powerpoint/2010/main" val="83609570"/>
       </p:ext>
     </p:extLst>
   </p:cSld>
   <p:clrMapOvr>
     <a:masterClrMapping/>
   </p:clrMapOvr>
-  <mc:AlternateContent xmlns:mc="http://schemas.openxmlformats.org/markup-compatibility/2006">
-    <mc:Choice xmlns:p14="http://schemas.microsoft.com/office/powerpoint/2010/main" Requires="p14">
+  <mc:AlternateContent xmlns:mc="http://schemas.openxmlformats.org/markup-compatibility/2006" xmlns:p14="http://schemas.microsoft.com/office/powerpoint/2010/main">
+    <mc:Choice Requires="p14">
       <p:transition p14:dur="0"/>
     </mc:Choice>
-    <mc:Fallback>
+    <mc:Fallback xmlns="">
       <p:transition/>
     </mc:Fallback>
   </mc:AlternateContent>
@@ -5450,10 +5282,38 @@
       </p:grpSpPr>
       <p:sp>
         <p:nvSpPr>
+          <p:cNvPr id="2" name="Title 1">
+            <a:extLst>
+              <a:ext uri="{FF2B5EF4-FFF2-40B4-BE49-F238E27FC236}">
+                <a16:creationId xmlns:a16="http://schemas.microsoft.com/office/drawing/2014/main" id="{D41F2D00-0A9A-4E10-A8F8-898387625E36}"/>
+              </a:ext>
+            </a:extLst>
+          </p:cNvPr>
+          <p:cNvSpPr>
+            <a:spLocks noGrp="1"/>
+          </p:cNvSpPr>
+          <p:nvPr>
+            <p:ph type="title"/>
+          </p:nvPr>
+        </p:nvSpPr>
+        <p:spPr/>
+        <p:txBody>
+          <a:bodyPr/>
+          <a:lstStyle/>
+          <a:p>
+            <a:r>
+              <a:rPr lang="en-US" dirty="0"/>
+              <a:t>LEASONS LEARNED</a:t>
+            </a:r>
+          </a:p>
+        </p:txBody>
+      </p:sp>
+      <p:sp>
+        <p:nvSpPr>
           <p:cNvPr id="4" name="TextBox 3">
             <a:extLst>
               <a:ext uri="{FF2B5EF4-FFF2-40B4-BE49-F238E27FC236}">
-                <a16:creationId xmlns:a16="http://schemas.microsoft.com/office/drawing/2014/main" id="{170EF6D4-75E9-425C-B270-8007B3E5A65B}"/>
+                <a16:creationId xmlns:a16="http://schemas.microsoft.com/office/drawing/2014/main" id="{966DC1A2-F760-4CDD-BA56-B4F1F0A8B1B4}"/>
               </a:ext>
             </a:extLst>
           </p:cNvPr>
@@ -5462,8 +5322,8 @@
         </p:nvSpPr>
         <p:spPr>
           <a:xfrm>
-            <a:off x="771516" y="521269"/>
-            <a:ext cx="8552084" cy="5632311"/>
+            <a:off x="796119" y="1241569"/>
+            <a:ext cx="9705074" cy="5940088"/>
           </a:xfrm>
           <a:prstGeom prst="rect">
             <a:avLst/>
@@ -5484,7 +5344,7 @@
               <a:rPr lang="en-US" sz="2000" b="0" i="0" u="none" strike="noStrike" dirty="0">
                 <a:effectLst/>
               </a:rPr>
-              <a:t>To value the customer inputs and make use of it.</a:t>
+              <a:t>Understand the system end to end.</a:t>
             </a:r>
             <a:r>
               <a:rPr lang="en-US" sz="2000" b="0" i="0" dirty="0">
@@ -5511,7 +5371,7 @@
               <a:rPr lang="en-US" sz="2000" b="0" i="0" u="none" strike="noStrike" dirty="0">
                 <a:effectLst/>
               </a:rPr>
-              <a:t>To identify the bugs earlier.</a:t>
+              <a:t>Collect the requirements properly.</a:t>
             </a:r>
             <a:r>
               <a:rPr lang="en-US" sz="2000" b="0" i="0" dirty="0">
@@ -5519,187 +5379,6 @@
               </a:rPr>
               <a:t>​</a:t>
             </a:r>
-            <a:endParaRPr lang="en-US" sz="2000" b="0" i="0" u="none" strike="noStrike" dirty="0">
-              <a:effectLst/>
-            </a:endParaRPr>
-          </a:p>
-          <a:p>
-            <a:pPr marL="342900" indent="-342900" rtl="0" fontAlgn="base">
-              <a:buFont typeface="Arial" panose="020B0604020202020204" pitchFamily="34" charset="0"/>
-              <a:buChar char="•"/>
-            </a:pPr>
-            <a:endParaRPr lang="en-US" sz="2000" dirty="0"/>
-          </a:p>
-          <a:p>
-            <a:pPr marL="342900" indent="-342900" rtl="0" fontAlgn="base">
-              <a:buFont typeface="Arial" panose="020B0604020202020204" pitchFamily="34" charset="0"/>
-              <a:buChar char="•"/>
-            </a:pPr>
-            <a:r>
-              <a:rPr lang="en-US" sz="2000" b="0" i="0" u="none" strike="noStrike" dirty="0">
-                <a:effectLst/>
-              </a:rPr>
-              <a:t>Never assume.</a:t>
-            </a:r>
-            <a:r>
-              <a:rPr lang="en-US" sz="2000" b="0" i="0" dirty="0">
-                <a:effectLst/>
-              </a:rPr>
-              <a:t>​</a:t>
-            </a:r>
-          </a:p>
-          <a:p>
-            <a:pPr marL="342900" indent="-342900" rtl="0" fontAlgn="base">
-              <a:buFont typeface="Arial" panose="020B0604020202020204" pitchFamily="34" charset="0"/>
-              <a:buChar char="•"/>
-            </a:pPr>
-            <a:endParaRPr lang="en-US" sz="2000" b="0" i="0" dirty="0">
-              <a:effectLst/>
-            </a:endParaRPr>
-          </a:p>
-          <a:p>
-            <a:pPr marL="342900" indent="-342900" rtl="0" fontAlgn="base">
-              <a:buFont typeface="Arial" panose="020B0604020202020204" pitchFamily="34" charset="0"/>
-              <a:buChar char="•"/>
-            </a:pPr>
-            <a:r>
-              <a:rPr lang="en-US" sz="2000" b="0" i="0" u="none" strike="noStrike" dirty="0">
-                <a:effectLst/>
-              </a:rPr>
-              <a:t>Learned how to use testing tools.</a:t>
-            </a:r>
-            <a:r>
-              <a:rPr lang="en-US" sz="2000" b="0" i="0" dirty="0">
-                <a:effectLst/>
-              </a:rPr>
-              <a:t>​</a:t>
-            </a:r>
-          </a:p>
-          <a:p>
-            <a:pPr marL="342900" indent="-342900" rtl="0" fontAlgn="base">
-              <a:buFont typeface="Arial" panose="020B0604020202020204" pitchFamily="34" charset="0"/>
-              <a:buChar char="•"/>
-            </a:pPr>
-            <a:endParaRPr lang="en-US" sz="2000" b="0" i="0" dirty="0">
-              <a:effectLst/>
-            </a:endParaRPr>
-          </a:p>
-          <a:p>
-            <a:pPr marL="342900" indent="-342900" rtl="0" fontAlgn="base">
-              <a:buFont typeface="Arial" panose="020B0604020202020204" pitchFamily="34" charset="0"/>
-              <a:buChar char="•"/>
-            </a:pPr>
-            <a:r>
-              <a:rPr lang="en-US" sz="2000" b="0" i="0" dirty="0">
-                <a:effectLst/>
-              </a:rPr>
-              <a:t>Plan with your team before executing new feature.</a:t>
-            </a:r>
-          </a:p>
-          <a:p>
-            <a:pPr marL="342900" indent="-342900" rtl="0" fontAlgn="base">
-              <a:buFont typeface="Arial" panose="020B0604020202020204" pitchFamily="34" charset="0"/>
-              <a:buChar char="•"/>
-            </a:pPr>
-            <a:endParaRPr lang="en-US" sz="2000" b="0" i="0" dirty="0">
-              <a:effectLst/>
-            </a:endParaRPr>
-          </a:p>
-          <a:p>
-            <a:pPr marL="342900" indent="-342900" rtl="0" fontAlgn="base">
-              <a:buFont typeface="Arial" panose="020B0604020202020204" pitchFamily="34" charset="0"/>
-              <a:buChar char="•"/>
-            </a:pPr>
-            <a:r>
-              <a:rPr lang="en-US" sz="2000" b="0" i="0" u="none" strike="noStrike" dirty="0">
-                <a:effectLst/>
-              </a:rPr>
-              <a:t>Don't hesitate to ask questions.</a:t>
-            </a:r>
-            <a:r>
-              <a:rPr lang="en-US" sz="2000" b="0" i="0" dirty="0">
-                <a:effectLst/>
-              </a:rPr>
-              <a:t>​</a:t>
-            </a:r>
-          </a:p>
-          <a:p>
-            <a:pPr marL="342900" indent="-342900" rtl="0" fontAlgn="base">
-              <a:buFont typeface="Arial" panose="020B0604020202020204" pitchFamily="34" charset="0"/>
-              <a:buChar char="•"/>
-            </a:pPr>
-            <a:endParaRPr lang="en-US" sz="2000" b="0" i="0" dirty="0">
-              <a:effectLst/>
-            </a:endParaRPr>
-          </a:p>
-          <a:p>
-            <a:pPr marL="342900" indent="-342900" rtl="0" fontAlgn="base">
-              <a:buFont typeface="Arial" panose="020B0604020202020204" pitchFamily="34" charset="0"/>
-              <a:buChar char="•"/>
-            </a:pPr>
-            <a:r>
-              <a:rPr lang="en-US" sz="2000" b="0" i="0" u="none" strike="noStrike" dirty="0">
-                <a:effectLst/>
-              </a:rPr>
-              <a:t>Team meetings are always important to track the works.</a:t>
-            </a:r>
-            <a:r>
-              <a:rPr lang="en-US" sz="2000" b="0" i="0" dirty="0">
-                <a:effectLst/>
-              </a:rPr>
-              <a:t>​</a:t>
-            </a:r>
-          </a:p>
-          <a:p>
-            <a:pPr marL="342900" indent="-342900" rtl="0" fontAlgn="base">
-              <a:buFont typeface="Arial" panose="020B0604020202020204" pitchFamily="34" charset="0"/>
-              <a:buChar char="•"/>
-            </a:pPr>
-            <a:endParaRPr lang="en-US" sz="2000" b="0" i="0" dirty="0">
-              <a:effectLst/>
-            </a:endParaRPr>
-          </a:p>
-          <a:p>
-            <a:pPr marL="342900" indent="-342900" rtl="0" fontAlgn="base">
-              <a:buFont typeface="Arial" panose="020B0604020202020204" pitchFamily="34" charset="0"/>
-              <a:buChar char="•"/>
-            </a:pPr>
-            <a:r>
-              <a:rPr lang="en-US" sz="2000" b="0" i="0" u="none" strike="noStrike" dirty="0">
-                <a:effectLst/>
-              </a:rPr>
-              <a:t>Brainstorming is very important to share ideas.</a:t>
-            </a:r>
-            <a:r>
-              <a:rPr lang="en-US" sz="2000" b="0" i="0" dirty="0">
-                <a:effectLst/>
-              </a:rPr>
-              <a:t>​</a:t>
-            </a:r>
-          </a:p>
-          <a:p>
-            <a:pPr marL="342900" indent="-342900" rtl="0" fontAlgn="base">
-              <a:buFont typeface="Arial" panose="020B0604020202020204" pitchFamily="34" charset="0"/>
-              <a:buChar char="•"/>
-            </a:pPr>
-            <a:endParaRPr lang="en-US" sz="2000" b="0" i="0" dirty="0">
-              <a:effectLst/>
-            </a:endParaRPr>
-          </a:p>
-          <a:p>
-            <a:pPr marL="342900" indent="-342900" rtl="0" fontAlgn="base">
-              <a:buFont typeface="Arial" panose="020B0604020202020204" pitchFamily="34" charset="0"/>
-              <a:buChar char="•"/>
-            </a:pPr>
-            <a:r>
-              <a:rPr lang="en-US" sz="2000" b="0" i="0" u="none" strike="noStrike" dirty="0">
-                <a:effectLst/>
-              </a:rPr>
-              <a:t>Always update MOM to track the meeting updates.</a:t>
-            </a:r>
-            <a:endParaRPr lang="en-US" sz="2000" b="0" i="0" dirty="0">
-              <a:effectLst/>
-            </a:endParaRPr>
           </a:p>
           <a:p>
             <a:pPr marL="285750" indent="-285750" algn="l" rtl="0" fontAlgn="base">
@@ -5710,82 +5389,209 @@
               <a:effectLst/>
             </a:endParaRPr>
           </a:p>
-        </p:txBody>
-      </p:sp>
-      <p:sp>
-        <p:nvSpPr>
-          <p:cNvPr id="12" name="Title 1">
-            <a:extLst>
-              <a:ext uri="{FF2B5EF4-FFF2-40B4-BE49-F238E27FC236}">
-                <a16:creationId xmlns:a16="http://schemas.microsoft.com/office/drawing/2014/main" id="{34A23CEC-F43A-4504-9A9F-BED4739A1196}"/>
-              </a:ext>
-            </a:extLst>
-          </p:cNvPr>
-          <p:cNvSpPr txBox="1">
-            <a:spLocks/>
-          </p:cNvSpPr>
-          <p:nvPr/>
-        </p:nvSpPr>
-        <p:spPr>
-          <a:xfrm>
-            <a:off x="3653470" y="6153580"/>
-            <a:ext cx="6288545" cy="368589"/>
-          </a:xfrm>
-          <a:prstGeom prst="rect">
-            <a:avLst/>
-          </a:prstGeom>
-          <a:noFill/>
-        </p:spPr>
-        <p:txBody>
-          <a:bodyPr vert="horz" wrap="square" lIns="90704" tIns="45352" rIns="90704" bIns="45352" rtlCol="0" anchor="ctr" anchorCtr="0">
-            <a:spAutoFit/>
-          </a:bodyPr>
-          <a:lstStyle>
-            <a:lvl1pPr algn="l" defTabSz="914400" rtl="0" eaLnBrk="1" latinLnBrk="0" hangingPunct="1">
-              <a:lnSpc>
-                <a:spcPct val="90000"/>
-              </a:lnSpc>
-              <a:spcBef>
-                <a:spcPct val="0"/>
-              </a:spcBef>
-              <a:buNone/>
-              <a:defRPr lang="uk-UA" sz="3000" b="1" kern="1200">
-                <a:solidFill>
-                  <a:schemeClr val="tx1"/>
-                </a:solidFill>
-                <a:latin typeface="Calibri" charset="0"/>
-                <a:ea typeface="Calibri" charset="0"/>
-                <a:cs typeface="Calibri" charset="0"/>
-              </a:defRPr>
-            </a:lvl1pPr>
-          </a:lstStyle>
-          <a:p>
-            <a:r>
-              <a:rPr lang="en-US" sz="2000" dirty="0">
-                <a:solidFill>
-                  <a:srgbClr val="7030A0"/>
-                </a:solidFill>
-              </a:rPr>
-              <a:t>“Time sheet is the mirror for your career growth.”</a:t>
-            </a:r>
+          <a:p>
+            <a:pPr marL="285750" indent="-285750" algn="l" rtl="0" fontAlgn="base">
+              <a:buFont typeface="Arial" panose="020B0604020202020204" pitchFamily="34" charset="0"/>
+              <a:buChar char="•"/>
+            </a:pPr>
+            <a:r>
+              <a:rPr lang="en-US" sz="2000" b="0" i="0" u="none" strike="noStrike" dirty="0">
+                <a:effectLst/>
+              </a:rPr>
+              <a:t>Think as an end user while designing a system.</a:t>
+            </a:r>
+            <a:r>
+              <a:rPr lang="en-US" sz="2000" b="0" i="0" dirty="0">
+                <a:effectLst/>
+              </a:rPr>
+              <a:t>​</a:t>
+            </a:r>
+          </a:p>
+          <a:p>
+            <a:pPr marL="285750" indent="-285750" algn="l" rtl="0" fontAlgn="base">
+              <a:buFont typeface="Arial" panose="020B0604020202020204" pitchFamily="34" charset="0"/>
+              <a:buChar char="•"/>
+            </a:pPr>
+            <a:endParaRPr lang="en-US" sz="2000" b="0" i="0" dirty="0">
+              <a:effectLst/>
+            </a:endParaRPr>
+          </a:p>
+          <a:p>
+            <a:pPr marL="285750" indent="-285750" algn="l" rtl="0" fontAlgn="base">
+              <a:buFont typeface="Arial" panose="020B0604020202020204" pitchFamily="34" charset="0"/>
+              <a:buChar char="•"/>
+            </a:pPr>
+            <a:r>
+              <a:rPr lang="en-US" sz="2000" b="0" i="0" u="none" strike="noStrike" dirty="0">
+                <a:effectLst/>
+              </a:rPr>
+              <a:t>Don't forget to address Non – Functional Requirements.</a:t>
+            </a:r>
+            <a:r>
+              <a:rPr lang="en-US" sz="2000" b="0" i="0" dirty="0">
+                <a:effectLst/>
+              </a:rPr>
+              <a:t>​</a:t>
+            </a:r>
+          </a:p>
+          <a:p>
+            <a:pPr marL="285750" indent="-285750" algn="l" rtl="0" fontAlgn="base">
+              <a:buFont typeface="Arial" panose="020B0604020202020204" pitchFamily="34" charset="0"/>
+              <a:buChar char="•"/>
+            </a:pPr>
+            <a:endParaRPr lang="en-US" sz="2000" b="0" i="0" dirty="0">
+              <a:effectLst/>
+            </a:endParaRPr>
+          </a:p>
+          <a:p>
+            <a:pPr marL="285750" indent="-285750" algn="l" rtl="0" fontAlgn="base">
+              <a:buFont typeface="Arial" panose="020B0604020202020204" pitchFamily="34" charset="0"/>
+              <a:buChar char="•"/>
+            </a:pPr>
+            <a:r>
+              <a:rPr lang="en-US" sz="2000" b="0" i="0" u="none" strike="noStrike" dirty="0">
+                <a:effectLst/>
+              </a:rPr>
+              <a:t>Learned to work as a team with responsibilities.</a:t>
+            </a:r>
+            <a:r>
+              <a:rPr lang="en-US" sz="2000" b="0" i="0" dirty="0">
+                <a:effectLst/>
+              </a:rPr>
+              <a:t>​</a:t>
+            </a:r>
+          </a:p>
+          <a:p>
+            <a:pPr marL="285750" indent="-285750" algn="l" rtl="0" fontAlgn="base">
+              <a:buFont typeface="Arial" panose="020B0604020202020204" pitchFamily="34" charset="0"/>
+              <a:buChar char="•"/>
+            </a:pPr>
+            <a:endParaRPr lang="en-US" sz="2000" b="0" i="0" dirty="0">
+              <a:effectLst/>
+            </a:endParaRPr>
+          </a:p>
+          <a:p>
+            <a:pPr marL="285750" indent="-285750" algn="l" rtl="0" fontAlgn="base">
+              <a:buFont typeface="Arial" panose="020B0604020202020204" pitchFamily="34" charset="0"/>
+              <a:buChar char="•"/>
+            </a:pPr>
+            <a:r>
+              <a:rPr lang="en-US" sz="2000" b="0" i="0" u="none" strike="noStrike" dirty="0">
+                <a:effectLst/>
+              </a:rPr>
+              <a:t>Always keep a backup of our work.</a:t>
+            </a:r>
+            <a:r>
+              <a:rPr lang="en-US" sz="2000" b="0" i="0" dirty="0">
+                <a:effectLst/>
+              </a:rPr>
+              <a:t>​</a:t>
+            </a:r>
+          </a:p>
+          <a:p>
+            <a:pPr marL="285750" indent="-285750" algn="l" rtl="0" fontAlgn="base">
+              <a:buFont typeface="Arial" panose="020B0604020202020204" pitchFamily="34" charset="0"/>
+              <a:buChar char="•"/>
+            </a:pPr>
+            <a:endParaRPr lang="en-US" sz="2000" b="0" i="0" dirty="0">
+              <a:effectLst/>
+            </a:endParaRPr>
+          </a:p>
+          <a:p>
+            <a:pPr marL="285750" indent="-285750" algn="l" rtl="0" fontAlgn="base">
+              <a:buFont typeface="Arial" panose="020B0604020202020204" pitchFamily="34" charset="0"/>
+              <a:buChar char="•"/>
+            </a:pPr>
+            <a:r>
+              <a:rPr lang="en-US" sz="2000" b="0" i="0" u="none" strike="noStrike" dirty="0">
+                <a:effectLst/>
+              </a:rPr>
+              <a:t>To respect others time in our team.</a:t>
+            </a:r>
+            <a:r>
+              <a:rPr lang="en-US" sz="2000" b="0" i="0" dirty="0">
+                <a:effectLst/>
+              </a:rPr>
+              <a:t>​</a:t>
+            </a:r>
+          </a:p>
+          <a:p>
+            <a:pPr marL="285750" indent="-285750" algn="l" rtl="0" fontAlgn="base">
+              <a:buFont typeface="Arial" panose="020B0604020202020204" pitchFamily="34" charset="0"/>
+              <a:buChar char="•"/>
+            </a:pPr>
+            <a:endParaRPr lang="en-US" sz="2000" b="0" i="0" dirty="0">
+              <a:effectLst/>
+            </a:endParaRPr>
+          </a:p>
+          <a:p>
+            <a:pPr marL="285750" indent="-285750" algn="l" rtl="0" fontAlgn="base">
+              <a:buFont typeface="Arial" panose="020B0604020202020204" pitchFamily="34" charset="0"/>
+              <a:buChar char="•"/>
+            </a:pPr>
+            <a:r>
+              <a:rPr lang="en-US" sz="2000" b="0" i="0" u="none" strike="noStrike" dirty="0">
+                <a:effectLst/>
+              </a:rPr>
+              <a:t>To avoid conflicts and to resolve conflicts. </a:t>
+            </a:r>
+            <a:r>
+              <a:rPr lang="en-US" sz="2000" b="0" i="0" dirty="0">
+                <a:effectLst/>
+              </a:rPr>
+              <a:t>​</a:t>
+            </a:r>
+          </a:p>
+          <a:p>
+            <a:pPr marL="285750" indent="-285750" algn="l" rtl="0" fontAlgn="base">
+              <a:buFont typeface="Arial" panose="020B0604020202020204" pitchFamily="34" charset="0"/>
+              <a:buChar char="•"/>
+            </a:pPr>
+            <a:endParaRPr lang="en-US" sz="2000" b="0" i="0" dirty="0">
+              <a:effectLst/>
+            </a:endParaRPr>
+          </a:p>
+          <a:p>
+            <a:pPr marL="285750" indent="-285750" algn="l" rtl="0" fontAlgn="base">
+              <a:buFont typeface="Arial" panose="020B0604020202020204" pitchFamily="34" charset="0"/>
+              <a:buChar char="•"/>
+            </a:pPr>
+            <a:endParaRPr lang="en-US" sz="2000" b="0" i="0" dirty="0">
+              <a:effectLst/>
+            </a:endParaRPr>
+          </a:p>
+          <a:p>
+            <a:pPr marL="285750" indent="-285750" algn="l" rtl="0" fontAlgn="base">
+              <a:buFont typeface="Arial" panose="020B0604020202020204" pitchFamily="34" charset="0"/>
+              <a:buChar char="•"/>
+            </a:pPr>
+            <a:endParaRPr lang="en-US" sz="2000" b="0" i="0" dirty="0">
+              <a:effectLst/>
+            </a:endParaRPr>
+          </a:p>
+          <a:p>
+            <a:pPr algn="l" rtl="0" fontAlgn="base"/>
+            <a:endParaRPr lang="en-US" sz="2000" b="0" i="0" dirty="0">
+              <a:effectLst/>
+            </a:endParaRPr>
           </a:p>
         </p:txBody>
       </p:sp>
     </p:spTree>
     <p:extLst>
       <p:ext uri="{BB962C8B-B14F-4D97-AF65-F5344CB8AC3E}">
-        <p14:creationId xmlns:p14="http://schemas.microsoft.com/office/powerpoint/2010/main" val="1515891734"/>
+        <p14:creationId xmlns:p14="http://schemas.microsoft.com/office/powerpoint/2010/main" val="1437407060"/>
       </p:ext>
     </p:extLst>
   </p:cSld>
   <p:clrMapOvr>
     <a:masterClrMapping/>
   </p:clrMapOvr>
-  <mc:AlternateContent xmlns:mc="http://schemas.openxmlformats.org/markup-compatibility/2006">
-    <mc:Choice xmlns:p14="http://schemas.microsoft.com/office/powerpoint/2010/main" Requires="p14">
+  <mc:AlternateContent xmlns:mc="http://schemas.openxmlformats.org/markup-compatibility/2006" xmlns:p14="http://schemas.microsoft.com/office/powerpoint/2010/main">
+    <mc:Choice Requires="p14">
       <p:transition p14:dur="0"/>
     </mc:Choice>
-    <mc:Fallback>
+    <mc:Fallback xmlns="">
       <p:transition/>
     </mc:Fallback>
   </mc:AlternateContent>
@@ -5811,6 +5617,367 @@
       </p:grpSpPr>
       <p:sp>
         <p:nvSpPr>
+          <p:cNvPr id="4" name="TextBox 3">
+            <a:extLst>
+              <a:ext uri="{FF2B5EF4-FFF2-40B4-BE49-F238E27FC236}">
+                <a16:creationId xmlns:a16="http://schemas.microsoft.com/office/drawing/2014/main" id="{170EF6D4-75E9-425C-B270-8007B3E5A65B}"/>
+              </a:ext>
+            </a:extLst>
+          </p:cNvPr>
+          <p:cNvSpPr txBox="1"/>
+          <p:nvPr/>
+        </p:nvSpPr>
+        <p:spPr>
+          <a:xfrm>
+            <a:off x="771516" y="521269"/>
+            <a:ext cx="8552084" cy="5632311"/>
+          </a:xfrm>
+          <a:prstGeom prst="rect">
+            <a:avLst/>
+          </a:prstGeom>
+          <a:noFill/>
+        </p:spPr>
+        <p:txBody>
+          <a:bodyPr wrap="square">
+            <a:spAutoFit/>
+          </a:bodyPr>
+          <a:lstStyle/>
+          <a:p>
+            <a:pPr marL="285750" indent="-285750" algn="l" rtl="0" fontAlgn="base">
+              <a:buFont typeface="Arial" panose="020B0604020202020204" pitchFamily="34" charset="0"/>
+              <a:buChar char="•"/>
+            </a:pPr>
+            <a:r>
+              <a:rPr lang="en-US" sz="2000" b="0" i="0" u="none" strike="noStrike" dirty="0">
+                <a:effectLst/>
+              </a:rPr>
+              <a:t>To value the customer inputs and make use of it.</a:t>
+            </a:r>
+            <a:r>
+              <a:rPr lang="en-US" sz="2000" b="0" i="0" dirty="0">
+                <a:effectLst/>
+              </a:rPr>
+              <a:t>​</a:t>
+            </a:r>
+          </a:p>
+          <a:p>
+            <a:pPr marL="285750" indent="-285750" algn="l" rtl="0" fontAlgn="base">
+              <a:buFont typeface="Arial" panose="020B0604020202020204" pitchFamily="34" charset="0"/>
+              <a:buChar char="•"/>
+            </a:pPr>
+            <a:endParaRPr lang="en-US" sz="2000" b="0" i="0" dirty="0">
+              <a:effectLst/>
+            </a:endParaRPr>
+          </a:p>
+          <a:p>
+            <a:pPr marL="285750" indent="-285750" algn="l" rtl="0" fontAlgn="base">
+              <a:buFont typeface="Arial" panose="020B0604020202020204" pitchFamily="34" charset="0"/>
+              <a:buChar char="•"/>
+            </a:pPr>
+            <a:r>
+              <a:rPr lang="en-US" sz="2000" b="0" i="0" u="none" strike="noStrike" dirty="0">
+                <a:effectLst/>
+              </a:rPr>
+              <a:t>To identify the bugs earlier.</a:t>
+            </a:r>
+            <a:r>
+              <a:rPr lang="en-US" sz="2000" b="0" i="0" dirty="0">
+                <a:effectLst/>
+              </a:rPr>
+              <a:t>​</a:t>
+            </a:r>
+            <a:endParaRPr lang="en-US" sz="2000" b="0" i="0" u="none" strike="noStrike" dirty="0">
+              <a:effectLst/>
+            </a:endParaRPr>
+          </a:p>
+          <a:p>
+            <a:pPr marL="342900" indent="-342900" rtl="0" fontAlgn="base">
+              <a:buFont typeface="Arial" panose="020B0604020202020204" pitchFamily="34" charset="0"/>
+              <a:buChar char="•"/>
+            </a:pPr>
+            <a:endParaRPr lang="en-US" sz="2000" dirty="0"/>
+          </a:p>
+          <a:p>
+            <a:pPr marL="342900" indent="-342900" rtl="0" fontAlgn="base">
+              <a:buFont typeface="Arial" panose="020B0604020202020204" pitchFamily="34" charset="0"/>
+              <a:buChar char="•"/>
+            </a:pPr>
+            <a:r>
+              <a:rPr lang="en-US" sz="2000" b="0" i="0" u="none" strike="noStrike" dirty="0">
+                <a:effectLst/>
+              </a:rPr>
+              <a:t>Never assume.</a:t>
+            </a:r>
+            <a:r>
+              <a:rPr lang="en-US" sz="2000" b="0" i="0" dirty="0">
+                <a:effectLst/>
+              </a:rPr>
+              <a:t>​</a:t>
+            </a:r>
+          </a:p>
+          <a:p>
+            <a:pPr marL="342900" indent="-342900" rtl="0" fontAlgn="base">
+              <a:buFont typeface="Arial" panose="020B0604020202020204" pitchFamily="34" charset="0"/>
+              <a:buChar char="•"/>
+            </a:pPr>
+            <a:endParaRPr lang="en-US" sz="2000" b="0" i="0" dirty="0">
+              <a:effectLst/>
+            </a:endParaRPr>
+          </a:p>
+          <a:p>
+            <a:pPr marL="342900" indent="-342900" rtl="0" fontAlgn="base">
+              <a:buFont typeface="Arial" panose="020B0604020202020204" pitchFamily="34" charset="0"/>
+              <a:buChar char="•"/>
+            </a:pPr>
+            <a:r>
+              <a:rPr lang="en-US" sz="2000" b="0" i="0" u="none" strike="noStrike" dirty="0">
+                <a:effectLst/>
+              </a:rPr>
+              <a:t>Learned how to use testing tools.</a:t>
+            </a:r>
+            <a:r>
+              <a:rPr lang="en-US" sz="2000" b="0" i="0" dirty="0">
+                <a:effectLst/>
+              </a:rPr>
+              <a:t>​</a:t>
+            </a:r>
+          </a:p>
+          <a:p>
+            <a:pPr marL="342900" indent="-342900" rtl="0" fontAlgn="base">
+              <a:buFont typeface="Arial" panose="020B0604020202020204" pitchFamily="34" charset="0"/>
+              <a:buChar char="•"/>
+            </a:pPr>
+            <a:endParaRPr lang="en-US" sz="2000" b="0" i="0" dirty="0">
+              <a:effectLst/>
+            </a:endParaRPr>
+          </a:p>
+          <a:p>
+            <a:pPr marL="342900" indent="-342900" rtl="0" fontAlgn="base">
+              <a:buFont typeface="Arial" panose="020B0604020202020204" pitchFamily="34" charset="0"/>
+              <a:buChar char="•"/>
+            </a:pPr>
+            <a:r>
+              <a:rPr lang="en-US" sz="2000" b="0" i="0" dirty="0">
+                <a:effectLst/>
+              </a:rPr>
+              <a:t>Plan with your team before executing new feature.</a:t>
+            </a:r>
+          </a:p>
+          <a:p>
+            <a:pPr marL="342900" indent="-342900" rtl="0" fontAlgn="base">
+              <a:buFont typeface="Arial" panose="020B0604020202020204" pitchFamily="34" charset="0"/>
+              <a:buChar char="•"/>
+            </a:pPr>
+            <a:endParaRPr lang="en-US" sz="2000" b="0" i="0" dirty="0">
+              <a:effectLst/>
+            </a:endParaRPr>
+          </a:p>
+          <a:p>
+            <a:pPr marL="342900" indent="-342900" rtl="0" fontAlgn="base">
+              <a:buFont typeface="Arial" panose="020B0604020202020204" pitchFamily="34" charset="0"/>
+              <a:buChar char="•"/>
+            </a:pPr>
+            <a:r>
+              <a:rPr lang="en-US" sz="2000" b="0" i="0" u="none" strike="noStrike" dirty="0">
+                <a:effectLst/>
+              </a:rPr>
+              <a:t>Don't hesitate to ask questions.</a:t>
+            </a:r>
+            <a:r>
+              <a:rPr lang="en-US" sz="2000" b="0" i="0" dirty="0">
+                <a:effectLst/>
+              </a:rPr>
+              <a:t>​</a:t>
+            </a:r>
+          </a:p>
+          <a:p>
+            <a:pPr marL="342900" indent="-342900" rtl="0" fontAlgn="base">
+              <a:buFont typeface="Arial" panose="020B0604020202020204" pitchFamily="34" charset="0"/>
+              <a:buChar char="•"/>
+            </a:pPr>
+            <a:endParaRPr lang="en-US" sz="2000" b="0" i="0" dirty="0">
+              <a:effectLst/>
+            </a:endParaRPr>
+          </a:p>
+          <a:p>
+            <a:pPr marL="342900" indent="-342900" rtl="0" fontAlgn="base">
+              <a:buFont typeface="Arial" panose="020B0604020202020204" pitchFamily="34" charset="0"/>
+              <a:buChar char="•"/>
+            </a:pPr>
+            <a:r>
+              <a:rPr lang="en-US" sz="2000" b="0" i="0" u="none" strike="noStrike" dirty="0">
+                <a:effectLst/>
+              </a:rPr>
+              <a:t>Team meetings are always important to track the works.</a:t>
+            </a:r>
+            <a:r>
+              <a:rPr lang="en-US" sz="2000" b="0" i="0" dirty="0">
+                <a:effectLst/>
+              </a:rPr>
+              <a:t>​</a:t>
+            </a:r>
+          </a:p>
+          <a:p>
+            <a:pPr marL="342900" indent="-342900" rtl="0" fontAlgn="base">
+              <a:buFont typeface="Arial" panose="020B0604020202020204" pitchFamily="34" charset="0"/>
+              <a:buChar char="•"/>
+            </a:pPr>
+            <a:endParaRPr lang="en-US" sz="2000" b="0" i="0" dirty="0">
+              <a:effectLst/>
+            </a:endParaRPr>
+          </a:p>
+          <a:p>
+            <a:pPr marL="342900" indent="-342900" rtl="0" fontAlgn="base">
+              <a:buFont typeface="Arial" panose="020B0604020202020204" pitchFamily="34" charset="0"/>
+              <a:buChar char="•"/>
+            </a:pPr>
+            <a:r>
+              <a:rPr lang="en-US" sz="2000" b="0" i="0" u="none" strike="noStrike" dirty="0">
+                <a:effectLst/>
+              </a:rPr>
+              <a:t>Brainstorming is very important to share ideas.</a:t>
+            </a:r>
+            <a:r>
+              <a:rPr lang="en-US" sz="2000" b="0" i="0" dirty="0">
+                <a:effectLst/>
+              </a:rPr>
+              <a:t>​</a:t>
+            </a:r>
+          </a:p>
+          <a:p>
+            <a:pPr marL="342900" indent="-342900" rtl="0" fontAlgn="base">
+              <a:buFont typeface="Arial" panose="020B0604020202020204" pitchFamily="34" charset="0"/>
+              <a:buChar char="•"/>
+            </a:pPr>
+            <a:endParaRPr lang="en-US" sz="2000" b="0" i="0" dirty="0">
+              <a:effectLst/>
+            </a:endParaRPr>
+          </a:p>
+          <a:p>
+            <a:pPr marL="342900" indent="-342900" rtl="0" fontAlgn="base">
+              <a:buFont typeface="Arial" panose="020B0604020202020204" pitchFamily="34" charset="0"/>
+              <a:buChar char="•"/>
+            </a:pPr>
+            <a:r>
+              <a:rPr lang="en-US" sz="2000" b="0" i="0" u="none" strike="noStrike" dirty="0">
+                <a:effectLst/>
+              </a:rPr>
+              <a:t>Always update MOM to track the meeting updates.</a:t>
+            </a:r>
+            <a:endParaRPr lang="en-US" sz="2000" b="0" i="0" dirty="0">
+              <a:effectLst/>
+            </a:endParaRPr>
+          </a:p>
+          <a:p>
+            <a:pPr marL="285750" indent="-285750" algn="l" rtl="0" fontAlgn="base">
+              <a:buFont typeface="Arial" panose="020B0604020202020204" pitchFamily="34" charset="0"/>
+              <a:buChar char="•"/>
+            </a:pPr>
+            <a:endParaRPr lang="en-US" sz="2000" b="0" i="0" dirty="0">
+              <a:effectLst/>
+            </a:endParaRPr>
+          </a:p>
+        </p:txBody>
+      </p:sp>
+      <p:sp>
+        <p:nvSpPr>
+          <p:cNvPr id="12" name="Title 1">
+            <a:extLst>
+              <a:ext uri="{FF2B5EF4-FFF2-40B4-BE49-F238E27FC236}">
+                <a16:creationId xmlns:a16="http://schemas.microsoft.com/office/drawing/2014/main" id="{34A23CEC-F43A-4504-9A9F-BED4739A1196}"/>
+              </a:ext>
+            </a:extLst>
+          </p:cNvPr>
+          <p:cNvSpPr txBox="1">
+            <a:spLocks/>
+          </p:cNvSpPr>
+          <p:nvPr/>
+        </p:nvSpPr>
+        <p:spPr>
+          <a:xfrm>
+            <a:off x="3653470" y="6153580"/>
+            <a:ext cx="6288545" cy="368589"/>
+          </a:xfrm>
+          <a:prstGeom prst="rect">
+            <a:avLst/>
+          </a:prstGeom>
+          <a:noFill/>
+        </p:spPr>
+        <p:txBody>
+          <a:bodyPr vert="horz" wrap="square" lIns="90704" tIns="45352" rIns="90704" bIns="45352" rtlCol="0" anchor="ctr" anchorCtr="0">
+            <a:spAutoFit/>
+          </a:bodyPr>
+          <a:lstStyle>
+            <a:lvl1pPr algn="l" defTabSz="914400" rtl="0" eaLnBrk="1" latinLnBrk="0" hangingPunct="1">
+              <a:lnSpc>
+                <a:spcPct val="90000"/>
+              </a:lnSpc>
+              <a:spcBef>
+                <a:spcPct val="0"/>
+              </a:spcBef>
+              <a:buNone/>
+              <a:defRPr lang="uk-UA" sz="3000" b="1" kern="1200">
+                <a:solidFill>
+                  <a:schemeClr val="tx1"/>
+                </a:solidFill>
+                <a:latin typeface="Calibri" charset="0"/>
+                <a:ea typeface="Calibri" charset="0"/>
+                <a:cs typeface="Calibri" charset="0"/>
+              </a:defRPr>
+            </a:lvl1pPr>
+          </a:lstStyle>
+          <a:p>
+            <a:r>
+              <a:rPr lang="en-US" sz="2000" dirty="0">
+                <a:solidFill>
+                  <a:srgbClr val="7030A0"/>
+                </a:solidFill>
+              </a:rPr>
+              <a:t>“Time sheet is the mirror for your career growth.”</a:t>
+            </a:r>
+          </a:p>
+        </p:txBody>
+      </p:sp>
+    </p:spTree>
+    <p:extLst>
+      <p:ext uri="{BB962C8B-B14F-4D97-AF65-F5344CB8AC3E}">
+        <p14:creationId xmlns:p14="http://schemas.microsoft.com/office/powerpoint/2010/main" val="1515891734"/>
+      </p:ext>
+    </p:extLst>
+  </p:cSld>
+  <p:clrMapOvr>
+    <a:masterClrMapping/>
+  </p:clrMapOvr>
+  <mc:AlternateContent xmlns:mc="http://schemas.openxmlformats.org/markup-compatibility/2006" xmlns:p14="http://schemas.microsoft.com/office/powerpoint/2010/main">
+    <mc:Choice Requires="p14">
+      <p:transition p14:dur="0"/>
+    </mc:Choice>
+    <mc:Fallback xmlns="">
+      <p:transition/>
+    </mc:Fallback>
+  </mc:AlternateContent>
+</p:sld>
+</file>
+
+<file path=ppt/slides/slide13.xml><?xml version="1.0" encoding="utf-8"?>
+<p:sld xmlns:a="http://schemas.openxmlformats.org/drawingml/2006/main" xmlns:r="http://schemas.openxmlformats.org/officeDocument/2006/relationships" xmlns:p="http://schemas.openxmlformats.org/presentationml/2006/main">
+  <p:cSld>
+    <p:spTree>
+      <p:nvGrpSpPr>
+        <p:cNvPr id="1" name=""/>
+        <p:cNvGrpSpPr/>
+        <p:nvPr/>
+      </p:nvGrpSpPr>
+      <p:grpSpPr>
+        <a:xfrm>
+          <a:off x="0" y="0"/>
+          <a:ext cx="0" cy="0"/>
+          <a:chOff x="0" y="0"/>
+          <a:chExt cx="0" cy="0"/>
+        </a:xfrm>
+      </p:grpSpPr>
+      <p:sp>
+        <p:nvSpPr>
           <p:cNvPr id="2" name="Title 1">
             <a:extLst>
               <a:ext uri="{FF2B5EF4-FFF2-40B4-BE49-F238E27FC236}">
@@ -5837,8 +6004,15 @@
           <a:p>
             <a:r>
               <a:rPr lang="en-US" dirty="0"/>
-              <a:t>THANK YOU</a:t>
-            </a:r>
+              <a:t>THANK YOU </a:t>
+            </a:r>
+            <a:r>
+              <a:rPr lang="en-US" dirty="0">
+                <a:sym typeface="Wingdings" pitchFamily="2" charset="2"/>
+              </a:rPr>
+              <a:t></a:t>
+            </a:r>
+            <a:endParaRPr lang="en-US" dirty="0"/>
           </a:p>
         </p:txBody>
       </p:sp>
@@ -5852,11 +6026,11 @@
   <p:clrMapOvr>
     <a:masterClrMapping/>
   </p:clrMapOvr>
-  <mc:AlternateContent xmlns:mc="http://schemas.openxmlformats.org/markup-compatibility/2006">
-    <mc:Choice xmlns:p14="http://schemas.microsoft.com/office/powerpoint/2010/main" Requires="p14">
+  <mc:AlternateContent xmlns:mc="http://schemas.openxmlformats.org/markup-compatibility/2006" xmlns:p14="http://schemas.microsoft.com/office/powerpoint/2010/main">
+    <mc:Choice Requires="p14">
       <p:transition p14:dur="0"/>
     </mc:Choice>
-    <mc:Fallback>
+    <mc:Fallback xmlns="">
       <p:transition/>
     </mc:Fallback>
   </mc:AlternateContent>
@@ -5907,7 +6081,7 @@
               </a:rPr>
               <a:t>TEAM MEMBERS</a:t>
             </a:r>
-            <a:endParaRPr lang="en-US" sz="2900">
+            <a:endParaRPr lang="en-US" sz="2900" dirty="0">
               <a:latin typeface="Calibri"/>
             </a:endParaRPr>
           </a:p>
@@ -6346,11 +6520,11 @@
   <p:clrMapOvr>
     <a:masterClrMapping/>
   </p:clrMapOvr>
-  <mc:AlternateContent xmlns:mc="http://schemas.openxmlformats.org/markup-compatibility/2006">
-    <mc:Choice xmlns:p14="http://schemas.microsoft.com/office/powerpoint/2010/main" Requires="p14">
+  <mc:AlternateContent xmlns:mc="http://schemas.openxmlformats.org/markup-compatibility/2006" xmlns:p14="http://schemas.microsoft.com/office/powerpoint/2010/main">
+    <mc:Choice Requires="p14">
       <p:transition p14:dur="0"/>
     </mc:Choice>
-    <mc:Fallback>
+    <mc:Fallback xmlns="">
       <p:transition/>
     </mc:Fallback>
   </mc:AlternateContent>
@@ -6594,11 +6768,11 @@
   <p:clrMapOvr>
     <a:masterClrMapping/>
   </p:clrMapOvr>
-  <mc:AlternateContent xmlns:mc="http://schemas.openxmlformats.org/markup-compatibility/2006">
-    <mc:Choice xmlns:p14="http://schemas.microsoft.com/office/powerpoint/2010/main" Requires="p14">
+  <mc:AlternateContent xmlns:mc="http://schemas.openxmlformats.org/markup-compatibility/2006" xmlns:p14="http://schemas.microsoft.com/office/powerpoint/2010/main">
+    <mc:Choice Requires="p14">
       <p:transition p14:dur="0"/>
     </mc:Choice>
-    <mc:Fallback>
+    <mc:Fallback xmlns="">
       <p:transition/>
     </mc:Fallback>
   </mc:AlternateContent>
@@ -6663,6 +6837,168 @@
           </a:p>
         </p:txBody>
       </p:sp>
+      <p:grpSp>
+        <p:nvGrpSpPr>
+          <p:cNvPr id="14" name="Group 13">
+            <a:extLst>
+              <a:ext uri="{FF2B5EF4-FFF2-40B4-BE49-F238E27FC236}">
+                <a16:creationId xmlns:a16="http://schemas.microsoft.com/office/drawing/2014/main" id="{30BC413F-7EFC-4CE1-9FAB-620E6CB048C7}"/>
+              </a:ext>
+            </a:extLst>
+          </p:cNvPr>
+          <p:cNvGrpSpPr/>
+          <p:nvPr/>
+        </p:nvGrpSpPr>
+        <p:grpSpPr>
+          <a:xfrm rot="10800000">
+            <a:off x="753898" y="1618637"/>
+            <a:ext cx="10253920" cy="3628168"/>
+            <a:chOff x="1002412" y="2036412"/>
+            <a:chExt cx="10253920" cy="3628168"/>
+          </a:xfrm>
+        </p:grpSpPr>
+        <p:sp>
+          <p:nvSpPr>
+            <p:cNvPr id="11" name="Arrow: Pentagon 10">
+              <a:extLst>
+                <a:ext uri="{FF2B5EF4-FFF2-40B4-BE49-F238E27FC236}">
+                  <a16:creationId xmlns:a16="http://schemas.microsoft.com/office/drawing/2014/main" id="{F2643C09-959A-458B-948C-31F4209B091B}"/>
+                </a:ext>
+              </a:extLst>
+            </p:cNvPr>
+            <p:cNvSpPr/>
+            <p:nvPr/>
+          </p:nvSpPr>
+          <p:spPr>
+            <a:xfrm>
+              <a:off x="1002412" y="2036412"/>
+              <a:ext cx="10253920" cy="930081"/>
+            </a:xfrm>
+            <a:prstGeom prst="homePlate">
+              <a:avLst/>
+            </a:prstGeom>
+            <a:solidFill>
+              <a:srgbClr val="E3D0F1"/>
+            </a:solidFill>
+          </p:spPr>
+          <p:style>
+            <a:lnRef idx="1">
+              <a:schemeClr val="accent3"/>
+            </a:lnRef>
+            <a:fillRef idx="2">
+              <a:schemeClr val="accent3"/>
+            </a:fillRef>
+            <a:effectRef idx="1">
+              <a:schemeClr val="accent3"/>
+            </a:effectRef>
+            <a:fontRef idx="minor">
+              <a:schemeClr val="dk1"/>
+            </a:fontRef>
+          </p:style>
+          <p:txBody>
+            <a:bodyPr rtlCol="0" anchor="ctr"/>
+            <a:lstStyle/>
+            <a:p>
+              <a:pPr algn="ctr"/>
+              <a:endParaRPr lang="en-US"/>
+            </a:p>
+          </p:txBody>
+        </p:sp>
+        <p:sp>
+          <p:nvSpPr>
+            <p:cNvPr id="12" name="Arrow: Pentagon 11">
+              <a:extLst>
+                <a:ext uri="{FF2B5EF4-FFF2-40B4-BE49-F238E27FC236}">
+                  <a16:creationId xmlns:a16="http://schemas.microsoft.com/office/drawing/2014/main" id="{B05582CD-4DE8-4C8D-956B-BF642F277921}"/>
+                </a:ext>
+              </a:extLst>
+            </p:cNvPr>
+            <p:cNvSpPr/>
+            <p:nvPr/>
+          </p:nvSpPr>
+          <p:spPr>
+            <a:xfrm>
+              <a:off x="1002412" y="4734499"/>
+              <a:ext cx="10253920" cy="930081"/>
+            </a:xfrm>
+            <a:prstGeom prst="homePlate">
+              <a:avLst/>
+            </a:prstGeom>
+            <a:solidFill>
+              <a:srgbClr val="E3D0F1"/>
+            </a:solidFill>
+          </p:spPr>
+          <p:style>
+            <a:lnRef idx="1">
+              <a:schemeClr val="accent3"/>
+            </a:lnRef>
+            <a:fillRef idx="2">
+              <a:schemeClr val="accent3"/>
+            </a:fillRef>
+            <a:effectRef idx="1">
+              <a:schemeClr val="accent3"/>
+            </a:effectRef>
+            <a:fontRef idx="minor">
+              <a:schemeClr val="dk1"/>
+            </a:fontRef>
+          </p:style>
+          <p:txBody>
+            <a:bodyPr rtlCol="0" anchor="ctr"/>
+            <a:lstStyle/>
+            <a:p>
+              <a:pPr algn="ctr"/>
+              <a:endParaRPr lang="en-US"/>
+            </a:p>
+          </p:txBody>
+        </p:sp>
+        <p:sp>
+          <p:nvSpPr>
+            <p:cNvPr id="13" name="Arrow: Pentagon 12">
+              <a:extLst>
+                <a:ext uri="{FF2B5EF4-FFF2-40B4-BE49-F238E27FC236}">
+                  <a16:creationId xmlns:a16="http://schemas.microsoft.com/office/drawing/2014/main" id="{A125E1C1-4A2D-43D8-B429-3840187C509A}"/>
+                </a:ext>
+              </a:extLst>
+            </p:cNvPr>
+            <p:cNvSpPr/>
+            <p:nvPr/>
+          </p:nvSpPr>
+          <p:spPr>
+            <a:xfrm>
+              <a:off x="1002412" y="3385455"/>
+              <a:ext cx="10253920" cy="930081"/>
+            </a:xfrm>
+            <a:prstGeom prst="homePlate">
+              <a:avLst/>
+            </a:prstGeom>
+            <a:solidFill>
+              <a:srgbClr val="E3D0F1"/>
+            </a:solidFill>
+          </p:spPr>
+          <p:style>
+            <a:lnRef idx="1">
+              <a:schemeClr val="accent3"/>
+            </a:lnRef>
+            <a:fillRef idx="2">
+              <a:schemeClr val="accent3"/>
+            </a:fillRef>
+            <a:effectRef idx="1">
+              <a:schemeClr val="accent3"/>
+            </a:effectRef>
+            <a:fontRef idx="minor">
+              <a:schemeClr val="dk1"/>
+            </a:fontRef>
+          </p:style>
+          <p:txBody>
+            <a:bodyPr rtlCol="0" anchor="ctr"/>
+            <a:lstStyle/>
+            <a:p>
+              <a:pPr algn="ctr"/>
+              <a:endParaRPr lang="en-US"/>
+            </a:p>
+          </p:txBody>
+        </p:sp>
+      </p:grpSp>
       <p:sp>
         <p:nvSpPr>
           <p:cNvPr id="4" name="TextBox 3">
@@ -6677,8 +7013,8 @@
         </p:nvSpPr>
         <p:spPr>
           <a:xfrm>
-            <a:off x="705173" y="1859339"/>
-            <a:ext cx="9653857" cy="2800767"/>
+            <a:off x="1402686" y="1529472"/>
+            <a:ext cx="8956343" cy="1107996"/>
           </a:xfrm>
           <a:prstGeom prst="rect">
             <a:avLst/>
@@ -6691,10 +7027,14 @@
           </a:bodyPr>
           <a:lstStyle/>
           <a:p>
-            <a:pPr marL="342900" indent="-342900" algn="l" rtl="0" fontAlgn="base">
-              <a:buFont typeface="Arial" panose="020B0604020202020204" pitchFamily="34" charset="0"/>
-              <a:buChar char="•"/>
-            </a:pPr>
+            <a:pPr algn="l" rtl="0" fontAlgn="base"/>
+            <a:endParaRPr lang="en-US" sz="2200" dirty="0">
+              <a:latin typeface="Calibri"/>
+              <a:cs typeface="Calibri"/>
+            </a:endParaRPr>
+          </a:p>
+          <a:p>
+            <a:pPr algn="l" rtl="0" fontAlgn="base"/>
             <a:r>
               <a:rPr lang="en-US" sz="2200" dirty="0">
                 <a:latin typeface="Calibri"/>
@@ -6728,108 +7068,125 @@
             </a:r>
           </a:p>
           <a:p>
-            <a:pPr algn="l" rtl="0" fontAlgn="base">
-              <a:buFont typeface="Arial" panose="020B0604020202020204" pitchFamily="34" charset="0"/>
-              <a:buChar char="•"/>
-            </a:pPr>
-            <a:endParaRPr lang="en-US" sz="2200" b="0" i="0" dirty="0">
-              <a:effectLst/>
-              <a:latin typeface="Calibri"/>
-              <a:cs typeface="Calibri"/>
-            </a:endParaRPr>
-          </a:p>
-          <a:p>
-            <a:pPr marL="342900" indent="-342900" algn="l" rtl="0" fontAlgn="base">
-              <a:buFont typeface="Arial" panose="020B0604020202020204" pitchFamily="34" charset="0"/>
-              <a:buChar char="•"/>
-            </a:pPr>
-            <a:r>
-              <a:rPr lang="en-US" sz="2200" b="0" i="0" u="none" strike="noStrike" dirty="0">
-                <a:effectLst/>
-                <a:latin typeface="Calibri"/>
-                <a:cs typeface="Calibri"/>
-              </a:rPr>
-              <a:t>It is difficult to </a:t>
-            </a:r>
-            <a:r>
-              <a:rPr lang="en-IN" sz="2200" b="0" i="0" u="none" strike="noStrike" dirty="0">
-                <a:effectLst/>
-                <a:latin typeface="Calibri"/>
-                <a:cs typeface="Calibri"/>
-              </a:rPr>
-              <a:t>find the availability of an interviewer</a:t>
-            </a:r>
-            <a:r>
-              <a:rPr lang="en-US" sz="2200" b="0" i="0" u="none" strike="noStrike" dirty="0">
-                <a:effectLst/>
-                <a:latin typeface="Calibri"/>
-                <a:cs typeface="Calibri"/>
-              </a:rPr>
-              <a:t>.</a:t>
-            </a:r>
-            <a:r>
-              <a:rPr lang="en-US" sz="2200" b="0" i="0" dirty="0">
-                <a:effectLst/>
-                <a:latin typeface="Calibri"/>
-                <a:cs typeface="Calibri"/>
-              </a:rPr>
-              <a:t>​</a:t>
-            </a:r>
-          </a:p>
-          <a:p>
-            <a:pPr algn="l" rtl="0" fontAlgn="base">
-              <a:buFont typeface="Arial" panose="020B0604020202020204" pitchFamily="34" charset="0"/>
-              <a:buChar char="•"/>
-            </a:pPr>
-            <a:endParaRPr lang="en-US" sz="2200" b="0" i="0" dirty="0">
-              <a:effectLst/>
-              <a:latin typeface="Calibri"/>
-              <a:cs typeface="Calibri"/>
-            </a:endParaRPr>
-          </a:p>
-          <a:p>
-            <a:pPr marL="342900" indent="-342900" algn="l" rtl="0" fontAlgn="base">
-              <a:buFont typeface="Arial" panose="020B0604020202020204" pitchFamily="34" charset="0"/>
-              <a:buChar char="•"/>
-            </a:pPr>
-            <a:r>
-              <a:rPr lang="en-US" sz="2200" b="0" i="0" u="none" strike="noStrike" dirty="0">
-                <a:effectLst/>
-                <a:latin typeface="Calibri"/>
-                <a:cs typeface="Calibri"/>
-              </a:rPr>
-              <a:t>It is challenging to measure the performance of each interviewer, increase their responsibilities and ownership towards the organization</a:t>
-            </a:r>
-            <a:r>
-              <a:rPr lang="en-US" sz="2200" b="0" i="0" dirty="0">
-                <a:effectLst/>
-                <a:latin typeface="Calibri"/>
-                <a:cs typeface="Calibri"/>
-              </a:rPr>
-              <a:t>​.</a:t>
-            </a:r>
-          </a:p>
-          <a:p>
-            <a:pPr algn="l" rtl="0" fontAlgn="base">
-              <a:buFont typeface="Arial" panose="020B0604020202020204" pitchFamily="34" charset="0"/>
-              <a:buChar char="•"/>
-            </a:pPr>
-            <a:endParaRPr lang="en-US" sz="2200" b="0" i="0" dirty="0">
-              <a:effectLst/>
-              <a:latin typeface="Calibri"/>
-              <a:cs typeface="Calibri"/>
-            </a:endParaRPr>
-          </a:p>
-          <a:p>
-            <a:pPr algn="l" rtl="0" fontAlgn="base">
-              <a:buFont typeface="Arial" panose="020B0604020202020204" pitchFamily="34" charset="0"/>
-              <a:buChar char="•"/>
-            </a:pPr>
+            <a:pPr algn="l" rtl="0" fontAlgn="base"/>
             <a:endParaRPr lang="en-IN" sz="2200" b="0" i="0" dirty="0">
               <a:effectLst/>
               <a:latin typeface="Calibri"/>
               <a:cs typeface="Calibri"/>
             </a:endParaRPr>
+          </a:p>
+        </p:txBody>
+      </p:sp>
+      <p:sp>
+        <p:nvSpPr>
+          <p:cNvPr id="16" name="TextBox 15">
+            <a:extLst>
+              <a:ext uri="{FF2B5EF4-FFF2-40B4-BE49-F238E27FC236}">
+                <a16:creationId xmlns:a16="http://schemas.microsoft.com/office/drawing/2014/main" id="{3946A851-394C-4013-A586-23DB2E6DF89C}"/>
+              </a:ext>
+            </a:extLst>
+          </p:cNvPr>
+          <p:cNvSpPr txBox="1"/>
+          <p:nvPr/>
+        </p:nvSpPr>
+        <p:spPr>
+          <a:xfrm>
+            <a:off x="1402686" y="3213556"/>
+            <a:ext cx="7591568" cy="430887"/>
+          </a:xfrm>
+          <a:prstGeom prst="rect">
+            <a:avLst/>
+          </a:prstGeom>
+          <a:noFill/>
+        </p:spPr>
+        <p:txBody>
+          <a:bodyPr wrap="square">
+            <a:spAutoFit/>
+          </a:bodyPr>
+          <a:lstStyle/>
+          <a:p>
+            <a:pPr algn="l" rtl="0" fontAlgn="base"/>
+            <a:r>
+              <a:rPr lang="en-US" sz="2200" b="0" i="0" u="none" strike="noStrike" dirty="0">
+                <a:effectLst/>
+                <a:latin typeface="Calibri"/>
+                <a:cs typeface="Calibri"/>
+              </a:rPr>
+              <a:t>It is difficult to </a:t>
+            </a:r>
+            <a:r>
+              <a:rPr lang="en-IN" sz="2200" b="0" i="0" u="none" strike="noStrike" dirty="0">
+                <a:effectLst/>
+                <a:latin typeface="Calibri"/>
+                <a:cs typeface="Calibri"/>
+              </a:rPr>
+              <a:t>find the availability of an interviewer</a:t>
+            </a:r>
+            <a:r>
+              <a:rPr lang="en-US" sz="2200" b="0" i="0" u="none" strike="noStrike" dirty="0">
+                <a:effectLst/>
+                <a:latin typeface="Calibri"/>
+                <a:cs typeface="Calibri"/>
+              </a:rPr>
+              <a:t>.</a:t>
+            </a:r>
+            <a:r>
+              <a:rPr lang="en-US" sz="2200" b="0" i="0" dirty="0">
+                <a:effectLst/>
+                <a:latin typeface="Calibri"/>
+                <a:cs typeface="Calibri"/>
+              </a:rPr>
+              <a:t>​</a:t>
+            </a:r>
+          </a:p>
+        </p:txBody>
+      </p:sp>
+      <p:sp>
+        <p:nvSpPr>
+          <p:cNvPr id="18" name="TextBox 17">
+            <a:extLst>
+              <a:ext uri="{FF2B5EF4-FFF2-40B4-BE49-F238E27FC236}">
+                <a16:creationId xmlns:a16="http://schemas.microsoft.com/office/drawing/2014/main" id="{FD8DA666-CA13-47C2-828B-44BE911C868D}"/>
+              </a:ext>
+            </a:extLst>
+          </p:cNvPr>
+          <p:cNvSpPr txBox="1"/>
+          <p:nvPr/>
+        </p:nvSpPr>
+        <p:spPr>
+          <a:xfrm>
+            <a:off x="1293694" y="4406385"/>
+            <a:ext cx="9558172" cy="769441"/>
+          </a:xfrm>
+          <a:prstGeom prst="rect">
+            <a:avLst/>
+          </a:prstGeom>
+          <a:noFill/>
+        </p:spPr>
+        <p:txBody>
+          <a:bodyPr wrap="square">
+            <a:spAutoFit/>
+          </a:bodyPr>
+          <a:lstStyle/>
+          <a:p>
+            <a:pPr algn="l" rtl="0" fontAlgn="base"/>
+            <a:r>
+              <a:rPr lang="en-US" sz="2200" b="0" i="0" u="none" strike="noStrike" dirty="0">
+                <a:effectLst/>
+                <a:latin typeface="Calibri"/>
+                <a:cs typeface="Calibri"/>
+              </a:rPr>
+              <a:t>It is challenging to measure the performance of each interviewer, increase their responsibilities and ownership towards the organization</a:t>
+            </a:r>
+            <a:r>
+              <a:rPr lang="en-US" sz="2200" b="0" i="0" dirty="0">
+                <a:effectLst/>
+                <a:latin typeface="Calibri"/>
+                <a:cs typeface="Calibri"/>
+              </a:rPr>
+              <a:t>​.</a:t>
+            </a:r>
+            <a:endParaRPr lang="en-US" sz="2200" dirty="0"/>
           </a:p>
         </p:txBody>
       </p:sp>
@@ -6843,11 +7200,11 @@
   <p:clrMapOvr>
     <a:masterClrMapping/>
   </p:clrMapOvr>
-  <mc:AlternateContent xmlns:mc="http://schemas.openxmlformats.org/markup-compatibility/2006">
-    <mc:Choice xmlns:p14="http://schemas.microsoft.com/office/powerpoint/2010/main" Requires="p14">
+  <mc:AlternateContent xmlns:mc="http://schemas.openxmlformats.org/markup-compatibility/2006" xmlns:p14="http://schemas.microsoft.com/office/powerpoint/2010/main">
+    <mc:Choice Requires="p14">
       <p:transition p14:dur="0"/>
     </mc:Choice>
-    <mc:Fallback>
+    <mc:Fallback xmlns="">
       <p:transition/>
     </mc:Fallback>
   </mc:AlternateContent>
@@ -6899,6 +7256,168 @@
           </a:p>
         </p:txBody>
       </p:sp>
+      <p:grpSp>
+        <p:nvGrpSpPr>
+          <p:cNvPr id="9" name="Group 8">
+            <a:extLst>
+              <a:ext uri="{FF2B5EF4-FFF2-40B4-BE49-F238E27FC236}">
+                <a16:creationId xmlns:a16="http://schemas.microsoft.com/office/drawing/2014/main" id="{AF6294D1-FC24-4954-AF40-98C8A4B1A8E9}"/>
+              </a:ext>
+            </a:extLst>
+          </p:cNvPr>
+          <p:cNvGrpSpPr/>
+          <p:nvPr/>
+        </p:nvGrpSpPr>
+        <p:grpSpPr>
+          <a:xfrm>
+            <a:off x="806404" y="1551409"/>
+            <a:ext cx="10253920" cy="3628168"/>
+            <a:chOff x="1002412" y="2036412"/>
+            <a:chExt cx="10253920" cy="3628168"/>
+          </a:xfrm>
+        </p:grpSpPr>
+        <p:sp>
+          <p:nvSpPr>
+            <p:cNvPr id="3" name="Arrow: Pentagon 2">
+              <a:extLst>
+                <a:ext uri="{FF2B5EF4-FFF2-40B4-BE49-F238E27FC236}">
+                  <a16:creationId xmlns:a16="http://schemas.microsoft.com/office/drawing/2014/main" id="{41E40273-7C21-4189-AD0F-9508565A91BD}"/>
+                </a:ext>
+              </a:extLst>
+            </p:cNvPr>
+            <p:cNvSpPr/>
+            <p:nvPr/>
+          </p:nvSpPr>
+          <p:spPr>
+            <a:xfrm>
+              <a:off x="1002412" y="2036412"/>
+              <a:ext cx="10253920" cy="930081"/>
+            </a:xfrm>
+            <a:prstGeom prst="homePlate">
+              <a:avLst/>
+            </a:prstGeom>
+            <a:solidFill>
+              <a:srgbClr val="E3D0F1"/>
+            </a:solidFill>
+          </p:spPr>
+          <p:style>
+            <a:lnRef idx="1">
+              <a:schemeClr val="accent3"/>
+            </a:lnRef>
+            <a:fillRef idx="2">
+              <a:schemeClr val="accent3"/>
+            </a:fillRef>
+            <a:effectRef idx="1">
+              <a:schemeClr val="accent3"/>
+            </a:effectRef>
+            <a:fontRef idx="minor">
+              <a:schemeClr val="dk1"/>
+            </a:fontRef>
+          </p:style>
+          <p:txBody>
+            <a:bodyPr rtlCol="0" anchor="ctr"/>
+            <a:lstStyle/>
+            <a:p>
+              <a:pPr algn="ctr"/>
+              <a:endParaRPr lang="en-US"/>
+            </a:p>
+          </p:txBody>
+        </p:sp>
+        <p:sp>
+          <p:nvSpPr>
+            <p:cNvPr id="8" name="Arrow: Pentagon 7">
+              <a:extLst>
+                <a:ext uri="{FF2B5EF4-FFF2-40B4-BE49-F238E27FC236}">
+                  <a16:creationId xmlns:a16="http://schemas.microsoft.com/office/drawing/2014/main" id="{391E059E-179E-400F-B135-BC45D160DB85}"/>
+                </a:ext>
+              </a:extLst>
+            </p:cNvPr>
+            <p:cNvSpPr/>
+            <p:nvPr/>
+          </p:nvSpPr>
+          <p:spPr>
+            <a:xfrm>
+              <a:off x="1002412" y="4734499"/>
+              <a:ext cx="10253920" cy="930081"/>
+            </a:xfrm>
+            <a:prstGeom prst="homePlate">
+              <a:avLst/>
+            </a:prstGeom>
+            <a:solidFill>
+              <a:srgbClr val="E3D0F1"/>
+            </a:solidFill>
+          </p:spPr>
+          <p:style>
+            <a:lnRef idx="1">
+              <a:schemeClr val="accent3"/>
+            </a:lnRef>
+            <a:fillRef idx="2">
+              <a:schemeClr val="accent3"/>
+            </a:fillRef>
+            <a:effectRef idx="1">
+              <a:schemeClr val="accent3"/>
+            </a:effectRef>
+            <a:fontRef idx="minor">
+              <a:schemeClr val="dk1"/>
+            </a:fontRef>
+          </p:style>
+          <p:txBody>
+            <a:bodyPr rtlCol="0" anchor="ctr"/>
+            <a:lstStyle/>
+            <a:p>
+              <a:pPr algn="ctr"/>
+              <a:endParaRPr lang="en-US"/>
+            </a:p>
+          </p:txBody>
+        </p:sp>
+        <p:sp>
+          <p:nvSpPr>
+            <p:cNvPr id="6" name="Arrow: Pentagon 5">
+              <a:extLst>
+                <a:ext uri="{FF2B5EF4-FFF2-40B4-BE49-F238E27FC236}">
+                  <a16:creationId xmlns:a16="http://schemas.microsoft.com/office/drawing/2014/main" id="{B95FF640-3FEA-41E9-9473-BEFB2B23AF55}"/>
+                </a:ext>
+              </a:extLst>
+            </p:cNvPr>
+            <p:cNvSpPr/>
+            <p:nvPr/>
+          </p:nvSpPr>
+          <p:spPr>
+            <a:xfrm>
+              <a:off x="1002412" y="3385455"/>
+              <a:ext cx="10253920" cy="930081"/>
+            </a:xfrm>
+            <a:prstGeom prst="homePlate">
+              <a:avLst/>
+            </a:prstGeom>
+            <a:solidFill>
+              <a:srgbClr val="E3D0F1"/>
+            </a:solidFill>
+          </p:spPr>
+          <p:style>
+            <a:lnRef idx="1">
+              <a:schemeClr val="accent3"/>
+            </a:lnRef>
+            <a:fillRef idx="2">
+              <a:schemeClr val="accent3"/>
+            </a:fillRef>
+            <a:effectRef idx="1">
+              <a:schemeClr val="accent3"/>
+            </a:effectRef>
+            <a:fontRef idx="minor">
+              <a:schemeClr val="dk1"/>
+            </a:fontRef>
+          </p:style>
+          <p:txBody>
+            <a:bodyPr rtlCol="0" anchor="ctr"/>
+            <a:lstStyle/>
+            <a:p>
+              <a:pPr algn="ctr"/>
+              <a:endParaRPr lang="en-US"/>
+            </a:p>
+          </p:txBody>
+        </p:sp>
+      </p:grpSp>
       <p:sp>
         <p:nvSpPr>
           <p:cNvPr id="4" name="TextBox 3">
@@ -6913,8 +7432,8 @@
         </p:nvSpPr>
         <p:spPr>
           <a:xfrm>
-            <a:off x="764654" y="2142826"/>
-            <a:ext cx="9761941" cy="2800767"/>
+            <a:off x="806403" y="1678423"/>
+            <a:ext cx="9761941" cy="3816429"/>
           </a:xfrm>
           <a:prstGeom prst="rect">
             <a:avLst/>
@@ -6927,10 +7446,7 @@
           </a:bodyPr>
           <a:lstStyle/>
           <a:p>
-            <a:pPr marL="285750" indent="-285750" algn="l" rtl="0" fontAlgn="base">
-              <a:buFont typeface="Arial" panose="020B0604020202020204" pitchFamily="34" charset="0"/>
-              <a:buChar char="•"/>
-            </a:pPr>
+            <a:pPr algn="l" rtl="0" fontAlgn="base"/>
             <a:r>
               <a:rPr lang="en-US" sz="2200" b="0" i="0" u="none" strike="noStrike" dirty="0">
                 <a:effectLst/>
@@ -6949,10 +7465,7 @@
             </a:r>
           </a:p>
           <a:p>
-            <a:pPr algn="l" rtl="0" fontAlgn="base">
-              <a:buFont typeface="Arial" panose="020B0604020202020204" pitchFamily="34" charset="0"/>
-              <a:buChar char="•"/>
-            </a:pPr>
+            <a:pPr algn="l" rtl="0" fontAlgn="base"/>
             <a:endParaRPr lang="en-US" sz="2200" b="0" i="0" dirty="0">
               <a:effectLst/>
               <a:latin typeface="Calibri"/>
@@ -6960,32 +7473,7 @@
             </a:endParaRPr>
           </a:p>
           <a:p>
-            <a:pPr marL="285750" indent="-285750" algn="l" rtl="0" fontAlgn="base">
-              <a:buFont typeface="Arial" panose="020B0604020202020204" pitchFamily="34" charset="0"/>
-              <a:buChar char="•"/>
-            </a:pPr>
-            <a:r>
-              <a:rPr lang="en-US" sz="2200" b="0" i="0" u="none" strike="noStrike" dirty="0">
-                <a:effectLst/>
-                <a:latin typeface="Calibri"/>
-                <a:cs typeface="Calibri"/>
-              </a:rPr>
-              <a:t>It is easy for an interviewer to track their performance.</a:t>
-            </a:r>
-            <a:r>
-              <a:rPr lang="en-US" sz="2200" b="0" i="0" dirty="0">
-                <a:effectLst/>
-                <a:latin typeface="Calibri"/>
-                <a:cs typeface="Calibri"/>
-              </a:rPr>
-              <a:t>​</a:t>
-            </a:r>
-          </a:p>
-          <a:p>
-            <a:pPr algn="l" rtl="0" fontAlgn="base">
-              <a:buFont typeface="Arial" panose="020B0604020202020204" pitchFamily="34" charset="0"/>
-              <a:buChar char="•"/>
-            </a:pPr>
+            <a:pPr algn="l" rtl="0" fontAlgn="base"/>
             <a:endParaRPr lang="en-US" sz="2200" b="0" i="0" dirty="0">
               <a:effectLst/>
               <a:latin typeface="Calibri"/>
@@ -6993,17 +7481,14 @@
             </a:endParaRPr>
           </a:p>
           <a:p>
-            <a:pPr marL="285750" indent="-285750" algn="l" rtl="0" fontAlgn="base">
-              <a:buFont typeface="Arial" panose="020B0604020202020204" pitchFamily="34" charset="0"/>
-              <a:buChar char="•"/>
-            </a:pPr>
+            <a:pPr algn="l" rtl="0" fontAlgn="base"/>
             <a:r>
               <a:rPr lang="en-US" sz="2200" b="0" i="0" u="none" strike="noStrike" dirty="0">
                 <a:effectLst/>
                 <a:latin typeface="Calibri"/>
                 <a:cs typeface="Calibri"/>
               </a:rPr>
-              <a:t>It is helpful for a Management person to track his/her performance and it will give and overall picture of their department's performance as well.</a:t>
+              <a:t>It is easy for an interviewer to track their performance.</a:t>
             </a:r>
             <a:r>
               <a:rPr lang="en-US" sz="2200" b="0" i="0" dirty="0">
@@ -7015,10 +7500,49 @@
             </a:r>
           </a:p>
           <a:p>
-            <a:pPr algn="l" rtl="0" fontAlgn="base">
-              <a:buFont typeface="Arial" panose="020B0604020202020204" pitchFamily="34" charset="0"/>
-              <a:buChar char="•"/>
-            </a:pPr>
+            <a:pPr algn="l" rtl="0" fontAlgn="base"/>
+            <a:endParaRPr lang="en-US" sz="2200" dirty="0">
+              <a:latin typeface="Calibri"/>
+              <a:cs typeface="Calibri"/>
+            </a:endParaRPr>
+          </a:p>
+          <a:p>
+            <a:pPr algn="l" rtl="0" fontAlgn="base"/>
+            <a:endParaRPr lang="en-US" sz="2200" b="0" i="0" dirty="0">
+              <a:effectLst/>
+              <a:latin typeface="Calibri"/>
+              <a:cs typeface="Calibri"/>
+            </a:endParaRPr>
+          </a:p>
+          <a:p>
+            <a:pPr algn="l" rtl="0" fontAlgn="base"/>
+            <a:endParaRPr lang="en-US" sz="2200" b="0" i="0" dirty="0">
+              <a:effectLst/>
+              <a:latin typeface="Calibri"/>
+              <a:cs typeface="Calibri"/>
+            </a:endParaRPr>
+          </a:p>
+          <a:p>
+            <a:pPr algn="l" rtl="0" fontAlgn="base"/>
+            <a:r>
+              <a:rPr lang="en-US" sz="2200" b="0" i="0" u="none" strike="noStrike" dirty="0">
+                <a:effectLst/>
+                <a:latin typeface="Calibri"/>
+                <a:cs typeface="Calibri"/>
+              </a:rPr>
+              <a:t>It is helpful for a Management person to track his/her performance and it will give and overall picture of their department's performance as well.</a:t>
+            </a:r>
+            <a:r>
+              <a:rPr lang="en-US" sz="2200" b="0" i="0" dirty="0">
+                <a:effectLst/>
+                <a:latin typeface="Calibri"/>
+                <a:cs typeface="Calibri"/>
+              </a:rPr>
+              <a:t>​</a:t>
+            </a:r>
+          </a:p>
+          <a:p>
+            <a:pPr algn="l" rtl="0" fontAlgn="base"/>
             <a:endParaRPr lang="en-IN" sz="2200" b="0" i="0" dirty="0">
               <a:effectLst/>
               <a:latin typeface="Calibri"/>
@@ -7037,11 +7561,11 @@
   <p:clrMapOvr>
     <a:masterClrMapping/>
   </p:clrMapOvr>
-  <mc:AlternateContent xmlns:mc="http://schemas.openxmlformats.org/markup-compatibility/2006">
-    <mc:Choice xmlns:p14="http://schemas.microsoft.com/office/powerpoint/2010/main" Requires="p14">
+  <mc:AlternateContent xmlns:mc="http://schemas.openxmlformats.org/markup-compatibility/2006" xmlns:p14="http://schemas.microsoft.com/office/powerpoint/2010/main">
+    <mc:Choice Requires="p14">
       <p:transition p14:dur="0"/>
     </mc:Choice>
-    <mc:Fallback>
+    <mc:Fallback xmlns="">
       <p:transition/>
     </mc:Fallback>
   </mc:AlternateContent>
@@ -7070,6 +7594,143 @@
           <p:cNvPr id="2" name="Title 1">
             <a:extLst>
               <a:ext uri="{FF2B5EF4-FFF2-40B4-BE49-F238E27FC236}">
+                <a16:creationId xmlns:a16="http://schemas.microsoft.com/office/drawing/2014/main" id="{058D0853-9738-4BF8-8E67-E3B753D2BFEF}"/>
+              </a:ext>
+            </a:extLst>
+          </p:cNvPr>
+          <p:cNvSpPr>
+            <a:spLocks noGrp="1"/>
+          </p:cNvSpPr>
+          <p:nvPr>
+            <p:ph type="title"/>
+          </p:nvPr>
+        </p:nvSpPr>
+        <p:spPr/>
+        <p:txBody>
+          <a:bodyPr/>
+          <a:lstStyle/>
+          <a:p>
+            <a:r>
+              <a:rPr lang="en-US" dirty="0"/>
+              <a:t>SYSTEM ARCHITECTURE</a:t>
+            </a:r>
+          </a:p>
+        </p:txBody>
+      </p:sp>
+      <p:sp>
+        <p:nvSpPr>
+          <p:cNvPr id="4" name="TextBox 3">
+            <a:extLst>
+              <a:ext uri="{FF2B5EF4-FFF2-40B4-BE49-F238E27FC236}">
+                <a16:creationId xmlns:a16="http://schemas.microsoft.com/office/drawing/2014/main" id="{F1571F13-DB2E-4DA3-936E-2474DC78D245}"/>
+              </a:ext>
+            </a:extLst>
+          </p:cNvPr>
+          <p:cNvSpPr txBox="1"/>
+          <p:nvPr/>
+        </p:nvSpPr>
+        <p:spPr>
+          <a:xfrm>
+            <a:off x="824552" y="1450075"/>
+            <a:ext cx="10264254" cy="369332"/>
+          </a:xfrm>
+          <a:prstGeom prst="rect">
+            <a:avLst/>
+          </a:prstGeom>
+          <a:noFill/>
+        </p:spPr>
+        <p:txBody>
+          <a:bodyPr wrap="square">
+            <a:spAutoFit/>
+          </a:bodyPr>
+          <a:lstStyle/>
+          <a:p>
+            <a:r>
+              <a:rPr lang="en-IN" b="0" i="0" dirty="0">
+                <a:solidFill>
+                  <a:srgbClr val="000000"/>
+                </a:solidFill>
+                <a:effectLst/>
+                <a:latin typeface="Times New Roman" panose="02020603050405020304" pitchFamily="18" charset="0"/>
+              </a:rPr>
+              <a:t> </a:t>
+            </a:r>
+            <a:endParaRPr lang="en-US" dirty="0"/>
+          </a:p>
+        </p:txBody>
+      </p:sp>
+      <p:pic>
+        <p:nvPicPr>
+          <p:cNvPr id="3" name="Picture 4">
+            <a:extLst>
+              <a:ext uri="{FF2B5EF4-FFF2-40B4-BE49-F238E27FC236}">
+                <a16:creationId xmlns:a16="http://schemas.microsoft.com/office/drawing/2014/main" id="{77AECB41-B4E3-47D4-BC85-20078911CCE3}"/>
+              </a:ext>
+            </a:extLst>
+          </p:cNvPr>
+          <p:cNvPicPr>
+            <a:picLocks noChangeAspect="1"/>
+          </p:cNvPicPr>
+          <p:nvPr/>
+        </p:nvPicPr>
+        <p:blipFill rotWithShape="1">
+          <a:blip r:embed="rId2"/>
+          <a:srcRect l="2948" t="4310" r="2895" b="4157"/>
+          <a:stretch/>
+        </p:blipFill>
+        <p:spPr>
+          <a:xfrm>
+            <a:off x="824552" y="1089500"/>
+            <a:ext cx="9866194" cy="4995128"/>
+          </a:xfrm>
+          <a:prstGeom prst="rect">
+            <a:avLst/>
+          </a:prstGeom>
+        </p:spPr>
+      </p:pic>
+    </p:spTree>
+    <p:extLst>
+      <p:ext uri="{BB962C8B-B14F-4D97-AF65-F5344CB8AC3E}">
+        <p14:creationId xmlns:p14="http://schemas.microsoft.com/office/powerpoint/2010/main" val="599921999"/>
+      </p:ext>
+    </p:extLst>
+  </p:cSld>
+  <p:clrMapOvr>
+    <a:masterClrMapping/>
+  </p:clrMapOvr>
+  <mc:AlternateContent xmlns:mc="http://schemas.openxmlformats.org/markup-compatibility/2006" xmlns:p14="http://schemas.microsoft.com/office/powerpoint/2010/main">
+    <mc:Choice Requires="p14">
+      <p:transition p14:dur="0"/>
+    </mc:Choice>
+    <mc:Fallback xmlns="">
+      <p:transition/>
+    </mc:Fallback>
+  </mc:AlternateContent>
+</p:sld>
+</file>
+
+<file path=ppt/slides/slide7.xml><?xml version="1.0" encoding="utf-8"?>
+<p:sld xmlns:a="http://schemas.openxmlformats.org/drawingml/2006/main" xmlns:r="http://schemas.openxmlformats.org/officeDocument/2006/relationships" xmlns:p="http://schemas.openxmlformats.org/presentationml/2006/main">
+  <p:cSld>
+    <p:spTree>
+      <p:nvGrpSpPr>
+        <p:cNvPr id="1" name=""/>
+        <p:cNvGrpSpPr/>
+        <p:nvPr/>
+      </p:nvGrpSpPr>
+      <p:grpSpPr>
+        <a:xfrm>
+          <a:off x="0" y="0"/>
+          <a:ext cx="0" cy="0"/>
+          <a:chOff x="0" y="0"/>
+          <a:chExt cx="0" cy="0"/>
+        </a:xfrm>
+      </p:grpSpPr>
+      <p:sp>
+        <p:nvSpPr>
+          <p:cNvPr id="2" name="Title 1">
+            <a:extLst>
+              <a:ext uri="{FF2B5EF4-FFF2-40B4-BE49-F238E27FC236}">
                 <a16:creationId xmlns:a16="http://schemas.microsoft.com/office/drawing/2014/main" id="{36EE37C8-7CEE-42FC-9D64-8A64BEB51AD5}"/>
               </a:ext>
             </a:extLst>
@@ -7625,18 +8286,18 @@
   <p:clrMapOvr>
     <a:masterClrMapping/>
   </p:clrMapOvr>
-  <mc:AlternateContent xmlns:mc="http://schemas.openxmlformats.org/markup-compatibility/2006">
-    <mc:Choice xmlns:p14="http://schemas.microsoft.com/office/powerpoint/2010/main" Requires="p14">
+  <mc:AlternateContent xmlns:mc="http://schemas.openxmlformats.org/markup-compatibility/2006" xmlns:p14="http://schemas.microsoft.com/office/powerpoint/2010/main">
+    <mc:Choice Requires="p14">
       <p:transition p14:dur="0"/>
     </mc:Choice>
-    <mc:Fallback>
+    <mc:Fallback xmlns="">
       <p:transition/>
     </mc:Fallback>
   </mc:AlternateContent>
 </p:sld>
 </file>
 
-<file path=ppt/slides/slide7.xml><?xml version="1.0" encoding="utf-8"?>
+<file path=ppt/slides/slide8.xml><?xml version="1.0" encoding="utf-8"?>
 <p:sld xmlns:a="http://schemas.openxmlformats.org/drawingml/2006/main" xmlns:r="http://schemas.openxmlformats.org/officeDocument/2006/relationships" xmlns:p="http://schemas.openxmlformats.org/presentationml/2006/main">
   <p:cSld>
     <p:spTree>
@@ -8270,280 +8931,11 @@
   <p:clrMapOvr>
     <a:masterClrMapping/>
   </p:clrMapOvr>
-  <mc:AlternateContent xmlns:mc="http://schemas.openxmlformats.org/markup-compatibility/2006">
-    <mc:Choice xmlns:p14="http://schemas.microsoft.com/office/powerpoint/2010/main" Requires="p14">
+  <mc:AlternateContent xmlns:mc="http://schemas.openxmlformats.org/markup-compatibility/2006" xmlns:p14="http://schemas.microsoft.com/office/powerpoint/2010/main">
+    <mc:Choice Requires="p14">
       <p:transition p14:dur="0"/>
     </mc:Choice>
-    <mc:Fallback>
-      <p:transition/>
-    </mc:Fallback>
-  </mc:AlternateContent>
-</p:sld>
-</file>
-
-<file path=ppt/slides/slide8.xml><?xml version="1.0" encoding="utf-8"?>
-<p:sld xmlns:a="http://schemas.openxmlformats.org/drawingml/2006/main" xmlns:r="http://schemas.openxmlformats.org/officeDocument/2006/relationships" xmlns:p="http://schemas.openxmlformats.org/presentationml/2006/main">
-  <p:cSld>
-    <p:spTree>
-      <p:nvGrpSpPr>
-        <p:cNvPr id="1" name=""/>
-        <p:cNvGrpSpPr/>
-        <p:nvPr/>
-      </p:nvGrpSpPr>
-      <p:grpSpPr>
-        <a:xfrm>
-          <a:off x="0" y="0"/>
-          <a:ext cx="0" cy="0"/>
-          <a:chOff x="0" y="0"/>
-          <a:chExt cx="0" cy="0"/>
-        </a:xfrm>
-      </p:grpSpPr>
-      <p:sp>
-        <p:nvSpPr>
-          <p:cNvPr id="2" name="Title 1">
-            <a:extLst>
-              <a:ext uri="{FF2B5EF4-FFF2-40B4-BE49-F238E27FC236}">
-                <a16:creationId xmlns:a16="http://schemas.microsoft.com/office/drawing/2014/main" id="{D9B54E0E-A817-4083-B289-2CE3753D0DB9}"/>
-              </a:ext>
-            </a:extLst>
-          </p:cNvPr>
-          <p:cNvSpPr>
-            <a:spLocks noGrp="1"/>
-          </p:cNvSpPr>
-          <p:nvPr>
-            <p:ph type="title"/>
-          </p:nvPr>
-        </p:nvSpPr>
-        <p:spPr/>
-        <p:txBody>
-          <a:bodyPr/>
-          <a:lstStyle/>
-          <a:p>
-            <a:r>
-              <a:rPr lang="en-US" dirty="0"/>
-              <a:t>TECHNOLOGIES &amp; TOOLS USED</a:t>
-            </a:r>
-          </a:p>
-        </p:txBody>
-      </p:sp>
-      <p:sp>
-        <p:nvSpPr>
-          <p:cNvPr id="4" name="TextBox 3">
-            <a:extLst>
-              <a:ext uri="{FF2B5EF4-FFF2-40B4-BE49-F238E27FC236}">
-                <a16:creationId xmlns:a16="http://schemas.microsoft.com/office/drawing/2014/main" id="{702BDC33-ACB7-4199-934A-FA8140976D2C}"/>
-              </a:ext>
-            </a:extLst>
-          </p:cNvPr>
-          <p:cNvSpPr txBox="1"/>
-          <p:nvPr/>
-        </p:nvSpPr>
-        <p:spPr>
-          <a:xfrm>
-            <a:off x="961069" y="1753359"/>
-            <a:ext cx="8532655" cy="3477875"/>
-          </a:xfrm>
-          <a:prstGeom prst="rect">
-            <a:avLst/>
-          </a:prstGeom>
-          <a:noFill/>
-        </p:spPr>
-        <p:txBody>
-          <a:bodyPr wrap="square" lIns="91440" tIns="45720" rIns="91440" bIns="45720" anchor="t">
-            <a:spAutoFit/>
-          </a:bodyPr>
-          <a:lstStyle/>
-          <a:p>
-            <a:pPr marL="342900" indent="-342900" algn="l" rtl="0" fontAlgn="base">
-              <a:buFont typeface="Arial" panose="020B0604020202020204" pitchFamily="34" charset="0"/>
-              <a:buChar char="•"/>
-            </a:pPr>
-            <a:r>
-              <a:rPr lang="en-US" sz="2200" b="0" i="0" u="none" strike="noStrike" dirty="0">
-                <a:effectLst/>
-              </a:rPr>
-              <a:t>Asp Dotnet Core 6.0</a:t>
-            </a:r>
-            <a:r>
-              <a:rPr lang="en-US" sz="2200" b="0" i="0" dirty="0">
-                <a:effectLst/>
-              </a:rPr>
-              <a:t>​</a:t>
-            </a:r>
-            <a:endParaRPr lang="en-US" sz="2200" b="0" i="0" dirty="0">
-              <a:effectLst/>
-              <a:cs typeface="Calibri"/>
-            </a:endParaRPr>
-          </a:p>
-          <a:p>
-            <a:pPr marL="342900" indent="-342900" algn="l" rtl="0" fontAlgn="base">
-              <a:buFont typeface="Arial" panose="020B0604020202020204" pitchFamily="34" charset="0"/>
-              <a:buChar char="•"/>
-            </a:pPr>
-            <a:r>
-              <a:rPr lang="en-US" sz="2200" b="0" i="0" u="none" strike="noStrike" dirty="0">
-                <a:effectLst/>
-              </a:rPr>
-              <a:t>Angular 13</a:t>
-            </a:r>
-            <a:r>
-              <a:rPr lang="en-US" sz="2200" b="0" i="0" dirty="0">
-                <a:effectLst/>
-              </a:rPr>
-              <a:t>​</a:t>
-            </a:r>
-          </a:p>
-          <a:p>
-            <a:pPr marL="342900" indent="-342900" algn="l" rtl="0" fontAlgn="base">
-              <a:buFont typeface="Arial" panose="020B0604020202020204" pitchFamily="34" charset="0"/>
-              <a:buChar char="•"/>
-            </a:pPr>
-            <a:r>
-              <a:rPr lang="en-US" sz="2200" b="0" i="0" u="none" strike="noStrike" dirty="0">
-                <a:effectLst/>
-              </a:rPr>
-              <a:t>Visual Studio Code</a:t>
-            </a:r>
-            <a:r>
-              <a:rPr lang="en-US" sz="2200" b="0" i="0" dirty="0">
-                <a:effectLst/>
-              </a:rPr>
-              <a:t>​</a:t>
-            </a:r>
-          </a:p>
-          <a:p>
-            <a:pPr marL="342900" indent="-342900" algn="l" rtl="0" fontAlgn="base">
-              <a:buFont typeface="Arial" panose="020B0604020202020204" pitchFamily="34" charset="0"/>
-              <a:buChar char="•"/>
-            </a:pPr>
-            <a:r>
-              <a:rPr lang="en-US" sz="2200" dirty="0"/>
-              <a:t>Microsoft Server Management Studio</a:t>
-            </a:r>
-            <a:endParaRPr lang="en-US" sz="2200" b="0" i="0" dirty="0">
-              <a:effectLst/>
-            </a:endParaRPr>
-          </a:p>
-          <a:p>
-            <a:pPr marL="342900" indent="-342900" algn="l" rtl="0" fontAlgn="base">
-              <a:buFont typeface="Arial" panose="020B0604020202020204" pitchFamily="34" charset="0"/>
-              <a:buChar char="•"/>
-            </a:pPr>
-            <a:r>
-              <a:rPr lang="en-US" sz="2200" b="0" i="0" u="none" strike="noStrike" dirty="0">
-                <a:effectLst/>
-              </a:rPr>
-              <a:t>Node </a:t>
-            </a:r>
-            <a:r>
-              <a:rPr lang="en-US" sz="2200" b="0" i="0" u="none" strike="noStrike" dirty="0" err="1">
-                <a:effectLst/>
-              </a:rPr>
-              <a:t>js</a:t>
-            </a:r>
-            <a:r>
-              <a:rPr lang="en-US" sz="2200" b="0" i="0" dirty="0">
-                <a:effectLst/>
-              </a:rPr>
-              <a:t>​​</a:t>
-            </a:r>
-          </a:p>
-          <a:p>
-            <a:pPr marL="342900" indent="-342900" algn="l" rtl="0" fontAlgn="base">
-              <a:buFont typeface="Arial" panose="020B0604020202020204" pitchFamily="34" charset="0"/>
-              <a:buChar char="•"/>
-            </a:pPr>
-            <a:r>
-              <a:rPr lang="en-US" sz="2200" b="0" i="0" u="none" strike="noStrike" dirty="0">
-                <a:effectLst/>
-              </a:rPr>
-              <a:t>SonarQube</a:t>
-            </a:r>
-            <a:r>
-              <a:rPr lang="en-US" sz="2200" b="0" i="0" dirty="0">
-                <a:effectLst/>
-              </a:rPr>
-              <a:t>​</a:t>
-            </a:r>
-          </a:p>
-          <a:p>
-            <a:pPr marL="342900" indent="-342900" algn="l" rtl="0" fontAlgn="base">
-              <a:buFont typeface="Arial" panose="020B0604020202020204" pitchFamily="34" charset="0"/>
-              <a:buChar char="•"/>
-            </a:pPr>
-            <a:r>
-              <a:rPr lang="en-US" sz="2200" dirty="0"/>
-              <a:t>ES Lint</a:t>
-            </a:r>
-          </a:p>
-          <a:p>
-            <a:pPr marL="342900" indent="-342900" algn="l" rtl="0" fontAlgn="base">
-              <a:buFont typeface="Arial" panose="020B0604020202020204" pitchFamily="34" charset="0"/>
-              <a:buChar char="•"/>
-            </a:pPr>
-            <a:r>
-              <a:rPr lang="en-US" sz="2200" b="0" i="0" dirty="0" err="1">
-                <a:effectLst/>
-              </a:rPr>
-              <a:t>Figma</a:t>
-            </a:r>
-            <a:endParaRPr lang="en-US" sz="2200" b="0" i="0" dirty="0">
-              <a:effectLst/>
-            </a:endParaRPr>
-          </a:p>
-          <a:p>
-            <a:pPr marL="342900" indent="-342900" algn="l" rtl="0" fontAlgn="base">
-              <a:buFont typeface="Arial" panose="020B0604020202020204" pitchFamily="34" charset="0"/>
-              <a:buChar char="•"/>
-            </a:pPr>
-            <a:r>
-              <a:rPr lang="en-US" sz="2200" b="0" i="0" u="none" strike="noStrike" dirty="0" err="1">
-                <a:effectLst/>
-              </a:rPr>
-              <a:t>Jdk</a:t>
-            </a:r>
-            <a:r>
-              <a:rPr lang="en-US" sz="2200" b="0" i="0" dirty="0">
-                <a:effectLst/>
-              </a:rPr>
-              <a:t>​</a:t>
-            </a:r>
-          </a:p>
-          <a:p>
-            <a:pPr marL="342900" indent="-342900" algn="l" rtl="0" fontAlgn="base">
-              <a:buFont typeface="Arial" panose="020B0604020202020204" pitchFamily="34" charset="0"/>
-              <a:buChar char="•"/>
-            </a:pPr>
-            <a:r>
-              <a:rPr lang="en-US" sz="2200" b="0" i="0" u="none" strike="noStrike" dirty="0">
-                <a:effectLst/>
-              </a:rPr>
-              <a:t>JMeter</a:t>
-            </a:r>
-            <a:r>
-              <a:rPr lang="en-IN" sz="2200" b="0" i="0" dirty="0">
-                <a:effectLst/>
-              </a:rPr>
-              <a:t>​</a:t>
-            </a:r>
-          </a:p>
-        </p:txBody>
-      </p:sp>
-    </p:spTree>
-    <p:extLst>
-      <p:ext uri="{BB962C8B-B14F-4D97-AF65-F5344CB8AC3E}">
-        <p14:creationId xmlns:p14="http://schemas.microsoft.com/office/powerpoint/2010/main" val="705161612"/>
-      </p:ext>
-    </p:extLst>
-  </p:cSld>
-  <p:clrMapOvr>
-    <a:masterClrMapping/>
-  </p:clrMapOvr>
-  <mc:AlternateContent xmlns:mc="http://schemas.openxmlformats.org/markup-compatibility/2006">
-    <mc:Choice xmlns:p14="http://schemas.microsoft.com/office/powerpoint/2010/main" Requires="p14">
-      <p:transition p14:dur="0"/>
-    </mc:Choice>
-    <mc:Fallback>
+    <mc:Fallback xmlns="">
       <p:transition/>
     </mc:Fallback>
   </mc:AlternateContent>
@@ -8572,7 +8964,7 @@
           <p:cNvPr id="2" name="Title 1">
             <a:extLst>
               <a:ext uri="{FF2B5EF4-FFF2-40B4-BE49-F238E27FC236}">
-                <a16:creationId xmlns:a16="http://schemas.microsoft.com/office/drawing/2014/main" id="{B3686788-0B21-46C0-AD95-DC3EBF9DDF5B}"/>
+                <a16:creationId xmlns:a16="http://schemas.microsoft.com/office/drawing/2014/main" id="{D9B54E0E-A817-4083-B289-2CE3753D0DB9}"/>
               </a:ext>
             </a:extLst>
           </p:cNvPr>
@@ -8590,7 +8982,7 @@
           <a:p>
             <a:r>
               <a:rPr lang="en-US" dirty="0"/>
-              <a:t>DEMO</a:t>
+              <a:t>TECHNOLOGIES &amp; TOOLS USED</a:t>
             </a:r>
           </a:p>
         </p:txBody>
@@ -8600,7 +8992,7 @@
           <p:cNvPr id="4" name="TextBox 3">
             <a:extLst>
               <a:ext uri="{FF2B5EF4-FFF2-40B4-BE49-F238E27FC236}">
-                <a16:creationId xmlns:a16="http://schemas.microsoft.com/office/drawing/2014/main" id="{3F6CA00C-EB6C-490E-88D9-7A947A5E7C72}"/>
+                <a16:creationId xmlns:a16="http://schemas.microsoft.com/office/drawing/2014/main" id="{702BDC33-ACB7-4199-934A-FA8140976D2C}"/>
               </a:ext>
             </a:extLst>
           </p:cNvPr>
@@ -8609,8 +9001,8 @@
         </p:nvSpPr>
         <p:spPr>
           <a:xfrm>
-            <a:off x="786168" y="2218604"/>
-            <a:ext cx="6108320" cy="1138773"/>
+            <a:off x="904204" y="1440597"/>
+            <a:ext cx="8532655" cy="4493538"/>
           </a:xfrm>
           <a:prstGeom prst="rect">
             <a:avLst/>
@@ -8618,12 +9010,12 @@
           <a:noFill/>
         </p:spPr>
         <p:txBody>
-          <a:bodyPr wrap="square">
+          <a:bodyPr wrap="square" lIns="91440" tIns="45720" rIns="91440" bIns="45720" anchor="t">
             <a:spAutoFit/>
           </a:bodyPr>
           <a:lstStyle/>
           <a:p>
-            <a:pPr marL="285750" indent="-285750" algn="l" rtl="0" fontAlgn="base">
+            <a:pPr marL="342900" indent="-342900" algn="l" rtl="0" fontAlgn="base">
               <a:buFont typeface="Arial" panose="020B0604020202020204" pitchFamily="34" charset="0"/>
               <a:buChar char="•"/>
             </a:pPr>
@@ -8631,42 +9023,39 @@
               <a:rPr lang="en-US" sz="2200" b="0" i="0" u="none" strike="noStrike" dirty="0">
                 <a:effectLst/>
               </a:rPr>
-              <a:t>Angular : </a:t>
-            </a:r>
-            <a:r>
-              <a:rPr lang="en-US" sz="2200" b="0" i="0" u="sng" strike="noStrike" dirty="0">
-                <a:solidFill>
-                  <a:srgbClr val="8F8F8F"/>
-                </a:solidFill>
-                <a:effectLst/>
-                <a:hlinkClick r:id="rId2"/>
-              </a:rPr>
-              <a:t>http://172.24.217.145/IMS-Angular/</a:t>
+              <a:t>Asp Dotnet Core 6.0</a:t>
             </a:r>
             <a:r>
               <a:rPr lang="en-US" sz="2200" b="0" i="0" dirty="0">
-                <a:solidFill>
-                  <a:srgbClr val="000000"/>
-                </a:solidFill>
                 <a:effectLst/>
               </a:rPr>
               <a:t>​</a:t>
             </a:r>
-          </a:p>
-          <a:p>
-            <a:pPr algn="l" rtl="0" fontAlgn="base">
+            <a:endParaRPr lang="en-US" sz="2200" b="0" i="0" dirty="0">
+              <a:effectLst/>
+              <a:cs typeface="Calibri"/>
+            </a:endParaRPr>
+          </a:p>
+          <a:p>
+            <a:pPr marL="342900" indent="-342900" algn="l" rtl="0" fontAlgn="base">
               <a:buFont typeface="Arial" panose="020B0604020202020204" pitchFamily="34" charset="0"/>
               <a:buChar char="•"/>
             </a:pPr>
-            <a:endParaRPr lang="en-US" sz="2200" b="0" i="0" dirty="0">
-              <a:solidFill>
-                <a:srgbClr val="000000"/>
-              </a:solidFill>
-              <a:effectLst/>
-            </a:endParaRPr>
-          </a:p>
-          <a:p>
-            <a:pPr marL="285750" indent="-285750" algn="l" rtl="0" fontAlgn="base">
+            <a:r>
+              <a:rPr lang="en-US" sz="2200" b="0" i="0" u="none" strike="noStrike" dirty="0">
+                <a:effectLst/>
+              </a:rPr>
+              <a:t>Angular 13</a:t>
+            </a:r>
+            <a:r>
+              <a:rPr lang="en-US" sz="2200" b="0" i="0" dirty="0">
+                <a:effectLst/>
+              </a:rPr>
+              <a:t>​</a:t>
+            </a:r>
+          </a:p>
+          <a:p>
+            <a:pPr marL="342900" indent="-342900" algn="l" rtl="0" fontAlgn="base">
               <a:buFont typeface="Arial" panose="020B0604020202020204" pitchFamily="34" charset="0"/>
               <a:buChar char="•"/>
             </a:pPr>
@@ -8674,51 +9063,182 @@
               <a:rPr lang="en-US" sz="2200" b="0" i="0" u="none" strike="noStrike" dirty="0">
                 <a:effectLst/>
               </a:rPr>
-              <a:t>API         :  </a:t>
+              <a:t>Visual Studio Code</a:t>
             </a:r>
             <a:r>
               <a:rPr lang="en-US" sz="2200" b="0" i="0" dirty="0">
-                <a:solidFill>
-                  <a:srgbClr val="000000"/>
-                </a:solidFill>
                 <a:effectLst/>
               </a:rPr>
               <a:t>​</a:t>
             </a:r>
-            <a:r>
-              <a:rPr lang="en-IN" sz="2200" b="0" i="0" u="none" strike="noStrike" dirty="0">
-                <a:solidFill>
-                  <a:srgbClr val="4F52B2"/>
-                </a:solidFill>
-                <a:effectLst/>
-                <a:hlinkClick r:id="rId3" tooltip="http://172.24.217.145/"/>
-              </a:rPr>
-              <a:t>http://172.24.217.145/</a:t>
+          </a:p>
+          <a:p>
+            <a:pPr marL="342900" indent="-342900" algn="l" rtl="0" fontAlgn="base">
+              <a:buFont typeface="Arial" panose="020B0604020202020204" pitchFamily="34" charset="0"/>
+              <a:buChar char="•"/>
+            </a:pPr>
+            <a:r>
+              <a:rPr lang="en-US" sz="2200" dirty="0"/>
+              <a:t>Microsoft SQL Server Management Studio</a:t>
             </a:r>
             <a:endParaRPr lang="en-US" sz="2200" b="0" i="0" dirty="0">
-              <a:solidFill>
-                <a:srgbClr val="000000"/>
-              </a:solidFill>
               <a:effectLst/>
             </a:endParaRPr>
+          </a:p>
+          <a:p>
+            <a:pPr marL="342900" indent="-342900" algn="l" rtl="0" fontAlgn="base">
+              <a:buFont typeface="Arial" panose="020B0604020202020204" pitchFamily="34" charset="0"/>
+              <a:buChar char="•"/>
+            </a:pPr>
+            <a:r>
+              <a:rPr lang="en-US" sz="2200" b="0" i="0" u="none" strike="noStrike" dirty="0">
+                <a:effectLst/>
+              </a:rPr>
+              <a:t>Node </a:t>
+            </a:r>
+            <a:r>
+              <a:rPr lang="en-US" sz="2200" b="0" i="0" u="none" strike="noStrike" dirty="0" err="1">
+                <a:effectLst/>
+              </a:rPr>
+              <a:t>js</a:t>
+            </a:r>
+            <a:r>
+              <a:rPr lang="en-US" sz="2200" b="0" i="0" dirty="0">
+                <a:effectLst/>
+              </a:rPr>
+              <a:t>​​</a:t>
+            </a:r>
+          </a:p>
+          <a:p>
+            <a:pPr marL="342900" indent="-342900" algn="l" rtl="0" fontAlgn="base">
+              <a:buFont typeface="Arial" panose="020B0604020202020204" pitchFamily="34" charset="0"/>
+              <a:buChar char="•"/>
+            </a:pPr>
+            <a:r>
+              <a:rPr lang="en-US" sz="2200" b="0" i="0" dirty="0">
+                <a:effectLst/>
+              </a:rPr>
+              <a:t>GitHub</a:t>
+            </a:r>
+          </a:p>
+          <a:p>
+            <a:pPr marL="342900" indent="-342900" algn="l" rtl="0" fontAlgn="base">
+              <a:buFont typeface="Arial" panose="020B0604020202020204" pitchFamily="34" charset="0"/>
+              <a:buChar char="•"/>
+            </a:pPr>
+            <a:r>
+              <a:rPr lang="en-US" sz="2200" dirty="0"/>
+              <a:t>Git Desktop</a:t>
+            </a:r>
+          </a:p>
+          <a:p>
+            <a:pPr marL="342900" indent="-342900" algn="l" rtl="0" fontAlgn="base">
+              <a:buFont typeface="Arial" panose="020B0604020202020204" pitchFamily="34" charset="0"/>
+              <a:buChar char="•"/>
+            </a:pPr>
+            <a:r>
+              <a:rPr lang="en-US" sz="2200" b="0" i="0" dirty="0">
+                <a:effectLst/>
+              </a:rPr>
+              <a:t>Swagger</a:t>
+            </a:r>
+          </a:p>
+          <a:p>
+            <a:pPr marL="342900" indent="-342900" algn="l" rtl="0" fontAlgn="base">
+              <a:buFont typeface="Arial" panose="020B0604020202020204" pitchFamily="34" charset="0"/>
+              <a:buChar char="•"/>
+            </a:pPr>
+            <a:r>
+              <a:rPr lang="en-US" sz="2200" b="0" i="0" u="none" strike="noStrike" dirty="0">
+                <a:effectLst/>
+              </a:rPr>
+              <a:t>SonarQube</a:t>
+            </a:r>
+            <a:r>
+              <a:rPr lang="en-US" sz="2200" b="0" i="0" dirty="0">
+                <a:effectLst/>
+              </a:rPr>
+              <a:t>​</a:t>
+            </a:r>
+          </a:p>
+          <a:p>
+            <a:pPr marL="342900" indent="-342900" algn="l" rtl="0" fontAlgn="base">
+              <a:buFont typeface="Arial" panose="020B0604020202020204" pitchFamily="34" charset="0"/>
+              <a:buChar char="•"/>
+            </a:pPr>
+            <a:r>
+              <a:rPr lang="en-US" sz="2200" dirty="0"/>
+              <a:t>ES Lint</a:t>
+            </a:r>
+          </a:p>
+          <a:p>
+            <a:pPr marL="342900" indent="-342900" algn="l" rtl="0" fontAlgn="base">
+              <a:buFont typeface="Arial" panose="020B0604020202020204" pitchFamily="34" charset="0"/>
+              <a:buChar char="•"/>
+            </a:pPr>
+            <a:r>
+              <a:rPr lang="en-US" sz="2200" b="0" i="0" dirty="0" err="1">
+                <a:effectLst/>
+              </a:rPr>
+              <a:t>Figma</a:t>
+            </a:r>
+            <a:endParaRPr lang="en-US" sz="2200" b="0" i="0" dirty="0">
+              <a:effectLst/>
+            </a:endParaRPr>
+          </a:p>
+          <a:p>
+            <a:pPr marL="342900" indent="-342900" algn="l" rtl="0" fontAlgn="base">
+              <a:buFont typeface="Arial" panose="020B0604020202020204" pitchFamily="34" charset="0"/>
+              <a:buChar char="•"/>
+            </a:pPr>
+            <a:r>
+              <a:rPr lang="en-US" sz="2200" b="0" i="0" u="none" strike="noStrike" dirty="0" err="1">
+                <a:effectLst/>
+              </a:rPr>
+              <a:t>Jdk</a:t>
+            </a:r>
+            <a:r>
+              <a:rPr lang="en-US" sz="2200" b="0" i="0" dirty="0">
+                <a:effectLst/>
+              </a:rPr>
+              <a:t>​</a:t>
+            </a:r>
+          </a:p>
+          <a:p>
+            <a:pPr marL="342900" indent="-342900" algn="l" rtl="0" fontAlgn="base">
+              <a:buFont typeface="Arial" panose="020B0604020202020204" pitchFamily="34" charset="0"/>
+              <a:buChar char="•"/>
+            </a:pPr>
+            <a:r>
+              <a:rPr lang="en-US" sz="2200" b="0" i="0" u="none" strike="noStrike" dirty="0">
+                <a:effectLst/>
+              </a:rPr>
+              <a:t>JMeter</a:t>
+            </a:r>
+            <a:r>
+              <a:rPr lang="en-IN" sz="2200" b="0" i="0" dirty="0">
+                <a:effectLst/>
+              </a:rPr>
+              <a:t>​</a:t>
+            </a:r>
           </a:p>
         </p:txBody>
       </p:sp>
     </p:spTree>
     <p:extLst>
       <p:ext uri="{BB962C8B-B14F-4D97-AF65-F5344CB8AC3E}">
-        <p14:creationId xmlns:p14="http://schemas.microsoft.com/office/powerpoint/2010/main" val="83609570"/>
+        <p14:creationId xmlns:p14="http://schemas.microsoft.com/office/powerpoint/2010/main" val="705161612"/>
       </p:ext>
     </p:extLst>
   </p:cSld>
   <p:clrMapOvr>
     <a:masterClrMapping/>
   </p:clrMapOvr>
-  <mc:AlternateContent xmlns:mc="http://schemas.openxmlformats.org/markup-compatibility/2006">
-    <mc:Choice xmlns:p14="http://schemas.microsoft.com/office/powerpoint/2010/main" Requires="p14">
+  <mc:AlternateContent xmlns:mc="http://schemas.openxmlformats.org/markup-compatibility/2006" xmlns:p14="http://schemas.microsoft.com/office/powerpoint/2010/main">
+    <mc:Choice Requires="p14">
       <p:transition p14:dur="0"/>
     </mc:Choice>
-    <mc:Fallback>
+    <mc:Fallback xmlns="">
       <p:transition/>
     </mc:Fallback>
   </mc:AlternateContent>
